--- a/210112_PackageDelivery_Presentation.pptx
+++ b/210112_PackageDelivery_Presentation.pptx
@@ -9,11 +9,10 @@
     <p:sldId id="309" r:id="rId6"/>
     <p:sldId id="315" r:id="rId7"/>
     <p:sldId id="311" r:id="rId8"/>
-    <p:sldId id="313" r:id="rId9"/>
-    <p:sldId id="312" r:id="rId10"/>
+    <p:sldId id="312" r:id="rId9"/>
+    <p:sldId id="313" r:id="rId10"/>
     <p:sldId id="314" r:id="rId11"/>
     <p:sldId id="316" r:id="rId12"/>
-    <p:sldId id="308" r:id="rId13"/>
   </p:sldIdLst>
   <p:sldSz cx="12192000" cy="6858000"/>
   <p:notesSz cx="6858000" cy="9144000"/>
@@ -867,927 +866,6 @@
 </dgm:colorsDef>
 </file>
 
-<file path=ppt/diagrams/colors2.xml><?xml version="1.0" encoding="utf-8"?>
-<dgm:colorsDef xmlns:dgm="http://schemas.openxmlformats.org/drawingml/2006/diagram" xmlns:a="http://schemas.openxmlformats.org/drawingml/2006/main" uniqueId="urn:microsoft.com/office/officeart/2018/5/colors/Iconchunking_neutralicon_colorful1">
-  <dgm:title val=""/>
-  <dgm:desc val=""/>
-  <dgm:catLst>
-    <dgm:cat type="colorful" pri="10100"/>
-  </dgm:catLst>
-  <dgm:styleLbl name="node0">
-    <dgm:fillClrLst meth="repeat">
-      <a:schemeClr val="accent1"/>
-    </dgm:fillClrLst>
-    <dgm:linClrLst meth="repeat">
-      <a:schemeClr val="lt1"/>
-    </dgm:linClrLst>
-    <dgm:effectClrLst/>
-    <dgm:txLinClrLst/>
-    <dgm:txFillClrLst/>
-    <dgm:txEffectClrLst/>
-  </dgm:styleLbl>
-  <dgm:styleLbl name="node1">
-    <dgm:fillClrLst meth="repeat">
-      <a:schemeClr val="bg1"/>
-    </dgm:fillClrLst>
-    <dgm:linClrLst meth="repeat">
-      <a:schemeClr val="lt1">
-        <a:alpha val="0"/>
-      </a:schemeClr>
-    </dgm:linClrLst>
-    <dgm:effectClrLst/>
-    <dgm:txLinClrLst/>
-    <dgm:txFillClrLst meth="repeat">
-      <a:schemeClr val="dk1"/>
-    </dgm:txFillClrLst>
-    <dgm:txEffectClrLst/>
-  </dgm:styleLbl>
-  <dgm:styleLbl name="alignNode1">
-    <dgm:fillClrLst meth="repeat">
-      <a:schemeClr val="accent2"/>
-      <a:schemeClr val="accent3"/>
-      <a:schemeClr val="accent4"/>
-      <a:schemeClr val="accent5"/>
-      <a:schemeClr val="accent6"/>
-    </dgm:fillClrLst>
-    <dgm:linClrLst meth="repeat">
-      <a:schemeClr val="accent2"/>
-      <a:schemeClr val="accent3"/>
-      <a:schemeClr val="accent4"/>
-      <a:schemeClr val="accent5"/>
-      <a:schemeClr val="accent6"/>
-    </dgm:linClrLst>
-    <dgm:effectClrLst/>
-    <dgm:txLinClrLst/>
-    <dgm:txFillClrLst/>
-    <dgm:txEffectClrLst/>
-  </dgm:styleLbl>
-  <dgm:styleLbl name="lnNode1">
-    <dgm:fillClrLst meth="repeat">
-      <a:schemeClr val="accent2"/>
-      <a:schemeClr val="accent3"/>
-      <a:schemeClr val="accent4"/>
-      <a:schemeClr val="accent5"/>
-      <a:schemeClr val="accent6"/>
-    </dgm:fillClrLst>
-    <dgm:linClrLst meth="repeat">
-      <a:schemeClr val="lt1"/>
-    </dgm:linClrLst>
-    <dgm:effectClrLst/>
-    <dgm:txLinClrLst/>
-    <dgm:txFillClrLst/>
-    <dgm:txEffectClrLst/>
-  </dgm:styleLbl>
-  <dgm:styleLbl name="vennNode1">
-    <dgm:fillClrLst meth="repeat">
-      <a:schemeClr val="accent2">
-        <a:alpha val="50000"/>
-      </a:schemeClr>
-      <a:schemeClr val="accent3">
-        <a:alpha val="50000"/>
-      </a:schemeClr>
-      <a:schemeClr val="accent4">
-        <a:alpha val="50000"/>
-      </a:schemeClr>
-      <a:schemeClr val="accent5">
-        <a:alpha val="50000"/>
-      </a:schemeClr>
-      <a:schemeClr val="accent6">
-        <a:alpha val="50000"/>
-      </a:schemeClr>
-    </dgm:fillClrLst>
-    <dgm:linClrLst meth="repeat">
-      <a:schemeClr val="lt1"/>
-    </dgm:linClrLst>
-    <dgm:effectClrLst/>
-    <dgm:txLinClrLst/>
-    <dgm:txFillClrLst/>
-    <dgm:txEffectClrLst/>
-  </dgm:styleLbl>
-  <dgm:styleLbl name="node2">
-    <dgm:fillClrLst>
-      <a:schemeClr val="accent2"/>
-    </dgm:fillClrLst>
-    <dgm:linClrLst meth="repeat">
-      <a:schemeClr val="lt1"/>
-    </dgm:linClrLst>
-    <dgm:effectClrLst/>
-    <dgm:txLinClrLst/>
-    <dgm:txFillClrLst/>
-    <dgm:txEffectClrLst/>
-  </dgm:styleLbl>
-  <dgm:styleLbl name="node3">
-    <dgm:fillClrLst>
-      <a:schemeClr val="accent3"/>
-    </dgm:fillClrLst>
-    <dgm:linClrLst meth="repeat">
-      <a:schemeClr val="lt1"/>
-    </dgm:linClrLst>
-    <dgm:effectClrLst/>
-    <dgm:txLinClrLst/>
-    <dgm:txFillClrLst/>
-    <dgm:txEffectClrLst/>
-  </dgm:styleLbl>
-  <dgm:styleLbl name="node4">
-    <dgm:fillClrLst>
-      <a:schemeClr val="accent4"/>
-    </dgm:fillClrLst>
-    <dgm:linClrLst meth="repeat">
-      <a:schemeClr val="lt1"/>
-    </dgm:linClrLst>
-    <dgm:effectClrLst/>
-    <dgm:txLinClrLst/>
-    <dgm:txFillClrLst/>
-    <dgm:txEffectClrLst/>
-  </dgm:styleLbl>
-  <dgm:styleLbl name="fgImgPlace1">
-    <dgm:fillClrLst meth="repeat">
-      <a:schemeClr val="accent2">
-        <a:tint val="50000"/>
-      </a:schemeClr>
-      <a:schemeClr val="accent3">
-        <a:tint val="50000"/>
-      </a:schemeClr>
-      <a:schemeClr val="accent4">
-        <a:tint val="50000"/>
-      </a:schemeClr>
-      <a:schemeClr val="accent5">
-        <a:tint val="50000"/>
-      </a:schemeClr>
-      <a:schemeClr val="accent6">
-        <a:tint val="50000"/>
-      </a:schemeClr>
-    </dgm:fillClrLst>
-    <dgm:linClrLst meth="repeat">
-      <a:schemeClr val="lt1"/>
-    </dgm:linClrLst>
-    <dgm:effectClrLst/>
-    <dgm:txLinClrLst/>
-    <dgm:txFillClrLst meth="repeat">
-      <a:schemeClr val="lt1"/>
-    </dgm:txFillClrLst>
-    <dgm:txEffectClrLst/>
-  </dgm:styleLbl>
-  <dgm:styleLbl name="alignImgPlace1">
-    <dgm:fillClrLst>
-      <a:schemeClr val="accent1">
-        <a:tint val="50000"/>
-      </a:schemeClr>
-      <a:schemeClr val="accent2">
-        <a:tint val="20000"/>
-      </a:schemeClr>
-    </dgm:fillClrLst>
-    <dgm:linClrLst meth="repeat">
-      <a:schemeClr val="lt1"/>
-    </dgm:linClrLst>
-    <dgm:effectClrLst/>
-    <dgm:txLinClrLst/>
-    <dgm:txFillClrLst meth="repeat">
-      <a:schemeClr val="lt1"/>
-    </dgm:txFillClrLst>
-    <dgm:txEffectClrLst/>
-  </dgm:styleLbl>
-  <dgm:styleLbl name="bgImgPlace1">
-    <dgm:fillClrLst>
-      <a:schemeClr val="accent1">
-        <a:tint val="50000"/>
-      </a:schemeClr>
-      <a:schemeClr val="accent2">
-        <a:tint val="20000"/>
-      </a:schemeClr>
-    </dgm:fillClrLst>
-    <dgm:linClrLst meth="repeat">
-      <a:schemeClr val="lt1"/>
-    </dgm:linClrLst>
-    <dgm:effectClrLst/>
-    <dgm:txLinClrLst/>
-    <dgm:txFillClrLst meth="repeat">
-      <a:schemeClr val="lt1"/>
-    </dgm:txFillClrLst>
-    <dgm:txEffectClrLst/>
-  </dgm:styleLbl>
-  <dgm:styleLbl name="sibTrans2D1">
-    <dgm:fillClrLst meth="repeat">
-      <a:schemeClr val="accent2"/>
-      <a:schemeClr val="accent3"/>
-      <a:schemeClr val="accent4"/>
-      <a:schemeClr val="accent5"/>
-      <a:schemeClr val="accent6"/>
-    </dgm:fillClrLst>
-    <dgm:linClrLst meth="cycle">
-      <a:schemeClr val="lt1"/>
-    </dgm:linClrLst>
-    <dgm:effectClrLst/>
-    <dgm:txLinClrLst/>
-    <dgm:txFillClrLst/>
-    <dgm:txEffectClrLst/>
-  </dgm:styleLbl>
-  <dgm:styleLbl name="fgSibTrans2D1">
-    <dgm:fillClrLst meth="repeat">
-      <a:schemeClr val="accent2"/>
-      <a:schemeClr val="accent3"/>
-      <a:schemeClr val="accent4"/>
-      <a:schemeClr val="accent5"/>
-      <a:schemeClr val="accent6"/>
-    </dgm:fillClrLst>
-    <dgm:linClrLst meth="cycle">
-      <a:schemeClr val="lt1"/>
-    </dgm:linClrLst>
-    <dgm:effectClrLst/>
-    <dgm:txLinClrLst/>
-    <dgm:txFillClrLst meth="repeat">
-      <a:schemeClr val="lt1"/>
-    </dgm:txFillClrLst>
-    <dgm:txEffectClrLst/>
-  </dgm:styleLbl>
-  <dgm:styleLbl name="bgSibTrans2D1">
-    <dgm:fillClrLst meth="repeat">
-      <a:schemeClr val="accent2"/>
-      <a:schemeClr val="accent3"/>
-      <a:schemeClr val="accent4"/>
-      <a:schemeClr val="accent5"/>
-      <a:schemeClr val="accent6"/>
-    </dgm:fillClrLst>
-    <dgm:linClrLst meth="cycle">
-      <a:schemeClr val="lt1"/>
-    </dgm:linClrLst>
-    <dgm:effectClrLst/>
-    <dgm:txLinClrLst/>
-    <dgm:txFillClrLst meth="repeat">
-      <a:schemeClr val="lt1"/>
-    </dgm:txFillClrLst>
-    <dgm:txEffectClrLst/>
-  </dgm:styleLbl>
-  <dgm:styleLbl name="sibTrans1D1">
-    <dgm:fillClrLst meth="repeat">
-      <a:schemeClr val="accent2"/>
-      <a:schemeClr val="accent3"/>
-      <a:schemeClr val="accent4"/>
-      <a:schemeClr val="accent5"/>
-      <a:schemeClr val="accent6"/>
-    </dgm:fillClrLst>
-    <dgm:linClrLst meth="repeat">
-      <a:schemeClr val="accent2"/>
-      <a:schemeClr val="accent3"/>
-      <a:schemeClr val="accent4"/>
-      <a:schemeClr val="accent5"/>
-      <a:schemeClr val="accent6"/>
-    </dgm:linClrLst>
-    <dgm:effectClrLst/>
-    <dgm:txLinClrLst/>
-    <dgm:txFillClrLst meth="repeat">
-      <a:schemeClr val="tx1"/>
-    </dgm:txFillClrLst>
-    <dgm:txEffectClrLst/>
-  </dgm:styleLbl>
-  <dgm:styleLbl name="callout">
-    <dgm:fillClrLst meth="repeat">
-      <a:schemeClr val="accent2"/>
-    </dgm:fillClrLst>
-    <dgm:linClrLst meth="repeat">
-      <a:schemeClr val="accent2">
-        <a:tint val="50000"/>
-      </a:schemeClr>
-    </dgm:linClrLst>
-    <dgm:effectClrLst/>
-    <dgm:txLinClrLst/>
-    <dgm:txFillClrLst meth="repeat">
-      <a:schemeClr val="tx1"/>
-    </dgm:txFillClrLst>
-    <dgm:txEffectClrLst/>
-  </dgm:styleLbl>
-  <dgm:styleLbl name="asst0">
-    <dgm:fillClrLst meth="repeat">
-      <a:schemeClr val="accent1"/>
-    </dgm:fillClrLst>
-    <dgm:linClrLst meth="repeat">
-      <a:schemeClr val="lt1"/>
-    </dgm:linClrLst>
-    <dgm:effectClrLst/>
-    <dgm:txLinClrLst/>
-    <dgm:txFillClrLst/>
-    <dgm:txEffectClrLst/>
-  </dgm:styleLbl>
-  <dgm:styleLbl name="asst1">
-    <dgm:fillClrLst meth="repeat">
-      <a:schemeClr val="accent2"/>
-    </dgm:fillClrLst>
-    <dgm:linClrLst meth="repeat">
-      <a:schemeClr val="lt1"/>
-    </dgm:linClrLst>
-    <dgm:effectClrLst/>
-    <dgm:txLinClrLst/>
-    <dgm:txFillClrLst/>
-    <dgm:txEffectClrLst/>
-  </dgm:styleLbl>
-  <dgm:styleLbl name="asst2">
-    <dgm:fillClrLst>
-      <a:schemeClr val="accent3"/>
-    </dgm:fillClrLst>
-    <dgm:linClrLst meth="repeat">
-      <a:schemeClr val="lt1"/>
-    </dgm:linClrLst>
-    <dgm:effectClrLst/>
-    <dgm:txLinClrLst/>
-    <dgm:txFillClrLst/>
-    <dgm:txEffectClrLst/>
-  </dgm:styleLbl>
-  <dgm:styleLbl name="asst3">
-    <dgm:fillClrLst>
-      <a:schemeClr val="accent4"/>
-    </dgm:fillClrLst>
-    <dgm:linClrLst meth="repeat">
-      <a:schemeClr val="lt1"/>
-    </dgm:linClrLst>
-    <dgm:effectClrLst/>
-    <dgm:txLinClrLst/>
-    <dgm:txFillClrLst/>
-    <dgm:txEffectClrLst/>
-  </dgm:styleLbl>
-  <dgm:styleLbl name="asst4">
-    <dgm:fillClrLst>
-      <a:schemeClr val="accent5"/>
-    </dgm:fillClrLst>
-    <dgm:linClrLst meth="repeat">
-      <a:schemeClr val="lt1"/>
-    </dgm:linClrLst>
-    <dgm:effectClrLst/>
-    <dgm:txLinClrLst/>
-    <dgm:txFillClrLst/>
-    <dgm:txEffectClrLst/>
-  </dgm:styleLbl>
-  <dgm:styleLbl name="parChTrans2D1">
-    <dgm:fillClrLst meth="repeat">
-      <a:schemeClr val="accent2"/>
-    </dgm:fillClrLst>
-    <dgm:linClrLst meth="repeat">
-      <a:schemeClr val="lt1"/>
-    </dgm:linClrLst>
-    <dgm:effectClrLst/>
-    <dgm:txLinClrLst/>
-    <dgm:txFillClrLst meth="repeat">
-      <a:schemeClr val="lt1"/>
-    </dgm:txFillClrLst>
-    <dgm:txEffectClrLst/>
-  </dgm:styleLbl>
-  <dgm:styleLbl name="parChTrans2D2">
-    <dgm:fillClrLst meth="repeat">
-      <a:schemeClr val="accent3"/>
-    </dgm:fillClrLst>
-    <dgm:linClrLst meth="repeat">
-      <a:schemeClr val="lt1"/>
-    </dgm:linClrLst>
-    <dgm:effectClrLst/>
-    <dgm:txLinClrLst/>
-    <dgm:txFillClrLst/>
-    <dgm:txEffectClrLst/>
-  </dgm:styleLbl>
-  <dgm:styleLbl name="parChTrans2D3">
-    <dgm:fillClrLst meth="repeat">
-      <a:schemeClr val="accent4"/>
-    </dgm:fillClrLst>
-    <dgm:linClrLst meth="repeat">
-      <a:schemeClr val="lt1"/>
-    </dgm:linClrLst>
-    <dgm:effectClrLst/>
-    <dgm:txLinClrLst/>
-    <dgm:txFillClrLst/>
-    <dgm:txEffectClrLst/>
-  </dgm:styleLbl>
-  <dgm:styleLbl name="parChTrans2D4">
-    <dgm:fillClrLst meth="repeat">
-      <a:schemeClr val="accent5"/>
-    </dgm:fillClrLst>
-    <dgm:linClrLst meth="repeat">
-      <a:schemeClr val="lt1"/>
-    </dgm:linClrLst>
-    <dgm:effectClrLst/>
-    <dgm:txLinClrLst/>
-    <dgm:txFillClrLst meth="repeat">
-      <a:schemeClr val="lt1"/>
-    </dgm:txFillClrLst>
-    <dgm:txEffectClrLst/>
-  </dgm:styleLbl>
-  <dgm:styleLbl name="parChTrans1D1">
-    <dgm:fillClrLst meth="repeat">
-      <a:schemeClr val="accent2"/>
-    </dgm:fillClrLst>
-    <dgm:linClrLst meth="repeat">
-      <a:schemeClr val="accent1"/>
-    </dgm:linClrLst>
-    <dgm:effectClrLst/>
-    <dgm:txLinClrLst/>
-    <dgm:txFillClrLst meth="repeat">
-      <a:schemeClr val="tx1"/>
-    </dgm:txFillClrLst>
-    <dgm:txEffectClrLst/>
-  </dgm:styleLbl>
-  <dgm:styleLbl name="parChTrans1D2">
-    <dgm:fillClrLst meth="repeat">
-      <a:schemeClr val="accent3">
-        <a:tint val="90000"/>
-      </a:schemeClr>
-    </dgm:fillClrLst>
-    <dgm:linClrLst meth="repeat">
-      <a:schemeClr val="accent2"/>
-    </dgm:linClrLst>
-    <dgm:effectClrLst/>
-    <dgm:txLinClrLst/>
-    <dgm:txFillClrLst meth="repeat">
-      <a:schemeClr val="tx1"/>
-    </dgm:txFillClrLst>
-    <dgm:txEffectClrLst/>
-  </dgm:styleLbl>
-  <dgm:styleLbl name="parChTrans1D3">
-    <dgm:fillClrLst meth="repeat">
-      <a:schemeClr val="accent4">
-        <a:tint val="70000"/>
-      </a:schemeClr>
-    </dgm:fillClrLst>
-    <dgm:linClrLst meth="repeat">
-      <a:schemeClr val="accent3"/>
-    </dgm:linClrLst>
-    <dgm:effectClrLst/>
-    <dgm:txLinClrLst/>
-    <dgm:txFillClrLst meth="repeat">
-      <a:schemeClr val="tx1"/>
-    </dgm:txFillClrLst>
-    <dgm:txEffectClrLst/>
-  </dgm:styleLbl>
-  <dgm:styleLbl name="parChTrans1D4">
-    <dgm:fillClrLst meth="repeat">
-      <a:schemeClr val="accent5">
-        <a:tint val="50000"/>
-      </a:schemeClr>
-    </dgm:fillClrLst>
-    <dgm:linClrLst meth="repeat">
-      <a:schemeClr val="accent4"/>
-    </dgm:linClrLst>
-    <dgm:effectClrLst/>
-    <dgm:txLinClrLst/>
-    <dgm:txFillClrLst meth="repeat">
-      <a:schemeClr val="tx1"/>
-    </dgm:txFillClrLst>
-    <dgm:txEffectClrLst/>
-  </dgm:styleLbl>
-  <dgm:styleLbl name="fgAcc1">
-    <dgm:fillClrLst meth="repeat">
-      <a:schemeClr val="lt1">
-        <a:alpha val="90000"/>
-      </a:schemeClr>
-    </dgm:fillClrLst>
-    <dgm:linClrLst meth="repeat">
-      <a:schemeClr val="accent2"/>
-      <a:schemeClr val="accent3"/>
-      <a:schemeClr val="accent4"/>
-      <a:schemeClr val="accent5"/>
-      <a:schemeClr val="accent6"/>
-    </dgm:linClrLst>
-    <dgm:effectClrLst/>
-    <dgm:txLinClrLst/>
-    <dgm:txFillClrLst meth="repeat">
-      <a:schemeClr val="dk1"/>
-    </dgm:txFillClrLst>
-    <dgm:txEffectClrLst/>
-  </dgm:styleLbl>
-  <dgm:styleLbl name="conFgAcc1">
-    <dgm:fillClrLst meth="repeat">
-      <a:schemeClr val="lt1">
-        <a:alpha val="90000"/>
-      </a:schemeClr>
-    </dgm:fillClrLst>
-    <dgm:linClrLst meth="repeat">
-      <a:schemeClr val="accent2"/>
-      <a:schemeClr val="accent3"/>
-      <a:schemeClr val="accent4"/>
-      <a:schemeClr val="accent5"/>
-      <a:schemeClr val="accent6"/>
-    </dgm:linClrLst>
-    <dgm:effectClrLst/>
-    <dgm:txLinClrLst/>
-    <dgm:txFillClrLst meth="repeat">
-      <a:schemeClr val="dk1"/>
-    </dgm:txFillClrLst>
-    <dgm:txEffectClrLst/>
-  </dgm:styleLbl>
-  <dgm:styleLbl name="alignAcc1">
-    <dgm:fillClrLst meth="repeat">
-      <a:schemeClr val="lt1">
-        <a:alpha val="90000"/>
-      </a:schemeClr>
-    </dgm:fillClrLst>
-    <dgm:linClrLst meth="repeat">
-      <a:schemeClr val="accent2"/>
-      <a:schemeClr val="accent3"/>
-      <a:schemeClr val="accent4"/>
-      <a:schemeClr val="accent5"/>
-      <a:schemeClr val="accent6"/>
-    </dgm:linClrLst>
-    <dgm:effectClrLst/>
-    <dgm:txLinClrLst/>
-    <dgm:txFillClrLst meth="repeat">
-      <a:schemeClr val="dk1"/>
-    </dgm:txFillClrLst>
-    <dgm:txEffectClrLst/>
-  </dgm:styleLbl>
-  <dgm:styleLbl name="trAlignAcc1">
-    <dgm:fillClrLst meth="repeat">
-      <a:schemeClr val="lt1">
-        <a:alpha val="40000"/>
-      </a:schemeClr>
-    </dgm:fillClrLst>
-    <dgm:linClrLst meth="repeat">
-      <a:schemeClr val="accent1"/>
-    </dgm:linClrLst>
-    <dgm:effectClrLst/>
-    <dgm:txLinClrLst/>
-    <dgm:txFillClrLst meth="repeat">
-      <a:schemeClr val="dk1"/>
-    </dgm:txFillClrLst>
-    <dgm:txEffectClrLst/>
-  </dgm:styleLbl>
-  <dgm:styleLbl name="bgAcc1">
-    <dgm:fillClrLst meth="repeat">
-      <a:schemeClr val="lt1">
-        <a:alpha val="90000"/>
-      </a:schemeClr>
-    </dgm:fillClrLst>
-    <dgm:linClrLst meth="repeat">
-      <a:schemeClr val="accent2"/>
-      <a:schemeClr val="accent3"/>
-      <a:schemeClr val="accent4"/>
-      <a:schemeClr val="accent5"/>
-      <a:schemeClr val="accent6"/>
-    </dgm:linClrLst>
-    <dgm:effectClrLst/>
-    <dgm:txLinClrLst/>
-    <dgm:txFillClrLst meth="repeat">
-      <a:schemeClr val="dk1"/>
-    </dgm:txFillClrLst>
-    <dgm:txEffectClrLst/>
-  </dgm:styleLbl>
-  <dgm:styleLbl name="solidFgAcc1">
-    <dgm:fillClrLst meth="repeat">
-      <a:schemeClr val="lt1"/>
-    </dgm:fillClrLst>
-    <dgm:linClrLst meth="repeat">
-      <a:schemeClr val="accent2"/>
-      <a:schemeClr val="accent3"/>
-      <a:schemeClr val="accent4"/>
-      <a:schemeClr val="accent5"/>
-      <a:schemeClr val="accent6"/>
-    </dgm:linClrLst>
-    <dgm:effectClrLst/>
-    <dgm:txLinClrLst/>
-    <dgm:txFillClrLst meth="repeat">
-      <a:schemeClr val="dk1"/>
-    </dgm:txFillClrLst>
-    <dgm:txEffectClrLst/>
-  </dgm:styleLbl>
-  <dgm:styleLbl name="solidAlignAcc1">
-    <dgm:fillClrLst meth="repeat">
-      <a:schemeClr val="lt1"/>
-    </dgm:fillClrLst>
-    <dgm:linClrLst meth="repeat">
-      <a:schemeClr val="accent2"/>
-      <a:schemeClr val="accent3"/>
-      <a:schemeClr val="accent4"/>
-      <a:schemeClr val="accent5"/>
-      <a:schemeClr val="accent6"/>
-    </dgm:linClrLst>
-    <dgm:effectClrLst/>
-    <dgm:txLinClrLst/>
-    <dgm:txFillClrLst meth="repeat">
-      <a:schemeClr val="dk1"/>
-    </dgm:txFillClrLst>
-    <dgm:txEffectClrLst/>
-  </dgm:styleLbl>
-  <dgm:styleLbl name="solidBgAcc1">
-    <dgm:fillClrLst meth="repeat">
-      <a:schemeClr val="lt1"/>
-    </dgm:fillClrLst>
-    <dgm:linClrLst meth="repeat">
-      <a:schemeClr val="accent2"/>
-      <a:schemeClr val="accent3"/>
-      <a:schemeClr val="accent4"/>
-      <a:schemeClr val="accent5"/>
-      <a:schemeClr val="accent6"/>
-    </dgm:linClrLst>
-    <dgm:effectClrLst/>
-    <dgm:txLinClrLst/>
-    <dgm:txFillClrLst meth="repeat">
-      <a:schemeClr val="dk1"/>
-    </dgm:txFillClrLst>
-    <dgm:txEffectClrLst/>
-  </dgm:styleLbl>
-  <dgm:styleLbl name="fgAccFollowNode1">
-    <dgm:fillClrLst meth="repeat">
-      <a:schemeClr val="accent2">
-        <a:tint val="40000"/>
-        <a:alpha val="90000"/>
-      </a:schemeClr>
-      <a:schemeClr val="accent3">
-        <a:tint val="40000"/>
-        <a:alpha val="90000"/>
-      </a:schemeClr>
-      <a:schemeClr val="accent4">
-        <a:tint val="40000"/>
-        <a:alpha val="90000"/>
-      </a:schemeClr>
-      <a:schemeClr val="accent5">
-        <a:tint val="40000"/>
-        <a:alpha val="90000"/>
-      </a:schemeClr>
-      <a:schemeClr val="accent6">
-        <a:tint val="40000"/>
-        <a:alpha val="90000"/>
-      </a:schemeClr>
-    </dgm:fillClrLst>
-    <dgm:linClrLst meth="repeat">
-      <a:schemeClr val="accent2">
-        <a:tint val="40000"/>
-        <a:alpha val="90000"/>
-      </a:schemeClr>
-      <a:schemeClr val="accent3">
-        <a:tint val="40000"/>
-        <a:alpha val="90000"/>
-      </a:schemeClr>
-      <a:schemeClr val="accent4">
-        <a:tint val="40000"/>
-        <a:alpha val="90000"/>
-      </a:schemeClr>
-      <a:schemeClr val="accent5">
-        <a:tint val="40000"/>
-        <a:alpha val="90000"/>
-      </a:schemeClr>
-      <a:schemeClr val="accent6">
-        <a:tint val="40000"/>
-        <a:alpha val="90000"/>
-      </a:schemeClr>
-    </dgm:linClrLst>
-    <dgm:effectClrLst/>
-    <dgm:txLinClrLst/>
-    <dgm:txFillClrLst meth="repeat">
-      <a:schemeClr val="dk1"/>
-    </dgm:txFillClrLst>
-    <dgm:txEffectClrLst/>
-  </dgm:styleLbl>
-  <dgm:styleLbl name="alignAccFollowNode1">
-    <dgm:fillClrLst meth="repeat">
-      <a:schemeClr val="accent2">
-        <a:tint val="40000"/>
-        <a:alpha val="90000"/>
-      </a:schemeClr>
-      <a:schemeClr val="accent3">
-        <a:tint val="40000"/>
-        <a:alpha val="90000"/>
-      </a:schemeClr>
-      <a:schemeClr val="accent4">
-        <a:tint val="40000"/>
-        <a:alpha val="90000"/>
-      </a:schemeClr>
-      <a:schemeClr val="accent5">
-        <a:tint val="40000"/>
-        <a:alpha val="90000"/>
-      </a:schemeClr>
-      <a:schemeClr val="accent6">
-        <a:tint val="40000"/>
-        <a:alpha val="90000"/>
-      </a:schemeClr>
-    </dgm:fillClrLst>
-    <dgm:linClrLst meth="repeat">
-      <a:schemeClr val="accent2">
-        <a:tint val="40000"/>
-        <a:alpha val="90000"/>
-      </a:schemeClr>
-      <a:schemeClr val="accent3">
-        <a:tint val="40000"/>
-        <a:alpha val="90000"/>
-      </a:schemeClr>
-      <a:schemeClr val="accent4">
-        <a:tint val="40000"/>
-        <a:alpha val="90000"/>
-      </a:schemeClr>
-      <a:schemeClr val="accent5">
-        <a:tint val="40000"/>
-        <a:alpha val="90000"/>
-      </a:schemeClr>
-      <a:schemeClr val="accent6">
-        <a:tint val="40000"/>
-        <a:alpha val="90000"/>
-      </a:schemeClr>
-    </dgm:linClrLst>
-    <dgm:effectClrLst/>
-    <dgm:txLinClrLst/>
-    <dgm:txFillClrLst meth="repeat">
-      <a:schemeClr val="dk1"/>
-    </dgm:txFillClrLst>
-    <dgm:txEffectClrLst/>
-  </dgm:styleLbl>
-  <dgm:styleLbl name="bgAccFollowNode1">
-    <dgm:fillClrLst meth="repeat">
-      <a:schemeClr val="accent2">
-        <a:tint val="40000"/>
-        <a:alpha val="90000"/>
-      </a:schemeClr>
-      <a:schemeClr val="accent3">
-        <a:tint val="40000"/>
-        <a:alpha val="90000"/>
-      </a:schemeClr>
-      <a:schemeClr val="accent4">
-        <a:tint val="40000"/>
-        <a:alpha val="90000"/>
-      </a:schemeClr>
-      <a:schemeClr val="accent5">
-        <a:tint val="40000"/>
-        <a:alpha val="90000"/>
-      </a:schemeClr>
-      <a:schemeClr val="accent6">
-        <a:tint val="40000"/>
-        <a:alpha val="90000"/>
-      </a:schemeClr>
-    </dgm:fillClrLst>
-    <dgm:linClrLst meth="repeat">
-      <a:schemeClr val="accent2">
-        <a:tint val="40000"/>
-        <a:alpha val="90000"/>
-      </a:schemeClr>
-      <a:schemeClr val="accent3">
-        <a:tint val="40000"/>
-        <a:alpha val="90000"/>
-      </a:schemeClr>
-      <a:schemeClr val="accent4">
-        <a:tint val="40000"/>
-        <a:alpha val="90000"/>
-      </a:schemeClr>
-      <a:schemeClr val="accent5">
-        <a:tint val="40000"/>
-        <a:alpha val="90000"/>
-      </a:schemeClr>
-      <a:schemeClr val="accent6">
-        <a:tint val="40000"/>
-        <a:alpha val="90000"/>
-      </a:schemeClr>
-    </dgm:linClrLst>
-    <dgm:effectClrLst/>
-    <dgm:txLinClrLst/>
-    <dgm:txFillClrLst meth="repeat">
-      <a:schemeClr val="dk1"/>
-    </dgm:txFillClrLst>
-    <dgm:txEffectClrLst/>
-  </dgm:styleLbl>
-  <dgm:styleLbl name="fgAcc0">
-    <dgm:fillClrLst meth="repeat">
-      <a:schemeClr val="lt1">
-        <a:alpha val="90000"/>
-      </a:schemeClr>
-    </dgm:fillClrLst>
-    <dgm:linClrLst>
-      <a:schemeClr val="accent1"/>
-    </dgm:linClrLst>
-    <dgm:effectClrLst/>
-    <dgm:txLinClrLst/>
-    <dgm:txFillClrLst meth="repeat">
-      <a:schemeClr val="dk1"/>
-    </dgm:txFillClrLst>
-    <dgm:txEffectClrLst/>
-  </dgm:styleLbl>
-  <dgm:styleLbl name="fgAcc2">
-    <dgm:fillClrLst meth="repeat">
-      <a:schemeClr val="lt1">
-        <a:alpha val="90000"/>
-      </a:schemeClr>
-    </dgm:fillClrLst>
-    <dgm:linClrLst>
-      <a:schemeClr val="accent2"/>
-    </dgm:linClrLst>
-    <dgm:effectClrLst/>
-    <dgm:txLinClrLst/>
-    <dgm:txFillClrLst meth="repeat">
-      <a:schemeClr val="dk1"/>
-    </dgm:txFillClrLst>
-    <dgm:txEffectClrLst/>
-  </dgm:styleLbl>
-  <dgm:styleLbl name="fgAcc3">
-    <dgm:fillClrLst meth="repeat">
-      <a:schemeClr val="lt1">
-        <a:alpha val="90000"/>
-      </a:schemeClr>
-    </dgm:fillClrLst>
-    <dgm:linClrLst>
-      <a:schemeClr val="accent3"/>
-    </dgm:linClrLst>
-    <dgm:effectClrLst/>
-    <dgm:txLinClrLst/>
-    <dgm:txFillClrLst meth="repeat">
-      <a:schemeClr val="dk1"/>
-    </dgm:txFillClrLst>
-    <dgm:txEffectClrLst/>
-  </dgm:styleLbl>
-  <dgm:styleLbl name="fgAcc4">
-    <dgm:fillClrLst meth="repeat">
-      <a:schemeClr val="lt1">
-        <a:alpha val="90000"/>
-      </a:schemeClr>
-    </dgm:fillClrLst>
-    <dgm:linClrLst>
-      <a:schemeClr val="accent4"/>
-    </dgm:linClrLst>
-    <dgm:effectClrLst/>
-    <dgm:txLinClrLst/>
-    <dgm:txFillClrLst meth="repeat">
-      <a:schemeClr val="dk1"/>
-    </dgm:txFillClrLst>
-    <dgm:txEffectClrLst/>
-  </dgm:styleLbl>
-  <dgm:styleLbl name="bgShp">
-    <dgm:fillClrLst meth="repeat">
-      <a:schemeClr val="accent2"/>
-      <a:schemeClr val="accent3"/>
-      <a:schemeClr val="accent4"/>
-      <a:schemeClr val="accent5"/>
-      <a:schemeClr val="accent6"/>
-    </dgm:fillClrLst>
-    <dgm:linClrLst meth="repeat">
-      <a:schemeClr val="lt1">
-        <a:alpha val="0"/>
-      </a:schemeClr>
-    </dgm:linClrLst>
-    <dgm:effectClrLst/>
-    <dgm:txLinClrLst/>
-    <dgm:txFillClrLst/>
-    <dgm:txEffectClrLst/>
-  </dgm:styleLbl>
-  <dgm:styleLbl name="dkBgShp">
-    <dgm:fillClrLst meth="repeat">
-      <a:schemeClr val="accent2">
-        <a:shade val="90000"/>
-      </a:schemeClr>
-    </dgm:fillClrLst>
-    <dgm:linClrLst meth="repeat">
-      <a:schemeClr val="dk1"/>
-    </dgm:linClrLst>
-    <dgm:effectClrLst/>
-    <dgm:txLinClrLst/>
-    <dgm:txFillClrLst meth="repeat">
-      <a:schemeClr val="lt1"/>
-    </dgm:txFillClrLst>
-    <dgm:txEffectClrLst/>
-  </dgm:styleLbl>
-  <dgm:styleLbl name="trBgShp">
-    <dgm:fillClrLst meth="repeat">
-      <a:schemeClr val="accent1">
-        <a:tint val="50000"/>
-        <a:alpha val="40000"/>
-      </a:schemeClr>
-    </dgm:fillClrLst>
-    <dgm:linClrLst meth="repeat">
-      <a:schemeClr val="accent2"/>
-    </dgm:linClrLst>
-    <dgm:effectClrLst/>
-    <dgm:txLinClrLst/>
-    <dgm:txFillClrLst meth="repeat">
-      <a:schemeClr val="lt1"/>
-    </dgm:txFillClrLst>
-    <dgm:txEffectClrLst/>
-  </dgm:styleLbl>
-  <dgm:styleLbl name="fgShp">
-    <dgm:fillClrLst meth="repeat">
-      <a:schemeClr val="accent2">
-        <a:tint val="40000"/>
-      </a:schemeClr>
-    </dgm:fillClrLst>
-    <dgm:linClrLst meth="repeat">
-      <a:schemeClr val="lt1"/>
-    </dgm:linClrLst>
-    <dgm:effectClrLst/>
-    <dgm:txLinClrLst/>
-    <dgm:txFillClrLst meth="repeat">
-      <a:schemeClr val="dk1"/>
-    </dgm:txFillClrLst>
-    <dgm:txEffectClrLst/>
-  </dgm:styleLbl>
-  <dgm:styleLbl name="revTx">
-    <dgm:fillClrLst meth="repeat">
-      <a:schemeClr val="lt1">
-        <a:alpha val="0"/>
-      </a:schemeClr>
-    </dgm:fillClrLst>
-    <dgm:linClrLst meth="repeat">
-      <a:schemeClr val="dk1">
-        <a:alpha val="0"/>
-      </a:schemeClr>
-    </dgm:linClrLst>
-    <dgm:effectClrLst/>
-    <dgm:txLinClrLst/>
-    <dgm:txFillClrLst meth="repeat">
-      <a:schemeClr val="tx1"/>
-    </dgm:txFillClrLst>
-    <dgm:txEffectClrLst/>
-  </dgm:styleLbl>
-</dgm:colorsDef>
-</file>
-
 <file path=ppt/diagrams/data1.xml><?xml version="1.0" encoding="utf-8"?>
 <dgm:dataModel xmlns:dgm="http://schemas.openxmlformats.org/drawingml/2006/diagram" xmlns:a="http://schemas.openxmlformats.org/drawingml/2006/main">
   <dgm:ptLst>
@@ -2408,359 +1486,6 @@
   <dgm:extLst>
     <a:ext uri="http://schemas.microsoft.com/office/drawing/2008/diagram">
       <dsp:dataModelExt xmlns:dsp="http://schemas.microsoft.com/office/drawing/2008/diagram" relId="rId6" minVer="http://schemas.openxmlformats.org/drawingml/2006/diagram"/>
-    </a:ext>
-  </dgm:extLst>
-</dgm:dataModel>
-</file>
-
-<file path=ppt/diagrams/data2.xml><?xml version="1.0" encoding="utf-8"?>
-<dgm:dataModel xmlns:dgm="http://schemas.openxmlformats.org/drawingml/2006/diagram" xmlns:a="http://schemas.openxmlformats.org/drawingml/2006/main">
-  <dgm:ptLst>
-    <dgm:pt modelId="{01A66772-F185-4D58-B8BB-E9370D7A7A2B}" type="doc">
-      <dgm:prSet loTypeId="urn:microsoft.com/office/officeart/2018/5/layout/IconLeafLabelList" loCatId="icon" qsTypeId="urn:microsoft.com/office/officeart/2005/8/quickstyle/simple1" qsCatId="simple" csTypeId="urn:microsoft.com/office/officeart/2018/5/colors/Iconchunking_neutralicon_colorful1" csCatId="colorful" phldr="1"/>
-      <dgm:spPr/>
-      <dgm:t>
-        <a:bodyPr/>
-        <a:lstStyle/>
-        <a:p>
-          <a:endParaRPr lang="en-US"/>
-        </a:p>
-      </dgm:t>
-    </dgm:pt>
-    <dgm:pt modelId="{40FC4FFE-8987-4A26-B7F4-8A516F18ADAE}">
-      <dgm:prSet/>
-      <dgm:spPr/>
-      <dgm:t>
-        <a:bodyPr/>
-        <a:lstStyle/>
-        <a:p>
-          <a:pPr>
-            <a:lnSpc>
-              <a:spcPct val="100000"/>
-            </a:lnSpc>
-            <a:defRPr cap="all"/>
-          </a:pPr>
-          <a:r>
-            <a:rPr lang="en-US" dirty="0"/>
-            <a:t>Lorem ipsum dolor sit amet, consectetuer adipiscing elit. </a:t>
-          </a:r>
-        </a:p>
-      </dgm:t>
-    </dgm:pt>
-    <dgm:pt modelId="{CAD7EF86-FB23-41F6-BF42-040B36DEFDB1}" type="parTrans" cxnId="{C7AD8469-3C68-4AF9-AB82-79B0043AA120}">
-      <dgm:prSet/>
-      <dgm:spPr/>
-      <dgm:t>
-        <a:bodyPr/>
-        <a:lstStyle/>
-        <a:p>
-          <a:endParaRPr lang="en-US"/>
-        </a:p>
-      </dgm:t>
-    </dgm:pt>
-    <dgm:pt modelId="{5B62599A-5C9B-48E7-896E-EA782AC60C8B}" type="sibTrans" cxnId="{C7AD8469-3C68-4AF9-AB82-79B0043AA120}">
-      <dgm:prSet/>
-      <dgm:spPr/>
-      <dgm:t>
-        <a:bodyPr/>
-        <a:lstStyle/>
-        <a:p>
-          <a:endParaRPr lang="en-US"/>
-        </a:p>
-      </dgm:t>
-    </dgm:pt>
-    <dgm:pt modelId="{49225C73-1633-42F1-AB3B-7CB183E5F8B8}">
-      <dgm:prSet/>
-      <dgm:spPr/>
-      <dgm:t>
-        <a:bodyPr/>
-        <a:lstStyle/>
-        <a:p>
-          <a:pPr>
-            <a:lnSpc>
-              <a:spcPct val="100000"/>
-            </a:lnSpc>
-            <a:defRPr cap="all"/>
-          </a:pPr>
-          <a:r>
-            <a:rPr lang="en-US" dirty="0"/>
-            <a:t>Nunc viverra imperdiet enim. Fusce est. Vivamus a tellus.</a:t>
-          </a:r>
-        </a:p>
-      </dgm:t>
-    </dgm:pt>
-    <dgm:pt modelId="{1A0E2090-1D4F-438A-8766-B6030CE01ADD}" type="parTrans" cxnId="{A9154303-8225-4248-91DC-1B0156A35F07}">
-      <dgm:prSet/>
-      <dgm:spPr/>
-      <dgm:t>
-        <a:bodyPr/>
-        <a:lstStyle/>
-        <a:p>
-          <a:endParaRPr lang="en-US"/>
-        </a:p>
-      </dgm:t>
-    </dgm:pt>
-    <dgm:pt modelId="{9646853A-8964-4519-A5B1-0B7D18B2983D}" type="sibTrans" cxnId="{A9154303-8225-4248-91DC-1B0156A35F07}">
-      <dgm:prSet/>
-      <dgm:spPr/>
-      <dgm:t>
-        <a:bodyPr/>
-        <a:lstStyle/>
-        <a:p>
-          <a:endParaRPr lang="en-US"/>
-        </a:p>
-      </dgm:t>
-    </dgm:pt>
-    <dgm:pt modelId="{1C383F32-22E8-4F62-A3E0-BDC3D5F48992}">
-      <dgm:prSet/>
-      <dgm:spPr/>
-      <dgm:t>
-        <a:bodyPr/>
-        <a:lstStyle/>
-        <a:p>
-          <a:pPr>
-            <a:lnSpc>
-              <a:spcPct val="100000"/>
-            </a:lnSpc>
-            <a:defRPr cap="all"/>
-          </a:pPr>
-          <a:r>
-            <a:rPr lang="en-US" dirty="0"/>
-            <a:t>Pellentesque habitant morbi tristique senectus et netus.</a:t>
-          </a:r>
-        </a:p>
-      </dgm:t>
-    </dgm:pt>
-    <dgm:pt modelId="{A7920A2F-3244-4159-AF04-6A1D38B7B317}" type="parTrans" cxnId="{C4CCE57E-E871-46D6-BAD5-880252C95D22}">
-      <dgm:prSet/>
-      <dgm:spPr/>
-      <dgm:t>
-        <a:bodyPr/>
-        <a:lstStyle/>
-        <a:p>
-          <a:endParaRPr lang="en-US"/>
-        </a:p>
-      </dgm:t>
-    </dgm:pt>
-    <dgm:pt modelId="{8500F72A-2C6D-4FDF-9C1D-CA691380EB0B}" type="sibTrans" cxnId="{C4CCE57E-E871-46D6-BAD5-880252C95D22}">
-      <dgm:prSet/>
-      <dgm:spPr/>
-      <dgm:t>
-        <a:bodyPr/>
-        <a:lstStyle/>
-        <a:p>
-          <a:endParaRPr lang="en-US"/>
-        </a:p>
-      </dgm:t>
-    </dgm:pt>
-    <dgm:pt modelId="{B6056BFB-47D7-4C5F-BA11-2CB63C56A52D}" type="pres">
-      <dgm:prSet presAssocID="{01A66772-F185-4D58-B8BB-E9370D7A7A2B}" presName="root" presStyleCnt="0">
-        <dgm:presLayoutVars>
-          <dgm:dir/>
-          <dgm:resizeHandles val="exact"/>
-        </dgm:presLayoutVars>
-      </dgm:prSet>
-      <dgm:spPr/>
-    </dgm:pt>
-    <dgm:pt modelId="{311B26C8-22B1-4363-B621-DD56FB7418C8}" type="pres">
-      <dgm:prSet presAssocID="{40FC4FFE-8987-4A26-B7F4-8A516F18ADAE}" presName="compNode" presStyleCnt="0"/>
-      <dgm:spPr/>
-    </dgm:pt>
-    <dgm:pt modelId="{A201D7A7-914C-4D24-8B82-EE40155AB0BE}" type="pres">
-      <dgm:prSet presAssocID="{40FC4FFE-8987-4A26-B7F4-8A516F18ADAE}" presName="iconBgRect" presStyleLbl="bgShp" presStyleIdx="0" presStyleCnt="3"/>
-      <dgm:spPr>
-        <a:prstGeom prst="ellipse">
-          <a:avLst/>
-        </a:prstGeom>
-      </dgm:spPr>
-    </dgm:pt>
-    <dgm:pt modelId="{8FA2F131-CD01-4CBD-B7A5-1B9B5E7F0402}" type="pres">
-      <dgm:prSet presAssocID="{40FC4FFE-8987-4A26-B7F4-8A516F18ADAE}" presName="iconRect" presStyleLbl="node1" presStyleIdx="0" presStyleCnt="3"/>
-      <dgm:spPr>
-        <a:blipFill>
-          <a:blip xmlns:r="http://schemas.openxmlformats.org/officeDocument/2006/relationships" r:embed="rId1">
-            <a:extLst>
-              <a:ext uri="{96DAC541-7B7A-43D3-8B79-37D633B846F1}">
-                <asvg:svgBlip xmlns:asvg="http://schemas.microsoft.com/office/drawing/2016/SVG/main" r:embed="rId2"/>
-              </a:ext>
-            </a:extLst>
-          </a:blip>
-          <a:srcRect/>
-          <a:stretch>
-            <a:fillRect/>
-          </a:stretch>
-        </a:blipFill>
-        <a:ln>
-          <a:noFill/>
-        </a:ln>
-      </dgm:spPr>
-      <dgm:extLst>
-        <a:ext uri="{E40237B7-FDA0-4F09-8148-C483321AD2D9}">
-          <dgm14:cNvPr xmlns:dgm14="http://schemas.microsoft.com/office/drawing/2010/diagram" id="0" name="" descr="Pie chart"/>
-        </a:ext>
-      </dgm:extLst>
-    </dgm:pt>
-    <dgm:pt modelId="{F755F00C-B2DB-4097-B4BC-8F1BACC938B7}" type="pres">
-      <dgm:prSet presAssocID="{40FC4FFE-8987-4A26-B7F4-8A516F18ADAE}" presName="spaceRect" presStyleCnt="0"/>
-      <dgm:spPr/>
-    </dgm:pt>
-    <dgm:pt modelId="{08F4E96D-0DB6-4476-8C51-7CC7EC2F227B}" type="pres">
-      <dgm:prSet presAssocID="{40FC4FFE-8987-4A26-B7F4-8A516F18ADAE}" presName="textRect" presStyleLbl="revTx" presStyleIdx="0" presStyleCnt="3">
-        <dgm:presLayoutVars>
-          <dgm:chMax val="1"/>
-          <dgm:chPref val="1"/>
-        </dgm:presLayoutVars>
-      </dgm:prSet>
-      <dgm:spPr/>
-    </dgm:pt>
-    <dgm:pt modelId="{5AB3C10D-885E-4522-AB39-7ED4318D191A}" type="pres">
-      <dgm:prSet presAssocID="{5B62599A-5C9B-48E7-896E-EA782AC60C8B}" presName="sibTrans" presStyleCnt="0"/>
-      <dgm:spPr/>
-    </dgm:pt>
-    <dgm:pt modelId="{2F278BF9-E1B2-4A1C-B065-C19A7B904219}" type="pres">
-      <dgm:prSet presAssocID="{49225C73-1633-42F1-AB3B-7CB183E5F8B8}" presName="compNode" presStyleCnt="0"/>
-      <dgm:spPr/>
-    </dgm:pt>
-    <dgm:pt modelId="{543C18BC-1989-44B2-9862-C670C61D3452}" type="pres">
-      <dgm:prSet presAssocID="{49225C73-1633-42F1-AB3B-7CB183E5F8B8}" presName="iconBgRect" presStyleLbl="bgShp" presStyleIdx="1" presStyleCnt="3"/>
-      <dgm:spPr>
-        <a:prstGeom prst="ellipse">
-          <a:avLst/>
-        </a:prstGeom>
-      </dgm:spPr>
-    </dgm:pt>
-    <dgm:pt modelId="{E94F35BC-9C76-400A-BBCA-0032259E2E5A}" type="pres">
-      <dgm:prSet presAssocID="{49225C73-1633-42F1-AB3B-7CB183E5F8B8}" presName="iconRect" presStyleLbl="node1" presStyleIdx="1" presStyleCnt="3"/>
-      <dgm:spPr>
-        <a:blipFill>
-          <a:blip xmlns:r="http://schemas.openxmlformats.org/officeDocument/2006/relationships" r:embed="rId3">
-            <a:extLst>
-              <a:ext uri="{28A0092B-C50C-407E-A947-70E740481C1C}">
-                <a14:useLocalDpi xmlns:a14="http://schemas.microsoft.com/office/drawing/2010/main" val="0"/>
-              </a:ext>
-              <a:ext uri="{96DAC541-7B7A-43D3-8B79-37D633B846F1}">
-                <asvg:svgBlip xmlns:asvg="http://schemas.microsoft.com/office/drawing/2016/SVG/main" r:embed="rId4"/>
-              </a:ext>
-            </a:extLst>
-          </a:blip>
-          <a:srcRect/>
-          <a:stretch>
-            <a:fillRect/>
-          </a:stretch>
-        </a:blipFill>
-        <a:ln>
-          <a:noFill/>
-        </a:ln>
-      </dgm:spPr>
-      <dgm:extLst>
-        <a:ext uri="{E40237B7-FDA0-4F09-8148-C483321AD2D9}">
-          <dgm14:cNvPr xmlns:dgm14="http://schemas.microsoft.com/office/drawing/2010/diagram" id="0" name="" descr="Bullseye"/>
-        </a:ext>
-      </dgm:extLst>
-    </dgm:pt>
-    <dgm:pt modelId="{503A6D04-9ADD-43CC-9847-497CD48F2D11}" type="pres">
-      <dgm:prSet presAssocID="{49225C73-1633-42F1-AB3B-7CB183E5F8B8}" presName="spaceRect" presStyleCnt="0"/>
-      <dgm:spPr/>
-    </dgm:pt>
-    <dgm:pt modelId="{20363298-B2A6-463D-A7BE-F9F67404E389}" type="pres">
-      <dgm:prSet presAssocID="{49225C73-1633-42F1-AB3B-7CB183E5F8B8}" presName="textRect" presStyleLbl="revTx" presStyleIdx="1" presStyleCnt="3">
-        <dgm:presLayoutVars>
-          <dgm:chMax val="1"/>
-          <dgm:chPref val="1"/>
-        </dgm:presLayoutVars>
-      </dgm:prSet>
-      <dgm:spPr/>
-    </dgm:pt>
-    <dgm:pt modelId="{A47947BB-708D-4F7E-B072-3C2E42B34B24}" type="pres">
-      <dgm:prSet presAssocID="{9646853A-8964-4519-A5B1-0B7D18B2983D}" presName="sibTrans" presStyleCnt="0"/>
-      <dgm:spPr/>
-    </dgm:pt>
-    <dgm:pt modelId="{BDCD0AC9-D564-4025-AD8A-36664A6CBE31}" type="pres">
-      <dgm:prSet presAssocID="{1C383F32-22E8-4F62-A3E0-BDC3D5F48992}" presName="compNode" presStyleCnt="0"/>
-      <dgm:spPr/>
-    </dgm:pt>
-    <dgm:pt modelId="{5BDDFF18-9AEC-4E5E-B9AA-33D86F01A63E}" type="pres">
-      <dgm:prSet presAssocID="{1C383F32-22E8-4F62-A3E0-BDC3D5F48992}" presName="iconBgRect" presStyleLbl="bgShp" presStyleIdx="2" presStyleCnt="3"/>
-      <dgm:spPr>
-        <a:prstGeom prst="ellipse">
-          <a:avLst/>
-        </a:prstGeom>
-      </dgm:spPr>
-    </dgm:pt>
-    <dgm:pt modelId="{F09AEBFF-D2D3-4FFF-AD65-C3CEAEEB10F2}" type="pres">
-      <dgm:prSet presAssocID="{1C383F32-22E8-4F62-A3E0-BDC3D5F48992}" presName="iconRect" presStyleLbl="node1" presStyleIdx="2" presStyleCnt="3"/>
-      <dgm:spPr>
-        <a:blipFill>
-          <a:blip xmlns:r="http://schemas.openxmlformats.org/officeDocument/2006/relationships" r:embed="rId5">
-            <a:extLst>
-              <a:ext uri="{28A0092B-C50C-407E-A947-70E740481C1C}">
-                <a14:useLocalDpi xmlns:a14="http://schemas.microsoft.com/office/drawing/2010/main" val="0"/>
-              </a:ext>
-              <a:ext uri="{96DAC541-7B7A-43D3-8B79-37D633B846F1}">
-                <asvg:svgBlip xmlns:asvg="http://schemas.microsoft.com/office/drawing/2016/SVG/main" r:embed="rId6"/>
-              </a:ext>
-            </a:extLst>
-          </a:blip>
-          <a:srcRect/>
-          <a:stretch>
-            <a:fillRect/>
-          </a:stretch>
-        </a:blipFill>
-        <a:ln>
-          <a:noFill/>
-        </a:ln>
-      </dgm:spPr>
-      <dgm:extLst>
-        <a:ext uri="{E40237B7-FDA0-4F09-8148-C483321AD2D9}">
-          <dgm14:cNvPr xmlns:dgm14="http://schemas.microsoft.com/office/drawing/2010/diagram" id="0" name="" descr="Stopwatch"/>
-        </a:ext>
-      </dgm:extLst>
-    </dgm:pt>
-    <dgm:pt modelId="{F2EBFBCF-0520-415A-A886-3C4F90D208EF}" type="pres">
-      <dgm:prSet presAssocID="{1C383F32-22E8-4F62-A3E0-BDC3D5F48992}" presName="spaceRect" presStyleCnt="0"/>
-      <dgm:spPr/>
-    </dgm:pt>
-    <dgm:pt modelId="{AB9CAFAA-6939-48A6-A89B-19D1A94B9EA1}" type="pres">
-      <dgm:prSet presAssocID="{1C383F32-22E8-4F62-A3E0-BDC3D5F48992}" presName="textRect" presStyleLbl="revTx" presStyleIdx="2" presStyleCnt="3">
-        <dgm:presLayoutVars>
-          <dgm:chMax val="1"/>
-          <dgm:chPref val="1"/>
-        </dgm:presLayoutVars>
-      </dgm:prSet>
-      <dgm:spPr/>
-    </dgm:pt>
-  </dgm:ptLst>
-  <dgm:cxnLst>
-    <dgm:cxn modelId="{A9154303-8225-4248-91DC-1B0156A35F07}" srcId="{01A66772-F185-4D58-B8BB-E9370D7A7A2B}" destId="{49225C73-1633-42F1-AB3B-7CB183E5F8B8}" srcOrd="1" destOrd="0" parTransId="{1A0E2090-1D4F-438A-8766-B6030CE01ADD}" sibTransId="{9646853A-8964-4519-A5B1-0B7D18B2983D}"/>
-    <dgm:cxn modelId="{BA953D32-2DFF-47FE-AF26-C6B9E63D38DF}" type="presOf" srcId="{49225C73-1633-42F1-AB3B-7CB183E5F8B8}" destId="{20363298-B2A6-463D-A7BE-F9F67404E389}" srcOrd="0" destOrd="0" presId="urn:microsoft.com/office/officeart/2018/5/layout/IconLeafLabelList"/>
-    <dgm:cxn modelId="{EC450542-0ED9-4BD6-9E85-5709B80794C5}" type="presOf" srcId="{01A66772-F185-4D58-B8BB-E9370D7A7A2B}" destId="{B6056BFB-47D7-4C5F-BA11-2CB63C56A52D}" srcOrd="0" destOrd="0" presId="urn:microsoft.com/office/officeart/2018/5/layout/IconLeafLabelList"/>
-    <dgm:cxn modelId="{C7AD8469-3C68-4AF9-AB82-79B0043AA120}" srcId="{01A66772-F185-4D58-B8BB-E9370D7A7A2B}" destId="{40FC4FFE-8987-4A26-B7F4-8A516F18ADAE}" srcOrd="0" destOrd="0" parTransId="{CAD7EF86-FB23-41F6-BF42-040B36DEFDB1}" sibTransId="{5B62599A-5C9B-48E7-896E-EA782AC60C8B}"/>
-    <dgm:cxn modelId="{C4CCE57E-E871-46D6-BAD5-880252C95D22}" srcId="{01A66772-F185-4D58-B8BB-E9370D7A7A2B}" destId="{1C383F32-22E8-4F62-A3E0-BDC3D5F48992}" srcOrd="2" destOrd="0" parTransId="{A7920A2F-3244-4159-AF04-6A1D38B7B317}" sibTransId="{8500F72A-2C6D-4FDF-9C1D-CA691380EB0B}"/>
-    <dgm:cxn modelId="{D55FAE9C-CF3C-44F3-9D1E-DE6DF574E6D9}" type="presOf" srcId="{1C383F32-22E8-4F62-A3E0-BDC3D5F48992}" destId="{AB9CAFAA-6939-48A6-A89B-19D1A94B9EA1}" srcOrd="0" destOrd="0" presId="urn:microsoft.com/office/officeart/2018/5/layout/IconLeafLabelList"/>
-    <dgm:cxn modelId="{A85983B4-FADF-419C-BC71-B5F0871C3055}" type="presOf" srcId="{40FC4FFE-8987-4A26-B7F4-8A516F18ADAE}" destId="{08F4E96D-0DB6-4476-8C51-7CC7EC2F227B}" srcOrd="0" destOrd="0" presId="urn:microsoft.com/office/officeart/2018/5/layout/IconLeafLabelList"/>
-    <dgm:cxn modelId="{A3E74EE8-8900-4EBD-8983-3BF0AFD6DCC7}" type="presParOf" srcId="{B6056BFB-47D7-4C5F-BA11-2CB63C56A52D}" destId="{311B26C8-22B1-4363-B621-DD56FB7418C8}" srcOrd="0" destOrd="0" presId="urn:microsoft.com/office/officeart/2018/5/layout/IconLeafLabelList"/>
-    <dgm:cxn modelId="{044EA9E0-B51B-492A-BE32-015CEAD0BAC9}" type="presParOf" srcId="{311B26C8-22B1-4363-B621-DD56FB7418C8}" destId="{A201D7A7-914C-4D24-8B82-EE40155AB0BE}" srcOrd="0" destOrd="0" presId="urn:microsoft.com/office/officeart/2018/5/layout/IconLeafLabelList"/>
-    <dgm:cxn modelId="{08373EC6-14CB-429D-9495-F32683B931D7}" type="presParOf" srcId="{311B26C8-22B1-4363-B621-DD56FB7418C8}" destId="{8FA2F131-CD01-4CBD-B7A5-1B9B5E7F0402}" srcOrd="1" destOrd="0" presId="urn:microsoft.com/office/officeart/2018/5/layout/IconLeafLabelList"/>
-    <dgm:cxn modelId="{9AB500F0-62A2-4E73-B4F4-5056804C8D6A}" type="presParOf" srcId="{311B26C8-22B1-4363-B621-DD56FB7418C8}" destId="{F755F00C-B2DB-4097-B4BC-8F1BACC938B7}" srcOrd="2" destOrd="0" presId="urn:microsoft.com/office/officeart/2018/5/layout/IconLeafLabelList"/>
-    <dgm:cxn modelId="{676606A7-6564-4CEB-ACE0-4FF9A3A04E67}" type="presParOf" srcId="{311B26C8-22B1-4363-B621-DD56FB7418C8}" destId="{08F4E96D-0DB6-4476-8C51-7CC7EC2F227B}" srcOrd="3" destOrd="0" presId="urn:microsoft.com/office/officeart/2018/5/layout/IconLeafLabelList"/>
-    <dgm:cxn modelId="{EAE0F94A-A454-4049-84F7-9EC90E847A03}" type="presParOf" srcId="{B6056BFB-47D7-4C5F-BA11-2CB63C56A52D}" destId="{5AB3C10D-885E-4522-AB39-7ED4318D191A}" srcOrd="1" destOrd="0" presId="urn:microsoft.com/office/officeart/2018/5/layout/IconLeafLabelList"/>
-    <dgm:cxn modelId="{B0B5B21A-5ADD-4500-9A67-9B26AF543EBA}" type="presParOf" srcId="{B6056BFB-47D7-4C5F-BA11-2CB63C56A52D}" destId="{2F278BF9-E1B2-4A1C-B065-C19A7B904219}" srcOrd="2" destOrd="0" presId="urn:microsoft.com/office/officeart/2018/5/layout/IconLeafLabelList"/>
-    <dgm:cxn modelId="{11FEAF2C-54F7-4E9C-A1D6-5FA0BF7F3665}" type="presParOf" srcId="{2F278BF9-E1B2-4A1C-B065-C19A7B904219}" destId="{543C18BC-1989-44B2-9862-C670C61D3452}" srcOrd="0" destOrd="0" presId="urn:microsoft.com/office/officeart/2018/5/layout/IconLeafLabelList"/>
-    <dgm:cxn modelId="{92C17ECB-A80D-4A0E-95CF-40A53D32275F}" type="presParOf" srcId="{2F278BF9-E1B2-4A1C-B065-C19A7B904219}" destId="{E94F35BC-9C76-400A-BBCA-0032259E2E5A}" srcOrd="1" destOrd="0" presId="urn:microsoft.com/office/officeart/2018/5/layout/IconLeafLabelList"/>
-    <dgm:cxn modelId="{54E5AE33-4BE6-44E7-871B-1103A0BA7A56}" type="presParOf" srcId="{2F278BF9-E1B2-4A1C-B065-C19A7B904219}" destId="{503A6D04-9ADD-43CC-9847-497CD48F2D11}" srcOrd="2" destOrd="0" presId="urn:microsoft.com/office/officeart/2018/5/layout/IconLeafLabelList"/>
-    <dgm:cxn modelId="{3575FCA0-4FCE-460A-8D84-2C767D311A20}" type="presParOf" srcId="{2F278BF9-E1B2-4A1C-B065-C19A7B904219}" destId="{20363298-B2A6-463D-A7BE-F9F67404E389}" srcOrd="3" destOrd="0" presId="urn:microsoft.com/office/officeart/2018/5/layout/IconLeafLabelList"/>
-    <dgm:cxn modelId="{4FD22448-C17B-4C43-BAB3-A0B7AA9BCE0D}" type="presParOf" srcId="{B6056BFB-47D7-4C5F-BA11-2CB63C56A52D}" destId="{A47947BB-708D-4F7E-B072-3C2E42B34B24}" srcOrd="3" destOrd="0" presId="urn:microsoft.com/office/officeart/2018/5/layout/IconLeafLabelList"/>
-    <dgm:cxn modelId="{75E30F4F-0E76-457B-9D4F-CDE27C2F7F77}" type="presParOf" srcId="{B6056BFB-47D7-4C5F-BA11-2CB63C56A52D}" destId="{BDCD0AC9-D564-4025-AD8A-36664A6CBE31}" srcOrd="4" destOrd="0" presId="urn:microsoft.com/office/officeart/2018/5/layout/IconLeafLabelList"/>
-    <dgm:cxn modelId="{C6A367E7-6A7C-42CB-94E4-8EA78AEF87BF}" type="presParOf" srcId="{BDCD0AC9-D564-4025-AD8A-36664A6CBE31}" destId="{5BDDFF18-9AEC-4E5E-B9AA-33D86F01A63E}" srcOrd="0" destOrd="0" presId="urn:microsoft.com/office/officeart/2018/5/layout/IconLeafLabelList"/>
-    <dgm:cxn modelId="{B180CBEB-FA9F-4E52-8CA3-A65CB80BB91B}" type="presParOf" srcId="{BDCD0AC9-D564-4025-AD8A-36664A6CBE31}" destId="{F09AEBFF-D2D3-4FFF-AD65-C3CEAEEB10F2}" srcOrd="1" destOrd="0" presId="urn:microsoft.com/office/officeart/2018/5/layout/IconLeafLabelList"/>
-    <dgm:cxn modelId="{170B020E-1E19-4EB4-A72C-4FCF01A7DD7E}" type="presParOf" srcId="{BDCD0AC9-D564-4025-AD8A-36664A6CBE31}" destId="{F2EBFBCF-0520-415A-A886-3C4F90D208EF}" srcOrd="2" destOrd="0" presId="urn:microsoft.com/office/officeart/2018/5/layout/IconLeafLabelList"/>
-    <dgm:cxn modelId="{CADD8F7D-722C-42A0-AF21-39A3559F8D7B}" type="presParOf" srcId="{BDCD0AC9-D564-4025-AD8A-36664A6CBE31}" destId="{AB9CAFAA-6939-48A6-A89B-19D1A94B9EA1}" srcOrd="3" destOrd="0" presId="urn:microsoft.com/office/officeart/2018/5/layout/IconLeafLabelList"/>
-  </dgm:cxnLst>
-  <dgm:bg/>
-  <dgm:whole/>
-  <dgm:extLst>
-    <a:ext uri="http://schemas.microsoft.com/office/drawing/2008/diagram">
-      <dsp:dataModelExt xmlns:dsp="http://schemas.microsoft.com/office/drawing/2008/diagram" relId="rId7" minVer="http://schemas.openxmlformats.org/drawingml/2006/diagram"/>
     </a:ext>
   </dgm:extLst>
 </dgm:dataModel>
@@ -4013,465 +2738,6 @@
 </dsp:drawing>
 </file>
 
-<file path=ppt/diagrams/drawing2.xml><?xml version="1.0" encoding="utf-8"?>
-<dsp:drawing xmlns:dgm="http://schemas.openxmlformats.org/drawingml/2006/diagram" xmlns:dsp="http://schemas.microsoft.com/office/drawing/2008/diagram" xmlns:a="http://schemas.openxmlformats.org/drawingml/2006/main">
-  <dsp:spTree>
-    <dsp:nvGrpSpPr>
-      <dsp:cNvPr id="0" name=""/>
-      <dsp:cNvGrpSpPr/>
-    </dsp:nvGrpSpPr>
-    <dsp:grpSpPr/>
-    <dsp:sp modelId="{A201D7A7-914C-4D24-8B82-EE40155AB0BE}">
-      <dsp:nvSpPr>
-        <dsp:cNvPr id="0" name=""/>
-        <dsp:cNvSpPr/>
-      </dsp:nvSpPr>
-      <dsp:spPr>
-        <a:xfrm>
-          <a:off x="616949" y="340539"/>
-          <a:ext cx="1818562" cy="1818562"/>
-        </a:xfrm>
-        <a:prstGeom prst="ellipse">
-          <a:avLst/>
-        </a:prstGeom>
-        <a:solidFill>
-          <a:schemeClr val="accent2">
-            <a:hueOff val="0"/>
-            <a:satOff val="0"/>
-            <a:lumOff val="0"/>
-            <a:alphaOff val="0"/>
-          </a:schemeClr>
-        </a:solidFill>
-        <a:ln>
-          <a:noFill/>
-        </a:ln>
-        <a:effectLst/>
-      </dsp:spPr>
-      <dsp:style>
-        <a:lnRef idx="0">
-          <a:scrgbClr r="0" g="0" b="0"/>
-        </a:lnRef>
-        <a:fillRef idx="1">
-          <a:scrgbClr r="0" g="0" b="0"/>
-        </a:fillRef>
-        <a:effectRef idx="0">
-          <a:scrgbClr r="0" g="0" b="0"/>
-        </a:effectRef>
-        <a:fontRef idx="minor"/>
-      </dsp:style>
-    </dsp:sp>
-    <dsp:sp modelId="{8FA2F131-CD01-4CBD-B7A5-1B9B5E7F0402}">
-      <dsp:nvSpPr>
-        <dsp:cNvPr id="0" name=""/>
-        <dsp:cNvSpPr/>
-      </dsp:nvSpPr>
-      <dsp:spPr>
-        <a:xfrm>
-          <a:off x="1004512" y="728102"/>
-          <a:ext cx="1043437" cy="1043437"/>
-        </a:xfrm>
-        <a:prstGeom prst="rect">
-          <a:avLst/>
-        </a:prstGeom>
-        <a:blipFill>
-          <a:blip xmlns:r="http://schemas.openxmlformats.org/officeDocument/2006/relationships" r:embed="rId1">
-            <a:extLst>
-              <a:ext uri="{96DAC541-7B7A-43D3-8B79-37D633B846F1}">
-                <asvg:svgBlip xmlns:asvg="http://schemas.microsoft.com/office/drawing/2016/SVG/main" r:embed="rId2"/>
-              </a:ext>
-            </a:extLst>
-          </a:blip>
-          <a:srcRect/>
-          <a:stretch>
-            <a:fillRect/>
-          </a:stretch>
-        </a:blipFill>
-        <a:ln w="15875" cap="flat" cmpd="sng" algn="ctr">
-          <a:noFill/>
-          <a:prstDash val="solid"/>
-        </a:ln>
-        <a:effectLst/>
-      </dsp:spPr>
-      <dsp:style>
-        <a:lnRef idx="2">
-          <a:scrgbClr r="0" g="0" b="0"/>
-        </a:lnRef>
-        <a:fillRef idx="1">
-          <a:scrgbClr r="0" g="0" b="0"/>
-        </a:fillRef>
-        <a:effectRef idx="0">
-          <a:scrgbClr r="0" g="0" b="0"/>
-        </a:effectRef>
-        <a:fontRef idx="minor">
-          <a:schemeClr val="lt1"/>
-        </a:fontRef>
-      </dsp:style>
-    </dsp:sp>
-    <dsp:sp modelId="{08F4E96D-0DB6-4476-8C51-7CC7EC2F227B}">
-      <dsp:nvSpPr>
-        <dsp:cNvPr id="0" name=""/>
-        <dsp:cNvSpPr/>
-      </dsp:nvSpPr>
-      <dsp:spPr>
-        <a:xfrm>
-          <a:off x="35606" y="2725540"/>
-          <a:ext cx="2981250" cy="720000"/>
-        </a:xfrm>
-        <a:prstGeom prst="rect">
-          <a:avLst/>
-        </a:prstGeom>
-        <a:noFill/>
-        <a:ln>
-          <a:noFill/>
-        </a:ln>
-        <a:effectLst/>
-      </dsp:spPr>
-      <dsp:style>
-        <a:lnRef idx="0">
-          <a:scrgbClr r="0" g="0" b="0"/>
-        </a:lnRef>
-        <a:fillRef idx="0">
-          <a:scrgbClr r="0" g="0" b="0"/>
-        </a:fillRef>
-        <a:effectRef idx="0">
-          <a:scrgbClr r="0" g="0" b="0"/>
-        </a:effectRef>
-        <a:fontRef idx="minor"/>
-      </dsp:style>
-      <dsp:txBody>
-        <a:bodyPr spcFirstLastPara="0" vert="horz" wrap="square" lIns="0" tIns="0" rIns="0" bIns="0" numCol="1" spcCol="1270" anchor="t" anchorCtr="0">
-          <a:noAutofit/>
-        </a:bodyPr>
-        <a:lstStyle/>
-        <a:p>
-          <a:pPr marL="0" lvl="0" indent="0" algn="ctr" defTabSz="755650">
-            <a:lnSpc>
-              <a:spcPct val="100000"/>
-            </a:lnSpc>
-            <a:spcBef>
-              <a:spcPct val="0"/>
-            </a:spcBef>
-            <a:spcAft>
-              <a:spcPct val="35000"/>
-            </a:spcAft>
-            <a:buNone/>
-            <a:defRPr cap="all"/>
-          </a:pPr>
-          <a:r>
-            <a:rPr lang="en-US" sz="1700" kern="1200" dirty="0"/>
-            <a:t>Lorem ipsum dolor sit amet, consectetuer adipiscing elit. </a:t>
-          </a:r>
-        </a:p>
-      </dsp:txBody>
-      <dsp:txXfrm>
-        <a:off x="35606" y="2725540"/>
-        <a:ext cx="2981250" cy="720000"/>
-      </dsp:txXfrm>
-    </dsp:sp>
-    <dsp:sp modelId="{543C18BC-1989-44B2-9862-C670C61D3452}">
-      <dsp:nvSpPr>
-        <dsp:cNvPr id="0" name=""/>
-        <dsp:cNvSpPr/>
-      </dsp:nvSpPr>
-      <dsp:spPr>
-        <a:xfrm>
-          <a:off x="4119918" y="340539"/>
-          <a:ext cx="1818562" cy="1818562"/>
-        </a:xfrm>
-        <a:prstGeom prst="ellipse">
-          <a:avLst/>
-        </a:prstGeom>
-        <a:solidFill>
-          <a:schemeClr val="accent3">
-            <a:hueOff val="0"/>
-            <a:satOff val="0"/>
-            <a:lumOff val="0"/>
-            <a:alphaOff val="0"/>
-          </a:schemeClr>
-        </a:solidFill>
-        <a:ln>
-          <a:noFill/>
-        </a:ln>
-        <a:effectLst/>
-      </dsp:spPr>
-      <dsp:style>
-        <a:lnRef idx="0">
-          <a:scrgbClr r="0" g="0" b="0"/>
-        </a:lnRef>
-        <a:fillRef idx="1">
-          <a:scrgbClr r="0" g="0" b="0"/>
-        </a:fillRef>
-        <a:effectRef idx="0">
-          <a:scrgbClr r="0" g="0" b="0"/>
-        </a:effectRef>
-        <a:fontRef idx="minor"/>
-      </dsp:style>
-    </dsp:sp>
-    <dsp:sp modelId="{E94F35BC-9C76-400A-BBCA-0032259E2E5A}">
-      <dsp:nvSpPr>
-        <dsp:cNvPr id="0" name=""/>
-        <dsp:cNvSpPr/>
-      </dsp:nvSpPr>
-      <dsp:spPr>
-        <a:xfrm>
-          <a:off x="4507481" y="728102"/>
-          <a:ext cx="1043437" cy="1043437"/>
-        </a:xfrm>
-        <a:prstGeom prst="rect">
-          <a:avLst/>
-        </a:prstGeom>
-        <a:blipFill>
-          <a:blip xmlns:r="http://schemas.openxmlformats.org/officeDocument/2006/relationships" r:embed="rId3">
-            <a:extLst>
-              <a:ext uri="{28A0092B-C50C-407E-A947-70E740481C1C}">
-                <a14:useLocalDpi xmlns:a14="http://schemas.microsoft.com/office/drawing/2010/main" val="0"/>
-              </a:ext>
-              <a:ext uri="{96DAC541-7B7A-43D3-8B79-37D633B846F1}">
-                <asvg:svgBlip xmlns:asvg="http://schemas.microsoft.com/office/drawing/2016/SVG/main" r:embed="rId4"/>
-              </a:ext>
-            </a:extLst>
-          </a:blip>
-          <a:srcRect/>
-          <a:stretch>
-            <a:fillRect/>
-          </a:stretch>
-        </a:blipFill>
-        <a:ln w="15875" cap="flat" cmpd="sng" algn="ctr">
-          <a:noFill/>
-          <a:prstDash val="solid"/>
-        </a:ln>
-        <a:effectLst/>
-      </dsp:spPr>
-      <dsp:style>
-        <a:lnRef idx="2">
-          <a:scrgbClr r="0" g="0" b="0"/>
-        </a:lnRef>
-        <a:fillRef idx="1">
-          <a:scrgbClr r="0" g="0" b="0"/>
-        </a:fillRef>
-        <a:effectRef idx="0">
-          <a:scrgbClr r="0" g="0" b="0"/>
-        </a:effectRef>
-        <a:fontRef idx="minor">
-          <a:schemeClr val="lt1"/>
-        </a:fontRef>
-      </dsp:style>
-    </dsp:sp>
-    <dsp:sp modelId="{20363298-B2A6-463D-A7BE-F9F67404E389}">
-      <dsp:nvSpPr>
-        <dsp:cNvPr id="0" name=""/>
-        <dsp:cNvSpPr/>
-      </dsp:nvSpPr>
-      <dsp:spPr>
-        <a:xfrm>
-          <a:off x="3538574" y="2725540"/>
-          <a:ext cx="2981250" cy="720000"/>
-        </a:xfrm>
-        <a:prstGeom prst="rect">
-          <a:avLst/>
-        </a:prstGeom>
-        <a:noFill/>
-        <a:ln>
-          <a:noFill/>
-        </a:ln>
-        <a:effectLst/>
-      </dsp:spPr>
-      <dsp:style>
-        <a:lnRef idx="0">
-          <a:scrgbClr r="0" g="0" b="0"/>
-        </a:lnRef>
-        <a:fillRef idx="0">
-          <a:scrgbClr r="0" g="0" b="0"/>
-        </a:fillRef>
-        <a:effectRef idx="0">
-          <a:scrgbClr r="0" g="0" b="0"/>
-        </a:effectRef>
-        <a:fontRef idx="minor"/>
-      </dsp:style>
-      <dsp:txBody>
-        <a:bodyPr spcFirstLastPara="0" vert="horz" wrap="square" lIns="0" tIns="0" rIns="0" bIns="0" numCol="1" spcCol="1270" anchor="t" anchorCtr="0">
-          <a:noAutofit/>
-        </a:bodyPr>
-        <a:lstStyle/>
-        <a:p>
-          <a:pPr marL="0" lvl="0" indent="0" algn="ctr" defTabSz="755650">
-            <a:lnSpc>
-              <a:spcPct val="100000"/>
-            </a:lnSpc>
-            <a:spcBef>
-              <a:spcPct val="0"/>
-            </a:spcBef>
-            <a:spcAft>
-              <a:spcPct val="35000"/>
-            </a:spcAft>
-            <a:buNone/>
-            <a:defRPr cap="all"/>
-          </a:pPr>
-          <a:r>
-            <a:rPr lang="en-US" sz="1700" kern="1200" dirty="0"/>
-            <a:t>Nunc viverra imperdiet enim. Fusce est. Vivamus a tellus.</a:t>
-          </a:r>
-        </a:p>
-      </dsp:txBody>
-      <dsp:txXfrm>
-        <a:off x="3538574" y="2725540"/>
-        <a:ext cx="2981250" cy="720000"/>
-      </dsp:txXfrm>
-    </dsp:sp>
-    <dsp:sp modelId="{5BDDFF18-9AEC-4E5E-B9AA-33D86F01A63E}">
-      <dsp:nvSpPr>
-        <dsp:cNvPr id="0" name=""/>
-        <dsp:cNvSpPr/>
-      </dsp:nvSpPr>
-      <dsp:spPr>
-        <a:xfrm>
-          <a:off x="7622887" y="340539"/>
-          <a:ext cx="1818562" cy="1818562"/>
-        </a:xfrm>
-        <a:prstGeom prst="ellipse">
-          <a:avLst/>
-        </a:prstGeom>
-        <a:solidFill>
-          <a:schemeClr val="accent4">
-            <a:hueOff val="0"/>
-            <a:satOff val="0"/>
-            <a:lumOff val="0"/>
-            <a:alphaOff val="0"/>
-          </a:schemeClr>
-        </a:solidFill>
-        <a:ln>
-          <a:noFill/>
-        </a:ln>
-        <a:effectLst/>
-      </dsp:spPr>
-      <dsp:style>
-        <a:lnRef idx="0">
-          <a:scrgbClr r="0" g="0" b="0"/>
-        </a:lnRef>
-        <a:fillRef idx="1">
-          <a:scrgbClr r="0" g="0" b="0"/>
-        </a:fillRef>
-        <a:effectRef idx="0">
-          <a:scrgbClr r="0" g="0" b="0"/>
-        </a:effectRef>
-        <a:fontRef idx="minor"/>
-      </dsp:style>
-    </dsp:sp>
-    <dsp:sp modelId="{F09AEBFF-D2D3-4FFF-AD65-C3CEAEEB10F2}">
-      <dsp:nvSpPr>
-        <dsp:cNvPr id="0" name=""/>
-        <dsp:cNvSpPr/>
-      </dsp:nvSpPr>
-      <dsp:spPr>
-        <a:xfrm>
-          <a:off x="8010450" y="728102"/>
-          <a:ext cx="1043437" cy="1043437"/>
-        </a:xfrm>
-        <a:prstGeom prst="rect">
-          <a:avLst/>
-        </a:prstGeom>
-        <a:blipFill>
-          <a:blip xmlns:r="http://schemas.openxmlformats.org/officeDocument/2006/relationships" r:embed="rId5">
-            <a:extLst>
-              <a:ext uri="{28A0092B-C50C-407E-A947-70E740481C1C}">
-                <a14:useLocalDpi xmlns:a14="http://schemas.microsoft.com/office/drawing/2010/main" val="0"/>
-              </a:ext>
-              <a:ext uri="{96DAC541-7B7A-43D3-8B79-37D633B846F1}">
-                <asvg:svgBlip xmlns:asvg="http://schemas.microsoft.com/office/drawing/2016/SVG/main" r:embed="rId6"/>
-              </a:ext>
-            </a:extLst>
-          </a:blip>
-          <a:srcRect/>
-          <a:stretch>
-            <a:fillRect/>
-          </a:stretch>
-        </a:blipFill>
-        <a:ln w="15875" cap="flat" cmpd="sng" algn="ctr">
-          <a:noFill/>
-          <a:prstDash val="solid"/>
-        </a:ln>
-        <a:effectLst/>
-      </dsp:spPr>
-      <dsp:style>
-        <a:lnRef idx="2">
-          <a:scrgbClr r="0" g="0" b="0"/>
-        </a:lnRef>
-        <a:fillRef idx="1">
-          <a:scrgbClr r="0" g="0" b="0"/>
-        </a:fillRef>
-        <a:effectRef idx="0">
-          <a:scrgbClr r="0" g="0" b="0"/>
-        </a:effectRef>
-        <a:fontRef idx="minor">
-          <a:schemeClr val="lt1"/>
-        </a:fontRef>
-      </dsp:style>
-    </dsp:sp>
-    <dsp:sp modelId="{AB9CAFAA-6939-48A6-A89B-19D1A94B9EA1}">
-      <dsp:nvSpPr>
-        <dsp:cNvPr id="0" name=""/>
-        <dsp:cNvSpPr/>
-      </dsp:nvSpPr>
-      <dsp:spPr>
-        <a:xfrm>
-          <a:off x="7041543" y="2725540"/>
-          <a:ext cx="2981250" cy="720000"/>
-        </a:xfrm>
-        <a:prstGeom prst="rect">
-          <a:avLst/>
-        </a:prstGeom>
-        <a:noFill/>
-        <a:ln>
-          <a:noFill/>
-        </a:ln>
-        <a:effectLst/>
-      </dsp:spPr>
-      <dsp:style>
-        <a:lnRef idx="0">
-          <a:scrgbClr r="0" g="0" b="0"/>
-        </a:lnRef>
-        <a:fillRef idx="0">
-          <a:scrgbClr r="0" g="0" b="0"/>
-        </a:fillRef>
-        <a:effectRef idx="0">
-          <a:scrgbClr r="0" g="0" b="0"/>
-        </a:effectRef>
-        <a:fontRef idx="minor"/>
-      </dsp:style>
-      <dsp:txBody>
-        <a:bodyPr spcFirstLastPara="0" vert="horz" wrap="square" lIns="0" tIns="0" rIns="0" bIns="0" numCol="1" spcCol="1270" anchor="t" anchorCtr="0">
-          <a:noAutofit/>
-        </a:bodyPr>
-        <a:lstStyle/>
-        <a:p>
-          <a:pPr marL="0" lvl="0" indent="0" algn="ctr" defTabSz="755650">
-            <a:lnSpc>
-              <a:spcPct val="100000"/>
-            </a:lnSpc>
-            <a:spcBef>
-              <a:spcPct val="0"/>
-            </a:spcBef>
-            <a:spcAft>
-              <a:spcPct val="35000"/>
-            </a:spcAft>
-            <a:buNone/>
-            <a:defRPr cap="all"/>
-          </a:pPr>
-          <a:r>
-            <a:rPr lang="en-US" sz="1700" kern="1200" dirty="0"/>
-            <a:t>Pellentesque habitant morbi tristique senectus et netus.</a:t>
-          </a:r>
-        </a:p>
-      </dsp:txBody>
-      <dsp:txXfrm>
-        <a:off x="7041543" y="2725540"/>
-        <a:ext cx="2981250" cy="720000"/>
-      </dsp:txXfrm>
-    </dsp:sp>
-  </dsp:spTree>
-</dsp:drawing>
-</file>
-
 <file path=ppt/diagrams/layout1.xml><?xml version="1.0" encoding="utf-8"?>
 <dgm:layoutDef xmlns:dgm="http://schemas.openxmlformats.org/drawingml/2006/diagram" xmlns:a="http://schemas.openxmlformats.org/drawingml/2006/main" uniqueId="urn:microsoft.com/office/officeart/2008/layout/NameandTitleOrganizationalChart">
   <dgm:title val=""/>
@@ -5653,1268 +3919,7 @@
 </dgm:layoutDef>
 </file>
 
-<file path=ppt/diagrams/layout2.xml><?xml version="1.0" encoding="utf-8"?>
-<dgm:layoutDef xmlns:dgm="http://schemas.openxmlformats.org/drawingml/2006/diagram" xmlns:a="http://schemas.openxmlformats.org/drawingml/2006/main" uniqueId="urn:microsoft.com/office/officeart/2018/5/layout/IconLeafLabelList">
-  <dgm:title val="Icon Leaf Label List"/>
-  <dgm:desc val="Use to show non-sequential or grouped chunks of information accompanied by a related visuals. Works best with icons or small pictures with short text captions."/>
-  <dgm:catLst>
-    <dgm:cat type="icon" pri="500"/>
-  </dgm:catLst>
-  <dgm:sampData useDef="1">
-    <dgm:dataModel>
-      <dgm:ptLst/>
-      <dgm:bg/>
-      <dgm:whole/>
-    </dgm:dataModel>
-  </dgm:sampData>
-  <dgm:styleData useDef="1">
-    <dgm:dataModel>
-      <dgm:ptLst/>
-      <dgm:bg/>
-      <dgm:whole/>
-    </dgm:dataModel>
-  </dgm:styleData>
-  <dgm:clrData useDef="1">
-    <dgm:dataModel>
-      <dgm:ptLst/>
-      <dgm:bg/>
-      <dgm:whole/>
-    </dgm:dataModel>
-  </dgm:clrData>
-  <dgm:layoutNode name="root">
-    <dgm:varLst>
-      <dgm:dir/>
-      <dgm:resizeHandles val="exact"/>
-    </dgm:varLst>
-    <dgm:choose name="Name0">
-      <dgm:if name="Name1" axis="self" func="var" arg="dir" op="equ" val="norm">
-        <dgm:alg type="snake">
-          <dgm:param type="grDir" val="tL"/>
-          <dgm:param type="flowDir" val="row"/>
-          <dgm:param type="contDir" val="sameDir"/>
-          <dgm:param type="off" val="ctr"/>
-          <dgm:param type="vertAlign" val="mid"/>
-          <dgm:param type="horzAlign" val="ctr"/>
-        </dgm:alg>
-      </dgm:if>
-      <dgm:else name="Name2">
-        <dgm:alg type="snake">
-          <dgm:param type="grDir" val="tR"/>
-          <dgm:param type="flowDir" val="row"/>
-          <dgm:param type="contDir" val="sameDir"/>
-          <dgm:param type="off" val="ctr"/>
-          <dgm:param type="vertAlign" val="mid"/>
-          <dgm:param type="horzAlign" val="ctr"/>
-        </dgm:alg>
-      </dgm:else>
-    </dgm:choose>
-    <dgm:shape xmlns:r="http://schemas.openxmlformats.org/officeDocument/2006/relationships" r:blip="">
-      <dgm:adjLst/>
-    </dgm:shape>
-    <dgm:presOf/>
-    <dgm:choose name="Name3">
-      <dgm:if name="Name4" axis="ch" ptType="node" func="cnt" op="lte" val="2">
-        <dgm:constrLst>
-          <dgm:constr type="h" for="ch" forName="compNode" refType="h" fact="0.4"/>
-          <dgm:constr type="w" for="ch" forName="compNode" val="100"/>
-          <dgm:constr type="w" for="ch" forName="sibTrans" refType="w" refFor="ch" refForName="compNode" fact="0.175"/>
-          <dgm:constr type="sp" refType="w" refFor="ch" refForName="compNode" op="equ" fact="0.25"/>
-          <dgm:constr type="primFontSz" for="des" ptType="node" op="equ" val="44"/>
-          <dgm:constr type="h" for="des" forName="compNode" op="equ"/>
-          <dgm:constr type="h" for="des" forName="textRect" op="equ"/>
-        </dgm:constrLst>
-      </dgm:if>
-      <dgm:if name="Name5" axis="ch" ptType="node" func="cnt" op="lte" val="3">
-        <dgm:constrLst>
-          <dgm:constr type="h" for="ch" forName="compNode" refType="h" fact="0.4"/>
-          <dgm:constr type="w" for="ch" forName="compNode" val="100"/>
-          <dgm:constr type="w" for="ch" forName="sibTrans" refType="w" refFor="ch" refForName="compNode" fact="0.175"/>
-          <dgm:constr type="sp" refType="w" refFor="ch" refForName="compNode" op="equ" fact="0.25"/>
-          <dgm:constr type="primFontSz" for="des" ptType="node" op="equ" val="40"/>
-          <dgm:constr type="h" for="des" forName="compNode" op="equ"/>
-          <dgm:constr type="h" for="des" forName="textRect" op="equ"/>
-        </dgm:constrLst>
-      </dgm:if>
-      <dgm:if name="Name6" axis="ch" ptType="node" func="cnt" op="lte" val="4">
-        <dgm:constrLst>
-          <dgm:constr type="h" for="ch" forName="compNode" refType="h" fact="0.4"/>
-          <dgm:constr type="w" for="ch" forName="compNode" refType="w"/>
-          <dgm:constr type="w" for="ch" forName="sibTrans" refType="w" refFor="ch" refForName="compNode" fact="0.175"/>
-          <dgm:constr type="sp" refType="w" refFor="ch" refForName="compNode" op="equ" fact="0.25"/>
-          <dgm:constr type="primFontSz" for="des" ptType="node" op="equ" val="32"/>
-          <dgm:constr type="h" for="des" forName="compNode" op="equ"/>
-          <dgm:constr type="h" for="des" forName="textRect" op="equ"/>
-        </dgm:constrLst>
-      </dgm:if>
-      <dgm:else name="Name7">
-        <dgm:constrLst>
-          <dgm:constr type="h" for="ch" forName="compNode" refType="h" fact="0.4"/>
-          <dgm:constr type="w" for="ch" forName="compNode" refType="w"/>
-          <dgm:constr type="w" for="ch" forName="sibTrans" refType="w" refFor="ch" refForName="compNode" fact="0.175"/>
-          <dgm:constr type="sp" refType="w" refFor="ch" refForName="compNode" op="equ" fact="0.25"/>
-          <dgm:constr type="primFontSz" for="des" ptType="node" op="equ" val="24"/>
-          <dgm:constr type="h" for="des" forName="compNode" op="equ"/>
-          <dgm:constr type="h" for="des" forName="textRect" op="equ"/>
-        </dgm:constrLst>
-      </dgm:else>
-    </dgm:choose>
-    <dgm:ruleLst>
-      <dgm:rule type="w" for="ch" forName="compNode" val="50" fact="NaN" max="NaN"/>
-    </dgm:ruleLst>
-    <dgm:forEach name="Name8" axis="ch" ptType="node">
-      <dgm:layoutNode name="compNode">
-        <dgm:alg type="composite"/>
-        <dgm:shape xmlns:r="http://schemas.openxmlformats.org/officeDocument/2006/relationships" r:blip="">
-          <dgm:adjLst/>
-        </dgm:shape>
-        <dgm:presOf axis="self"/>
-        <dgm:constrLst>
-          <dgm:constr type="w" for="ch" forName="iconBgRect" refType="w" fact="0.61"/>
-          <dgm:constr type="h" for="ch" forName="iconBgRect" refType="w" refFor="ch" refForName="iconBgRect"/>
-          <dgm:constr type="t" for="ch" forName="iconBgRect"/>
-          <dgm:constr type="ctrX" for="ch" forName="iconBgRect" refType="w" fact="0.5"/>
-          <dgm:constr type="w" for="ch" forName="iconRect" refType="w" fact="0.35"/>
-          <dgm:constr type="h" for="ch" forName="iconRect" refType="w" refFor="ch" refForName="iconRect"/>
-          <dgm:constr type="ctrX" for="ch" forName="iconRect" refType="ctrX" refFor="ch" refForName="iconBgRect"/>
-          <dgm:constr type="ctrY" for="ch" forName="iconRect" refType="ctrY" refFor="ch" refForName="iconBgRect"/>
-          <dgm:constr type="h" for="ch" forName="spaceRect" refType="w" fact="0.19"/>
-          <dgm:constr type="w" for="ch" forName="spaceRect" refType="w"/>
-          <dgm:constr type="l" for="ch" forName="spaceRect"/>
-          <dgm:constr type="t" for="ch" forName="spaceRect" refType="b" refFor="ch" refForName="iconBgRect"/>
-          <dgm:constr type="h" for="ch" forName="textRect" val="20"/>
-          <dgm:constr type="w" for="ch" forName="textRect" refType="w"/>
-          <dgm:constr type="l" for="ch" forName="textRect"/>
-          <dgm:constr type="t" for="ch" forName="textRect" refType="b" refFor="ch" refForName="spaceRect"/>
-        </dgm:constrLst>
-        <dgm:ruleLst>
-          <dgm:rule type="h" val="INF" fact="NaN" max="NaN"/>
-        </dgm:ruleLst>
-        <dgm:layoutNode name="iconBgRect" styleLbl="bgShp">
-          <dgm:alg type="sp"/>
-          <dgm:shape xmlns:r="http://schemas.openxmlformats.org/officeDocument/2006/relationships" type="round2DiagRect" r:blip="">
-            <dgm:adjLst/>
-            <dgm:extLst>
-              <a:ext uri="{B698B0E9-8C71-41B9-8309-B3DCBF30829C}">
-                <dgm1612:spPr xmlns:dgm1612="http://schemas.microsoft.com/office/drawing/2016/12/diagram">
-                  <a:prstGeom prst="round2DiagRect">
-                    <a:avLst>
-                      <a:gd name="adj1" fmla="val 29727"/>
-                      <a:gd name="adj2" fmla="val 0"/>
-                    </a:avLst>
-                  </a:prstGeom>
-                </dgm1612:spPr>
-              </a:ext>
-            </dgm:extLst>
-          </dgm:shape>
-          <dgm:presOf/>
-          <dgm:constrLst/>
-          <dgm:ruleLst/>
-        </dgm:layoutNode>
-        <dgm:layoutNode name="iconRect" styleLbl="node1">
-          <dgm:alg type="sp"/>
-          <dgm:shape xmlns:r="http://schemas.openxmlformats.org/officeDocument/2006/relationships" type="rect" r:blip="" blipPhldr="1">
-            <dgm:adjLst/>
-          </dgm:shape>
-          <dgm:presOf/>
-          <dgm:constrLst/>
-          <dgm:ruleLst/>
-        </dgm:layoutNode>
-        <dgm:layoutNode name="spaceRect">
-          <dgm:alg type="sp"/>
-          <dgm:shape xmlns:r="http://schemas.openxmlformats.org/officeDocument/2006/relationships" r:blip="">
-            <dgm:adjLst/>
-          </dgm:shape>
-          <dgm:presOf/>
-          <dgm:constrLst/>
-          <dgm:ruleLst/>
-        </dgm:layoutNode>
-        <dgm:layoutNode name="textRect" styleLbl="revTx">
-          <dgm:varLst>
-            <dgm:chMax val="1"/>
-            <dgm:chPref val="1"/>
-          </dgm:varLst>
-          <dgm:alg type="tx">
-            <dgm:param type="txAnchorVert" val="t"/>
-          </dgm:alg>
-          <dgm:shape xmlns:r="http://schemas.openxmlformats.org/officeDocument/2006/relationships" type="rect" r:blip="">
-            <dgm:adjLst/>
-          </dgm:shape>
-          <dgm:presOf axis="self" ptType="node"/>
-          <dgm:constrLst>
-            <dgm:constr type="lMarg"/>
-            <dgm:constr type="rMarg"/>
-            <dgm:constr type="tMarg"/>
-            <dgm:constr type="bMarg"/>
-          </dgm:constrLst>
-          <dgm:ruleLst>
-            <dgm:rule type="primFontSz" val="11" fact="NaN" max="NaN"/>
-            <dgm:rule type="h" val="INF" fact="NaN" max="NaN"/>
-          </dgm:ruleLst>
-        </dgm:layoutNode>
-      </dgm:layoutNode>
-      <dgm:forEach name="Name9" axis="followSib" ptType="sibTrans" cnt="1">
-        <dgm:layoutNode name="sibTrans">
-          <dgm:alg type="sp"/>
-          <dgm:shape xmlns:r="http://schemas.openxmlformats.org/officeDocument/2006/relationships" r:blip="">
-            <dgm:adjLst/>
-          </dgm:shape>
-          <dgm:presOf axis="self"/>
-          <dgm:constrLst/>
-          <dgm:ruleLst/>
-        </dgm:layoutNode>
-      </dgm:forEach>
-    </dgm:forEach>
-  </dgm:layoutNode>
-  <dgm:extLst>
-    <a:ext uri="{68A01E43-0DF5-4B5B-8FA6-DAF915123BFB}">
-      <dgm1612:lstStyle xmlns:dgm1612="http://schemas.microsoft.com/office/drawing/2016/12/diagram">
-        <a:lvl1pPr>
-          <a:lnSpc>
-            <a:spcPct val="100000"/>
-          </a:lnSpc>
-          <a:defRPr cap="all"/>
-        </a:lvl1pPr>
-      </dgm1612:lstStyle>
-    </a:ext>
-  </dgm:extLst>
-</dgm:layoutDef>
-</file>
-
 <file path=ppt/diagrams/quickStyle1.xml><?xml version="1.0" encoding="utf-8"?>
-<dgm:styleDef xmlns:dgm="http://schemas.openxmlformats.org/drawingml/2006/diagram" xmlns:a="http://schemas.openxmlformats.org/drawingml/2006/main" uniqueId="urn:microsoft.com/office/officeart/2005/8/quickstyle/simple1">
-  <dgm:title val=""/>
-  <dgm:desc val=""/>
-  <dgm:catLst>
-    <dgm:cat type="simple" pri="10100"/>
-  </dgm:catLst>
-  <dgm:scene3d>
-    <a:camera prst="orthographicFront"/>
-    <a:lightRig rig="threePt" dir="t"/>
-  </dgm:scene3d>
-  <dgm:styleLbl name="node0">
-    <dgm:scene3d>
-      <a:camera prst="orthographicFront"/>
-      <a:lightRig rig="threePt" dir="t"/>
-    </dgm:scene3d>
-    <dgm:sp3d/>
-    <dgm:txPr/>
-    <dgm:style>
-      <a:lnRef idx="2">
-        <a:scrgbClr r="0" g="0" b="0"/>
-      </a:lnRef>
-      <a:fillRef idx="1">
-        <a:scrgbClr r="0" g="0" b="0"/>
-      </a:fillRef>
-      <a:effectRef idx="0">
-        <a:scrgbClr r="0" g="0" b="0"/>
-      </a:effectRef>
-      <a:fontRef idx="minor">
-        <a:schemeClr val="lt1"/>
-      </a:fontRef>
-    </dgm:style>
-  </dgm:styleLbl>
-  <dgm:styleLbl name="lnNode1">
-    <dgm:scene3d>
-      <a:camera prst="orthographicFront"/>
-      <a:lightRig rig="threePt" dir="t"/>
-    </dgm:scene3d>
-    <dgm:sp3d/>
-    <dgm:txPr/>
-    <dgm:style>
-      <a:lnRef idx="2">
-        <a:scrgbClr r="0" g="0" b="0"/>
-      </a:lnRef>
-      <a:fillRef idx="1">
-        <a:scrgbClr r="0" g="0" b="0"/>
-      </a:fillRef>
-      <a:effectRef idx="0">
-        <a:scrgbClr r="0" g="0" b="0"/>
-      </a:effectRef>
-      <a:fontRef idx="minor">
-        <a:schemeClr val="lt1"/>
-      </a:fontRef>
-    </dgm:style>
-  </dgm:styleLbl>
-  <dgm:styleLbl name="vennNode1">
-    <dgm:scene3d>
-      <a:camera prst="orthographicFront"/>
-      <a:lightRig rig="threePt" dir="t"/>
-    </dgm:scene3d>
-    <dgm:sp3d/>
-    <dgm:txPr/>
-    <dgm:style>
-      <a:lnRef idx="2">
-        <a:scrgbClr r="0" g="0" b="0"/>
-      </a:lnRef>
-      <a:fillRef idx="1">
-        <a:scrgbClr r="0" g="0" b="0"/>
-      </a:fillRef>
-      <a:effectRef idx="0">
-        <a:scrgbClr r="0" g="0" b="0"/>
-      </a:effectRef>
-      <a:fontRef idx="minor">
-        <a:schemeClr val="tx1"/>
-      </a:fontRef>
-    </dgm:style>
-  </dgm:styleLbl>
-  <dgm:styleLbl name="alignNode1">
-    <dgm:scene3d>
-      <a:camera prst="orthographicFront"/>
-      <a:lightRig rig="threePt" dir="t"/>
-    </dgm:scene3d>
-    <dgm:sp3d/>
-    <dgm:txPr/>
-    <dgm:style>
-      <a:lnRef idx="2">
-        <a:scrgbClr r="0" g="0" b="0"/>
-      </a:lnRef>
-      <a:fillRef idx="1">
-        <a:scrgbClr r="0" g="0" b="0"/>
-      </a:fillRef>
-      <a:effectRef idx="0">
-        <a:scrgbClr r="0" g="0" b="0"/>
-      </a:effectRef>
-      <a:fontRef idx="minor">
-        <a:schemeClr val="lt1"/>
-      </a:fontRef>
-    </dgm:style>
-  </dgm:styleLbl>
-  <dgm:styleLbl name="node1">
-    <dgm:scene3d>
-      <a:camera prst="orthographicFront"/>
-      <a:lightRig rig="threePt" dir="t"/>
-    </dgm:scene3d>
-    <dgm:sp3d/>
-    <dgm:txPr/>
-    <dgm:style>
-      <a:lnRef idx="2">
-        <a:scrgbClr r="0" g="0" b="0"/>
-      </a:lnRef>
-      <a:fillRef idx="1">
-        <a:scrgbClr r="0" g="0" b="0"/>
-      </a:fillRef>
-      <a:effectRef idx="0">
-        <a:scrgbClr r="0" g="0" b="0"/>
-      </a:effectRef>
-      <a:fontRef idx="minor">
-        <a:schemeClr val="lt1"/>
-      </a:fontRef>
-    </dgm:style>
-  </dgm:styleLbl>
-  <dgm:styleLbl name="node2">
-    <dgm:scene3d>
-      <a:camera prst="orthographicFront"/>
-      <a:lightRig rig="threePt" dir="t"/>
-    </dgm:scene3d>
-    <dgm:sp3d/>
-    <dgm:txPr/>
-    <dgm:style>
-      <a:lnRef idx="2">
-        <a:scrgbClr r="0" g="0" b="0"/>
-      </a:lnRef>
-      <a:fillRef idx="1">
-        <a:scrgbClr r="0" g="0" b="0"/>
-      </a:fillRef>
-      <a:effectRef idx="0">
-        <a:scrgbClr r="0" g="0" b="0"/>
-      </a:effectRef>
-      <a:fontRef idx="minor">
-        <a:schemeClr val="lt1"/>
-      </a:fontRef>
-    </dgm:style>
-  </dgm:styleLbl>
-  <dgm:styleLbl name="node3">
-    <dgm:scene3d>
-      <a:camera prst="orthographicFront"/>
-      <a:lightRig rig="threePt" dir="t"/>
-    </dgm:scene3d>
-    <dgm:sp3d/>
-    <dgm:txPr/>
-    <dgm:style>
-      <a:lnRef idx="2">
-        <a:scrgbClr r="0" g="0" b="0"/>
-      </a:lnRef>
-      <a:fillRef idx="1">
-        <a:scrgbClr r="0" g="0" b="0"/>
-      </a:fillRef>
-      <a:effectRef idx="0">
-        <a:scrgbClr r="0" g="0" b="0"/>
-      </a:effectRef>
-      <a:fontRef idx="minor">
-        <a:schemeClr val="lt1"/>
-      </a:fontRef>
-    </dgm:style>
-  </dgm:styleLbl>
-  <dgm:styleLbl name="node4">
-    <dgm:scene3d>
-      <a:camera prst="orthographicFront"/>
-      <a:lightRig rig="threePt" dir="t"/>
-    </dgm:scene3d>
-    <dgm:sp3d/>
-    <dgm:txPr/>
-    <dgm:style>
-      <a:lnRef idx="2">
-        <a:scrgbClr r="0" g="0" b="0"/>
-      </a:lnRef>
-      <a:fillRef idx="1">
-        <a:scrgbClr r="0" g="0" b="0"/>
-      </a:fillRef>
-      <a:effectRef idx="0">
-        <a:scrgbClr r="0" g="0" b="0"/>
-      </a:effectRef>
-      <a:fontRef idx="minor">
-        <a:schemeClr val="lt1"/>
-      </a:fontRef>
-    </dgm:style>
-  </dgm:styleLbl>
-  <dgm:styleLbl name="fgImgPlace1">
-    <dgm:scene3d>
-      <a:camera prst="orthographicFront"/>
-      <a:lightRig rig="threePt" dir="t"/>
-    </dgm:scene3d>
-    <dgm:sp3d/>
-    <dgm:txPr/>
-    <dgm:style>
-      <a:lnRef idx="2">
-        <a:scrgbClr r="0" g="0" b="0"/>
-      </a:lnRef>
-      <a:fillRef idx="1">
-        <a:scrgbClr r="0" g="0" b="0"/>
-      </a:fillRef>
-      <a:effectRef idx="0">
-        <a:scrgbClr r="0" g="0" b="0"/>
-      </a:effectRef>
-      <a:fontRef idx="minor"/>
-    </dgm:style>
-  </dgm:styleLbl>
-  <dgm:styleLbl name="alignImgPlace1">
-    <dgm:scene3d>
-      <a:camera prst="orthographicFront"/>
-      <a:lightRig rig="threePt" dir="t"/>
-    </dgm:scene3d>
-    <dgm:sp3d/>
-    <dgm:txPr/>
-    <dgm:style>
-      <a:lnRef idx="2">
-        <a:scrgbClr r="0" g="0" b="0"/>
-      </a:lnRef>
-      <a:fillRef idx="1">
-        <a:scrgbClr r="0" g="0" b="0"/>
-      </a:fillRef>
-      <a:effectRef idx="0">
-        <a:scrgbClr r="0" g="0" b="0"/>
-      </a:effectRef>
-      <a:fontRef idx="minor"/>
-    </dgm:style>
-  </dgm:styleLbl>
-  <dgm:styleLbl name="bgImgPlace1">
-    <dgm:scene3d>
-      <a:camera prst="orthographicFront"/>
-      <a:lightRig rig="threePt" dir="t"/>
-    </dgm:scene3d>
-    <dgm:sp3d/>
-    <dgm:txPr/>
-    <dgm:style>
-      <a:lnRef idx="2">
-        <a:scrgbClr r="0" g="0" b="0"/>
-      </a:lnRef>
-      <a:fillRef idx="1">
-        <a:scrgbClr r="0" g="0" b="0"/>
-      </a:fillRef>
-      <a:effectRef idx="0">
-        <a:scrgbClr r="0" g="0" b="0"/>
-      </a:effectRef>
-      <a:fontRef idx="minor"/>
-    </dgm:style>
-  </dgm:styleLbl>
-  <dgm:styleLbl name="sibTrans2D1">
-    <dgm:scene3d>
-      <a:camera prst="orthographicFront"/>
-      <a:lightRig rig="threePt" dir="t"/>
-    </dgm:scene3d>
-    <dgm:sp3d/>
-    <dgm:txPr/>
-    <dgm:style>
-      <a:lnRef idx="0">
-        <a:scrgbClr r="0" g="0" b="0"/>
-      </a:lnRef>
-      <a:fillRef idx="1">
-        <a:scrgbClr r="0" g="0" b="0"/>
-      </a:fillRef>
-      <a:effectRef idx="0">
-        <a:scrgbClr r="0" g="0" b="0"/>
-      </a:effectRef>
-      <a:fontRef idx="minor">
-        <a:schemeClr val="lt1"/>
-      </a:fontRef>
-    </dgm:style>
-  </dgm:styleLbl>
-  <dgm:styleLbl name="fgSibTrans2D1">
-    <dgm:scene3d>
-      <a:camera prst="orthographicFront"/>
-      <a:lightRig rig="threePt" dir="t"/>
-    </dgm:scene3d>
-    <dgm:sp3d/>
-    <dgm:txPr/>
-    <dgm:style>
-      <a:lnRef idx="0">
-        <a:scrgbClr r="0" g="0" b="0"/>
-      </a:lnRef>
-      <a:fillRef idx="1">
-        <a:scrgbClr r="0" g="0" b="0"/>
-      </a:fillRef>
-      <a:effectRef idx="0">
-        <a:scrgbClr r="0" g="0" b="0"/>
-      </a:effectRef>
-      <a:fontRef idx="minor">
-        <a:schemeClr val="lt1"/>
-      </a:fontRef>
-    </dgm:style>
-  </dgm:styleLbl>
-  <dgm:styleLbl name="bgSibTrans2D1">
-    <dgm:scene3d>
-      <a:camera prst="orthographicFront"/>
-      <a:lightRig rig="threePt" dir="t"/>
-    </dgm:scene3d>
-    <dgm:sp3d/>
-    <dgm:txPr/>
-    <dgm:style>
-      <a:lnRef idx="0">
-        <a:scrgbClr r="0" g="0" b="0"/>
-      </a:lnRef>
-      <a:fillRef idx="1">
-        <a:scrgbClr r="0" g="0" b="0"/>
-      </a:fillRef>
-      <a:effectRef idx="0">
-        <a:scrgbClr r="0" g="0" b="0"/>
-      </a:effectRef>
-      <a:fontRef idx="minor">
-        <a:schemeClr val="lt1"/>
-      </a:fontRef>
-    </dgm:style>
-  </dgm:styleLbl>
-  <dgm:styleLbl name="sibTrans1D1">
-    <dgm:scene3d>
-      <a:camera prst="orthographicFront"/>
-      <a:lightRig rig="threePt" dir="t"/>
-    </dgm:scene3d>
-    <dgm:sp3d/>
-    <dgm:txPr/>
-    <dgm:style>
-      <a:lnRef idx="1">
-        <a:scrgbClr r="0" g="0" b="0"/>
-      </a:lnRef>
-      <a:fillRef idx="0">
-        <a:scrgbClr r="0" g="0" b="0"/>
-      </a:fillRef>
-      <a:effectRef idx="0">
-        <a:scrgbClr r="0" g="0" b="0"/>
-      </a:effectRef>
-      <a:fontRef idx="minor"/>
-    </dgm:style>
-  </dgm:styleLbl>
-  <dgm:styleLbl name="callout">
-    <dgm:scene3d>
-      <a:camera prst="orthographicFront"/>
-      <a:lightRig rig="threePt" dir="t"/>
-    </dgm:scene3d>
-    <dgm:sp3d/>
-    <dgm:txPr/>
-    <dgm:style>
-      <a:lnRef idx="2">
-        <a:scrgbClr r="0" g="0" b="0"/>
-      </a:lnRef>
-      <a:fillRef idx="1">
-        <a:scrgbClr r="0" g="0" b="0"/>
-      </a:fillRef>
-      <a:effectRef idx="0">
-        <a:scrgbClr r="0" g="0" b="0"/>
-      </a:effectRef>
-      <a:fontRef idx="minor"/>
-    </dgm:style>
-  </dgm:styleLbl>
-  <dgm:styleLbl name="asst0">
-    <dgm:scene3d>
-      <a:camera prst="orthographicFront"/>
-      <a:lightRig rig="threePt" dir="t"/>
-    </dgm:scene3d>
-    <dgm:sp3d/>
-    <dgm:txPr/>
-    <dgm:style>
-      <a:lnRef idx="2">
-        <a:scrgbClr r="0" g="0" b="0"/>
-      </a:lnRef>
-      <a:fillRef idx="1">
-        <a:scrgbClr r="0" g="0" b="0"/>
-      </a:fillRef>
-      <a:effectRef idx="0">
-        <a:scrgbClr r="0" g="0" b="0"/>
-      </a:effectRef>
-      <a:fontRef idx="minor">
-        <a:schemeClr val="lt1"/>
-      </a:fontRef>
-    </dgm:style>
-  </dgm:styleLbl>
-  <dgm:styleLbl name="asst1">
-    <dgm:scene3d>
-      <a:camera prst="orthographicFront"/>
-      <a:lightRig rig="threePt" dir="t"/>
-    </dgm:scene3d>
-    <dgm:sp3d/>
-    <dgm:txPr/>
-    <dgm:style>
-      <a:lnRef idx="2">
-        <a:scrgbClr r="0" g="0" b="0"/>
-      </a:lnRef>
-      <a:fillRef idx="1">
-        <a:scrgbClr r="0" g="0" b="0"/>
-      </a:fillRef>
-      <a:effectRef idx="0">
-        <a:scrgbClr r="0" g="0" b="0"/>
-      </a:effectRef>
-      <a:fontRef idx="minor">
-        <a:schemeClr val="lt1"/>
-      </a:fontRef>
-    </dgm:style>
-  </dgm:styleLbl>
-  <dgm:styleLbl name="asst2">
-    <dgm:scene3d>
-      <a:camera prst="orthographicFront"/>
-      <a:lightRig rig="threePt" dir="t"/>
-    </dgm:scene3d>
-    <dgm:sp3d/>
-    <dgm:txPr/>
-    <dgm:style>
-      <a:lnRef idx="2">
-        <a:scrgbClr r="0" g="0" b="0"/>
-      </a:lnRef>
-      <a:fillRef idx="1">
-        <a:scrgbClr r="0" g="0" b="0"/>
-      </a:fillRef>
-      <a:effectRef idx="0">
-        <a:scrgbClr r="0" g="0" b="0"/>
-      </a:effectRef>
-      <a:fontRef idx="minor">
-        <a:schemeClr val="lt1"/>
-      </a:fontRef>
-    </dgm:style>
-  </dgm:styleLbl>
-  <dgm:styleLbl name="asst3">
-    <dgm:scene3d>
-      <a:camera prst="orthographicFront"/>
-      <a:lightRig rig="threePt" dir="t"/>
-    </dgm:scene3d>
-    <dgm:sp3d/>
-    <dgm:txPr/>
-    <dgm:style>
-      <a:lnRef idx="2">
-        <a:scrgbClr r="0" g="0" b="0"/>
-      </a:lnRef>
-      <a:fillRef idx="1">
-        <a:scrgbClr r="0" g="0" b="0"/>
-      </a:fillRef>
-      <a:effectRef idx="0">
-        <a:scrgbClr r="0" g="0" b="0"/>
-      </a:effectRef>
-      <a:fontRef idx="minor">
-        <a:schemeClr val="lt1"/>
-      </a:fontRef>
-    </dgm:style>
-  </dgm:styleLbl>
-  <dgm:styleLbl name="asst4">
-    <dgm:scene3d>
-      <a:camera prst="orthographicFront"/>
-      <a:lightRig rig="threePt" dir="t"/>
-    </dgm:scene3d>
-    <dgm:sp3d/>
-    <dgm:txPr/>
-    <dgm:style>
-      <a:lnRef idx="2">
-        <a:scrgbClr r="0" g="0" b="0"/>
-      </a:lnRef>
-      <a:fillRef idx="1">
-        <a:scrgbClr r="0" g="0" b="0"/>
-      </a:fillRef>
-      <a:effectRef idx="0">
-        <a:scrgbClr r="0" g="0" b="0"/>
-      </a:effectRef>
-      <a:fontRef idx="minor">
-        <a:schemeClr val="lt1"/>
-      </a:fontRef>
-    </dgm:style>
-  </dgm:styleLbl>
-  <dgm:styleLbl name="parChTrans2D1">
-    <dgm:scene3d>
-      <a:camera prst="orthographicFront"/>
-      <a:lightRig rig="threePt" dir="t"/>
-    </dgm:scene3d>
-    <dgm:sp3d/>
-    <dgm:txPr/>
-    <dgm:style>
-      <a:lnRef idx="2">
-        <a:scrgbClr r="0" g="0" b="0"/>
-      </a:lnRef>
-      <a:fillRef idx="1">
-        <a:scrgbClr r="0" g="0" b="0"/>
-      </a:fillRef>
-      <a:effectRef idx="0">
-        <a:scrgbClr r="0" g="0" b="0"/>
-      </a:effectRef>
-      <a:fontRef idx="minor">
-        <a:schemeClr val="lt1"/>
-      </a:fontRef>
-    </dgm:style>
-  </dgm:styleLbl>
-  <dgm:styleLbl name="parChTrans2D2">
-    <dgm:scene3d>
-      <a:camera prst="orthographicFront"/>
-      <a:lightRig rig="threePt" dir="t"/>
-    </dgm:scene3d>
-    <dgm:sp3d/>
-    <dgm:txPr/>
-    <dgm:style>
-      <a:lnRef idx="2">
-        <a:scrgbClr r="0" g="0" b="0"/>
-      </a:lnRef>
-      <a:fillRef idx="1">
-        <a:scrgbClr r="0" g="0" b="0"/>
-      </a:fillRef>
-      <a:effectRef idx="0">
-        <a:scrgbClr r="0" g="0" b="0"/>
-      </a:effectRef>
-      <a:fontRef idx="minor">
-        <a:schemeClr val="lt1"/>
-      </a:fontRef>
-    </dgm:style>
-  </dgm:styleLbl>
-  <dgm:styleLbl name="parChTrans2D3">
-    <dgm:scene3d>
-      <a:camera prst="orthographicFront"/>
-      <a:lightRig rig="threePt" dir="t"/>
-    </dgm:scene3d>
-    <dgm:sp3d/>
-    <dgm:txPr/>
-    <dgm:style>
-      <a:lnRef idx="2">
-        <a:scrgbClr r="0" g="0" b="0"/>
-      </a:lnRef>
-      <a:fillRef idx="1">
-        <a:scrgbClr r="0" g="0" b="0"/>
-      </a:fillRef>
-      <a:effectRef idx="0">
-        <a:scrgbClr r="0" g="0" b="0"/>
-      </a:effectRef>
-      <a:fontRef idx="minor">
-        <a:schemeClr val="lt1"/>
-      </a:fontRef>
-    </dgm:style>
-  </dgm:styleLbl>
-  <dgm:styleLbl name="parChTrans2D4">
-    <dgm:scene3d>
-      <a:camera prst="orthographicFront"/>
-      <a:lightRig rig="threePt" dir="t"/>
-    </dgm:scene3d>
-    <dgm:sp3d/>
-    <dgm:txPr/>
-    <dgm:style>
-      <a:lnRef idx="2">
-        <a:scrgbClr r="0" g="0" b="0"/>
-      </a:lnRef>
-      <a:fillRef idx="1">
-        <a:scrgbClr r="0" g="0" b="0"/>
-      </a:fillRef>
-      <a:effectRef idx="0">
-        <a:scrgbClr r="0" g="0" b="0"/>
-      </a:effectRef>
-      <a:fontRef idx="minor">
-        <a:schemeClr val="lt1"/>
-      </a:fontRef>
-    </dgm:style>
-  </dgm:styleLbl>
-  <dgm:styleLbl name="parChTrans1D1">
-    <dgm:scene3d>
-      <a:camera prst="orthographicFront"/>
-      <a:lightRig rig="threePt" dir="t"/>
-    </dgm:scene3d>
-    <dgm:sp3d/>
-    <dgm:txPr/>
-    <dgm:style>
-      <a:lnRef idx="2">
-        <a:scrgbClr r="0" g="0" b="0"/>
-      </a:lnRef>
-      <a:fillRef idx="0">
-        <a:scrgbClr r="0" g="0" b="0"/>
-      </a:fillRef>
-      <a:effectRef idx="0">
-        <a:scrgbClr r="0" g="0" b="0"/>
-      </a:effectRef>
-      <a:fontRef idx="minor"/>
-    </dgm:style>
-  </dgm:styleLbl>
-  <dgm:styleLbl name="parChTrans1D2">
-    <dgm:scene3d>
-      <a:camera prst="orthographicFront"/>
-      <a:lightRig rig="threePt" dir="t"/>
-    </dgm:scene3d>
-    <dgm:sp3d/>
-    <dgm:txPr/>
-    <dgm:style>
-      <a:lnRef idx="2">
-        <a:scrgbClr r="0" g="0" b="0"/>
-      </a:lnRef>
-      <a:fillRef idx="0">
-        <a:scrgbClr r="0" g="0" b="0"/>
-      </a:fillRef>
-      <a:effectRef idx="0">
-        <a:scrgbClr r="0" g="0" b="0"/>
-      </a:effectRef>
-      <a:fontRef idx="minor"/>
-    </dgm:style>
-  </dgm:styleLbl>
-  <dgm:styleLbl name="parChTrans1D3">
-    <dgm:scene3d>
-      <a:camera prst="orthographicFront"/>
-      <a:lightRig rig="threePt" dir="t"/>
-    </dgm:scene3d>
-    <dgm:sp3d/>
-    <dgm:txPr/>
-    <dgm:style>
-      <a:lnRef idx="2">
-        <a:scrgbClr r="0" g="0" b="0"/>
-      </a:lnRef>
-      <a:fillRef idx="0">
-        <a:scrgbClr r="0" g="0" b="0"/>
-      </a:fillRef>
-      <a:effectRef idx="0">
-        <a:scrgbClr r="0" g="0" b="0"/>
-      </a:effectRef>
-      <a:fontRef idx="minor"/>
-    </dgm:style>
-  </dgm:styleLbl>
-  <dgm:styleLbl name="parChTrans1D4">
-    <dgm:scene3d>
-      <a:camera prst="orthographicFront"/>
-      <a:lightRig rig="threePt" dir="t"/>
-    </dgm:scene3d>
-    <dgm:sp3d/>
-    <dgm:txPr/>
-    <dgm:style>
-      <a:lnRef idx="2">
-        <a:scrgbClr r="0" g="0" b="0"/>
-      </a:lnRef>
-      <a:fillRef idx="0">
-        <a:scrgbClr r="0" g="0" b="0"/>
-      </a:fillRef>
-      <a:effectRef idx="0">
-        <a:scrgbClr r="0" g="0" b="0"/>
-      </a:effectRef>
-      <a:fontRef idx="minor"/>
-    </dgm:style>
-  </dgm:styleLbl>
-  <dgm:styleLbl name="fgAcc1">
-    <dgm:scene3d>
-      <a:camera prst="orthographicFront"/>
-      <a:lightRig rig="threePt" dir="t"/>
-    </dgm:scene3d>
-    <dgm:sp3d/>
-    <dgm:txPr/>
-    <dgm:style>
-      <a:lnRef idx="2">
-        <a:scrgbClr r="0" g="0" b="0"/>
-      </a:lnRef>
-      <a:fillRef idx="1">
-        <a:scrgbClr r="0" g="0" b="0"/>
-      </a:fillRef>
-      <a:effectRef idx="0">
-        <a:scrgbClr r="0" g="0" b="0"/>
-      </a:effectRef>
-      <a:fontRef idx="minor"/>
-    </dgm:style>
-  </dgm:styleLbl>
-  <dgm:styleLbl name="conFgAcc1">
-    <dgm:scene3d>
-      <a:camera prst="orthographicFront"/>
-      <a:lightRig rig="threePt" dir="t"/>
-    </dgm:scene3d>
-    <dgm:sp3d/>
-    <dgm:txPr/>
-    <dgm:style>
-      <a:lnRef idx="2">
-        <a:scrgbClr r="0" g="0" b="0"/>
-      </a:lnRef>
-      <a:fillRef idx="1">
-        <a:scrgbClr r="0" g="0" b="0"/>
-      </a:fillRef>
-      <a:effectRef idx="0">
-        <a:scrgbClr r="0" g="0" b="0"/>
-      </a:effectRef>
-      <a:fontRef idx="minor"/>
-    </dgm:style>
-  </dgm:styleLbl>
-  <dgm:styleLbl name="alignAcc1">
-    <dgm:scene3d>
-      <a:camera prst="orthographicFront"/>
-      <a:lightRig rig="threePt" dir="t"/>
-    </dgm:scene3d>
-    <dgm:sp3d/>
-    <dgm:txPr/>
-    <dgm:style>
-      <a:lnRef idx="2">
-        <a:scrgbClr r="0" g="0" b="0"/>
-      </a:lnRef>
-      <a:fillRef idx="1">
-        <a:scrgbClr r="0" g="0" b="0"/>
-      </a:fillRef>
-      <a:effectRef idx="0">
-        <a:scrgbClr r="0" g="0" b="0"/>
-      </a:effectRef>
-      <a:fontRef idx="minor"/>
-    </dgm:style>
-  </dgm:styleLbl>
-  <dgm:styleLbl name="trAlignAcc1">
-    <dgm:scene3d>
-      <a:camera prst="orthographicFront"/>
-      <a:lightRig rig="threePt" dir="t"/>
-    </dgm:scene3d>
-    <dgm:sp3d/>
-    <dgm:txPr/>
-    <dgm:style>
-      <a:lnRef idx="1">
-        <a:scrgbClr r="0" g="0" b="0"/>
-      </a:lnRef>
-      <a:fillRef idx="1">
-        <a:scrgbClr r="0" g="0" b="0"/>
-      </a:fillRef>
-      <a:effectRef idx="0">
-        <a:scrgbClr r="0" g="0" b="0"/>
-      </a:effectRef>
-      <a:fontRef idx="minor"/>
-    </dgm:style>
-  </dgm:styleLbl>
-  <dgm:styleLbl name="bgAcc1">
-    <dgm:scene3d>
-      <a:camera prst="orthographicFront"/>
-      <a:lightRig rig="threePt" dir="t"/>
-    </dgm:scene3d>
-    <dgm:sp3d/>
-    <dgm:txPr/>
-    <dgm:style>
-      <a:lnRef idx="2">
-        <a:scrgbClr r="0" g="0" b="0"/>
-      </a:lnRef>
-      <a:fillRef idx="1">
-        <a:scrgbClr r="0" g="0" b="0"/>
-      </a:fillRef>
-      <a:effectRef idx="0">
-        <a:scrgbClr r="0" g="0" b="0"/>
-      </a:effectRef>
-      <a:fontRef idx="minor"/>
-    </dgm:style>
-  </dgm:styleLbl>
-  <dgm:styleLbl name="solidFgAcc1">
-    <dgm:scene3d>
-      <a:camera prst="orthographicFront"/>
-      <a:lightRig rig="threePt" dir="t"/>
-    </dgm:scene3d>
-    <dgm:sp3d/>
-    <dgm:txPr/>
-    <dgm:style>
-      <a:lnRef idx="2">
-        <a:scrgbClr r="0" g="0" b="0"/>
-      </a:lnRef>
-      <a:fillRef idx="1">
-        <a:scrgbClr r="0" g="0" b="0"/>
-      </a:fillRef>
-      <a:effectRef idx="0">
-        <a:scrgbClr r="0" g="0" b="0"/>
-      </a:effectRef>
-      <a:fontRef idx="minor"/>
-    </dgm:style>
-  </dgm:styleLbl>
-  <dgm:styleLbl name="solidAlignAcc1">
-    <dgm:scene3d>
-      <a:camera prst="orthographicFront"/>
-      <a:lightRig rig="threePt" dir="t"/>
-    </dgm:scene3d>
-    <dgm:sp3d/>
-    <dgm:txPr/>
-    <dgm:style>
-      <a:lnRef idx="2">
-        <a:scrgbClr r="0" g="0" b="0"/>
-      </a:lnRef>
-      <a:fillRef idx="1">
-        <a:scrgbClr r="0" g="0" b="0"/>
-      </a:fillRef>
-      <a:effectRef idx="0">
-        <a:scrgbClr r="0" g="0" b="0"/>
-      </a:effectRef>
-      <a:fontRef idx="minor"/>
-    </dgm:style>
-  </dgm:styleLbl>
-  <dgm:styleLbl name="solidBgAcc1">
-    <dgm:scene3d>
-      <a:camera prst="orthographicFront"/>
-      <a:lightRig rig="threePt" dir="t"/>
-    </dgm:scene3d>
-    <dgm:sp3d/>
-    <dgm:txPr/>
-    <dgm:style>
-      <a:lnRef idx="2">
-        <a:scrgbClr r="0" g="0" b="0"/>
-      </a:lnRef>
-      <a:fillRef idx="1">
-        <a:scrgbClr r="0" g="0" b="0"/>
-      </a:fillRef>
-      <a:effectRef idx="0">
-        <a:scrgbClr r="0" g="0" b="0"/>
-      </a:effectRef>
-      <a:fontRef idx="minor"/>
-    </dgm:style>
-  </dgm:styleLbl>
-  <dgm:styleLbl name="fgAccFollowNode1">
-    <dgm:scene3d>
-      <a:camera prst="orthographicFront"/>
-      <a:lightRig rig="threePt" dir="t"/>
-    </dgm:scene3d>
-    <dgm:sp3d/>
-    <dgm:txPr/>
-    <dgm:style>
-      <a:lnRef idx="2">
-        <a:scrgbClr r="0" g="0" b="0"/>
-      </a:lnRef>
-      <a:fillRef idx="1">
-        <a:scrgbClr r="0" g="0" b="0"/>
-      </a:fillRef>
-      <a:effectRef idx="0">
-        <a:scrgbClr r="0" g="0" b="0"/>
-      </a:effectRef>
-      <a:fontRef idx="minor"/>
-    </dgm:style>
-  </dgm:styleLbl>
-  <dgm:styleLbl name="alignAccFollowNode1">
-    <dgm:scene3d>
-      <a:camera prst="orthographicFront"/>
-      <a:lightRig rig="threePt" dir="t"/>
-    </dgm:scene3d>
-    <dgm:sp3d/>
-    <dgm:txPr/>
-    <dgm:style>
-      <a:lnRef idx="2">
-        <a:scrgbClr r="0" g="0" b="0"/>
-      </a:lnRef>
-      <a:fillRef idx="1">
-        <a:scrgbClr r="0" g="0" b="0"/>
-      </a:fillRef>
-      <a:effectRef idx="0">
-        <a:scrgbClr r="0" g="0" b="0"/>
-      </a:effectRef>
-      <a:fontRef idx="minor"/>
-    </dgm:style>
-  </dgm:styleLbl>
-  <dgm:styleLbl name="bgAccFollowNode1">
-    <dgm:scene3d>
-      <a:camera prst="orthographicFront"/>
-      <a:lightRig rig="threePt" dir="t"/>
-    </dgm:scene3d>
-    <dgm:sp3d/>
-    <dgm:txPr/>
-    <dgm:style>
-      <a:lnRef idx="2">
-        <a:scrgbClr r="0" g="0" b="0"/>
-      </a:lnRef>
-      <a:fillRef idx="1">
-        <a:scrgbClr r="0" g="0" b="0"/>
-      </a:fillRef>
-      <a:effectRef idx="0">
-        <a:scrgbClr r="0" g="0" b="0"/>
-      </a:effectRef>
-      <a:fontRef idx="minor"/>
-    </dgm:style>
-  </dgm:styleLbl>
-  <dgm:styleLbl name="fgAcc0">
-    <dgm:scene3d>
-      <a:camera prst="orthographicFront"/>
-      <a:lightRig rig="threePt" dir="t"/>
-    </dgm:scene3d>
-    <dgm:sp3d/>
-    <dgm:txPr/>
-    <dgm:style>
-      <a:lnRef idx="2">
-        <a:scrgbClr r="0" g="0" b="0"/>
-      </a:lnRef>
-      <a:fillRef idx="1">
-        <a:scrgbClr r="0" g="0" b="0"/>
-      </a:fillRef>
-      <a:effectRef idx="0">
-        <a:scrgbClr r="0" g="0" b="0"/>
-      </a:effectRef>
-      <a:fontRef idx="minor"/>
-    </dgm:style>
-  </dgm:styleLbl>
-  <dgm:styleLbl name="fgAcc2">
-    <dgm:scene3d>
-      <a:camera prst="orthographicFront"/>
-      <a:lightRig rig="threePt" dir="t"/>
-    </dgm:scene3d>
-    <dgm:sp3d/>
-    <dgm:txPr/>
-    <dgm:style>
-      <a:lnRef idx="2">
-        <a:scrgbClr r="0" g="0" b="0"/>
-      </a:lnRef>
-      <a:fillRef idx="1">
-        <a:scrgbClr r="0" g="0" b="0"/>
-      </a:fillRef>
-      <a:effectRef idx="0">
-        <a:scrgbClr r="0" g="0" b="0"/>
-      </a:effectRef>
-      <a:fontRef idx="minor"/>
-    </dgm:style>
-  </dgm:styleLbl>
-  <dgm:styleLbl name="fgAcc3">
-    <dgm:scene3d>
-      <a:camera prst="orthographicFront"/>
-      <a:lightRig rig="threePt" dir="t"/>
-    </dgm:scene3d>
-    <dgm:sp3d/>
-    <dgm:txPr/>
-    <dgm:style>
-      <a:lnRef idx="2">
-        <a:scrgbClr r="0" g="0" b="0"/>
-      </a:lnRef>
-      <a:fillRef idx="1">
-        <a:scrgbClr r="0" g="0" b="0"/>
-      </a:fillRef>
-      <a:effectRef idx="0">
-        <a:scrgbClr r="0" g="0" b="0"/>
-      </a:effectRef>
-      <a:fontRef idx="minor"/>
-    </dgm:style>
-  </dgm:styleLbl>
-  <dgm:styleLbl name="fgAcc4">
-    <dgm:scene3d>
-      <a:camera prst="orthographicFront"/>
-      <a:lightRig rig="threePt" dir="t"/>
-    </dgm:scene3d>
-    <dgm:sp3d/>
-    <dgm:txPr/>
-    <dgm:style>
-      <a:lnRef idx="2">
-        <a:scrgbClr r="0" g="0" b="0"/>
-      </a:lnRef>
-      <a:fillRef idx="1">
-        <a:scrgbClr r="0" g="0" b="0"/>
-      </a:fillRef>
-      <a:effectRef idx="0">
-        <a:scrgbClr r="0" g="0" b="0"/>
-      </a:effectRef>
-      <a:fontRef idx="minor"/>
-    </dgm:style>
-  </dgm:styleLbl>
-  <dgm:styleLbl name="bgShp">
-    <dgm:scene3d>
-      <a:camera prst="orthographicFront"/>
-      <a:lightRig rig="threePt" dir="t"/>
-    </dgm:scene3d>
-    <dgm:sp3d/>
-    <dgm:txPr/>
-    <dgm:style>
-      <a:lnRef idx="0">
-        <a:scrgbClr r="0" g="0" b="0"/>
-      </a:lnRef>
-      <a:fillRef idx="1">
-        <a:scrgbClr r="0" g="0" b="0"/>
-      </a:fillRef>
-      <a:effectRef idx="0">
-        <a:scrgbClr r="0" g="0" b="0"/>
-      </a:effectRef>
-      <a:fontRef idx="minor"/>
-    </dgm:style>
-  </dgm:styleLbl>
-  <dgm:styleLbl name="dkBgShp">
-    <dgm:scene3d>
-      <a:camera prst="orthographicFront"/>
-      <a:lightRig rig="threePt" dir="t"/>
-    </dgm:scene3d>
-    <dgm:sp3d/>
-    <dgm:txPr/>
-    <dgm:style>
-      <a:lnRef idx="0">
-        <a:scrgbClr r="0" g="0" b="0"/>
-      </a:lnRef>
-      <a:fillRef idx="1">
-        <a:scrgbClr r="0" g="0" b="0"/>
-      </a:fillRef>
-      <a:effectRef idx="0">
-        <a:scrgbClr r="0" g="0" b="0"/>
-      </a:effectRef>
-      <a:fontRef idx="minor"/>
-    </dgm:style>
-  </dgm:styleLbl>
-  <dgm:styleLbl name="trBgShp">
-    <dgm:scene3d>
-      <a:camera prst="orthographicFront"/>
-      <a:lightRig rig="threePt" dir="t"/>
-    </dgm:scene3d>
-    <dgm:sp3d/>
-    <dgm:txPr/>
-    <dgm:style>
-      <a:lnRef idx="0">
-        <a:scrgbClr r="0" g="0" b="0"/>
-      </a:lnRef>
-      <a:fillRef idx="1">
-        <a:scrgbClr r="0" g="0" b="0"/>
-      </a:fillRef>
-      <a:effectRef idx="0">
-        <a:scrgbClr r="0" g="0" b="0"/>
-      </a:effectRef>
-      <a:fontRef idx="minor"/>
-    </dgm:style>
-  </dgm:styleLbl>
-  <dgm:styleLbl name="fgShp">
-    <dgm:scene3d>
-      <a:camera prst="orthographicFront"/>
-      <a:lightRig rig="threePt" dir="t"/>
-    </dgm:scene3d>
-    <dgm:sp3d/>
-    <dgm:txPr/>
-    <dgm:style>
-      <a:lnRef idx="2">
-        <a:scrgbClr r="0" g="0" b="0"/>
-      </a:lnRef>
-      <a:fillRef idx="1">
-        <a:scrgbClr r="0" g="0" b="0"/>
-      </a:fillRef>
-      <a:effectRef idx="0">
-        <a:scrgbClr r="0" g="0" b="0"/>
-      </a:effectRef>
-      <a:fontRef idx="minor"/>
-    </dgm:style>
-  </dgm:styleLbl>
-  <dgm:styleLbl name="revTx">
-    <dgm:scene3d>
-      <a:camera prst="orthographicFront"/>
-      <a:lightRig rig="threePt" dir="t"/>
-    </dgm:scene3d>
-    <dgm:sp3d/>
-    <dgm:txPr/>
-    <dgm:style>
-      <a:lnRef idx="0">
-        <a:scrgbClr r="0" g="0" b="0"/>
-      </a:lnRef>
-      <a:fillRef idx="0">
-        <a:scrgbClr r="0" g="0" b="0"/>
-      </a:fillRef>
-      <a:effectRef idx="0">
-        <a:scrgbClr r="0" g="0" b="0"/>
-      </a:effectRef>
-      <a:fontRef idx="minor"/>
-    </dgm:style>
-  </dgm:styleLbl>
-</dgm:styleDef>
-</file>
-
-<file path=ppt/diagrams/quickStyle2.xml><?xml version="1.0" encoding="utf-8"?>
 <dgm:styleDef xmlns:dgm="http://schemas.openxmlformats.org/drawingml/2006/diagram" xmlns:a="http://schemas.openxmlformats.org/drawingml/2006/main" uniqueId="urn:microsoft.com/office/officeart/2005/8/quickstyle/simple1">
   <dgm:title val=""/>
   <dgm:desc val=""/>
@@ -12028,15 +9033,9 @@
           <a:p>
             <a:r>
               <a:rPr lang="en-US" dirty="0"/>
-              <a:t>Key Performance Indicator Map</a:t>
+              <a:t>Key Performance Indicator List &amp; Role Map</a:t>
             </a:r>
-            <a:br>
-              <a:rPr lang="en-US" dirty="0"/>
-            </a:br>
-            <a:r>
-              <a:rPr lang="en-US" sz="1600" dirty="0"/>
-              <a:t>Scorecard Category =&gt; KPI’s =&gt; Role Specific Scorecard Priorities &amp; Metrics</a:t>
-            </a:r>
+            <a:endParaRPr lang="en-US" sz="1600" dirty="0"/>
           </a:p>
         </p:txBody>
       </p:sp>
@@ -12109,6 +9108,321 @@
           </a:prstGeom>
         </p:spPr>
       </p:pic>
+      <p:sp>
+        <p:nvSpPr>
+          <p:cNvPr id="3" name="Rectangle 2">
+            <a:extLst>
+              <a:ext uri="{FF2B5EF4-FFF2-40B4-BE49-F238E27FC236}">
+                <a16:creationId xmlns:a16="http://schemas.microsoft.com/office/drawing/2014/main" id="{22B1DA3B-1A01-467C-9711-47D356D6E66C}"/>
+              </a:ext>
+            </a:extLst>
+          </p:cNvPr>
+          <p:cNvSpPr/>
+          <p:nvPr/>
+        </p:nvSpPr>
+        <p:spPr>
+          <a:xfrm>
+            <a:off x="6819900" y="2486024"/>
+            <a:ext cx="838200" cy="3893425"/>
+          </a:xfrm>
+          <a:prstGeom prst="rect">
+            <a:avLst/>
+          </a:prstGeom>
+          <a:noFill/>
+          <a:ln w="38100">
+            <a:solidFill>
+              <a:srgbClr val="C00000"/>
+            </a:solidFill>
+          </a:ln>
+        </p:spPr>
+        <p:style>
+          <a:lnRef idx="2">
+            <a:schemeClr val="accent1">
+              <a:shade val="50000"/>
+            </a:schemeClr>
+          </a:lnRef>
+          <a:fillRef idx="1">
+            <a:schemeClr val="accent1"/>
+          </a:fillRef>
+          <a:effectRef idx="0">
+            <a:schemeClr val="accent1"/>
+          </a:effectRef>
+          <a:fontRef idx="minor">
+            <a:schemeClr val="lt1"/>
+          </a:fontRef>
+        </p:style>
+        <p:txBody>
+          <a:bodyPr rtlCol="0" anchor="ctr"/>
+          <a:lstStyle/>
+          <a:p>
+            <a:pPr algn="ctr"/>
+            <a:endParaRPr lang="en-US"/>
+          </a:p>
+        </p:txBody>
+      </p:sp>
+      <p:sp>
+        <p:nvSpPr>
+          <p:cNvPr id="5" name="Rectangle 4">
+            <a:extLst>
+              <a:ext uri="{FF2B5EF4-FFF2-40B4-BE49-F238E27FC236}">
+                <a16:creationId xmlns:a16="http://schemas.microsoft.com/office/drawing/2014/main" id="{DC75A442-B34F-41E1-96E4-ADCF9ED7349F}"/>
+              </a:ext>
+            </a:extLst>
+          </p:cNvPr>
+          <p:cNvSpPr/>
+          <p:nvPr/>
+        </p:nvSpPr>
+        <p:spPr>
+          <a:xfrm>
+            <a:off x="6819900" y="6379449"/>
+            <a:ext cx="838200" cy="726201"/>
+          </a:xfrm>
+          <a:prstGeom prst="rect">
+            <a:avLst/>
+          </a:prstGeom>
+          <a:solidFill>
+            <a:srgbClr val="C00000"/>
+          </a:solidFill>
+          <a:ln w="38100">
+            <a:solidFill>
+              <a:srgbClr val="C00000"/>
+            </a:solidFill>
+          </a:ln>
+        </p:spPr>
+        <p:style>
+          <a:lnRef idx="2">
+            <a:schemeClr val="accent1">
+              <a:shade val="50000"/>
+            </a:schemeClr>
+          </a:lnRef>
+          <a:fillRef idx="1">
+            <a:schemeClr val="accent1"/>
+          </a:fillRef>
+          <a:effectRef idx="0">
+            <a:schemeClr val="accent1"/>
+          </a:effectRef>
+          <a:fontRef idx="minor">
+            <a:schemeClr val="lt1"/>
+          </a:fontRef>
+        </p:style>
+        <p:txBody>
+          <a:bodyPr rtlCol="0" anchor="ctr"/>
+          <a:lstStyle/>
+          <a:p>
+            <a:pPr algn="ctr"/>
+            <a:r>
+              <a:rPr lang="en-US" sz="1100" dirty="0"/>
+              <a:t>Translate to Example Dashboard Next Page</a:t>
+            </a:r>
+          </a:p>
+        </p:txBody>
+      </p:sp>
+      <p:sp>
+        <p:nvSpPr>
+          <p:cNvPr id="10" name="Rectangle 9">
+            <a:extLst>
+              <a:ext uri="{FF2B5EF4-FFF2-40B4-BE49-F238E27FC236}">
+                <a16:creationId xmlns:a16="http://schemas.microsoft.com/office/drawing/2014/main" id="{2289D7C9-D452-4D63-94B2-BE1F69E2B58A}"/>
+              </a:ext>
+            </a:extLst>
+          </p:cNvPr>
+          <p:cNvSpPr/>
+          <p:nvPr/>
+        </p:nvSpPr>
+        <p:spPr>
+          <a:xfrm>
+            <a:off x="337351" y="2210363"/>
+            <a:ext cx="1043772" cy="551321"/>
+          </a:xfrm>
+          <a:prstGeom prst="rect">
+            <a:avLst/>
+          </a:prstGeom>
+          <a:solidFill>
+            <a:srgbClr val="C00000"/>
+          </a:solidFill>
+          <a:ln w="38100">
+            <a:solidFill>
+              <a:srgbClr val="C00000"/>
+            </a:solidFill>
+          </a:ln>
+        </p:spPr>
+        <p:style>
+          <a:lnRef idx="2">
+            <a:schemeClr val="accent1">
+              <a:shade val="50000"/>
+            </a:schemeClr>
+          </a:lnRef>
+          <a:fillRef idx="1">
+            <a:schemeClr val="accent1"/>
+          </a:fillRef>
+          <a:effectRef idx="0">
+            <a:schemeClr val="accent1"/>
+          </a:effectRef>
+          <a:fontRef idx="minor">
+            <a:schemeClr val="lt1"/>
+          </a:fontRef>
+        </p:style>
+        <p:txBody>
+          <a:bodyPr rtlCol="0" anchor="ctr"/>
+          <a:lstStyle/>
+          <a:p>
+            <a:pPr algn="ctr"/>
+            <a:r>
+              <a:rPr lang="en-US" sz="1100" dirty="0"/>
+              <a:t>5 to 7 Scorecard</a:t>
+            </a:r>
+          </a:p>
+          <a:p>
+            <a:pPr algn="ctr"/>
+            <a:r>
+              <a:rPr lang="en-US" sz="1100" dirty="0"/>
+              <a:t>Categories</a:t>
+            </a:r>
+          </a:p>
+        </p:txBody>
+      </p:sp>
+      <p:sp>
+        <p:nvSpPr>
+          <p:cNvPr id="11" name="Rectangle 10">
+            <a:extLst>
+              <a:ext uri="{FF2B5EF4-FFF2-40B4-BE49-F238E27FC236}">
+                <a16:creationId xmlns:a16="http://schemas.microsoft.com/office/drawing/2014/main" id="{F2F10C10-D8DF-4FB4-829F-FD50922FB288}"/>
+              </a:ext>
+            </a:extLst>
+          </p:cNvPr>
+          <p:cNvSpPr/>
+          <p:nvPr/>
+        </p:nvSpPr>
+        <p:spPr>
+          <a:xfrm>
+            <a:off x="337350" y="2973564"/>
+            <a:ext cx="1043773" cy="1017161"/>
+          </a:xfrm>
+          <a:prstGeom prst="rect">
+            <a:avLst/>
+          </a:prstGeom>
+          <a:solidFill>
+            <a:srgbClr val="C00000"/>
+          </a:solidFill>
+          <a:ln w="38100">
+            <a:solidFill>
+              <a:srgbClr val="C00000"/>
+            </a:solidFill>
+          </a:ln>
+        </p:spPr>
+        <p:style>
+          <a:lnRef idx="2">
+            <a:schemeClr val="accent1">
+              <a:shade val="50000"/>
+            </a:schemeClr>
+          </a:lnRef>
+          <a:fillRef idx="1">
+            <a:schemeClr val="accent1"/>
+          </a:fillRef>
+          <a:effectRef idx="0">
+            <a:schemeClr val="accent1"/>
+          </a:effectRef>
+          <a:fontRef idx="minor">
+            <a:schemeClr val="lt1"/>
+          </a:fontRef>
+        </p:style>
+        <p:txBody>
+          <a:bodyPr rtlCol="0" anchor="ctr"/>
+          <a:lstStyle/>
+          <a:p>
+            <a:pPr algn="ctr"/>
+            <a:r>
+              <a:rPr lang="en-US" sz="1100" dirty="0"/>
+              <a:t>20 to 25 </a:t>
+            </a:r>
+          </a:p>
+          <a:p>
+            <a:pPr algn="ctr"/>
+            <a:r>
+              <a:rPr lang="en-US" sz="1100" dirty="0"/>
+              <a:t>Performance</a:t>
+            </a:r>
+          </a:p>
+          <a:p>
+            <a:pPr algn="ctr"/>
+            <a:r>
+              <a:rPr lang="en-US" sz="1100" dirty="0"/>
+              <a:t>Indicators</a:t>
+            </a:r>
+          </a:p>
+        </p:txBody>
+      </p:sp>
+      <p:sp>
+        <p:nvSpPr>
+          <p:cNvPr id="12" name="Rectangle 11">
+            <a:extLst>
+              <a:ext uri="{FF2B5EF4-FFF2-40B4-BE49-F238E27FC236}">
+                <a16:creationId xmlns:a16="http://schemas.microsoft.com/office/drawing/2014/main" id="{AC7ADEE4-3ED1-4A98-8288-EA51B5E00B72}"/>
+              </a:ext>
+            </a:extLst>
+          </p:cNvPr>
+          <p:cNvSpPr/>
+          <p:nvPr/>
+        </p:nvSpPr>
+        <p:spPr>
+          <a:xfrm>
+            <a:off x="337350" y="4263901"/>
+            <a:ext cx="1043774" cy="1017160"/>
+          </a:xfrm>
+          <a:prstGeom prst="rect">
+            <a:avLst/>
+          </a:prstGeom>
+          <a:solidFill>
+            <a:srgbClr val="C00000"/>
+          </a:solidFill>
+          <a:ln w="38100">
+            <a:solidFill>
+              <a:srgbClr val="C00000"/>
+            </a:solidFill>
+          </a:ln>
+        </p:spPr>
+        <p:style>
+          <a:lnRef idx="2">
+            <a:schemeClr val="accent1">
+              <a:shade val="50000"/>
+            </a:schemeClr>
+          </a:lnRef>
+          <a:fillRef idx="1">
+            <a:schemeClr val="accent1"/>
+          </a:fillRef>
+          <a:effectRef idx="0">
+            <a:schemeClr val="accent1"/>
+          </a:effectRef>
+          <a:fontRef idx="minor">
+            <a:schemeClr val="lt1"/>
+          </a:fontRef>
+        </p:style>
+        <p:txBody>
+          <a:bodyPr rtlCol="0" anchor="ctr"/>
+          <a:lstStyle/>
+          <a:p>
+            <a:pPr algn="ctr"/>
+            <a:r>
+              <a:rPr lang="en-US" sz="1100" dirty="0"/>
+              <a:t>Narrowed to</a:t>
+            </a:r>
+          </a:p>
+          <a:p>
+            <a:pPr algn="ctr"/>
+            <a:r>
+              <a:rPr lang="en-US" sz="1100" dirty="0"/>
+              <a:t>5 to 7 Performance Metrics</a:t>
+            </a:r>
+          </a:p>
+          <a:p>
+            <a:pPr algn="ctr"/>
+            <a:r>
+              <a:rPr lang="en-US" sz="1100" dirty="0"/>
+              <a:t>for each role</a:t>
+            </a:r>
+          </a:p>
+        </p:txBody>
+      </p:sp>
     </p:spTree>
     <p:extLst>
       <p:ext uri="{BB962C8B-B14F-4D97-AF65-F5344CB8AC3E}">
@@ -12123,6 +9437,322 @@
 </file>
 
 <file path=ppt/slides/slide5.xml><?xml version="1.0" encoding="utf-8"?>
+<p:sld xmlns:a="http://schemas.openxmlformats.org/drawingml/2006/main" xmlns:r="http://schemas.openxmlformats.org/officeDocument/2006/relationships" xmlns:p="http://schemas.openxmlformats.org/presentationml/2006/main">
+  <p:cSld>
+    <p:spTree>
+      <p:nvGrpSpPr>
+        <p:cNvPr id="1" name=""/>
+        <p:cNvGrpSpPr/>
+        <p:nvPr/>
+      </p:nvGrpSpPr>
+      <p:grpSpPr>
+        <a:xfrm>
+          <a:off x="0" y="0"/>
+          <a:ext cx="0" cy="0"/>
+          <a:chOff x="0" y="0"/>
+          <a:chExt cx="0" cy="0"/>
+        </a:xfrm>
+      </p:grpSpPr>
+      <p:sp>
+        <p:nvSpPr>
+          <p:cNvPr id="2" name="Title 1">
+            <a:extLst>
+              <a:ext uri="{FF2B5EF4-FFF2-40B4-BE49-F238E27FC236}">
+                <a16:creationId xmlns:a16="http://schemas.microsoft.com/office/drawing/2014/main" id="{B5B19106-3412-44A9-AC4B-9E919B2D3728}"/>
+              </a:ext>
+            </a:extLst>
+          </p:cNvPr>
+          <p:cNvSpPr>
+            <a:spLocks noGrp="1"/>
+          </p:cNvSpPr>
+          <p:nvPr>
+            <p:ph type="title"/>
+          </p:nvPr>
+        </p:nvSpPr>
+        <p:spPr/>
+        <p:txBody>
+          <a:bodyPr/>
+          <a:lstStyle/>
+          <a:p>
+            <a:r>
+              <a:rPr lang="en-US" dirty="0"/>
+              <a:t>Dashboard Example</a:t>
+            </a:r>
+          </a:p>
+        </p:txBody>
+      </p:sp>
+      <p:sp>
+        <p:nvSpPr>
+          <p:cNvPr id="5" name="TextBox 4">
+            <a:extLst>
+              <a:ext uri="{FF2B5EF4-FFF2-40B4-BE49-F238E27FC236}">
+                <a16:creationId xmlns:a16="http://schemas.microsoft.com/office/drawing/2014/main" id="{C4E5109F-C20C-4159-B4E4-CF7B1467EBCD}"/>
+              </a:ext>
+            </a:extLst>
+          </p:cNvPr>
+          <p:cNvSpPr txBox="1"/>
+          <p:nvPr/>
+        </p:nvSpPr>
+        <p:spPr>
+          <a:xfrm>
+            <a:off x="337351" y="6571397"/>
+            <a:ext cx="2531462" cy="246221"/>
+          </a:xfrm>
+          <a:prstGeom prst="rect">
+            <a:avLst/>
+          </a:prstGeom>
+          <a:noFill/>
+        </p:spPr>
+        <p:txBody>
+          <a:bodyPr wrap="none" rtlCol="0">
+            <a:spAutoFit/>
+          </a:bodyPr>
+          <a:lstStyle/>
+          <a:p>
+            <a:r>
+              <a:rPr lang="en-US" sz="1000" b="1" dirty="0">
+                <a:solidFill>
+                  <a:schemeClr val="bg1"/>
+                </a:solidFill>
+              </a:rPr>
+              <a:t>2021 Copyright Kent Matthew Rodgers</a:t>
+            </a:r>
+          </a:p>
+        </p:txBody>
+      </p:sp>
+      <p:pic>
+        <p:nvPicPr>
+          <p:cNvPr id="6" name="Picture 5">
+            <a:extLst>
+              <a:ext uri="{FF2B5EF4-FFF2-40B4-BE49-F238E27FC236}">
+                <a16:creationId xmlns:a16="http://schemas.microsoft.com/office/drawing/2014/main" id="{A16368C0-4FE3-4E2E-88E8-1CC499F8C75A}"/>
+              </a:ext>
+            </a:extLst>
+          </p:cNvPr>
+          <p:cNvPicPr>
+            <a:picLocks noChangeAspect="1"/>
+          </p:cNvPicPr>
+          <p:nvPr/>
+        </p:nvPicPr>
+        <p:blipFill rotWithShape="1">
+          <a:blip r:embed="rId2"/>
+          <a:srcRect b="20992"/>
+          <a:stretch/>
+        </p:blipFill>
+        <p:spPr>
+          <a:xfrm>
+            <a:off x="1097280" y="2006677"/>
+            <a:ext cx="6400800" cy="2844646"/>
+          </a:xfrm>
+          <a:prstGeom prst="rect">
+            <a:avLst/>
+          </a:prstGeom>
+        </p:spPr>
+      </p:pic>
+      <p:sp>
+        <p:nvSpPr>
+          <p:cNvPr id="11" name="Rectangle 10">
+            <a:extLst>
+              <a:ext uri="{FF2B5EF4-FFF2-40B4-BE49-F238E27FC236}">
+                <a16:creationId xmlns:a16="http://schemas.microsoft.com/office/drawing/2014/main" id="{21B55C03-2EA8-40B7-8868-A4E4EB0D9621}"/>
+              </a:ext>
+            </a:extLst>
+          </p:cNvPr>
+          <p:cNvSpPr/>
+          <p:nvPr/>
+        </p:nvSpPr>
+        <p:spPr>
+          <a:xfrm>
+            <a:off x="946784" y="2006678"/>
+            <a:ext cx="6958965" cy="3041572"/>
+          </a:xfrm>
+          <a:prstGeom prst="rect">
+            <a:avLst/>
+          </a:prstGeom>
+          <a:noFill/>
+          <a:ln w="38100">
+            <a:solidFill>
+              <a:srgbClr val="C00000"/>
+            </a:solidFill>
+          </a:ln>
+        </p:spPr>
+        <p:style>
+          <a:lnRef idx="2">
+            <a:schemeClr val="accent1">
+              <a:shade val="50000"/>
+            </a:schemeClr>
+          </a:lnRef>
+          <a:fillRef idx="1">
+            <a:schemeClr val="accent1"/>
+          </a:fillRef>
+          <a:effectRef idx="0">
+            <a:schemeClr val="accent1"/>
+          </a:effectRef>
+          <a:fontRef idx="minor">
+            <a:schemeClr val="lt1"/>
+          </a:fontRef>
+        </p:style>
+        <p:txBody>
+          <a:bodyPr rtlCol="0" anchor="ctr"/>
+          <a:lstStyle/>
+          <a:p>
+            <a:pPr algn="ctr"/>
+            <a:endParaRPr lang="en-US"/>
+          </a:p>
+        </p:txBody>
+      </p:sp>
+      <p:sp>
+        <p:nvSpPr>
+          <p:cNvPr id="12" name="Rectangle 11">
+            <a:extLst>
+              <a:ext uri="{FF2B5EF4-FFF2-40B4-BE49-F238E27FC236}">
+                <a16:creationId xmlns:a16="http://schemas.microsoft.com/office/drawing/2014/main" id="{F78E7E83-82F8-4EED-87AE-E02836E4E672}"/>
+              </a:ext>
+            </a:extLst>
+          </p:cNvPr>
+          <p:cNvSpPr/>
+          <p:nvPr/>
+        </p:nvSpPr>
+        <p:spPr>
+          <a:xfrm>
+            <a:off x="99060" y="2006677"/>
+            <a:ext cx="838200" cy="551321"/>
+          </a:xfrm>
+          <a:prstGeom prst="rect">
+            <a:avLst/>
+          </a:prstGeom>
+          <a:solidFill>
+            <a:srgbClr val="C00000"/>
+          </a:solidFill>
+          <a:ln w="38100">
+            <a:solidFill>
+              <a:srgbClr val="C00000"/>
+            </a:solidFill>
+          </a:ln>
+        </p:spPr>
+        <p:style>
+          <a:lnRef idx="2">
+            <a:schemeClr val="accent1">
+              <a:shade val="50000"/>
+            </a:schemeClr>
+          </a:lnRef>
+          <a:fillRef idx="1">
+            <a:schemeClr val="accent1"/>
+          </a:fillRef>
+          <a:effectRef idx="0">
+            <a:schemeClr val="accent1"/>
+          </a:effectRef>
+          <a:fontRef idx="minor">
+            <a:schemeClr val="lt1"/>
+          </a:fontRef>
+        </p:style>
+        <p:txBody>
+          <a:bodyPr rtlCol="0" anchor="ctr"/>
+          <a:lstStyle/>
+          <a:p>
+            <a:pPr algn="ctr"/>
+            <a:r>
+              <a:rPr lang="en-US" sz="1100" dirty="0"/>
+              <a:t>Scorecard =&gt; Daily Dashboard</a:t>
+            </a:r>
+          </a:p>
+        </p:txBody>
+      </p:sp>
+      <p:sp>
+        <p:nvSpPr>
+          <p:cNvPr id="13" name="Rectangle 12">
+            <a:extLst>
+              <a:ext uri="{FF2B5EF4-FFF2-40B4-BE49-F238E27FC236}">
+                <a16:creationId xmlns:a16="http://schemas.microsoft.com/office/drawing/2014/main" id="{1C61AA88-5440-416E-81FD-5FEA1BDBF536}"/>
+              </a:ext>
+            </a:extLst>
+          </p:cNvPr>
+          <p:cNvSpPr/>
+          <p:nvPr/>
+        </p:nvSpPr>
+        <p:spPr>
+          <a:xfrm>
+            <a:off x="5261609" y="3905250"/>
+            <a:ext cx="6400800" cy="2491739"/>
+          </a:xfrm>
+          <a:prstGeom prst="rect">
+            <a:avLst/>
+          </a:prstGeom>
+          <a:noFill/>
+          <a:ln w="38100">
+            <a:solidFill>
+              <a:srgbClr val="C00000"/>
+            </a:solidFill>
+          </a:ln>
+        </p:spPr>
+        <p:style>
+          <a:lnRef idx="2">
+            <a:schemeClr val="accent1">
+              <a:shade val="50000"/>
+            </a:schemeClr>
+          </a:lnRef>
+          <a:fillRef idx="1">
+            <a:schemeClr val="accent1"/>
+          </a:fillRef>
+          <a:effectRef idx="0">
+            <a:schemeClr val="accent1"/>
+          </a:effectRef>
+          <a:fontRef idx="minor">
+            <a:schemeClr val="lt1"/>
+          </a:fontRef>
+        </p:style>
+        <p:txBody>
+          <a:bodyPr rtlCol="0" anchor="ctr"/>
+          <a:lstStyle/>
+          <a:p>
+            <a:pPr algn="ctr"/>
+            <a:endParaRPr lang="en-US"/>
+          </a:p>
+        </p:txBody>
+      </p:sp>
+      <p:pic>
+        <p:nvPicPr>
+          <p:cNvPr id="10" name="Picture 9">
+            <a:extLst>
+              <a:ext uri="{FF2B5EF4-FFF2-40B4-BE49-F238E27FC236}">
+                <a16:creationId xmlns:a16="http://schemas.microsoft.com/office/drawing/2014/main" id="{03F0C574-F753-4705-8A76-6AD867476CD2}"/>
+              </a:ext>
+            </a:extLst>
+          </p:cNvPr>
+          <p:cNvPicPr>
+            <a:picLocks noChangeAspect="1"/>
+          </p:cNvPicPr>
+          <p:nvPr/>
+        </p:nvPicPr>
+        <p:blipFill rotWithShape="1">
+          <a:blip r:embed="rId3"/>
+          <a:srcRect t="33862"/>
+          <a:stretch/>
+        </p:blipFill>
+        <p:spPr>
+          <a:xfrm>
+            <a:off x="5261609" y="3943350"/>
+            <a:ext cx="6400800" cy="2406015"/>
+          </a:xfrm>
+          <a:prstGeom prst="rect">
+            <a:avLst/>
+          </a:prstGeom>
+        </p:spPr>
+      </p:pic>
+    </p:spTree>
+    <p:extLst>
+      <p:ext uri="{BB962C8B-B14F-4D97-AF65-F5344CB8AC3E}">
+        <p14:creationId xmlns:p14="http://schemas.microsoft.com/office/powerpoint/2010/main" val="3743902520"/>
+      </p:ext>
+    </p:extLst>
+  </p:cSld>
+  <p:clrMapOvr>
+    <a:masterClrMapping/>
+  </p:clrMapOvr>
+</p:sld>
+</file>
+
+<file path=ppt/slides/slide6.xml><?xml version="1.0" encoding="utf-8"?>
 <p:sld xmlns:a="http://schemas.openxmlformats.org/drawingml/2006/main" xmlns:r="http://schemas.openxmlformats.org/officeDocument/2006/relationships" xmlns:p="http://schemas.openxmlformats.org/presentationml/2006/main">
   <p:cSld>
     <p:spTree>
@@ -16381,133 +14011,6 @@
 </p:sld>
 </file>
 
-<file path=ppt/slides/slide6.xml><?xml version="1.0" encoding="utf-8"?>
-<p:sld xmlns:a="http://schemas.openxmlformats.org/drawingml/2006/main" xmlns:r="http://schemas.openxmlformats.org/officeDocument/2006/relationships" xmlns:p="http://schemas.openxmlformats.org/presentationml/2006/main">
-  <p:cSld>
-    <p:spTree>
-      <p:nvGrpSpPr>
-        <p:cNvPr id="1" name=""/>
-        <p:cNvGrpSpPr/>
-        <p:nvPr/>
-      </p:nvGrpSpPr>
-      <p:grpSpPr>
-        <a:xfrm>
-          <a:off x="0" y="0"/>
-          <a:ext cx="0" cy="0"/>
-          <a:chOff x="0" y="0"/>
-          <a:chExt cx="0" cy="0"/>
-        </a:xfrm>
-      </p:grpSpPr>
-      <p:sp>
-        <p:nvSpPr>
-          <p:cNvPr id="2" name="Title 1">
-            <a:extLst>
-              <a:ext uri="{FF2B5EF4-FFF2-40B4-BE49-F238E27FC236}">
-                <a16:creationId xmlns:a16="http://schemas.microsoft.com/office/drawing/2014/main" id="{B5B19106-3412-44A9-AC4B-9E919B2D3728}"/>
-              </a:ext>
-            </a:extLst>
-          </p:cNvPr>
-          <p:cNvSpPr>
-            <a:spLocks noGrp="1"/>
-          </p:cNvSpPr>
-          <p:nvPr>
-            <p:ph type="title"/>
-          </p:nvPr>
-        </p:nvSpPr>
-        <p:spPr/>
-        <p:txBody>
-          <a:bodyPr/>
-          <a:lstStyle/>
-          <a:p>
-            <a:r>
-              <a:rPr lang="en-US" dirty="0"/>
-              <a:t>Weekly Scorecard Example</a:t>
-            </a:r>
-          </a:p>
-        </p:txBody>
-      </p:sp>
-      <p:pic>
-        <p:nvPicPr>
-          <p:cNvPr id="4" name="Picture 3">
-            <a:extLst>
-              <a:ext uri="{FF2B5EF4-FFF2-40B4-BE49-F238E27FC236}">
-                <a16:creationId xmlns:a16="http://schemas.microsoft.com/office/drawing/2014/main" id="{A21C9EE7-E72C-4593-9F6C-94BF6E14FFDD}"/>
-              </a:ext>
-            </a:extLst>
-          </p:cNvPr>
-          <p:cNvPicPr>
-            <a:picLocks noChangeAspect="1"/>
-          </p:cNvPicPr>
-          <p:nvPr/>
-        </p:nvPicPr>
-        <p:blipFill>
-          <a:blip r:embed="rId2"/>
-          <a:stretch>
-            <a:fillRect/>
-          </a:stretch>
-        </p:blipFill>
-        <p:spPr>
-          <a:xfrm>
-            <a:off x="2666259" y="2031877"/>
-            <a:ext cx="7303364" cy="4108142"/>
-          </a:xfrm>
-          <a:prstGeom prst="rect">
-            <a:avLst/>
-          </a:prstGeom>
-        </p:spPr>
-      </p:pic>
-      <p:sp>
-        <p:nvSpPr>
-          <p:cNvPr id="5" name="TextBox 4">
-            <a:extLst>
-              <a:ext uri="{FF2B5EF4-FFF2-40B4-BE49-F238E27FC236}">
-                <a16:creationId xmlns:a16="http://schemas.microsoft.com/office/drawing/2014/main" id="{C4E5109F-C20C-4159-B4E4-CF7B1467EBCD}"/>
-              </a:ext>
-            </a:extLst>
-          </p:cNvPr>
-          <p:cNvSpPr txBox="1"/>
-          <p:nvPr/>
-        </p:nvSpPr>
-        <p:spPr>
-          <a:xfrm>
-            <a:off x="337351" y="6571397"/>
-            <a:ext cx="2531462" cy="246221"/>
-          </a:xfrm>
-          <a:prstGeom prst="rect">
-            <a:avLst/>
-          </a:prstGeom>
-          <a:noFill/>
-        </p:spPr>
-        <p:txBody>
-          <a:bodyPr wrap="none" rtlCol="0">
-            <a:spAutoFit/>
-          </a:bodyPr>
-          <a:lstStyle/>
-          <a:p>
-            <a:r>
-              <a:rPr lang="en-US" sz="1000" b="1" dirty="0">
-                <a:solidFill>
-                  <a:schemeClr val="bg1"/>
-                </a:solidFill>
-              </a:rPr>
-              <a:t>2021 Copyright Kent Matthew Rodgers</a:t>
-            </a:r>
-          </a:p>
-        </p:txBody>
-      </p:sp>
-    </p:spTree>
-    <p:extLst>
-      <p:ext uri="{BB962C8B-B14F-4D97-AF65-F5344CB8AC3E}">
-        <p14:creationId xmlns:p14="http://schemas.microsoft.com/office/powerpoint/2010/main" val="3743902520"/>
-      </p:ext>
-    </p:extLst>
-  </p:cSld>
-  <p:clrMapOvr>
-    <a:masterClrMapping/>
-  </p:clrMapOvr>
-</p:sld>
-</file>
-
 <file path=ppt/slides/slide7.xml><?xml version="1.0" encoding="utf-8"?>
 <p:sld xmlns:a="http://schemas.openxmlformats.org/drawingml/2006/main" xmlns:r="http://schemas.openxmlformats.org/officeDocument/2006/relationships" xmlns:p="http://schemas.openxmlformats.org/presentationml/2006/main">
   <p:cSld>
@@ -16705,7 +14208,7 @@
             <a:pPr lvl="1"/>
             <a:r>
               <a:rPr lang="en-US" dirty="0"/>
-              <a:t>… anesthesia, physician and digital information governance, cash logistics</a:t>
+              <a:t>… anesthesia, physical and digital information governance, cash logistics</a:t>
             </a:r>
           </a:p>
           <a:p>
@@ -16825,110 +14328,6 @@
     <p:extLst>
       <p:ext uri="{BB962C8B-B14F-4D97-AF65-F5344CB8AC3E}">
         <p14:creationId xmlns:p14="http://schemas.microsoft.com/office/powerpoint/2010/main" val="2963311221"/>
-      </p:ext>
-    </p:extLst>
-  </p:cSld>
-  <p:clrMapOvr>
-    <a:masterClrMapping/>
-  </p:clrMapOvr>
-</p:sld>
-</file>
-
-<file path=ppt/slides/slide9.xml><?xml version="1.0" encoding="utf-8"?>
-<p:sld xmlns:a="http://schemas.openxmlformats.org/drawingml/2006/main" xmlns:r="http://schemas.openxmlformats.org/officeDocument/2006/relationships" xmlns:p="http://schemas.openxmlformats.org/presentationml/2006/main">
-  <p:cSld>
-    <p:bg>
-      <p:bgPr>
-        <a:solidFill>
-          <a:schemeClr val="bg1"/>
-        </a:solidFill>
-        <a:effectLst/>
-      </p:bgPr>
-    </p:bg>
-    <p:spTree>
-      <p:nvGrpSpPr>
-        <p:cNvPr id="1" name=""/>
-        <p:cNvGrpSpPr/>
-        <p:nvPr/>
-      </p:nvGrpSpPr>
-      <p:grpSpPr>
-        <a:xfrm>
-          <a:off x="0" y="0"/>
-          <a:ext cx="0" cy="0"/>
-          <a:chOff x="0" y="0"/>
-          <a:chExt cx="0" cy="0"/>
-        </a:xfrm>
-      </p:grpSpPr>
-      <p:sp>
-        <p:nvSpPr>
-          <p:cNvPr id="2" name="Title 1">
-            <a:extLst>
-              <a:ext uri="{FF2B5EF4-FFF2-40B4-BE49-F238E27FC236}">
-                <a16:creationId xmlns:a16="http://schemas.microsoft.com/office/drawing/2014/main" id="{66A47F5C-50EC-416A-AE8C-6F6BB4225673}"/>
-              </a:ext>
-            </a:extLst>
-          </p:cNvPr>
-          <p:cNvSpPr>
-            <a:spLocks noGrp="1"/>
-          </p:cNvSpPr>
-          <p:nvPr>
-            <p:ph type="title"/>
-          </p:nvPr>
-        </p:nvSpPr>
-        <p:spPr>
-          <a:xfrm>
-            <a:off x="1097280" y="286603"/>
-            <a:ext cx="10058400" cy="1450757"/>
-          </a:xfrm>
-        </p:spPr>
-        <p:txBody>
-          <a:bodyPr>
-            <a:normAutofit/>
-          </a:bodyPr>
-          <a:lstStyle/>
-          <a:p>
-            <a:r>
-              <a:rPr lang="en-US" dirty="0"/>
-              <a:t>Title Lorem Ipsum </a:t>
-            </a:r>
-          </a:p>
-        </p:txBody>
-      </p:sp>
-      <p:graphicFrame>
-        <p:nvGraphicFramePr>
-          <p:cNvPr id="4" name="Content Placeholder 2" descr="SmartArt graphic">
-            <a:extLst>
-              <a:ext uri="{FF2B5EF4-FFF2-40B4-BE49-F238E27FC236}">
-                <a16:creationId xmlns:a16="http://schemas.microsoft.com/office/drawing/2014/main" id="{59F5A1AC-D08D-42AE-B94A-1CAFB517D846}"/>
-              </a:ext>
-            </a:extLst>
-          </p:cNvPr>
-          <p:cNvGraphicFramePr>
-            <a:graphicFrameLocks noGrp="1"/>
-          </p:cNvGraphicFramePr>
-          <p:nvPr>
-            <p:ph idx="1"/>
-            <p:extLst>
-              <p:ext uri="{D42A27DB-BD31-4B8C-83A1-F6EECF244321}">
-                <p14:modId xmlns:p14="http://schemas.microsoft.com/office/powerpoint/2010/main" val="3003721020"/>
-              </p:ext>
-            </p:extLst>
-          </p:nvPr>
-        </p:nvGraphicFramePr>
-        <p:xfrm>
-          <a:off x="1096963" y="2098515"/>
-          <a:ext cx="10058400" cy="3786080"/>
-        </p:xfrm>
-        <a:graphic>
-          <a:graphicData uri="http://schemas.openxmlformats.org/drawingml/2006/diagram">
-            <dgm:relIds xmlns:dgm="http://schemas.openxmlformats.org/drawingml/2006/diagram" xmlns:r="http://schemas.openxmlformats.org/officeDocument/2006/relationships" r:dm="rId3" r:lo="rId4" r:qs="rId5" r:cs="rId6"/>
-          </a:graphicData>
-        </a:graphic>
-      </p:graphicFrame>
-    </p:spTree>
-    <p:extLst>
-      <p:ext uri="{BB962C8B-B14F-4D97-AF65-F5344CB8AC3E}">
-        <p14:creationId xmlns:p14="http://schemas.microsoft.com/office/powerpoint/2010/main" val="265522590"/>
       </p:ext>
     </p:extLst>
   </p:cSld>
@@ -17264,50 +14663,25 @@
 </a:themeOverride>
 </file>
 
-<file path=ppt/theme/themeOverride2.xml><?xml version="1.0" encoding="utf-8"?>
-<a:themeOverride xmlns:a="http://schemas.openxmlformats.org/drawingml/2006/main">
-  <a:clrScheme name="Custom 40">
-    <a:dk1>
-      <a:sysClr val="windowText" lastClr="000000"/>
-    </a:dk1>
-    <a:lt1>
-      <a:sysClr val="window" lastClr="FFFFFF"/>
-    </a:lt1>
-    <a:dk2>
-      <a:srgbClr val="545D57"/>
-    </a:dk2>
-    <a:lt2>
-      <a:srgbClr val="EBEBE8"/>
-    </a:lt2>
-    <a:accent1>
-      <a:srgbClr val="579858"/>
-    </a:accent1>
-    <a:accent2>
-      <a:srgbClr val="ED583E"/>
-    </a:accent2>
-    <a:accent3>
-      <a:srgbClr val="D3BA59"/>
-    </a:accent3>
-    <a:accent4>
-      <a:srgbClr val="4C94AC"/>
-    </a:accent4>
-    <a:accent5>
-      <a:srgbClr val="A09E84"/>
-    </a:accent5>
-    <a:accent6>
-      <a:srgbClr val="FC7D4A"/>
-    </a:accent6>
-    <a:hlink>
-      <a:srgbClr val="04A2DA"/>
-    </a:hlink>
-    <a:folHlink>
-      <a:srgbClr val="808080"/>
-    </a:folHlink>
-  </a:clrScheme>
-</a:themeOverride>
+<file path=customXml/item1.xml><?xml version="1.0" encoding="utf-8"?>
+<p:properties xmlns:p="http://schemas.microsoft.com/office/2006/metadata/properties" xmlns:xsi="http://www.w3.org/2001/XMLSchema-instance" xmlns:pc="http://schemas.microsoft.com/office/infopath/2007/PartnerControls">
+  <documentManagement>
+    <Status xmlns="71af3243-3dd4-4a8d-8c0d-dd76da1f02a5">Not started</Status>
+    <MediaServiceKeyPoints xmlns="71af3243-3dd4-4a8d-8c0d-dd76da1f02a5" xsi:nil="true"/>
+  </documentManagement>
+</p:properties>
 </file>
 
-<file path=customXml/item1.xml><?xml version="1.0" encoding="utf-8"?>
+<file path=customXml/item2.xml><?xml version="1.0" encoding="utf-8"?>
+<?mso-contentType ?>
+<FormTemplates xmlns="http://schemas.microsoft.com/sharepoint/v3/contenttype/forms">
+  <Display>DocumentLibraryForm</Display>
+  <Edit>DocumentLibraryForm</Edit>
+  <New>DocumentLibraryForm</New>
+</FormTemplates>
+</file>
+
+<file path=customXml/item3.xml><?xml version="1.0" encoding="utf-8"?>
 <ct:contentTypeSchema xmlns:ct="http://schemas.microsoft.com/office/2006/metadata/contentType" xmlns:ma="http://schemas.microsoft.com/office/2006/metadata/properties/metaAttributes" ct:_="" ma:_="" ma:contentTypeName="Document" ma:contentTypeID="0x01010079F111ED35F8CC479449609E8A0923A6" ma:contentTypeVersion="12" ma:contentTypeDescription="Create a new document." ma:contentTypeScope="" ma:versionID="a410dd7f93c95333ffa1b60ed6adedd1">
   <xsd:schema xmlns:xsd="http://www.w3.org/2001/XMLSchema" xmlns:xs="http://www.w3.org/2001/XMLSchema" xmlns:p="http://schemas.microsoft.com/office/2006/metadata/properties" xmlns:ns2="71af3243-3dd4-4a8d-8c0d-dd76da1f02a5" xmlns:ns3="16c05727-aa75-4e4a-9b5f-8a80a1165891" targetNamespace="http://schemas.microsoft.com/office/2006/metadata/properties" ma:root="true" ma:fieldsID="a936d9baba76aa3866493feff160faab" ns2:_="" ns3:_="">
     <xsd:import namespace="71af3243-3dd4-4a8d-8c0d-dd76da1f02a5"/>
@@ -17528,25 +14902,25 @@
 </ct:contentTypeSchema>
 </file>
 
-<file path=customXml/item2.xml><?xml version="1.0" encoding="utf-8"?>
-<?mso-contentType ?>
-<FormTemplates xmlns="http://schemas.microsoft.com/sharepoint/v3/contenttype/forms">
-  <Display>DocumentLibraryForm</Display>
-  <Edit>DocumentLibraryForm</Edit>
-  <New>DocumentLibraryForm</New>
-</FormTemplates>
+<file path=customXml/itemProps1.xml><?xml version="1.0" encoding="utf-8"?>
+<ds:datastoreItem xmlns:ds="http://schemas.openxmlformats.org/officeDocument/2006/customXml" ds:itemID="{8F3CD65D-61A5-43C9-A837-6EC73C7DA8AB}">
+  <ds:schemaRefs>
+    <ds:schemaRef ds:uri="http://schemas.microsoft.com/office/2006/metadata/properties"/>
+    <ds:schemaRef ds:uri="http://schemas.microsoft.com/office/infopath/2007/PartnerControls"/>
+    <ds:schemaRef ds:uri="71af3243-3dd4-4a8d-8c0d-dd76da1f02a5"/>
+  </ds:schemaRefs>
+</ds:datastoreItem>
 </file>
 
-<file path=customXml/item3.xml><?xml version="1.0" encoding="utf-8"?>
-<p:properties xmlns:p="http://schemas.microsoft.com/office/2006/metadata/properties" xmlns:xsi="http://www.w3.org/2001/XMLSchema-instance" xmlns:pc="http://schemas.microsoft.com/office/infopath/2007/PartnerControls">
-  <documentManagement>
-    <Status xmlns="71af3243-3dd4-4a8d-8c0d-dd76da1f02a5">Not started</Status>
-    <MediaServiceKeyPoints xmlns="71af3243-3dd4-4a8d-8c0d-dd76da1f02a5" xsi:nil="true"/>
-  </documentManagement>
-</p:properties>
+<file path=customXml/itemProps2.xml><?xml version="1.0" encoding="utf-8"?>
+<ds:datastoreItem xmlns:ds="http://schemas.openxmlformats.org/officeDocument/2006/customXml" ds:itemID="{31F006B4-A9E1-4F39-85C8-FB836F919348}">
+  <ds:schemaRefs>
+    <ds:schemaRef ds:uri="http://schemas.microsoft.com/sharepoint/v3/contenttype/forms"/>
+  </ds:schemaRefs>
+</ds:datastoreItem>
 </file>
 
-<file path=customXml/itemProps1.xml><?xml version="1.0" encoding="utf-8"?>
+<file path=customXml/itemProps3.xml><?xml version="1.0" encoding="utf-8"?>
 <ds:datastoreItem xmlns:ds="http://schemas.openxmlformats.org/officeDocument/2006/customXml" ds:itemID="{16377351-63A1-4C2E-8C9A-66CDD70F16AC}">
   <ds:schemaRefs>
     <ds:schemaRef ds:uri="http://schemas.microsoft.com/office/2006/metadata/contentType"/>
@@ -17563,22 +14937,4 @@
     <ds:schemaRef ds:uri="http://schemas.microsoft.com/internal/obd"/>
   </ds:schemaRefs>
 </ds:datastoreItem>
-</file>
-
-<file path=customXml/itemProps2.xml><?xml version="1.0" encoding="utf-8"?>
-<ds:datastoreItem xmlns:ds="http://schemas.openxmlformats.org/officeDocument/2006/customXml" ds:itemID="{31F006B4-A9E1-4F39-85C8-FB836F919348}">
-  <ds:schemaRefs>
-    <ds:schemaRef ds:uri="http://schemas.microsoft.com/sharepoint/v3/contenttype/forms"/>
-  </ds:schemaRefs>
-</ds:datastoreItem>
-</file>
-
-<file path=customXml/itemProps3.xml><?xml version="1.0" encoding="utf-8"?>
-<ds:datastoreItem xmlns:ds="http://schemas.openxmlformats.org/officeDocument/2006/customXml" ds:itemID="{8F3CD65D-61A5-43C9-A837-6EC73C7DA8AB}">
-  <ds:schemaRefs>
-    <ds:schemaRef ds:uri="http://schemas.microsoft.com/office/2006/metadata/properties"/>
-    <ds:schemaRef ds:uri="http://schemas.microsoft.com/office/infopath/2007/PartnerControls"/>
-    <ds:schemaRef ds:uri="71af3243-3dd4-4a8d-8c0d-dd76da1f02a5"/>
-  </ds:schemaRefs>
-</ds:datastoreItem>
 </file>
--- a/210112_PackageDelivery_Presentation.pptx
+++ b/210112_PackageDelivery_Presentation.pptx
@@ -11,8 +11,9 @@
     <p:sldId id="311" r:id="rId8"/>
     <p:sldId id="312" r:id="rId9"/>
     <p:sldId id="313" r:id="rId10"/>
-    <p:sldId id="314" r:id="rId11"/>
-    <p:sldId id="316" r:id="rId12"/>
+    <p:sldId id="319" r:id="rId11"/>
+    <p:sldId id="317" r:id="rId12"/>
+    <p:sldId id="316" r:id="rId13"/>
   </p:sldIdLst>
   <p:sldSz cx="12192000" cy="6858000"/>
   <p:notesSz cx="6858000" cy="9144000"/>
@@ -925,13 +926,7 @@
         <a:p>
           <a:r>
             <a:rPr lang="en-US" dirty="0"/>
-            <a:t>Recruiting</a:t>
-          </a:r>
-        </a:p>
-        <a:p>
-          <a:r>
-            <a:rPr lang="en-US" dirty="0"/>
-            <a:t>&amp; IC Performance</a:t>
+            <a:t>Recruit &amp; Train</a:t>
           </a:r>
         </a:p>
       </dgm:t>
@@ -970,7 +965,7 @@
         <a:p>
           <a:r>
             <a:rPr lang="en-US" dirty="0"/>
-            <a:t>Substation</a:t>
+            <a:t>X-Small</a:t>
           </a:r>
         </a:p>
       </dgm:t>
@@ -994,7 +989,11 @@
         <a:lstStyle/>
         <a:p>
           <a:r>
-            <a:rPr lang="en-US" dirty="0"/>
+            <a:rPr lang="en-US" b="1" dirty="0">
+              <a:solidFill>
+                <a:schemeClr val="tx1"/>
+              </a:solidFill>
+            </a:rPr>
             <a:t>Lead</a:t>
           </a:r>
         </a:p>
@@ -1009,7 +1008,7 @@
         <a:p>
           <a:r>
             <a:rPr lang="en-US" dirty="0"/>
-            <a:t>Small Station</a:t>
+            <a:t>Small</a:t>
           </a:r>
         </a:p>
       </dgm:t>
@@ -1033,7 +1032,11 @@
         <a:lstStyle/>
         <a:p>
           <a:r>
-            <a:rPr lang="en-US" dirty="0"/>
+            <a:rPr lang="en-US" b="1" dirty="0">
+              <a:solidFill>
+                <a:schemeClr val="tx1"/>
+              </a:solidFill>
+            </a:rPr>
             <a:t>Supervisor</a:t>
           </a:r>
         </a:p>
@@ -1048,7 +1051,7 @@
         <a:p>
           <a:r>
             <a:rPr lang="en-US" dirty="0"/>
-            <a:t>Medium Station</a:t>
+            <a:t>Medium</a:t>
           </a:r>
         </a:p>
       </dgm:t>
@@ -1072,8 +1075,12 @@
         <a:lstStyle/>
         <a:p>
           <a:r>
-            <a:rPr lang="en-US" dirty="0"/>
-            <a:t>Mgr./Supr. +</a:t>
+            <a:rPr lang="en-US" b="1" dirty="0">
+              <a:solidFill>
+                <a:schemeClr val="tx1"/>
+              </a:solidFill>
+            </a:rPr>
+            <a:t>Mgr./Supr.</a:t>
           </a:r>
         </a:p>
       </dgm:t>
@@ -1087,7 +1094,7 @@
         <a:p>
           <a:r>
             <a:rPr lang="en-US" dirty="0"/>
-            <a:t>(+5)</a:t>
+            <a:t>Up to 7</a:t>
           </a:r>
         </a:p>
       </dgm:t>
@@ -1111,8 +1118,55 @@
         <a:lstStyle/>
         <a:p>
           <a:r>
+            <a:rPr lang="en-US" b="1" dirty="0">
+              <a:solidFill>
+                <a:schemeClr val="tx1"/>
+              </a:solidFill>
+            </a:rPr>
+            <a:t>Stations</a:t>
+          </a:r>
+        </a:p>
+      </dgm:t>
+    </dgm:pt>
+    <dgm:pt modelId="{6E849645-DB05-4B53-B03A-D5DF3A28D9E1}">
+      <dgm:prSet/>
+      <dgm:spPr/>
+      <dgm:t>
+        <a:bodyPr/>
+        <a:lstStyle/>
+        <a:p>
+          <a:r>
             <a:rPr lang="en-US" dirty="0"/>
-            <a:t>Other Markets</a:t>
+            <a:t>Driver Success</a:t>
+          </a:r>
+        </a:p>
+      </dgm:t>
+    </dgm:pt>
+    <dgm:pt modelId="{6F9C9D7E-B03E-48C7-ADC4-87786D9C9B43}" type="parTrans" cxnId="{B2EBF564-2710-4DC8-BA7A-050AC967271A}">
+      <dgm:prSet/>
+      <dgm:spPr/>
+      <dgm:t>
+        <a:bodyPr/>
+        <a:lstStyle/>
+        <a:p>
+          <a:endParaRPr lang="en-US"/>
+        </a:p>
+      </dgm:t>
+    </dgm:pt>
+    <dgm:pt modelId="{38B48752-115B-45C4-9297-26E46F33D92F}" type="sibTrans" cxnId="{B2EBF564-2710-4DC8-BA7A-050AC967271A}">
+      <dgm:prSet/>
+      <dgm:spPr/>
+      <dgm:t>
+        <a:bodyPr/>
+        <a:lstStyle/>
+        <a:p>
+          <a:r>
+            <a:rPr lang="en-US" b="1" dirty="0">
+              <a:solidFill>
+                <a:schemeClr val="tx1"/>
+              </a:solidFill>
+            </a:rPr>
+            <a:t>Supervisor</a:t>
           </a:r>
         </a:p>
       </dgm:t>
@@ -1161,7 +1215,7 @@
       <dgm:spPr/>
     </dgm:pt>
     <dgm:pt modelId="{54F3EFD8-9466-4E50-BE1C-78758C8C4DA3}" type="pres">
-      <dgm:prSet presAssocID="{93FC9EF8-736E-44F8-866D-4029FC9B563F}" presName="rootConnector1" presStyleLbl="node1" presStyleIdx="0" presStyleCnt="4"/>
+      <dgm:prSet presAssocID="{93FC9EF8-736E-44F8-866D-4029FC9B563F}" presName="rootConnector1" presStyleLbl="node1" presStyleIdx="0" presStyleCnt="5"/>
       <dgm:spPr/>
     </dgm:pt>
     <dgm:pt modelId="{3E305642-D46E-4C45-A2A6-1D3F65F0E8E2}" type="pres">
@@ -1169,7 +1223,7 @@
       <dgm:spPr/>
     </dgm:pt>
     <dgm:pt modelId="{7385A8F1-5DD8-4F69-8874-426EA661B5A8}" type="pres">
-      <dgm:prSet presAssocID="{16EE0E26-E091-4746-9777-4AA73D913672}" presName="Name37" presStyleLbl="parChTrans1D2" presStyleIdx="0" presStyleCnt="5"/>
+      <dgm:prSet presAssocID="{16EE0E26-E091-4746-9777-4AA73D913672}" presName="Name37" presStyleLbl="parChTrans1D2" presStyleIdx="0" presStyleCnt="6"/>
       <dgm:spPr/>
     </dgm:pt>
     <dgm:pt modelId="{52F6BB02-0075-4A82-B714-B87802B89D91}" type="pres">
@@ -1185,7 +1239,7 @@
       <dgm:spPr/>
     </dgm:pt>
     <dgm:pt modelId="{CE24E1E0-980D-4523-BEAB-FF9A1475E5F5}" type="pres">
-      <dgm:prSet presAssocID="{E63D3355-FEEB-4087-BBFB-116B3237D4F9}" presName="rootText" presStyleLbl="node1" presStyleIdx="0" presStyleCnt="4" custLinFactNeighborX="-89954">
+      <dgm:prSet presAssocID="{E63D3355-FEEB-4087-BBFB-116B3237D4F9}" presName="rootText" presStyleLbl="node1" presStyleIdx="0" presStyleCnt="5" custLinFactNeighborX="-89954">
         <dgm:presLayoutVars>
           <dgm:chMax/>
           <dgm:chPref val="3"/>
@@ -1194,7 +1248,7 @@
       <dgm:spPr/>
     </dgm:pt>
     <dgm:pt modelId="{FCCA6EA5-B565-4EA0-9681-B65C731CA689}" type="pres">
-      <dgm:prSet presAssocID="{E63D3355-FEEB-4087-BBFB-116B3237D4F9}" presName="titleText2" presStyleLbl="fgAcc1" presStyleIdx="0" presStyleCnt="4" custLinFactNeighborX="-99958">
+      <dgm:prSet presAssocID="{E63D3355-FEEB-4087-BBFB-116B3237D4F9}" presName="titleText2" presStyleLbl="fgAcc1" presStyleIdx="0" presStyleCnt="5" custLinFactNeighborX="-99958">
         <dgm:presLayoutVars>
           <dgm:chMax val="0"/>
           <dgm:chPref val="0"/>
@@ -1215,7 +1269,7 @@
       <dgm:spPr/>
     </dgm:pt>
     <dgm:pt modelId="{B7425927-D796-4FE9-AB8B-05A678F92822}" type="pres">
-      <dgm:prSet presAssocID="{45833DC5-260C-4E3B-9C4E-EDF84694A8F3}" presName="Name37" presStyleLbl="parChTrans1D2" presStyleIdx="1" presStyleCnt="5"/>
+      <dgm:prSet presAssocID="{45833DC5-260C-4E3B-9C4E-EDF84694A8F3}" presName="Name37" presStyleLbl="parChTrans1D2" presStyleIdx="1" presStyleCnt="6"/>
       <dgm:spPr/>
     </dgm:pt>
     <dgm:pt modelId="{463779C3-E22A-4CAF-99C5-6E04D9EE67AF}" type="pres">
@@ -1231,7 +1285,7 @@
       <dgm:spPr/>
     </dgm:pt>
     <dgm:pt modelId="{12501AFA-1EB6-4CAF-A68A-D72EF8215072}" type="pres">
-      <dgm:prSet presAssocID="{16BAC754-1491-4CA6-89C7-5BE18EF5F9A7}" presName="rootText" presStyleLbl="node1" presStyleIdx="1" presStyleCnt="4" custLinFactNeighborX="-38395">
+      <dgm:prSet presAssocID="{16BAC754-1491-4CA6-89C7-5BE18EF5F9A7}" presName="rootText" presStyleLbl="node1" presStyleIdx="1" presStyleCnt="5" custLinFactNeighborX="-38395">
         <dgm:presLayoutVars>
           <dgm:chMax/>
           <dgm:chPref val="3"/>
@@ -1240,7 +1294,7 @@
       <dgm:spPr/>
     </dgm:pt>
     <dgm:pt modelId="{B3050786-06B1-48FC-AF6C-7916DE83A0D4}" type="pres">
-      <dgm:prSet presAssocID="{16BAC754-1491-4CA6-89C7-5BE18EF5F9A7}" presName="titleText2" presStyleLbl="fgAcc1" presStyleIdx="1" presStyleCnt="4" custLinFactNeighborX="-42665">
+      <dgm:prSet presAssocID="{16BAC754-1491-4CA6-89C7-5BE18EF5F9A7}" presName="titleText2" presStyleLbl="fgAcc1" presStyleIdx="1" presStyleCnt="5" custLinFactNeighborX="-42665">
         <dgm:presLayoutVars>
           <dgm:chMax val="0"/>
           <dgm:chPref val="0"/>
@@ -1261,7 +1315,7 @@
       <dgm:spPr/>
     </dgm:pt>
     <dgm:pt modelId="{EA913656-D452-4873-83DD-644678139D79}" type="pres">
-      <dgm:prSet presAssocID="{C0DC4800-0C0C-422D-AD48-3DA2183FD1C2}" presName="Name37" presStyleLbl="parChTrans1D2" presStyleIdx="2" presStyleCnt="5"/>
+      <dgm:prSet presAssocID="{C0DC4800-0C0C-422D-AD48-3DA2183FD1C2}" presName="Name37" presStyleLbl="parChTrans1D2" presStyleIdx="2" presStyleCnt="6"/>
       <dgm:spPr/>
     </dgm:pt>
     <dgm:pt modelId="{2FF477B9-0243-4FE4-BC9B-7143B0CAC9DD}" type="pres">
@@ -1277,7 +1331,7 @@
       <dgm:spPr/>
     </dgm:pt>
     <dgm:pt modelId="{4F75DB1B-C586-4232-90E8-49C22692CC8B}" type="pres">
-      <dgm:prSet presAssocID="{5D80119B-9970-429C-A08F-E0E6C1816767}" presName="rootText" presStyleLbl="node1" presStyleIdx="2" presStyleCnt="4" custLinFactNeighborX="21940">
+      <dgm:prSet presAssocID="{5D80119B-9970-429C-A08F-E0E6C1816767}" presName="rootText" presStyleLbl="node1" presStyleIdx="2" presStyleCnt="5" custLinFactNeighborX="21940">
         <dgm:presLayoutVars>
           <dgm:chMax/>
           <dgm:chPref val="3"/>
@@ -1286,7 +1340,7 @@
       <dgm:spPr/>
     </dgm:pt>
     <dgm:pt modelId="{D7AED4C0-BE78-4AF0-B48F-1C4ADC507589}" type="pres">
-      <dgm:prSet presAssocID="{5D80119B-9970-429C-A08F-E0E6C1816767}" presName="titleText2" presStyleLbl="fgAcc1" presStyleIdx="2" presStyleCnt="4" custLinFactNeighborX="24380">
+      <dgm:prSet presAssocID="{5D80119B-9970-429C-A08F-E0E6C1816767}" presName="titleText2" presStyleLbl="fgAcc1" presStyleIdx="2" presStyleCnt="5" custLinFactNeighborX="24380">
         <dgm:presLayoutVars>
           <dgm:chMax val="0"/>
           <dgm:chPref val="0"/>
@@ -1307,7 +1361,7 @@
       <dgm:spPr/>
     </dgm:pt>
     <dgm:pt modelId="{A7F768EC-33B4-442D-A1CE-C2966FAC819F}" type="pres">
-      <dgm:prSet presAssocID="{09CBB96B-8267-41A4-98F9-268646C39FDA}" presName="Name37" presStyleLbl="parChTrans1D2" presStyleIdx="3" presStyleCnt="5"/>
+      <dgm:prSet presAssocID="{09CBB96B-8267-41A4-98F9-268646C39FDA}" presName="Name37" presStyleLbl="parChTrans1D2" presStyleIdx="3" presStyleCnt="6"/>
       <dgm:spPr/>
     </dgm:pt>
     <dgm:pt modelId="{EEA49D42-B473-4D66-97CE-C63DE8D642E5}" type="pres">
@@ -1323,7 +1377,7 @@
       <dgm:spPr/>
     </dgm:pt>
     <dgm:pt modelId="{8AC7D075-2ED5-47B6-9C0D-5D4F2AA3207F}" type="pres">
-      <dgm:prSet presAssocID="{1A73D090-FA5D-4FFA-B2EA-402F629B436A}" presName="rootText" presStyleLbl="node1" presStyleIdx="3" presStyleCnt="4" custLinFactNeighborX="87760">
+      <dgm:prSet presAssocID="{1A73D090-FA5D-4FFA-B2EA-402F629B436A}" presName="rootText" presStyleLbl="node1" presStyleIdx="3" presStyleCnt="5" custLinFactNeighborX="87760">
         <dgm:presLayoutVars>
           <dgm:chMax/>
           <dgm:chPref val="3"/>
@@ -1332,7 +1386,7 @@
       <dgm:spPr/>
     </dgm:pt>
     <dgm:pt modelId="{A0917AF6-825D-4E8D-9894-284E0D5E7A93}" type="pres">
-      <dgm:prSet presAssocID="{1A73D090-FA5D-4FFA-B2EA-402F629B436A}" presName="titleText2" presStyleLbl="fgAcc1" presStyleIdx="3" presStyleCnt="4" custLinFactNeighborX="98739">
+      <dgm:prSet presAssocID="{1A73D090-FA5D-4FFA-B2EA-402F629B436A}" presName="titleText2" presStyleLbl="fgAcc1" presStyleIdx="3" presStyleCnt="5" custLinFactNeighborX="98739">
         <dgm:presLayoutVars>
           <dgm:chMax val="0"/>
           <dgm:chPref val="0"/>
@@ -1352,12 +1406,58 @@
       <dgm:prSet presAssocID="{1A73D090-FA5D-4FFA-B2EA-402F629B436A}" presName="hierChild5" presStyleCnt="0"/>
       <dgm:spPr/>
     </dgm:pt>
+    <dgm:pt modelId="{F6058428-BFBA-4FE9-BDF3-69249BC1015B}" type="pres">
+      <dgm:prSet presAssocID="{6F9C9D7E-B03E-48C7-ADC4-87786D9C9B43}" presName="Name37" presStyleLbl="parChTrans1D2" presStyleIdx="4" presStyleCnt="6"/>
+      <dgm:spPr/>
+    </dgm:pt>
+    <dgm:pt modelId="{4ECAC780-092E-4CD7-A646-47F346572B00}" type="pres">
+      <dgm:prSet presAssocID="{6E849645-DB05-4B53-B03A-D5DF3A28D9E1}" presName="hierRoot2" presStyleCnt="0">
+        <dgm:presLayoutVars>
+          <dgm:hierBranch val="init"/>
+        </dgm:presLayoutVars>
+      </dgm:prSet>
+      <dgm:spPr/>
+    </dgm:pt>
+    <dgm:pt modelId="{E283A42A-D3C4-4FE1-B156-EF7BCD82DA7A}" type="pres">
+      <dgm:prSet presAssocID="{6E849645-DB05-4B53-B03A-D5DF3A28D9E1}" presName="rootComposite" presStyleCnt="0"/>
+      <dgm:spPr/>
+    </dgm:pt>
+    <dgm:pt modelId="{CAE701D8-4F75-471B-A796-D49E5F0F70E5}" type="pres">
+      <dgm:prSet presAssocID="{6E849645-DB05-4B53-B03A-D5DF3A28D9E1}" presName="rootText" presStyleLbl="node1" presStyleIdx="4" presStyleCnt="5" custLinFactX="60501" custLinFactNeighborX="100000">
+        <dgm:presLayoutVars>
+          <dgm:chMax/>
+          <dgm:chPref val="3"/>
+        </dgm:presLayoutVars>
+      </dgm:prSet>
+      <dgm:spPr/>
+    </dgm:pt>
+    <dgm:pt modelId="{D1FE3F9C-9ABB-4769-8DD7-7D6E9A74D102}" type="pres">
+      <dgm:prSet presAssocID="{6E849645-DB05-4B53-B03A-D5DF3A28D9E1}" presName="titleText2" presStyleLbl="fgAcc1" presStyleIdx="4" presStyleCnt="5" custLinFactX="86739" custLinFactNeighborX="100000">
+        <dgm:presLayoutVars>
+          <dgm:chMax val="0"/>
+          <dgm:chPref val="0"/>
+        </dgm:presLayoutVars>
+      </dgm:prSet>
+      <dgm:spPr/>
+    </dgm:pt>
+    <dgm:pt modelId="{57C4F09D-C4B9-412B-9172-E590755180F7}" type="pres">
+      <dgm:prSet presAssocID="{6E849645-DB05-4B53-B03A-D5DF3A28D9E1}" presName="rootConnector" presStyleLbl="node2" presStyleIdx="0" presStyleCnt="0"/>
+      <dgm:spPr/>
+    </dgm:pt>
+    <dgm:pt modelId="{956156BB-E843-43CD-8E23-671BB2FA7655}" type="pres">
+      <dgm:prSet presAssocID="{6E849645-DB05-4B53-B03A-D5DF3A28D9E1}" presName="hierChild4" presStyleCnt="0"/>
+      <dgm:spPr/>
+    </dgm:pt>
+    <dgm:pt modelId="{07384A40-689F-4A55-AC41-CDEEECE6A175}" type="pres">
+      <dgm:prSet presAssocID="{6E849645-DB05-4B53-B03A-D5DF3A28D9E1}" presName="hierChild5" presStyleCnt="0"/>
+      <dgm:spPr/>
+    </dgm:pt>
     <dgm:pt modelId="{2B67B978-35DC-40EF-9F4F-BFBC3614D01E}" type="pres">
       <dgm:prSet presAssocID="{93FC9EF8-736E-44F8-866D-4029FC9B563F}" presName="hierChild3" presStyleCnt="0"/>
       <dgm:spPr/>
     </dgm:pt>
     <dgm:pt modelId="{645AFB72-FA89-4D82-9C13-77F6B8B4C9EC}" type="pres">
-      <dgm:prSet presAssocID="{5A39E291-BD66-4F95-B051-0B562EFCFDAE}" presName="Name96" presStyleLbl="parChTrans1D2" presStyleIdx="4" presStyleCnt="5"/>
+      <dgm:prSet presAssocID="{5A39E291-BD66-4F95-B051-0B562EFCFDAE}" presName="Name96" presStyleLbl="parChTrans1D2" presStyleIdx="5" presStyleCnt="6"/>
       <dgm:spPr/>
     </dgm:pt>
     <dgm:pt modelId="{34FB011A-0EB3-491B-B69B-7A75D3FF5D0E}" type="pres">
@@ -1405,6 +1505,7 @@
   <dgm:cxnLst>
     <dgm:cxn modelId="{BA236E09-20A7-417D-9BD9-C520BC82528E}" type="presOf" srcId="{E63D3355-FEEB-4087-BBFB-116B3237D4F9}" destId="{CE24E1E0-980D-4523-BEAB-FF9A1475E5F5}" srcOrd="0" destOrd="0" presId="urn:microsoft.com/office/officeart/2008/layout/NameandTitleOrganizationalChart"/>
     <dgm:cxn modelId="{831DBE18-8D9B-4CB1-93D8-01E40732D6A0}" type="presOf" srcId="{5D037C1E-1D6A-4288-860E-ADD52D25E5EB}" destId="{9B1C2DDE-B927-4FA4-B1E8-3001905304CC}" srcOrd="0" destOrd="0" presId="urn:microsoft.com/office/officeart/2008/layout/NameandTitleOrganizationalChart"/>
+    <dgm:cxn modelId="{BD46DA1C-8922-49D3-B01E-462039C293B2}" type="presOf" srcId="{38B48752-115B-45C4-9297-26E46F33D92F}" destId="{D1FE3F9C-9ABB-4769-8DD7-7D6E9A74D102}" srcOrd="0" destOrd="0" presId="urn:microsoft.com/office/officeart/2008/layout/NameandTitleOrganizationalChart"/>
     <dgm:cxn modelId="{1A2C6221-7939-4CE2-9610-695BB2028F15}" type="presOf" srcId="{F593DF90-324A-443F-8C3D-3D4132D6A2A6}" destId="{749BA8F9-73F4-4474-90EB-BBF029914168}" srcOrd="1" destOrd="0" presId="urn:microsoft.com/office/officeart/2008/layout/NameandTitleOrganizationalChart"/>
     <dgm:cxn modelId="{AC2C2422-65B7-4A88-876B-723E79CF801B}" type="presOf" srcId="{FEF2187C-EABC-4BA8-A328-BC9935F4592A}" destId="{D7AED4C0-BE78-4AF0-B48F-1C4ADC507589}" srcOrd="0" destOrd="0" presId="urn:microsoft.com/office/officeart/2008/layout/NameandTitleOrganizationalChart"/>
     <dgm:cxn modelId="{C7999922-CADB-41B8-BC6A-C1E67E9B334A}" type="presOf" srcId="{6384D00A-E6EC-4A9C-A2C2-762779011396}" destId="{B3050786-06B1-48FC-AF6C-7916DE83A0D4}" srcOrd="0" destOrd="0" presId="urn:microsoft.com/office/officeart/2008/layout/NameandTitleOrganizationalChart"/>
@@ -1415,9 +1516,13 @@
     <dgm:cxn modelId="{2D37C83E-3B90-41B1-90DA-DA1D4055546B}" type="presOf" srcId="{16BAC754-1491-4CA6-89C7-5BE18EF5F9A7}" destId="{6ACCCF4B-22EF-4B83-8F3D-8B65FA300F62}" srcOrd="1" destOrd="0" presId="urn:microsoft.com/office/officeart/2008/layout/NameandTitleOrganizationalChart"/>
     <dgm:cxn modelId="{22935B3F-F7ED-400E-A436-7915C7B5C756}" type="presOf" srcId="{16EE0E26-E091-4746-9777-4AA73D913672}" destId="{7385A8F1-5DD8-4F69-8874-426EA661B5A8}" srcOrd="0" destOrd="0" presId="urn:microsoft.com/office/officeart/2008/layout/NameandTitleOrganizationalChart"/>
     <dgm:cxn modelId="{4BD9805D-94EF-4C2F-8441-06793D5A71F6}" type="presOf" srcId="{3659E5F6-938F-49F1-B73F-E73086B5F477}" destId="{9514996C-172D-465D-ADC7-1BA64EF73589}" srcOrd="0" destOrd="0" presId="urn:microsoft.com/office/officeart/2008/layout/NameandTitleOrganizationalChart"/>
+    <dgm:cxn modelId="{B2EBF564-2710-4DC8-BA7A-050AC967271A}" srcId="{93FC9EF8-736E-44F8-866D-4029FC9B563F}" destId="{6E849645-DB05-4B53-B03A-D5DF3A28D9E1}" srcOrd="5" destOrd="0" parTransId="{6F9C9D7E-B03E-48C7-ADC4-87786D9C9B43}" sibTransId="{38B48752-115B-45C4-9297-26E46F33D92F}"/>
     <dgm:cxn modelId="{79019947-B73D-4592-A551-A5F2EA5F6816}" type="presOf" srcId="{0D7A8887-52A8-4FD3-A0AA-D221003B5FAF}" destId="{7A63C8E1-0C68-470E-BAD7-484463DEB946}" srcOrd="0" destOrd="0" presId="urn:microsoft.com/office/officeart/2008/layout/NameandTitleOrganizationalChart"/>
     <dgm:cxn modelId="{446BF447-9AA2-42BC-8257-1AD57AEBE45C}" type="presOf" srcId="{E63D3355-FEEB-4087-BBFB-116B3237D4F9}" destId="{E2C0EB52-5B67-4397-A15A-4C9E68EF8CD8}" srcOrd="1" destOrd="0" presId="urn:microsoft.com/office/officeart/2008/layout/NameandTitleOrganizationalChart"/>
+    <dgm:cxn modelId="{A67ACF73-6045-4DDB-8B58-06BE13B42A03}" type="presOf" srcId="{6E849645-DB05-4B53-B03A-D5DF3A28D9E1}" destId="{57C4F09D-C4B9-412B-9172-E590755180F7}" srcOrd="1" destOrd="0" presId="urn:microsoft.com/office/officeart/2008/layout/NameandTitleOrganizationalChart"/>
+    <dgm:cxn modelId="{D8DC2254-553E-43E1-A654-559C9D2A1263}" type="presOf" srcId="{6F9C9D7E-B03E-48C7-ADC4-87786D9C9B43}" destId="{F6058428-BFBA-4FE9-BDF3-69249BC1015B}" srcOrd="0" destOrd="0" presId="urn:microsoft.com/office/officeart/2008/layout/NameandTitleOrganizationalChart"/>
     <dgm:cxn modelId="{71459781-6665-4A35-AFF7-A08495F1DEB5}" type="presOf" srcId="{16BAC754-1491-4CA6-89C7-5BE18EF5F9A7}" destId="{12501AFA-1EB6-4CAF-A68A-D72EF8215072}" srcOrd="0" destOrd="0" presId="urn:microsoft.com/office/officeart/2008/layout/NameandTitleOrganizationalChart"/>
+    <dgm:cxn modelId="{DBAD9A82-AF12-45C5-A228-FABE77DE0132}" type="presOf" srcId="{6E849645-DB05-4B53-B03A-D5DF3A28D9E1}" destId="{CAE701D8-4F75-471B-A796-D49E5F0F70E5}" srcOrd="0" destOrd="0" presId="urn:microsoft.com/office/officeart/2008/layout/NameandTitleOrganizationalChart"/>
     <dgm:cxn modelId="{08F24487-057A-43E2-B12E-47B219C40C66}" type="presOf" srcId="{1A73D090-FA5D-4FFA-B2EA-402F629B436A}" destId="{8AC7D075-2ED5-47B6-9C0D-5D4F2AA3207F}" srcOrd="0" destOrd="0" presId="urn:microsoft.com/office/officeart/2008/layout/NameandTitleOrganizationalChart"/>
     <dgm:cxn modelId="{10723C8E-BFEB-47BE-8599-6A3F6D59916A}" type="presOf" srcId="{5A39E291-BD66-4F95-B051-0B562EFCFDAE}" destId="{645AFB72-FA89-4D82-9C13-77F6B8B4C9EC}" srcOrd="0" destOrd="0" presId="urn:microsoft.com/office/officeart/2008/layout/NameandTitleOrganizationalChart"/>
     <dgm:cxn modelId="{EF8F9F96-E2ED-42E4-BCFF-1598CEF78357}" type="presOf" srcId="{93FC9EF8-736E-44F8-866D-4029FC9B563F}" destId="{FB44E0D1-BE67-430B-AAF7-C1655FB5FD6C}" srcOrd="0" destOrd="0" presId="urn:microsoft.com/office/officeart/2008/layout/NameandTitleOrganizationalChart"/>
@@ -1471,6 +1576,14 @@
     <dgm:cxn modelId="{7AD6BE23-E85E-401F-B75D-D2D3EB078E56}" type="presParOf" srcId="{2710A71C-615E-4229-B77D-C7DC4DA20FA1}" destId="{86349B00-EA87-415F-B449-24C7F540DF6F}" srcOrd="2" destOrd="0" presId="urn:microsoft.com/office/officeart/2008/layout/NameandTitleOrganizationalChart"/>
     <dgm:cxn modelId="{9DBCBE2C-C4DC-43E5-8480-D2CF7E8A9DE4}" type="presParOf" srcId="{EEA49D42-B473-4D66-97CE-C63DE8D642E5}" destId="{6E920FDC-0242-48C9-9C33-97BA1B1F11D9}" srcOrd="1" destOrd="0" presId="urn:microsoft.com/office/officeart/2008/layout/NameandTitleOrganizationalChart"/>
     <dgm:cxn modelId="{329AF509-1BD0-4240-A58E-FBE61A937F0C}" type="presParOf" srcId="{EEA49D42-B473-4D66-97CE-C63DE8D642E5}" destId="{15FF20BC-14E6-434D-9BBD-020408C23282}" srcOrd="2" destOrd="0" presId="urn:microsoft.com/office/officeart/2008/layout/NameandTitleOrganizationalChart"/>
+    <dgm:cxn modelId="{5BF2E6B9-F97E-43DC-9D3D-314FDBAA2DDC}" type="presParOf" srcId="{3E305642-D46E-4C45-A2A6-1D3F65F0E8E2}" destId="{F6058428-BFBA-4FE9-BDF3-69249BC1015B}" srcOrd="8" destOrd="0" presId="urn:microsoft.com/office/officeart/2008/layout/NameandTitleOrganizationalChart"/>
+    <dgm:cxn modelId="{4193B707-84A2-4F78-B6D8-843729BB7443}" type="presParOf" srcId="{3E305642-D46E-4C45-A2A6-1D3F65F0E8E2}" destId="{4ECAC780-092E-4CD7-A646-47F346572B00}" srcOrd="9" destOrd="0" presId="urn:microsoft.com/office/officeart/2008/layout/NameandTitleOrganizationalChart"/>
+    <dgm:cxn modelId="{B7859E61-4301-4893-81AE-06BDC39D5678}" type="presParOf" srcId="{4ECAC780-092E-4CD7-A646-47F346572B00}" destId="{E283A42A-D3C4-4FE1-B156-EF7BCD82DA7A}" srcOrd="0" destOrd="0" presId="urn:microsoft.com/office/officeart/2008/layout/NameandTitleOrganizationalChart"/>
+    <dgm:cxn modelId="{B1FF5DEE-641D-4DCD-A527-0E1C2551EE0A}" type="presParOf" srcId="{E283A42A-D3C4-4FE1-B156-EF7BCD82DA7A}" destId="{CAE701D8-4F75-471B-A796-D49E5F0F70E5}" srcOrd="0" destOrd="0" presId="urn:microsoft.com/office/officeart/2008/layout/NameandTitleOrganizationalChart"/>
+    <dgm:cxn modelId="{AB448CF3-9648-4B39-8382-2DA71B7C4638}" type="presParOf" srcId="{E283A42A-D3C4-4FE1-B156-EF7BCD82DA7A}" destId="{D1FE3F9C-9ABB-4769-8DD7-7D6E9A74D102}" srcOrd="1" destOrd="0" presId="urn:microsoft.com/office/officeart/2008/layout/NameandTitleOrganizationalChart"/>
+    <dgm:cxn modelId="{84769D3B-062B-412A-8B8F-DC453680B0A7}" type="presParOf" srcId="{E283A42A-D3C4-4FE1-B156-EF7BCD82DA7A}" destId="{57C4F09D-C4B9-412B-9172-E590755180F7}" srcOrd="2" destOrd="0" presId="urn:microsoft.com/office/officeart/2008/layout/NameandTitleOrganizationalChart"/>
+    <dgm:cxn modelId="{412EBCB9-F3C5-4DEB-86C0-F070DBF446C3}" type="presParOf" srcId="{4ECAC780-092E-4CD7-A646-47F346572B00}" destId="{956156BB-E843-43CD-8E23-671BB2FA7655}" srcOrd="1" destOrd="0" presId="urn:microsoft.com/office/officeart/2008/layout/NameandTitleOrganizationalChart"/>
+    <dgm:cxn modelId="{1BBC010E-E2D3-460A-BC97-0F7D2C0303E5}" type="presParOf" srcId="{4ECAC780-092E-4CD7-A646-47F346572B00}" destId="{07384A40-689F-4A55-AC41-CDEEECE6A175}" srcOrd="2" destOrd="0" presId="urn:microsoft.com/office/officeart/2008/layout/NameandTitleOrganizationalChart"/>
     <dgm:cxn modelId="{123C42C9-BF9F-4045-AD9E-D01C1B261B83}" type="presParOf" srcId="{43DD2CE5-85D7-4710-89B9-3C71E02021D9}" destId="{2B67B978-35DC-40EF-9F4F-BFBC3614D01E}" srcOrd="2" destOrd="0" presId="urn:microsoft.com/office/officeart/2008/layout/NameandTitleOrganizationalChart"/>
     <dgm:cxn modelId="{4D9B1260-EAED-4C82-9A0F-59C7F4E7888A}" type="presParOf" srcId="{2B67B978-35DC-40EF-9F4F-BFBC3614D01E}" destId="{645AFB72-FA89-4D82-9C13-77F6B8B4C9EC}" srcOrd="0" destOrd="0" presId="urn:microsoft.com/office/officeart/2008/layout/NameandTitleOrganizationalChart"/>
     <dgm:cxn modelId="{3C7F0E3D-60FC-47F6-A3A6-5A1C5DCFA065}" type="presParOf" srcId="{2B67B978-35DC-40EF-9F4F-BFBC3614D01E}" destId="{34FB011A-0EB3-491B-B69B-7A75D3FF5D0E}" srcOrd="1" destOrd="0" presId="urn:microsoft.com/office/officeart/2008/layout/NameandTitleOrganizationalChart"/>
@@ -1557,7 +1670,7 @@
         <a:fontRef idx="minor"/>
       </dsp:style>
     </dsp:sp>
-    <dsp:sp modelId="{A7F768EC-33B4-442D-A1CE-C2966FAC819F}">
+    <dsp:sp modelId="{F6058428-BFBA-4FE9-BDF3-69249BC1015B}">
       <dsp:nvSpPr>
         <dsp:cNvPr id="0" name=""/>
         <dsp:cNvSpPr/>
@@ -1565,7 +1678,7 @@
       <dsp:spPr>
         <a:xfrm>
           <a:off x="4985780" y="450871"/>
-          <a:ext cx="2509688" cy="969173"/>
+          <a:ext cx="3723896" cy="969173"/>
         </a:xfrm>
         <a:custGeom>
           <a:avLst/>
@@ -1582,10 +1695,71 @@
                 <a:pt x="0" y="864263"/>
               </a:lnTo>
               <a:lnTo>
-                <a:pt x="2509688" y="864263"/>
+                <a:pt x="3723896" y="864263"/>
               </a:lnTo>
               <a:lnTo>
-                <a:pt x="2509688" y="969173"/>
+                <a:pt x="3723896" y="969173"/>
+              </a:lnTo>
+            </a:path>
+          </a:pathLst>
+        </a:custGeom>
+        <a:noFill/>
+        <a:ln w="15875" cap="flat" cmpd="sng" algn="ctr">
+          <a:solidFill>
+            <a:schemeClr val="accent1">
+              <a:shade val="60000"/>
+              <a:hueOff val="0"/>
+              <a:satOff val="0"/>
+              <a:lumOff val="0"/>
+              <a:alphaOff val="0"/>
+            </a:schemeClr>
+          </a:solidFill>
+          <a:prstDash val="solid"/>
+        </a:ln>
+        <a:effectLst/>
+      </dsp:spPr>
+      <dsp:style>
+        <a:lnRef idx="2">
+          <a:scrgbClr r="0" g="0" b="0"/>
+        </a:lnRef>
+        <a:fillRef idx="0">
+          <a:scrgbClr r="0" g="0" b="0"/>
+        </a:fillRef>
+        <a:effectRef idx="0">
+          <a:scrgbClr r="0" g="0" b="0"/>
+        </a:effectRef>
+        <a:fontRef idx="minor"/>
+      </dsp:style>
+    </dsp:sp>
+    <dsp:sp modelId="{A7F768EC-33B4-442D-A1CE-C2966FAC819F}">
+      <dsp:nvSpPr>
+        <dsp:cNvPr id="0" name=""/>
+        <dsp:cNvSpPr/>
+      </dsp:nvSpPr>
+      <dsp:spPr>
+        <a:xfrm>
+          <a:off x="4985780" y="450871"/>
+          <a:ext cx="1927160" cy="969173"/>
+        </a:xfrm>
+        <a:custGeom>
+          <a:avLst/>
+          <a:gdLst/>
+          <a:ahLst/>
+          <a:cxnLst/>
+          <a:rect l="0" t="0" r="0" b="0"/>
+          <a:pathLst>
+            <a:path>
+              <a:moveTo>
+                <a:pt x="0" y="0"/>
+              </a:moveTo>
+              <a:lnTo>
+                <a:pt x="0" y="864263"/>
+              </a:lnTo>
+              <a:lnTo>
+                <a:pt x="1927160" y="864263"/>
+              </a:lnTo>
+              <a:lnTo>
+                <a:pt x="1927160" y="969173"/>
               </a:lnTo>
             </a:path>
           </a:pathLst>
@@ -1626,7 +1800,7 @@
       <dsp:spPr>
         <a:xfrm>
           <a:off x="4985780" y="450871"/>
-          <a:ext cx="773054" cy="969173"/>
+          <a:ext cx="190525" cy="969173"/>
         </a:xfrm>
         <a:custGeom>
           <a:avLst/>
@@ -1643,10 +1817,10 @@
                 <a:pt x="0" y="864263"/>
               </a:lnTo>
               <a:lnTo>
-                <a:pt x="773054" y="864263"/>
+                <a:pt x="190525" y="864263"/>
               </a:lnTo>
               <a:lnTo>
-                <a:pt x="773054" y="969173"/>
+                <a:pt x="190525" y="969173"/>
               </a:lnTo>
             </a:path>
           </a:pathLst>
@@ -1686,8 +1860,8 @@
       </dsp:nvSpPr>
       <dsp:spPr>
         <a:xfrm>
-          <a:off x="4069831" y="450871"/>
-          <a:ext cx="915948" cy="969173"/>
+          <a:off x="3487303" y="450871"/>
+          <a:ext cx="1498476" cy="969173"/>
         </a:xfrm>
         <a:custGeom>
           <a:avLst/>
@@ -1698,10 +1872,10 @@
           <a:pathLst>
             <a:path>
               <a:moveTo>
-                <a:pt x="915948" y="0"/>
+                <a:pt x="1498476" y="0"/>
               </a:moveTo>
               <a:lnTo>
-                <a:pt x="915948" y="864263"/>
+                <a:pt x="1498476" y="864263"/>
               </a:lnTo>
               <a:lnTo>
                 <a:pt x="0" y="864263"/>
@@ -1747,8 +1921,8 @@
       </dsp:nvSpPr>
       <dsp:spPr>
         <a:xfrm>
-          <a:off x="2457039" y="450871"/>
-          <a:ext cx="2528740" cy="969173"/>
+          <a:off x="1874511" y="450871"/>
+          <a:ext cx="3111269" cy="969173"/>
         </a:xfrm>
         <a:custGeom>
           <a:avLst/>
@@ -1759,10 +1933,10 @@
           <a:pathLst>
             <a:path>
               <a:moveTo>
-                <a:pt x="2528740" y="0"/>
+                <a:pt x="3111269" y="0"/>
               </a:moveTo>
               <a:lnTo>
-                <a:pt x="2528740" y="864263"/>
+                <a:pt x="3111269" y="864263"/>
               </a:lnTo>
               <a:lnTo>
                 <a:pt x="0" y="864263"/>
@@ -1850,12 +2024,12 @@
         </a:fontRef>
       </dsp:style>
       <dsp:txBody>
-        <a:bodyPr spcFirstLastPara="0" vert="horz" wrap="square" lIns="5715" tIns="5715" rIns="5715" bIns="63446" numCol="1" spcCol="1270" anchor="ctr" anchorCtr="0">
+        <a:bodyPr spcFirstLastPara="0" vert="horz" wrap="square" lIns="8890" tIns="8890" rIns="8890" bIns="63446" numCol="1" spcCol="1270" anchor="ctr" anchorCtr="0">
           <a:noAutofit/>
         </a:bodyPr>
         <a:lstStyle/>
         <a:p>
-          <a:pPr marL="0" lvl="0" indent="0" algn="ctr" defTabSz="400050">
+          <a:pPr marL="0" lvl="0" indent="0" algn="ctr" defTabSz="622300">
             <a:lnSpc>
               <a:spcPct val="90000"/>
             </a:lnSpc>
@@ -1868,7 +2042,7 @@
             <a:buNone/>
           </a:pPr>
           <a:r>
-            <a:rPr lang="en-US" sz="900" kern="1200" dirty="0"/>
+            <a:rPr lang="en-US" sz="1400" kern="1200" dirty="0"/>
             <a:t>Region</a:t>
           </a:r>
         </a:p>
@@ -1958,7 +2132,7 @@
       </dsp:nvSpPr>
       <dsp:spPr>
         <a:xfrm>
-          <a:off x="2022841" y="1420045"/>
+          <a:off x="1440313" y="1420045"/>
           <a:ext cx="868395" cy="449616"/>
         </a:xfrm>
         <a:prstGeom prst="rect">
@@ -2000,12 +2174,12 @@
         </a:fontRef>
       </dsp:style>
       <dsp:txBody>
-        <a:bodyPr spcFirstLastPara="0" vert="horz" wrap="square" lIns="5715" tIns="5715" rIns="5715" bIns="63446" numCol="1" spcCol="1270" anchor="ctr" anchorCtr="0">
+        <a:bodyPr spcFirstLastPara="0" vert="horz" wrap="square" lIns="8890" tIns="8890" rIns="8890" bIns="63446" numCol="1" spcCol="1270" anchor="ctr" anchorCtr="0">
           <a:noAutofit/>
         </a:bodyPr>
         <a:lstStyle/>
         <a:p>
-          <a:pPr marL="0" lvl="0" indent="0" algn="ctr" defTabSz="400050">
+          <a:pPr marL="0" lvl="0" indent="0" algn="ctr" defTabSz="622300">
             <a:lnSpc>
               <a:spcPct val="90000"/>
             </a:lnSpc>
@@ -2018,13 +2192,13 @@
             <a:buNone/>
           </a:pPr>
           <a:r>
-            <a:rPr lang="en-US" sz="900" kern="1200" dirty="0"/>
-            <a:t>Substation</a:t>
+            <a:rPr lang="en-US" sz="1400" kern="1200" dirty="0"/>
+            <a:t>X-Small</a:t>
           </a:r>
         </a:p>
       </dsp:txBody>
       <dsp:txXfrm>
-        <a:off x="2022841" y="1420045"/>
+        <a:off x="1440313" y="1420045"/>
         <a:ext cx="868395" cy="449616"/>
       </dsp:txXfrm>
     </dsp:sp>
@@ -2035,7 +2209,7 @@
       </dsp:nvSpPr>
       <dsp:spPr>
         <a:xfrm>
-          <a:off x="2196449" y="1769747"/>
+          <a:off x="1613921" y="1769747"/>
           <a:ext cx="781556" cy="149872"/>
         </a:xfrm>
         <a:prstGeom prst="rect">
@@ -2094,13 +2268,17 @@
             <a:buNone/>
           </a:pPr>
           <a:r>
-            <a:rPr lang="en-US" sz="1000" kern="1200" dirty="0"/>
+            <a:rPr lang="en-US" sz="1000" b="1" kern="1200" dirty="0">
+              <a:solidFill>
+                <a:schemeClr val="tx1"/>
+              </a:solidFill>
+            </a:rPr>
             <a:t>Lead</a:t>
           </a:r>
         </a:p>
       </dsp:txBody>
       <dsp:txXfrm>
-        <a:off x="2196449" y="1769747"/>
+        <a:off x="1613921" y="1769747"/>
         <a:ext cx="781556" cy="149872"/>
       </dsp:txXfrm>
     </dsp:sp>
@@ -2111,7 +2289,7 @@
       </dsp:nvSpPr>
       <dsp:spPr>
         <a:xfrm>
-          <a:off x="3635633" y="1420045"/>
+          <a:off x="3053105" y="1420045"/>
           <a:ext cx="868395" cy="449616"/>
         </a:xfrm>
         <a:prstGeom prst="rect">
@@ -2153,12 +2331,12 @@
         </a:fontRef>
       </dsp:style>
       <dsp:txBody>
-        <a:bodyPr spcFirstLastPara="0" vert="horz" wrap="square" lIns="5715" tIns="5715" rIns="5715" bIns="63446" numCol="1" spcCol="1270" anchor="ctr" anchorCtr="0">
+        <a:bodyPr spcFirstLastPara="0" vert="horz" wrap="square" lIns="8890" tIns="8890" rIns="8890" bIns="63446" numCol="1" spcCol="1270" anchor="ctr" anchorCtr="0">
           <a:noAutofit/>
         </a:bodyPr>
         <a:lstStyle/>
         <a:p>
-          <a:pPr marL="0" lvl="0" indent="0" algn="ctr" defTabSz="400050">
+          <a:pPr marL="0" lvl="0" indent="0" algn="ctr" defTabSz="622300">
             <a:lnSpc>
               <a:spcPct val="90000"/>
             </a:lnSpc>
@@ -2171,13 +2349,13 @@
             <a:buNone/>
           </a:pPr>
           <a:r>
-            <a:rPr lang="en-US" sz="900" kern="1200" dirty="0"/>
-            <a:t>Small Station</a:t>
+            <a:rPr lang="en-US" sz="1400" kern="1200" dirty="0"/>
+            <a:t>Small</a:t>
           </a:r>
         </a:p>
       </dsp:txBody>
       <dsp:txXfrm>
-        <a:off x="3635633" y="1420045"/>
+        <a:off x="3053105" y="1420045"/>
         <a:ext cx="868395" cy="449616"/>
       </dsp:txXfrm>
     </dsp:sp>
@@ -2188,7 +2366,7 @@
       </dsp:nvSpPr>
       <dsp:spPr>
         <a:xfrm>
-          <a:off x="3809282" y="1769747"/>
+          <a:off x="3226754" y="1769747"/>
           <a:ext cx="781556" cy="149872"/>
         </a:xfrm>
         <a:prstGeom prst="rect">
@@ -2247,13 +2425,17 @@
             <a:buNone/>
           </a:pPr>
           <a:r>
-            <a:rPr lang="en-US" sz="1000" kern="1200" dirty="0"/>
+            <a:rPr lang="en-US" sz="1000" b="1" kern="1200" dirty="0">
+              <a:solidFill>
+                <a:schemeClr val="tx1"/>
+              </a:solidFill>
+            </a:rPr>
             <a:t>Supervisor</a:t>
           </a:r>
         </a:p>
       </dsp:txBody>
       <dsp:txXfrm>
-        <a:off x="3809282" y="1769747"/>
+        <a:off x="3226754" y="1769747"/>
         <a:ext cx="781556" cy="149872"/>
       </dsp:txXfrm>
     </dsp:sp>
@@ -2264,7 +2446,7 @@
       </dsp:nvSpPr>
       <dsp:spPr>
         <a:xfrm>
-          <a:off x="5324636" y="1420045"/>
+          <a:off x="4742108" y="1420045"/>
           <a:ext cx="868395" cy="449616"/>
         </a:xfrm>
         <a:prstGeom prst="rect">
@@ -2306,12 +2488,12 @@
         </a:fontRef>
       </dsp:style>
       <dsp:txBody>
-        <a:bodyPr spcFirstLastPara="0" vert="horz" wrap="square" lIns="5715" tIns="5715" rIns="5715" bIns="63446" numCol="1" spcCol="1270" anchor="ctr" anchorCtr="0">
+        <a:bodyPr spcFirstLastPara="0" vert="horz" wrap="square" lIns="8890" tIns="8890" rIns="8890" bIns="63446" numCol="1" spcCol="1270" anchor="ctr" anchorCtr="0">
           <a:noAutofit/>
         </a:bodyPr>
         <a:lstStyle/>
         <a:p>
-          <a:pPr marL="0" lvl="0" indent="0" algn="ctr" defTabSz="400050">
+          <a:pPr marL="0" lvl="0" indent="0" algn="ctr" defTabSz="622300">
             <a:lnSpc>
               <a:spcPct val="90000"/>
             </a:lnSpc>
@@ -2324,13 +2506,13 @@
             <a:buNone/>
           </a:pPr>
           <a:r>
-            <a:rPr lang="en-US" sz="900" kern="1200" dirty="0"/>
-            <a:t>Medium Station</a:t>
+            <a:rPr lang="en-US" sz="1400" kern="1200" dirty="0"/>
+            <a:t>Medium</a:t>
           </a:r>
         </a:p>
       </dsp:txBody>
       <dsp:txXfrm>
-        <a:off x="5324636" y="1420045"/>
+        <a:off x="4742108" y="1420045"/>
         <a:ext cx="868395" cy="449616"/>
       </dsp:txXfrm>
     </dsp:sp>
@@ -2341,7 +2523,7 @@
       </dsp:nvSpPr>
       <dsp:spPr>
         <a:xfrm>
-          <a:off x="5498333" y="1769747"/>
+          <a:off x="4915804" y="1769747"/>
           <a:ext cx="781556" cy="149872"/>
         </a:xfrm>
         <a:prstGeom prst="rect">
@@ -2400,13 +2582,17 @@
             <a:buNone/>
           </a:pPr>
           <a:r>
-            <a:rPr lang="en-US" sz="1000" kern="1200" dirty="0"/>
-            <a:t>Mgr./Supr. +</a:t>
+            <a:rPr lang="en-US" sz="1000" b="1" kern="1200" dirty="0">
+              <a:solidFill>
+                <a:schemeClr val="tx1"/>
+              </a:solidFill>
+            </a:rPr>
+            <a:t>Mgr./Supr.</a:t>
           </a:r>
         </a:p>
       </dsp:txBody>
       <dsp:txXfrm>
-        <a:off x="5498333" y="1769747"/>
+        <a:off x="4915804" y="1769747"/>
         <a:ext cx="781556" cy="149872"/>
       </dsp:txXfrm>
     </dsp:sp>
@@ -2417,7 +2603,7 @@
       </dsp:nvSpPr>
       <dsp:spPr>
         <a:xfrm>
-          <a:off x="7061270" y="1420045"/>
+          <a:off x="6478742" y="1420045"/>
           <a:ext cx="868395" cy="449616"/>
         </a:xfrm>
         <a:prstGeom prst="rect">
@@ -2459,12 +2645,12 @@
         </a:fontRef>
       </dsp:style>
       <dsp:txBody>
-        <a:bodyPr spcFirstLastPara="0" vert="horz" wrap="square" lIns="5715" tIns="5715" rIns="5715" bIns="63446" numCol="1" spcCol="1270" anchor="ctr" anchorCtr="0">
+        <a:bodyPr spcFirstLastPara="0" vert="horz" wrap="square" lIns="8890" tIns="8890" rIns="8890" bIns="63446" numCol="1" spcCol="1270" anchor="ctr" anchorCtr="0">
           <a:noAutofit/>
         </a:bodyPr>
         <a:lstStyle/>
         <a:p>
-          <a:pPr marL="0" lvl="0" indent="0" algn="ctr" defTabSz="400050">
+          <a:pPr marL="0" lvl="0" indent="0" algn="ctr" defTabSz="622300">
             <a:lnSpc>
               <a:spcPct val="90000"/>
             </a:lnSpc>
@@ -2477,13 +2663,13 @@
             <a:buNone/>
           </a:pPr>
           <a:r>
-            <a:rPr lang="en-US" sz="900" kern="1200" dirty="0"/>
-            <a:t>(+5)</a:t>
+            <a:rPr lang="en-US" sz="1400" kern="1200" dirty="0"/>
+            <a:t>Up to 7</a:t>
           </a:r>
         </a:p>
       </dsp:txBody>
       <dsp:txXfrm>
-        <a:off x="7061270" y="1420045"/>
+        <a:off x="6478742" y="1420045"/>
         <a:ext cx="868395" cy="449616"/>
       </dsp:txXfrm>
     </dsp:sp>
@@ -2494,7 +2680,7 @@
       </dsp:nvSpPr>
       <dsp:spPr>
         <a:xfrm>
-          <a:off x="7244546" y="1769747"/>
+          <a:off x="6662018" y="1769747"/>
           <a:ext cx="781556" cy="149872"/>
         </a:xfrm>
         <a:prstGeom prst="rect">
@@ -2535,12 +2721,12 @@
         <a:fontRef idx="minor"/>
       </dsp:style>
       <dsp:txBody>
-        <a:bodyPr spcFirstLastPara="0" vert="horz" wrap="square" lIns="22860" tIns="5715" rIns="22860" bIns="5715" numCol="1" spcCol="1270" anchor="ctr" anchorCtr="0">
+        <a:bodyPr spcFirstLastPara="0" vert="horz" wrap="square" lIns="25400" tIns="6350" rIns="25400" bIns="6350" numCol="1" spcCol="1270" anchor="ctr" anchorCtr="0">
           <a:noAutofit/>
         </a:bodyPr>
         <a:lstStyle/>
         <a:p>
-          <a:pPr marL="0" lvl="0" indent="0" algn="r" defTabSz="400050">
+          <a:pPr marL="0" lvl="0" indent="0" algn="r" defTabSz="444500">
             <a:lnSpc>
               <a:spcPct val="90000"/>
             </a:lnSpc>
@@ -2553,13 +2739,174 @@
             <a:buNone/>
           </a:pPr>
           <a:r>
-            <a:rPr lang="en-US" sz="900" kern="1200" dirty="0"/>
-            <a:t>Other Markets</a:t>
+            <a:rPr lang="en-US" sz="1000" b="1" kern="1200" dirty="0">
+              <a:solidFill>
+                <a:schemeClr val="tx1"/>
+              </a:solidFill>
+            </a:rPr>
+            <a:t>Stations</a:t>
           </a:r>
         </a:p>
       </dsp:txBody>
       <dsp:txXfrm>
-        <a:off x="7244546" y="1769747"/>
+        <a:off x="6662018" y="1769747"/>
+        <a:ext cx="781556" cy="149872"/>
+      </dsp:txXfrm>
+    </dsp:sp>
+    <dsp:sp modelId="{CAE701D8-4F75-471B-A796-D49E5F0F70E5}">
+      <dsp:nvSpPr>
+        <dsp:cNvPr id="0" name=""/>
+        <dsp:cNvSpPr/>
+      </dsp:nvSpPr>
+      <dsp:spPr>
+        <a:xfrm>
+          <a:off x="8275478" y="1420045"/>
+          <a:ext cx="868395" cy="449616"/>
+        </a:xfrm>
+        <a:prstGeom prst="rect">
+          <a:avLst/>
+        </a:prstGeom>
+        <a:solidFill>
+          <a:schemeClr val="accent1">
+            <a:hueOff val="0"/>
+            <a:satOff val="0"/>
+            <a:lumOff val="0"/>
+            <a:alphaOff val="0"/>
+          </a:schemeClr>
+        </a:solidFill>
+        <a:ln w="15875" cap="flat" cmpd="sng" algn="ctr">
+          <a:solidFill>
+            <a:schemeClr val="lt1">
+              <a:hueOff val="0"/>
+              <a:satOff val="0"/>
+              <a:lumOff val="0"/>
+              <a:alphaOff val="0"/>
+            </a:schemeClr>
+          </a:solidFill>
+          <a:prstDash val="solid"/>
+        </a:ln>
+        <a:effectLst/>
+      </dsp:spPr>
+      <dsp:style>
+        <a:lnRef idx="2">
+          <a:scrgbClr r="0" g="0" b="0"/>
+        </a:lnRef>
+        <a:fillRef idx="1">
+          <a:scrgbClr r="0" g="0" b="0"/>
+        </a:fillRef>
+        <a:effectRef idx="0">
+          <a:scrgbClr r="0" g="0" b="0"/>
+        </a:effectRef>
+        <a:fontRef idx="minor">
+          <a:schemeClr val="lt1"/>
+        </a:fontRef>
+      </dsp:style>
+      <dsp:txBody>
+        <a:bodyPr spcFirstLastPara="0" vert="horz" wrap="square" lIns="8890" tIns="8890" rIns="8890" bIns="63446" numCol="1" spcCol="1270" anchor="ctr" anchorCtr="0">
+          <a:noAutofit/>
+        </a:bodyPr>
+        <a:lstStyle/>
+        <a:p>
+          <a:pPr marL="0" lvl="0" indent="0" algn="ctr" defTabSz="622300">
+            <a:lnSpc>
+              <a:spcPct val="90000"/>
+            </a:lnSpc>
+            <a:spcBef>
+              <a:spcPct val="0"/>
+            </a:spcBef>
+            <a:spcAft>
+              <a:spcPct val="35000"/>
+            </a:spcAft>
+            <a:buNone/>
+          </a:pPr>
+          <a:r>
+            <a:rPr lang="en-US" sz="1400" kern="1200" dirty="0"/>
+            <a:t>Driver Success</a:t>
+          </a:r>
+        </a:p>
+      </dsp:txBody>
+      <dsp:txXfrm>
+        <a:off x="8275478" y="1420045"/>
+        <a:ext cx="868395" cy="449616"/>
+      </dsp:txXfrm>
+    </dsp:sp>
+    <dsp:sp modelId="{D1FE3F9C-9ABB-4769-8DD7-7D6E9A74D102}">
+      <dsp:nvSpPr>
+        <dsp:cNvPr id="0" name=""/>
+        <dsp:cNvSpPr/>
+      </dsp:nvSpPr>
+      <dsp:spPr>
+        <a:xfrm>
+          <a:off x="8514843" y="1769747"/>
+          <a:ext cx="781556" cy="149872"/>
+        </a:xfrm>
+        <a:prstGeom prst="rect">
+          <a:avLst/>
+        </a:prstGeom>
+        <a:solidFill>
+          <a:schemeClr val="lt1">
+            <a:alpha val="90000"/>
+            <a:hueOff val="0"/>
+            <a:satOff val="0"/>
+            <a:lumOff val="0"/>
+            <a:alphaOff val="0"/>
+          </a:schemeClr>
+        </a:solidFill>
+        <a:ln w="15875" cap="flat" cmpd="sng" algn="ctr">
+          <a:solidFill>
+            <a:schemeClr val="accent1">
+              <a:hueOff val="0"/>
+              <a:satOff val="0"/>
+              <a:lumOff val="0"/>
+              <a:alphaOff val="0"/>
+            </a:schemeClr>
+          </a:solidFill>
+          <a:prstDash val="solid"/>
+        </a:ln>
+        <a:effectLst/>
+      </dsp:spPr>
+      <dsp:style>
+        <a:lnRef idx="2">
+          <a:scrgbClr r="0" g="0" b="0"/>
+        </a:lnRef>
+        <a:fillRef idx="1">
+          <a:scrgbClr r="0" g="0" b="0"/>
+        </a:fillRef>
+        <a:effectRef idx="0">
+          <a:scrgbClr r="0" g="0" b="0"/>
+        </a:effectRef>
+        <a:fontRef idx="minor"/>
+      </dsp:style>
+      <dsp:txBody>
+        <a:bodyPr spcFirstLastPara="0" vert="horz" wrap="square" lIns="25400" tIns="6350" rIns="25400" bIns="6350" numCol="1" spcCol="1270" anchor="ctr" anchorCtr="0">
+          <a:noAutofit/>
+        </a:bodyPr>
+        <a:lstStyle/>
+        <a:p>
+          <a:pPr marL="0" lvl="0" indent="0" algn="r" defTabSz="444500">
+            <a:lnSpc>
+              <a:spcPct val="90000"/>
+            </a:lnSpc>
+            <a:spcBef>
+              <a:spcPct val="0"/>
+            </a:spcBef>
+            <a:spcAft>
+              <a:spcPct val="35000"/>
+            </a:spcAft>
+            <a:buNone/>
+          </a:pPr>
+          <a:r>
+            <a:rPr lang="en-US" sz="1000" b="1" kern="1200" dirty="0">
+              <a:solidFill>
+                <a:schemeClr val="tx1"/>
+              </a:solidFill>
+            </a:rPr>
+            <a:t>Supervisor</a:t>
+          </a:r>
+        </a:p>
+      </dsp:txBody>
+      <dsp:txXfrm>
+        <a:off x="8514843" y="1769747"/>
         <a:ext cx="781556" cy="149872"/>
       </dsp:txXfrm>
     </dsp:sp>
@@ -2612,12 +2959,12 @@
         </a:fontRef>
       </dsp:style>
       <dsp:txBody>
-        <a:bodyPr spcFirstLastPara="0" vert="horz" wrap="square" lIns="5715" tIns="5715" rIns="5715" bIns="63446" numCol="1" spcCol="1270" anchor="ctr" anchorCtr="0">
+        <a:bodyPr spcFirstLastPara="0" vert="horz" wrap="square" lIns="8890" tIns="8890" rIns="8890" bIns="63446" numCol="1" spcCol="1270" anchor="ctr" anchorCtr="0">
           <a:noAutofit/>
         </a:bodyPr>
         <a:lstStyle/>
         <a:p>
-          <a:pPr marL="0" lvl="0" indent="0" algn="ctr" defTabSz="400050">
+          <a:pPr marL="0" lvl="0" indent="0" algn="ctr" defTabSz="622300">
             <a:lnSpc>
               <a:spcPct val="90000"/>
             </a:lnSpc>
@@ -2630,26 +2977,8 @@
             <a:buNone/>
           </a:pPr>
           <a:r>
-            <a:rPr lang="en-US" sz="900" kern="1200" dirty="0"/>
-            <a:t>Recruiting</a:t>
-          </a:r>
-        </a:p>
-        <a:p>
-          <a:pPr marL="0" lvl="0" indent="0" algn="ctr" defTabSz="400050">
-            <a:lnSpc>
-              <a:spcPct val="90000"/>
-            </a:lnSpc>
-            <a:spcBef>
-              <a:spcPct val="0"/>
-            </a:spcBef>
-            <a:spcAft>
-              <a:spcPct val="35000"/>
-            </a:spcAft>
-            <a:buNone/>
-          </a:pPr>
-          <a:r>
-            <a:rPr lang="en-US" sz="900" kern="1200" dirty="0"/>
-            <a:t>&amp; IC Performance</a:t>
+            <a:rPr lang="en-US" sz="1400" kern="1200" dirty="0"/>
+            <a:t>Recruit &amp; Train</a:t>
           </a:r>
         </a:p>
       </dsp:txBody>
@@ -5197,7 +5526,7 @@
           <a:p>
             <a:fld id="{9184DA70-C731-4C70-880D-CCD4705E623C}" type="datetime1">
               <a:rPr lang="en-US" smtClean="0"/>
-              <a:t>1/12/2021</a:t>
+              <a:t>1/13/2021</a:t>
             </a:fld>
             <a:endParaRPr lang="en-US" dirty="0"/>
           </a:p>
@@ -5385,7 +5714,7 @@
           <a:p>
             <a:fld id="{4BE1D723-8F53-4F53-90B0-1982A396982E}" type="datetime1">
               <a:rPr lang="en-US" smtClean="0"/>
-              <a:t>1/12/2021</a:t>
+              <a:t>1/13/2021</a:t>
             </a:fld>
             <a:endParaRPr lang="en-US" dirty="0"/>
           </a:p>
@@ -5790,7 +6119,7 @@
           <a:p>
             <a:fld id="{97669AF7-7BEB-44E4-9852-375E34362B5B}" type="datetime1">
               <a:rPr lang="en-US" smtClean="0"/>
-              <a:t>1/12/2021</a:t>
+              <a:t>1/13/2021</a:t>
             </a:fld>
             <a:endParaRPr lang="en-US" dirty="0"/>
           </a:p>
@@ -6045,7 +6374,7 @@
           <a:p>
             <a:fld id="{BAAAC38D-0552-4C82-B593-E6124DFADBE2}" type="datetime1">
               <a:rPr lang="en-US" smtClean="0"/>
-              <a:t>1/12/2021</a:t>
+              <a:t>1/13/2021</a:t>
             </a:fld>
             <a:endParaRPr lang="en-US" dirty="0"/>
           </a:p>
@@ -6442,7 +6771,7 @@
           <a:p>
             <a:fld id="{D9DF0F1C-5577-4ACB-BB62-DF8F3C494C7E}" type="datetime1">
               <a:rPr lang="en-US" smtClean="0"/>
-              <a:t>1/12/2021</a:t>
+              <a:t>1/13/2021</a:t>
             </a:fld>
             <a:endParaRPr lang="en-US" dirty="0"/>
           </a:p>
@@ -6578,7 +6907,7 @@
           <a:p>
             <a:fld id="{1775B394-D9F9-4F0C-B15D-605F45CB9E9F}" type="datetime1">
               <a:rPr lang="en-US" smtClean="0"/>
-              <a:t>1/12/2021</a:t>
+              <a:t>1/13/2021</a:t>
             </a:fld>
             <a:endParaRPr lang="en-US" dirty="0"/>
           </a:p>
@@ -6735,7 +7064,7 @@
           <a:p>
             <a:fld id="{39667345-2558-425A-8533-9BFDBCE15005}" type="datetime1">
               <a:rPr lang="en-US" smtClean="0"/>
-              <a:t>1/12/2021</a:t>
+              <a:t>1/13/2021</a:t>
             </a:fld>
             <a:endParaRPr lang="en-US" dirty="0"/>
           </a:p>
@@ -7064,7 +7393,7 @@
           <a:p>
             <a:fld id="{92BEA474-078D-4E9B-9B14-09A87B19DC46}" type="datetime1">
               <a:rPr lang="en-US" smtClean="0"/>
-              <a:t>1/12/2021</a:t>
+              <a:t>1/13/2021</a:t>
             </a:fld>
             <a:endParaRPr lang="en-US" dirty="0"/>
           </a:p>
@@ -7414,7 +7743,7 @@
           <a:p>
             <a:fld id="{4907D986-8816-4272-A432-0437A28A9828}" type="datetime1">
               <a:rPr lang="en-US" smtClean="0"/>
-              <a:t>1/12/2021</a:t>
+              <a:t>1/13/2021</a:t>
             </a:fld>
             <a:endParaRPr lang="en-US" dirty="0"/>
           </a:p>
@@ -7675,7 +8004,7 @@
           <a:p>
             <a:fld id="{62D6E202-B606-4609-B914-27C9371A1F6D}" type="datetime1">
               <a:rPr lang="en-US" smtClean="0"/>
-              <a:t>1/12/2021</a:t>
+              <a:t>1/13/2021</a:t>
             </a:fld>
             <a:endParaRPr lang="en-US" dirty="0"/>
           </a:p>
@@ -8634,6 +8963,331 @@
       </p:grpSpPr>
       <p:sp>
         <p:nvSpPr>
+          <p:cNvPr id="21" name="Rectangle: Rounded Corners 20">
+            <a:extLst>
+              <a:ext uri="{FF2B5EF4-FFF2-40B4-BE49-F238E27FC236}">
+                <a16:creationId xmlns:a16="http://schemas.microsoft.com/office/drawing/2014/main" id="{FCD46375-39F5-472C-92BB-AF9182900B74}"/>
+              </a:ext>
+            </a:extLst>
+          </p:cNvPr>
+          <p:cNvSpPr/>
+          <p:nvPr/>
+        </p:nvSpPr>
+        <p:spPr>
+          <a:xfrm>
+            <a:off x="8010525" y="5575880"/>
+            <a:ext cx="3009900" cy="333375"/>
+          </a:xfrm>
+          <a:prstGeom prst="roundRect">
+            <a:avLst/>
+          </a:prstGeom>
+          <a:solidFill>
+            <a:schemeClr val="tx2">
+              <a:lumMod val="25000"/>
+              <a:lumOff val="75000"/>
+            </a:schemeClr>
+          </a:solidFill>
+          <a:ln>
+            <a:solidFill>
+              <a:schemeClr val="accent2">
+                <a:lumMod val="75000"/>
+              </a:schemeClr>
+            </a:solidFill>
+          </a:ln>
+        </p:spPr>
+        <p:style>
+          <a:lnRef idx="2">
+            <a:schemeClr val="accent1">
+              <a:shade val="50000"/>
+            </a:schemeClr>
+          </a:lnRef>
+          <a:fillRef idx="1">
+            <a:schemeClr val="accent1"/>
+          </a:fillRef>
+          <a:effectRef idx="0">
+            <a:schemeClr val="accent1"/>
+          </a:effectRef>
+          <a:fontRef idx="minor">
+            <a:schemeClr val="lt1"/>
+          </a:fontRef>
+        </p:style>
+        <p:txBody>
+          <a:bodyPr rtlCol="0" anchor="ctr"/>
+          <a:lstStyle/>
+          <a:p>
+            <a:r>
+              <a:rPr lang="en-US" b="1" dirty="0">
+                <a:solidFill>
+                  <a:schemeClr val="tx1"/>
+                </a:solidFill>
+              </a:rPr>
+              <a:t>Deliver</a:t>
+            </a:r>
+          </a:p>
+        </p:txBody>
+      </p:sp>
+      <p:sp>
+        <p:nvSpPr>
+          <p:cNvPr id="4" name="Rectangle: Rounded Corners 3">
+            <a:extLst>
+              <a:ext uri="{FF2B5EF4-FFF2-40B4-BE49-F238E27FC236}">
+                <a16:creationId xmlns:a16="http://schemas.microsoft.com/office/drawing/2014/main" id="{DA3AA90A-E3CB-4098-9F57-8D20E9FF8440}"/>
+              </a:ext>
+            </a:extLst>
+          </p:cNvPr>
+          <p:cNvSpPr/>
+          <p:nvPr/>
+        </p:nvSpPr>
+        <p:spPr>
+          <a:xfrm>
+            <a:off x="409575" y="4324350"/>
+            <a:ext cx="7239000" cy="333375"/>
+          </a:xfrm>
+          <a:prstGeom prst="roundRect">
+            <a:avLst/>
+          </a:prstGeom>
+          <a:solidFill>
+            <a:schemeClr val="tx2">
+              <a:lumMod val="25000"/>
+              <a:lumOff val="75000"/>
+            </a:schemeClr>
+          </a:solidFill>
+          <a:ln>
+            <a:solidFill>
+              <a:schemeClr val="accent2">
+                <a:lumMod val="75000"/>
+              </a:schemeClr>
+            </a:solidFill>
+          </a:ln>
+        </p:spPr>
+        <p:style>
+          <a:lnRef idx="2">
+            <a:schemeClr val="accent1">
+              <a:shade val="50000"/>
+            </a:schemeClr>
+          </a:lnRef>
+          <a:fillRef idx="1">
+            <a:schemeClr val="accent1"/>
+          </a:fillRef>
+          <a:effectRef idx="0">
+            <a:schemeClr val="accent1"/>
+          </a:effectRef>
+          <a:fontRef idx="minor">
+            <a:schemeClr val="lt1"/>
+          </a:fontRef>
+        </p:style>
+        <p:txBody>
+          <a:bodyPr rtlCol="0" anchor="ctr"/>
+          <a:lstStyle/>
+          <a:p>
+            <a:r>
+              <a:rPr lang="en-US" b="1" dirty="0">
+                <a:solidFill>
+                  <a:schemeClr val="tx1"/>
+                </a:solidFill>
+              </a:rPr>
+              <a:t>Receive</a:t>
+            </a:r>
+          </a:p>
+        </p:txBody>
+      </p:sp>
+      <p:sp>
+        <p:nvSpPr>
+          <p:cNvPr id="18" name="Rectangle: Rounded Corners 17">
+            <a:extLst>
+              <a:ext uri="{FF2B5EF4-FFF2-40B4-BE49-F238E27FC236}">
+                <a16:creationId xmlns:a16="http://schemas.microsoft.com/office/drawing/2014/main" id="{B2570D4F-FB83-41FB-9957-9061511BD100}"/>
+              </a:ext>
+            </a:extLst>
+          </p:cNvPr>
+          <p:cNvSpPr/>
+          <p:nvPr/>
+        </p:nvSpPr>
+        <p:spPr>
+          <a:xfrm>
+            <a:off x="409575" y="4735376"/>
+            <a:ext cx="7239000" cy="333375"/>
+          </a:xfrm>
+          <a:prstGeom prst="roundRect">
+            <a:avLst/>
+          </a:prstGeom>
+          <a:solidFill>
+            <a:schemeClr val="tx2">
+              <a:lumMod val="25000"/>
+              <a:lumOff val="75000"/>
+            </a:schemeClr>
+          </a:solidFill>
+          <a:ln>
+            <a:solidFill>
+              <a:schemeClr val="accent2">
+                <a:lumMod val="75000"/>
+              </a:schemeClr>
+            </a:solidFill>
+          </a:ln>
+        </p:spPr>
+        <p:style>
+          <a:lnRef idx="2">
+            <a:schemeClr val="accent1">
+              <a:shade val="50000"/>
+            </a:schemeClr>
+          </a:lnRef>
+          <a:fillRef idx="1">
+            <a:schemeClr val="accent1"/>
+          </a:fillRef>
+          <a:effectRef idx="0">
+            <a:schemeClr val="accent1"/>
+          </a:effectRef>
+          <a:fontRef idx="minor">
+            <a:schemeClr val="lt1"/>
+          </a:fontRef>
+        </p:style>
+        <p:txBody>
+          <a:bodyPr rtlCol="0" anchor="ctr"/>
+          <a:lstStyle/>
+          <a:p>
+            <a:r>
+              <a:rPr lang="en-US" b="1" dirty="0">
+                <a:solidFill>
+                  <a:schemeClr val="tx1"/>
+                </a:solidFill>
+              </a:rPr>
+              <a:t>Sort</a:t>
+            </a:r>
+          </a:p>
+        </p:txBody>
+      </p:sp>
+      <p:sp>
+        <p:nvSpPr>
+          <p:cNvPr id="19" name="Rectangle: Rounded Corners 18">
+            <a:extLst>
+              <a:ext uri="{FF2B5EF4-FFF2-40B4-BE49-F238E27FC236}">
+                <a16:creationId xmlns:a16="http://schemas.microsoft.com/office/drawing/2014/main" id="{C63DACF4-B927-4C1A-B5B7-7497EC7CDB55}"/>
+              </a:ext>
+            </a:extLst>
+          </p:cNvPr>
+          <p:cNvSpPr/>
+          <p:nvPr/>
+        </p:nvSpPr>
+        <p:spPr>
+          <a:xfrm>
+            <a:off x="409575" y="5138892"/>
+            <a:ext cx="7239000" cy="333375"/>
+          </a:xfrm>
+          <a:prstGeom prst="roundRect">
+            <a:avLst/>
+          </a:prstGeom>
+          <a:solidFill>
+            <a:schemeClr val="tx2">
+              <a:lumMod val="25000"/>
+              <a:lumOff val="75000"/>
+            </a:schemeClr>
+          </a:solidFill>
+          <a:ln>
+            <a:solidFill>
+              <a:schemeClr val="accent2">
+                <a:lumMod val="75000"/>
+              </a:schemeClr>
+            </a:solidFill>
+          </a:ln>
+        </p:spPr>
+        <p:style>
+          <a:lnRef idx="2">
+            <a:schemeClr val="accent1">
+              <a:shade val="50000"/>
+            </a:schemeClr>
+          </a:lnRef>
+          <a:fillRef idx="1">
+            <a:schemeClr val="accent1"/>
+          </a:fillRef>
+          <a:effectRef idx="0">
+            <a:schemeClr val="accent1"/>
+          </a:effectRef>
+          <a:fontRef idx="minor">
+            <a:schemeClr val="lt1"/>
+          </a:fontRef>
+        </p:style>
+        <p:txBody>
+          <a:bodyPr rtlCol="0" anchor="ctr"/>
+          <a:lstStyle/>
+          <a:p>
+            <a:r>
+              <a:rPr lang="en-US" b="1" dirty="0">
+                <a:solidFill>
+                  <a:schemeClr val="tx1"/>
+                </a:solidFill>
+              </a:rPr>
+              <a:t>Launch</a:t>
+            </a:r>
+          </a:p>
+        </p:txBody>
+      </p:sp>
+      <p:sp>
+        <p:nvSpPr>
+          <p:cNvPr id="20" name="Rectangle: Rounded Corners 19">
+            <a:extLst>
+              <a:ext uri="{FF2B5EF4-FFF2-40B4-BE49-F238E27FC236}">
+                <a16:creationId xmlns:a16="http://schemas.microsoft.com/office/drawing/2014/main" id="{D0609CDB-618B-40BB-A34D-FBEA1E864F26}"/>
+              </a:ext>
+            </a:extLst>
+          </p:cNvPr>
+          <p:cNvSpPr/>
+          <p:nvPr/>
+        </p:nvSpPr>
+        <p:spPr>
+          <a:xfrm>
+            <a:off x="409575" y="5575880"/>
+            <a:ext cx="1667524" cy="333375"/>
+          </a:xfrm>
+          <a:prstGeom prst="roundRect">
+            <a:avLst/>
+          </a:prstGeom>
+          <a:solidFill>
+            <a:schemeClr val="tx2">
+              <a:lumMod val="25000"/>
+              <a:lumOff val="75000"/>
+            </a:schemeClr>
+          </a:solidFill>
+          <a:ln>
+            <a:solidFill>
+              <a:schemeClr val="accent2">
+                <a:lumMod val="75000"/>
+              </a:schemeClr>
+            </a:solidFill>
+          </a:ln>
+        </p:spPr>
+        <p:style>
+          <a:lnRef idx="2">
+            <a:schemeClr val="accent1">
+              <a:shade val="50000"/>
+            </a:schemeClr>
+          </a:lnRef>
+          <a:fillRef idx="1">
+            <a:schemeClr val="accent1"/>
+          </a:fillRef>
+          <a:effectRef idx="0">
+            <a:schemeClr val="accent1"/>
+          </a:effectRef>
+          <a:fontRef idx="minor">
+            <a:schemeClr val="lt1"/>
+          </a:fontRef>
+        </p:style>
+        <p:txBody>
+          <a:bodyPr rtlCol="0" anchor="ctr"/>
+          <a:lstStyle/>
+          <a:p>
+            <a:r>
+              <a:rPr lang="en-US" b="1" dirty="0">
+                <a:solidFill>
+                  <a:schemeClr val="tx1"/>
+                </a:solidFill>
+              </a:rPr>
+              <a:t>Deliver</a:t>
+            </a:r>
+          </a:p>
+        </p:txBody>
+      </p:sp>
+      <p:sp>
+        <p:nvSpPr>
           <p:cNvPr id="2" name="Title 1">
             <a:extLst>
               <a:ext uri="{FF2B5EF4-FFF2-40B4-BE49-F238E27FC236}">
@@ -8676,7 +9330,7 @@
             <p:ph idx="1"/>
             <p:extLst>
               <p:ext uri="{D42A27DB-BD31-4B8C-83A1-F6EECF244321}">
-                <p14:modId xmlns:p14="http://schemas.microsoft.com/office/powerpoint/2010/main" val="2816499751"/>
+                <p14:modId xmlns:p14="http://schemas.microsoft.com/office/powerpoint/2010/main" val="242882662"/>
               </p:ext>
             </p:extLst>
           </p:nvPr>
@@ -8693,10 +9347,10 @@
       </p:graphicFrame>
       <p:sp>
         <p:nvSpPr>
-          <p:cNvPr id="8" name="Rectangle: Rounded Corners 7">
-            <a:extLst>
-              <a:ext uri="{FF2B5EF4-FFF2-40B4-BE49-F238E27FC236}">
-                <a16:creationId xmlns:a16="http://schemas.microsoft.com/office/drawing/2014/main" id="{1EFC0065-3530-41B3-B845-B5D58A37951C}"/>
+          <p:cNvPr id="9" name="Rectangle: Rounded Corners 8">
+            <a:extLst>
+              <a:ext uri="{FF2B5EF4-FFF2-40B4-BE49-F238E27FC236}">
+                <a16:creationId xmlns:a16="http://schemas.microsoft.com/office/drawing/2014/main" id="{285C1606-1C6F-4144-A83D-4EF3F478572B}"/>
               </a:ext>
             </a:extLst>
           </p:cNvPr>
@@ -8705,7 +9359,7 @@
         </p:nvSpPr>
         <p:spPr>
           <a:xfrm>
-            <a:off x="6162027" y="4208108"/>
+            <a:off x="2238376" y="4208108"/>
             <a:ext cx="1443361" cy="1660122"/>
           </a:xfrm>
           <a:prstGeom prst="roundRect">
@@ -8734,61 +9388,52 @@
           <a:p>
             <a:pPr algn="ctr"/>
             <a:r>
-              <a:rPr lang="en-US" sz="1200" dirty="0"/>
-              <a:t>Up to 60 </a:t>
-            </a:r>
-            <a:r>
-              <a:rPr lang="en-US" sz="1200" dirty="0" err="1"/>
-              <a:t>Rte</a:t>
-            </a:r>
-            <a:r>
-              <a:rPr lang="en-US" sz="1200" dirty="0"/>
-              <a:t> Eq.</a:t>
+              <a:rPr lang="en-US" sz="1200" b="1" dirty="0">
+                <a:solidFill>
+                  <a:schemeClr val="tx1"/>
+                </a:solidFill>
+              </a:rPr>
+              <a:t>&lt;10 hour station window</a:t>
             </a:r>
           </a:p>
           <a:p>
             <a:pPr algn="ctr"/>
             <a:r>
-              <a:rPr lang="en-US" sz="1200" dirty="0"/>
+              <a:rPr lang="en-US" sz="1200" b="1" dirty="0">
+                <a:solidFill>
+                  <a:schemeClr val="tx1"/>
+                </a:solidFill>
+              </a:rPr>
               <a:t>---</a:t>
             </a:r>
           </a:p>
           <a:p>
             <a:pPr algn="ctr"/>
             <a:r>
-              <a:rPr lang="en-US" sz="1200" dirty="0"/>
-              <a:t>Inside Operations</a:t>
+              <a:rPr lang="en-US" sz="1200" b="1" dirty="0">
+                <a:solidFill>
+                  <a:schemeClr val="tx1"/>
+                </a:solidFill>
+              </a:rPr>
+              <a:t>&lt;12 ground operations associates</a:t>
             </a:r>
           </a:p>
           <a:p>
             <a:pPr algn="ctr"/>
-            <a:r>
-              <a:rPr lang="en-US" sz="1200" dirty="0"/>
-              <a:t>Substation Oversight</a:t>
-            </a:r>
-          </a:p>
-          <a:p>
-            <a:pPr algn="ctr"/>
-            <a:r>
-              <a:rPr lang="en-US" sz="1200" dirty="0"/>
-              <a:t>---</a:t>
-            </a:r>
-          </a:p>
-          <a:p>
-            <a:pPr algn="ctr"/>
-            <a:r>
-              <a:rPr lang="en-US" sz="1200" dirty="0"/>
-              <a:t>Dispatch hub or CX Host</a:t>
-            </a:r>
+            <a:endParaRPr lang="en-US" sz="1200" b="1" dirty="0">
+              <a:solidFill>
+                <a:schemeClr val="tx1"/>
+              </a:solidFill>
+            </a:endParaRPr>
           </a:p>
         </p:txBody>
       </p:sp>
       <p:sp>
         <p:nvSpPr>
-          <p:cNvPr id="9" name="Rectangle: Rounded Corners 8">
-            <a:extLst>
-              <a:ext uri="{FF2B5EF4-FFF2-40B4-BE49-F238E27FC236}">
-                <a16:creationId xmlns:a16="http://schemas.microsoft.com/office/drawing/2014/main" id="{285C1606-1C6F-4144-A83D-4EF3F478572B}"/>
+          <p:cNvPr id="10" name="Rectangle: Rounded Corners 9">
+            <a:extLst>
+              <a:ext uri="{FF2B5EF4-FFF2-40B4-BE49-F238E27FC236}">
+                <a16:creationId xmlns:a16="http://schemas.microsoft.com/office/drawing/2014/main" id="{FD743359-5C98-4A11-ACB0-CC82F8B52EFB}"/>
               </a:ext>
             </a:extLst>
           </p:cNvPr>
@@ -8797,7 +9442,7 @@
         </p:nvSpPr>
         <p:spPr>
           <a:xfrm>
-            <a:off x="2819401" y="4208108"/>
+            <a:off x="3900164" y="4208108"/>
             <a:ext cx="1443361" cy="1660122"/>
           </a:xfrm>
           <a:prstGeom prst="roundRect">
@@ -8826,47 +9471,105 @@
           <a:p>
             <a:pPr algn="ctr"/>
             <a:r>
-              <a:rPr lang="en-US" sz="1200" dirty="0"/>
-              <a:t>Up to 12 </a:t>
-            </a:r>
-            <a:r>
-              <a:rPr lang="en-US" sz="1200" dirty="0" err="1"/>
-              <a:t>Rte</a:t>
-            </a:r>
-            <a:r>
-              <a:rPr lang="en-US" sz="1200" dirty="0"/>
-              <a:t> Eq.</a:t>
+              <a:rPr lang="en-US" sz="1200" b="1" dirty="0">
+                <a:solidFill>
+                  <a:schemeClr val="tx1"/>
+                </a:solidFill>
+              </a:rPr>
+              <a:t>&lt;20 hour station window</a:t>
             </a:r>
           </a:p>
           <a:p>
             <a:pPr algn="ctr"/>
             <a:r>
-              <a:rPr lang="en-US" sz="1200" dirty="0"/>
+              <a:rPr lang="en-US" sz="1200" b="1" dirty="0">
+                <a:solidFill>
+                  <a:schemeClr val="tx1"/>
+                </a:solidFill>
+              </a:rPr>
               <a:t>---</a:t>
             </a:r>
           </a:p>
           <a:p>
             <a:pPr algn="ctr"/>
             <a:r>
-              <a:rPr lang="en-US" sz="1200" dirty="0"/>
-              <a:t>Inside Operations</a:t>
+              <a:rPr lang="en-US" sz="1200" b="1" dirty="0">
+                <a:solidFill>
+                  <a:schemeClr val="tx1"/>
+                </a:solidFill>
+              </a:rPr>
+              <a:t>&lt; 24 ground operations associates</a:t>
             </a:r>
           </a:p>
           <a:p>
             <a:pPr algn="ctr"/>
             <a:r>
-              <a:rPr lang="en-US" sz="1200" dirty="0"/>
-              <a:t>Reports to nearby station</a:t>
+              <a:rPr lang="en-US" sz="1200" b="1" dirty="0">
+                <a:solidFill>
+                  <a:schemeClr val="tx1"/>
+                </a:solidFill>
+              </a:rPr>
+              <a:t>---</a:t>
+            </a:r>
+          </a:p>
+          <a:p>
+            <a:pPr algn="ctr"/>
+            <a:r>
+              <a:rPr lang="en-US" sz="1200" b="1" dirty="0">
+                <a:solidFill>
+                  <a:schemeClr val="tx1"/>
+                </a:solidFill>
+              </a:rPr>
+              <a:t>&lt;= 2 leads</a:t>
             </a:r>
           </a:p>
         </p:txBody>
       </p:sp>
       <p:sp>
         <p:nvSpPr>
-          <p:cNvPr id="10" name="Rectangle: Rounded Corners 9">
-            <a:extLst>
-              <a:ext uri="{FF2B5EF4-FFF2-40B4-BE49-F238E27FC236}">
-                <a16:creationId xmlns:a16="http://schemas.microsoft.com/office/drawing/2014/main" id="{FD743359-5C98-4A11-ACB0-CC82F8B52EFB}"/>
+          <p:cNvPr id="11" name="TextBox 10">
+            <a:extLst>
+              <a:ext uri="{FF2B5EF4-FFF2-40B4-BE49-F238E27FC236}">
+                <a16:creationId xmlns:a16="http://schemas.microsoft.com/office/drawing/2014/main" id="{D8B48370-8391-4474-B63C-4D9A6FED950E}"/>
+              </a:ext>
+            </a:extLst>
+          </p:cNvPr>
+          <p:cNvSpPr txBox="1"/>
+          <p:nvPr/>
+        </p:nvSpPr>
+        <p:spPr>
+          <a:xfrm>
+            <a:off x="337351" y="6571397"/>
+            <a:ext cx="2531462" cy="246221"/>
+          </a:xfrm>
+          <a:prstGeom prst="rect">
+            <a:avLst/>
+          </a:prstGeom>
+          <a:noFill/>
+        </p:spPr>
+        <p:txBody>
+          <a:bodyPr wrap="none" rtlCol="0">
+            <a:spAutoFit/>
+          </a:bodyPr>
+          <a:lstStyle/>
+          <a:p>
+            <a:r>
+              <a:rPr lang="en-US" sz="1000" b="1" dirty="0">
+                <a:solidFill>
+                  <a:schemeClr val="bg1"/>
+                </a:solidFill>
+              </a:rPr>
+              <a:t>2021 Copyright Kent Matthew Rodgers</a:t>
+            </a:r>
+          </a:p>
+        </p:txBody>
+      </p:sp>
+      <p:sp>
+        <p:nvSpPr>
+          <p:cNvPr id="12" name="Rectangle: Rounded Corners 11">
+            <a:extLst>
+              <a:ext uri="{FF2B5EF4-FFF2-40B4-BE49-F238E27FC236}">
+                <a16:creationId xmlns:a16="http://schemas.microsoft.com/office/drawing/2014/main" id="{0CAD655F-5AC9-402C-A478-B5D7CE4E9BDD}"/>
               </a:ext>
             </a:extLst>
           </p:cNvPr>
@@ -8875,7 +9578,7 @@
         </p:nvSpPr>
         <p:spPr>
           <a:xfrm>
-            <a:off x="4462139" y="4208108"/>
+            <a:off x="9107488" y="4208108"/>
             <a:ext cx="1443361" cy="1660122"/>
           </a:xfrm>
           <a:prstGeom prst="roundRect">
@@ -8904,76 +9607,203 @@
           <a:p>
             <a:pPr algn="ctr"/>
             <a:r>
-              <a:rPr lang="en-US" sz="1200" dirty="0"/>
-              <a:t>Up to 16 </a:t>
-            </a:r>
-            <a:r>
-              <a:rPr lang="en-US" sz="1200" dirty="0" err="1"/>
-              <a:t>Rte</a:t>
-            </a:r>
-            <a:r>
-              <a:rPr lang="en-US" sz="1200" dirty="0"/>
-              <a:t> Eq.</a:t>
+              <a:rPr lang="en-US" sz="1200" b="1" dirty="0">
+                <a:solidFill>
+                  <a:schemeClr val="tx1"/>
+                </a:solidFill>
+              </a:rPr>
+              <a:t>In-Route coordination</a:t>
             </a:r>
           </a:p>
           <a:p>
             <a:pPr algn="ctr"/>
             <a:r>
-              <a:rPr lang="en-US" sz="1200" dirty="0"/>
+              <a:rPr lang="en-US" sz="1200" b="1" dirty="0">
+                <a:solidFill>
+                  <a:schemeClr val="tx1"/>
+                </a:solidFill>
+              </a:rPr>
+              <a:t>+ coaching</a:t>
+            </a:r>
+          </a:p>
+          <a:p>
+            <a:pPr algn="ctr"/>
+            <a:r>
+              <a:rPr lang="en-US" sz="1200" b="1" dirty="0">
+                <a:solidFill>
+                  <a:schemeClr val="tx1"/>
+                </a:solidFill>
+              </a:rPr>
               <a:t>---</a:t>
             </a:r>
           </a:p>
           <a:p>
             <a:pPr algn="ctr"/>
             <a:r>
-              <a:rPr lang="en-US" sz="1200" dirty="0"/>
-              <a:t>Inside Operations</a:t>
-            </a:r>
-          </a:p>
-          <a:p>
-            <a:pPr algn="ctr"/>
-            <a:r>
-              <a:rPr lang="en-US" sz="1200" dirty="0"/>
-              <a:t>Substation Oversight</a:t>
+              <a:rPr lang="en-US" sz="1200" b="1" dirty="0">
+                <a:solidFill>
+                  <a:schemeClr val="tx1"/>
+                </a:solidFill>
+              </a:rPr>
+              <a:t>Approximately 1 associate for every 150 daily route hours </a:t>
             </a:r>
           </a:p>
         </p:txBody>
       </p:sp>
       <p:sp>
         <p:nvSpPr>
-          <p:cNvPr id="11" name="TextBox 10">
-            <a:extLst>
-              <a:ext uri="{FF2B5EF4-FFF2-40B4-BE49-F238E27FC236}">
-                <a16:creationId xmlns:a16="http://schemas.microsoft.com/office/drawing/2014/main" id="{D8B48370-8391-4474-B63C-4D9A6FED950E}"/>
-              </a:ext>
-            </a:extLst>
-          </p:cNvPr>
-          <p:cNvSpPr txBox="1"/>
+          <p:cNvPr id="13" name="Rectangle: Rounded Corners 12">
+            <a:extLst>
+              <a:ext uri="{FF2B5EF4-FFF2-40B4-BE49-F238E27FC236}">
+                <a16:creationId xmlns:a16="http://schemas.microsoft.com/office/drawing/2014/main" id="{D1978DC7-88EB-430A-83DD-BD2F8397380B}"/>
+              </a:ext>
+            </a:extLst>
+          </p:cNvPr>
+          <p:cNvSpPr/>
           <p:nvPr/>
         </p:nvSpPr>
         <p:spPr>
           <a:xfrm>
-            <a:off x="337351" y="6571397"/>
-            <a:ext cx="2531462" cy="246221"/>
+            <a:off x="5621338" y="4208108"/>
+            <a:ext cx="1443361" cy="1660122"/>
+          </a:xfrm>
+          <a:prstGeom prst="roundRect">
+            <a:avLst/>
+          </a:prstGeom>
+        </p:spPr>
+        <p:style>
+          <a:lnRef idx="2">
+            <a:schemeClr val="accent2">
+              <a:shade val="50000"/>
+            </a:schemeClr>
+          </a:lnRef>
+          <a:fillRef idx="1">
+            <a:schemeClr val="accent2"/>
+          </a:fillRef>
+          <a:effectRef idx="0">
+            <a:schemeClr val="accent2"/>
+          </a:effectRef>
+          <a:fontRef idx="minor">
+            <a:schemeClr val="lt1"/>
+          </a:fontRef>
+        </p:style>
+        <p:txBody>
+          <a:bodyPr rtlCol="0" anchor="t" anchorCtr="0"/>
+          <a:lstStyle/>
+          <a:p>
+            <a:pPr algn="ctr"/>
+            <a:r>
+              <a:rPr lang="en-US" sz="1200" b="1" dirty="0">
+                <a:solidFill>
+                  <a:schemeClr val="tx1"/>
+                </a:solidFill>
+              </a:rPr>
+              <a:t>&lt;20 hour station window</a:t>
+            </a:r>
+          </a:p>
+          <a:p>
+            <a:pPr algn="ctr"/>
+            <a:r>
+              <a:rPr lang="en-US" sz="1200" b="1" dirty="0">
+                <a:solidFill>
+                  <a:schemeClr val="tx1"/>
+                </a:solidFill>
+              </a:rPr>
+              <a:t>---</a:t>
+            </a:r>
+          </a:p>
+          <a:p>
+            <a:pPr algn="ctr"/>
+            <a:r>
+              <a:rPr lang="en-US" sz="1200" b="1" dirty="0">
+                <a:solidFill>
+                  <a:schemeClr val="tx1"/>
+                </a:solidFill>
+              </a:rPr>
+              <a:t>&lt; 100 ground operations associates</a:t>
+            </a:r>
+          </a:p>
+          <a:p>
+            <a:pPr algn="ctr"/>
+            <a:r>
+              <a:rPr lang="en-US" sz="1200" b="1" dirty="0">
+                <a:solidFill>
+                  <a:schemeClr val="tx1"/>
+                </a:solidFill>
+              </a:rPr>
+              <a:t>---</a:t>
+            </a:r>
+          </a:p>
+          <a:p>
+            <a:pPr algn="ctr"/>
+            <a:r>
+              <a:rPr lang="en-US" sz="1200" b="1" dirty="0">
+                <a:solidFill>
+                  <a:schemeClr val="tx1"/>
+                </a:solidFill>
+              </a:rPr>
+              <a:t>&lt;= 5 supr./leads</a:t>
+            </a:r>
+          </a:p>
+        </p:txBody>
+      </p:sp>
+      <p:sp>
+        <p:nvSpPr>
+          <p:cNvPr id="14" name="Rectangle 13">
+            <a:extLst>
+              <a:ext uri="{FF2B5EF4-FFF2-40B4-BE49-F238E27FC236}">
+                <a16:creationId xmlns:a16="http://schemas.microsoft.com/office/drawing/2014/main" id="{5BF6A520-B95B-48FE-A109-4108822225A6}"/>
+              </a:ext>
+            </a:extLst>
+          </p:cNvPr>
+          <p:cNvSpPr/>
+          <p:nvPr/>
+        </p:nvSpPr>
+        <p:spPr>
+          <a:xfrm>
+            <a:off x="337351" y="2108200"/>
+            <a:ext cx="1043773" cy="1450757"/>
           </a:xfrm>
           <a:prstGeom prst="rect">
             <a:avLst/>
           </a:prstGeom>
-          <a:noFill/>
+          <a:solidFill>
+            <a:srgbClr val="C00000"/>
+          </a:solidFill>
+          <a:ln w="38100">
+            <a:solidFill>
+              <a:srgbClr val="C00000"/>
+            </a:solidFill>
+          </a:ln>
         </p:spPr>
+        <p:style>
+          <a:lnRef idx="2">
+            <a:schemeClr val="accent1">
+              <a:shade val="50000"/>
+            </a:schemeClr>
+          </a:lnRef>
+          <a:fillRef idx="1">
+            <a:schemeClr val="accent1"/>
+          </a:fillRef>
+          <a:effectRef idx="0">
+            <a:schemeClr val="accent1"/>
+          </a:effectRef>
+          <a:fontRef idx="minor">
+            <a:schemeClr val="lt1"/>
+          </a:fontRef>
+        </p:style>
         <p:txBody>
-          <a:bodyPr wrap="none" rtlCol="0">
-            <a:spAutoFit/>
-          </a:bodyPr>
+          <a:bodyPr rtlCol="0" anchor="ctr"/>
           <a:lstStyle/>
           <a:p>
+            <a:pPr algn="ctr"/>
             <a:r>
-              <a:rPr lang="en-US" sz="1000" b="1" dirty="0">
+              <a:rPr lang="en-US" sz="1100" b="1" dirty="0">
                 <a:solidFill>
                   <a:schemeClr val="bg1"/>
                 </a:solidFill>
               </a:rPr>
-              <a:t>2021 Copyright Kent Matthew Rodgers</a:t>
+              <a:t>Structure to support four key business processes in dynamic &amp; growing markets</a:t>
             </a:r>
           </a:p>
         </p:txBody>
@@ -9008,6 +9838,36 @@
           <a:chExt cx="0" cy="0"/>
         </a:xfrm>
       </p:grpSpPr>
+      <p:pic>
+        <p:nvPicPr>
+          <p:cNvPr id="8" name="Picture 7">
+            <a:extLst>
+              <a:ext uri="{FF2B5EF4-FFF2-40B4-BE49-F238E27FC236}">
+                <a16:creationId xmlns:a16="http://schemas.microsoft.com/office/drawing/2014/main" id="{8F9D35BD-605D-4C7D-94C1-BBEA9DFE5B6C}"/>
+              </a:ext>
+            </a:extLst>
+          </p:cNvPr>
+          <p:cNvPicPr>
+            <a:picLocks noChangeAspect="1"/>
+          </p:cNvPicPr>
+          <p:nvPr/>
+        </p:nvPicPr>
+        <p:blipFill>
+          <a:blip r:embed="rId2"/>
+          <a:stretch>
+            <a:fillRect/>
+          </a:stretch>
+        </p:blipFill>
+        <p:spPr>
+          <a:xfrm>
+            <a:off x="1510665" y="1932005"/>
+            <a:ext cx="9019794" cy="4444746"/>
+          </a:xfrm>
+          <a:prstGeom prst="rect">
+            <a:avLst/>
+          </a:prstGeom>
+        </p:spPr>
+      </p:pic>
       <p:sp>
         <p:nvSpPr>
           <p:cNvPr id="2" name="Title 1">
@@ -9033,7 +9893,14 @@
           <a:p>
             <a:r>
               <a:rPr lang="en-US" dirty="0"/>
-              <a:t>Key Performance Indicator List &amp; Role Map</a:t>
+              <a:t>Key Performance Indicators</a:t>
+            </a:r>
+            <a:br>
+              <a:rPr lang="en-US" dirty="0"/>
+            </a:br>
+            <a:r>
+              <a:rPr lang="en-US" dirty="0"/>
+              <a:t> &amp; Performance Metrics by Role</a:t>
             </a:r>
             <a:endParaRPr lang="en-US" sz="1600" dirty="0"/>
           </a:p>
@@ -9078,36 +9945,6 @@
           </a:p>
         </p:txBody>
       </p:sp>
-      <p:pic>
-        <p:nvPicPr>
-          <p:cNvPr id="7" name="Picture 6">
-            <a:extLst>
-              <a:ext uri="{FF2B5EF4-FFF2-40B4-BE49-F238E27FC236}">
-                <a16:creationId xmlns:a16="http://schemas.microsoft.com/office/drawing/2014/main" id="{BE7C8864-522C-4659-918A-82E3F8BF916E}"/>
-              </a:ext>
-            </a:extLst>
-          </p:cNvPr>
-          <p:cNvPicPr>
-            <a:picLocks noChangeAspect="1"/>
-          </p:cNvPicPr>
-          <p:nvPr/>
-        </p:nvPicPr>
-        <p:blipFill>
-          <a:blip r:embed="rId2"/>
-          <a:stretch>
-            <a:fillRect/>
-          </a:stretch>
-        </p:blipFill>
-        <p:spPr>
-          <a:xfrm>
-            <a:off x="1537716" y="1934703"/>
-            <a:ext cx="9019794" cy="4444746"/>
-          </a:xfrm>
-          <a:prstGeom prst="rect">
-            <a:avLst/>
-          </a:prstGeom>
-        </p:spPr>
-      </p:pic>
       <p:sp>
         <p:nvSpPr>
           <p:cNvPr id="3" name="Rectangle 2">
@@ -9122,7 +9959,7 @@
         </p:nvSpPr>
         <p:spPr>
           <a:xfrm>
-            <a:off x="6819900" y="2486024"/>
+            <a:off x="7481887" y="2466974"/>
             <a:ext cx="838200" cy="3893425"/>
           </a:xfrm>
           <a:prstGeom prst="rect">
@@ -9174,8 +10011,8 @@
         </p:nvSpPr>
         <p:spPr>
           <a:xfrm>
-            <a:off x="6819900" y="6379449"/>
-            <a:ext cx="838200" cy="726201"/>
+            <a:off x="7481887" y="6276513"/>
+            <a:ext cx="838200" cy="580553"/>
           </a:xfrm>
           <a:prstGeom prst="rect">
             <a:avLst/>
@@ -9212,7 +10049,7 @@
             <a:pPr algn="ctr"/>
             <a:r>
               <a:rPr lang="en-US" sz="1100" dirty="0"/>
-              <a:t>Translate to Example Dashboard Next Page</a:t>
+              <a:t>Example Dashboard Next Page</a:t>
             </a:r>
           </a:p>
         </p:txBody>
@@ -9268,14 +10105,22 @@
           <a:p>
             <a:pPr algn="ctr"/>
             <a:r>
-              <a:rPr lang="en-US" sz="1100" dirty="0"/>
+              <a:rPr lang="en-US" sz="1100" b="1" dirty="0">
+                <a:solidFill>
+                  <a:schemeClr val="bg1"/>
+                </a:solidFill>
+              </a:rPr>
               <a:t>5 to 7 Scorecard</a:t>
             </a:r>
           </a:p>
           <a:p>
             <a:pPr algn="ctr"/>
             <a:r>
-              <a:rPr lang="en-US" sz="1100" dirty="0"/>
+              <a:rPr lang="en-US" sz="1100" b="1" dirty="0">
+                <a:solidFill>
+                  <a:schemeClr val="bg1"/>
+                </a:solidFill>
+              </a:rPr>
               <a:t>Categories</a:t>
             </a:r>
           </a:p>
@@ -9295,7 +10140,7 @@
         </p:nvSpPr>
         <p:spPr>
           <a:xfrm>
-            <a:off x="337350" y="2973564"/>
+            <a:off x="337349" y="2947804"/>
             <a:ext cx="1043773" cy="1017161"/>
           </a:xfrm>
           <a:prstGeom prst="rect">
@@ -9332,22 +10177,56 @@
           <a:p>
             <a:pPr algn="ctr"/>
             <a:r>
-              <a:rPr lang="en-US" sz="1100" dirty="0"/>
-              <a:t>20 to 25 </a:t>
+              <a:rPr lang="en-US" sz="1100" b="1" dirty="0">
+                <a:solidFill>
+                  <a:schemeClr val="bg1"/>
+                </a:solidFill>
+              </a:rPr>
+              <a:t>20 to 25</a:t>
             </a:r>
           </a:p>
           <a:p>
             <a:pPr algn="ctr"/>
             <a:r>
-              <a:rPr lang="en-US" sz="1100" dirty="0"/>
+              <a:rPr lang="en-US" sz="1100" b="1" dirty="0">
+                <a:solidFill>
+                  <a:schemeClr val="bg1"/>
+                </a:solidFill>
+              </a:rPr>
+              <a:t>Key</a:t>
+            </a:r>
+          </a:p>
+          <a:p>
+            <a:pPr algn="ctr"/>
+            <a:r>
+              <a:rPr lang="en-US" sz="1100" b="1" dirty="0">
+                <a:solidFill>
+                  <a:schemeClr val="bg1"/>
+                </a:solidFill>
+              </a:rPr>
               <a:t>Performance</a:t>
             </a:r>
           </a:p>
           <a:p>
             <a:pPr algn="ctr"/>
             <a:r>
-              <a:rPr lang="en-US" sz="1100" dirty="0"/>
+              <a:rPr lang="en-US" sz="1100" b="1" dirty="0">
+                <a:solidFill>
+                  <a:schemeClr val="bg1"/>
+                </a:solidFill>
+              </a:rPr>
               <a:t>Indicators</a:t>
+            </a:r>
+          </a:p>
+          <a:p>
+            <a:pPr algn="ctr"/>
+            <a:r>
+              <a:rPr lang="en-US" sz="1100" b="1" dirty="0">
+                <a:solidFill>
+                  <a:schemeClr val="bg1"/>
+                </a:solidFill>
+              </a:rPr>
+              <a:t>(&lt;= 40)</a:t>
             </a:r>
           </a:p>
         </p:txBody>
@@ -9366,7 +10245,7 @@
         </p:nvSpPr>
         <p:spPr>
           <a:xfrm>
-            <a:off x="337350" y="4263901"/>
+            <a:off x="337349" y="4119860"/>
             <a:ext cx="1043774" cy="1017160"/>
           </a:xfrm>
           <a:prstGeom prst="rect">
@@ -9403,22 +10282,73 @@
           <a:p>
             <a:pPr algn="ctr"/>
             <a:r>
-              <a:rPr lang="en-US" sz="1100" dirty="0"/>
-              <a:t>Narrowed to</a:t>
+              <a:rPr lang="en-US" sz="1100" b="1" dirty="0">
+                <a:solidFill>
+                  <a:schemeClr val="bg1"/>
+                </a:solidFill>
+              </a:rPr>
+              <a:t>Targeting five performance metrics per role</a:t>
             </a:r>
           </a:p>
+        </p:txBody>
+      </p:sp>
+      <p:sp>
+        <p:nvSpPr>
+          <p:cNvPr id="14" name="Rectangle 13">
+            <a:extLst>
+              <a:ext uri="{FF2B5EF4-FFF2-40B4-BE49-F238E27FC236}">
+                <a16:creationId xmlns:a16="http://schemas.microsoft.com/office/drawing/2014/main" id="{421907AE-F9FA-48BE-9314-150C75AAD6FD}"/>
+              </a:ext>
+            </a:extLst>
+          </p:cNvPr>
+          <p:cNvSpPr/>
+          <p:nvPr/>
+        </p:nvSpPr>
+        <p:spPr>
+          <a:xfrm>
+            <a:off x="337349" y="5259353"/>
+            <a:ext cx="1043774" cy="1017160"/>
+          </a:xfrm>
+          <a:prstGeom prst="rect">
+            <a:avLst/>
+          </a:prstGeom>
+          <a:solidFill>
+            <a:srgbClr val="C00000"/>
+          </a:solidFill>
+          <a:ln w="38100">
+            <a:solidFill>
+              <a:srgbClr val="C00000"/>
+            </a:solidFill>
+          </a:ln>
+        </p:spPr>
+        <p:style>
+          <a:lnRef idx="2">
+            <a:schemeClr val="accent1">
+              <a:shade val="50000"/>
+            </a:schemeClr>
+          </a:lnRef>
+          <a:fillRef idx="1">
+            <a:schemeClr val="accent1"/>
+          </a:fillRef>
+          <a:effectRef idx="0">
+            <a:schemeClr val="accent1"/>
+          </a:effectRef>
+          <a:fontRef idx="minor">
+            <a:schemeClr val="lt1"/>
+          </a:fontRef>
+        </p:style>
+        <p:txBody>
+          <a:bodyPr rtlCol="0" anchor="ctr"/>
+          <a:lstStyle/>
           <a:p>
             <a:pPr algn="ctr"/>
             <a:r>
-              <a:rPr lang="en-US" sz="1100" dirty="0"/>
-              <a:t>5 to 7 Performance Metrics</a:t>
-            </a:r>
-          </a:p>
-          <a:p>
-            <a:pPr algn="ctr"/>
-            <a:r>
-              <a:rPr lang="en-US" sz="1100" dirty="0"/>
-              <a:t>for each role</a:t>
+              <a:rPr lang="en-US" sz="1100" b="1" dirty="0">
+                <a:solidFill>
+                  <a:schemeClr val="bg1"/>
+                </a:solidFill>
+              </a:rPr>
+              <a:t>Awareness built with daily dashboard</a:t>
             </a:r>
           </a:p>
         </p:txBody>
@@ -9453,79 +10383,12 @@
           <a:chExt cx="0" cy="0"/>
         </a:xfrm>
       </p:grpSpPr>
-      <p:sp>
-        <p:nvSpPr>
-          <p:cNvPr id="2" name="Title 1">
-            <a:extLst>
-              <a:ext uri="{FF2B5EF4-FFF2-40B4-BE49-F238E27FC236}">
-                <a16:creationId xmlns:a16="http://schemas.microsoft.com/office/drawing/2014/main" id="{B5B19106-3412-44A9-AC4B-9E919B2D3728}"/>
-              </a:ext>
-            </a:extLst>
-          </p:cNvPr>
-          <p:cNvSpPr>
-            <a:spLocks noGrp="1"/>
-          </p:cNvSpPr>
-          <p:nvPr>
-            <p:ph type="title"/>
-          </p:nvPr>
-        </p:nvSpPr>
-        <p:spPr/>
-        <p:txBody>
-          <a:bodyPr/>
-          <a:lstStyle/>
-          <a:p>
-            <a:r>
-              <a:rPr lang="en-US" dirty="0"/>
-              <a:t>Dashboard Example</a:t>
-            </a:r>
-          </a:p>
-        </p:txBody>
-      </p:sp>
-      <p:sp>
-        <p:nvSpPr>
-          <p:cNvPr id="5" name="TextBox 4">
-            <a:extLst>
-              <a:ext uri="{FF2B5EF4-FFF2-40B4-BE49-F238E27FC236}">
-                <a16:creationId xmlns:a16="http://schemas.microsoft.com/office/drawing/2014/main" id="{C4E5109F-C20C-4159-B4E4-CF7B1467EBCD}"/>
-              </a:ext>
-            </a:extLst>
-          </p:cNvPr>
-          <p:cNvSpPr txBox="1"/>
-          <p:nvPr/>
-        </p:nvSpPr>
-        <p:spPr>
-          <a:xfrm>
-            <a:off x="337351" y="6571397"/>
-            <a:ext cx="2531462" cy="246221"/>
-          </a:xfrm>
-          <a:prstGeom prst="rect">
-            <a:avLst/>
-          </a:prstGeom>
-          <a:noFill/>
-        </p:spPr>
-        <p:txBody>
-          <a:bodyPr wrap="none" rtlCol="0">
-            <a:spAutoFit/>
-          </a:bodyPr>
-          <a:lstStyle/>
-          <a:p>
-            <a:r>
-              <a:rPr lang="en-US" sz="1000" b="1" dirty="0">
-                <a:solidFill>
-                  <a:schemeClr val="bg1"/>
-                </a:solidFill>
-              </a:rPr>
-              <a:t>2021 Copyright Kent Matthew Rodgers</a:t>
-            </a:r>
-          </a:p>
-        </p:txBody>
-      </p:sp>
       <p:pic>
         <p:nvPicPr>
-          <p:cNvPr id="6" name="Picture 5">
-            <a:extLst>
-              <a:ext uri="{FF2B5EF4-FFF2-40B4-BE49-F238E27FC236}">
-                <a16:creationId xmlns:a16="http://schemas.microsoft.com/office/drawing/2014/main" id="{A16368C0-4FE3-4E2E-88E8-1CC499F8C75A}"/>
+          <p:cNvPr id="4" name="Picture 3">
+            <a:extLst>
+              <a:ext uri="{FF2B5EF4-FFF2-40B4-BE49-F238E27FC236}">
+                <a16:creationId xmlns:a16="http://schemas.microsoft.com/office/drawing/2014/main" id="{AED1DD63-97A5-43B1-B1B7-4EE8CDF484E4}"/>
               </a:ext>
             </a:extLst>
           </p:cNvPr>
@@ -9536,13 +10399,13 @@
         </p:nvPicPr>
         <p:blipFill rotWithShape="1">
           <a:blip r:embed="rId2"/>
-          <a:srcRect b="20992"/>
+          <a:srcRect t="3547" b="26776"/>
           <a:stretch/>
         </p:blipFill>
         <p:spPr>
           <a:xfrm>
-            <a:off x="1097280" y="2006677"/>
-            <a:ext cx="6400800" cy="2844646"/>
+            <a:off x="973455" y="2038349"/>
+            <a:ext cx="7315200" cy="2867025"/>
           </a:xfrm>
           <a:prstGeom prst="rect">
             <a:avLst/>
@@ -9564,7 +10427,7 @@
         <p:spPr>
           <a:xfrm>
             <a:off x="946784" y="2006678"/>
-            <a:ext cx="6958965" cy="3041572"/>
+            <a:ext cx="7341871" cy="3041572"/>
           </a:xfrm>
           <a:prstGeom prst="rect">
             <a:avLst/>
@@ -9598,6 +10461,102 @@
           <a:p>
             <a:pPr algn="ctr"/>
             <a:endParaRPr lang="en-US"/>
+          </a:p>
+        </p:txBody>
+      </p:sp>
+      <p:pic>
+        <p:nvPicPr>
+          <p:cNvPr id="8" name="Picture 7">
+            <a:extLst>
+              <a:ext uri="{FF2B5EF4-FFF2-40B4-BE49-F238E27FC236}">
+                <a16:creationId xmlns:a16="http://schemas.microsoft.com/office/drawing/2014/main" id="{8E19C52A-DC78-4044-ACBF-A7A3B15E1DFC}"/>
+              </a:ext>
+            </a:extLst>
+          </p:cNvPr>
+          <p:cNvPicPr>
+            <a:picLocks noChangeAspect="1"/>
+          </p:cNvPicPr>
+          <p:nvPr/>
+        </p:nvPicPr>
+        <p:blipFill rotWithShape="1">
+          <a:blip r:embed="rId3"/>
+          <a:srcRect t="34259"/>
+          <a:stretch/>
+        </p:blipFill>
+        <p:spPr>
+          <a:xfrm>
+            <a:off x="5297805" y="3952875"/>
+            <a:ext cx="6400800" cy="2366972"/>
+          </a:xfrm>
+          <a:prstGeom prst="rect">
+            <a:avLst/>
+          </a:prstGeom>
+        </p:spPr>
+      </p:pic>
+      <p:sp>
+        <p:nvSpPr>
+          <p:cNvPr id="2" name="Title 1">
+            <a:extLst>
+              <a:ext uri="{FF2B5EF4-FFF2-40B4-BE49-F238E27FC236}">
+                <a16:creationId xmlns:a16="http://schemas.microsoft.com/office/drawing/2014/main" id="{B5B19106-3412-44A9-AC4B-9E919B2D3728}"/>
+              </a:ext>
+            </a:extLst>
+          </p:cNvPr>
+          <p:cNvSpPr>
+            <a:spLocks noGrp="1"/>
+          </p:cNvSpPr>
+          <p:nvPr>
+            <p:ph type="title"/>
+          </p:nvPr>
+        </p:nvSpPr>
+        <p:spPr/>
+        <p:txBody>
+          <a:bodyPr/>
+          <a:lstStyle/>
+          <a:p>
+            <a:r>
+              <a:rPr lang="en-US" dirty="0"/>
+              <a:t>Dashboard Example</a:t>
+            </a:r>
+          </a:p>
+        </p:txBody>
+      </p:sp>
+      <p:sp>
+        <p:nvSpPr>
+          <p:cNvPr id="5" name="TextBox 4">
+            <a:extLst>
+              <a:ext uri="{FF2B5EF4-FFF2-40B4-BE49-F238E27FC236}">
+                <a16:creationId xmlns:a16="http://schemas.microsoft.com/office/drawing/2014/main" id="{C4E5109F-C20C-4159-B4E4-CF7B1467EBCD}"/>
+              </a:ext>
+            </a:extLst>
+          </p:cNvPr>
+          <p:cNvSpPr txBox="1"/>
+          <p:nvPr/>
+        </p:nvSpPr>
+        <p:spPr>
+          <a:xfrm>
+            <a:off x="337351" y="6571397"/>
+            <a:ext cx="2531462" cy="246221"/>
+          </a:xfrm>
+          <a:prstGeom prst="rect">
+            <a:avLst/>
+          </a:prstGeom>
+          <a:noFill/>
+        </p:spPr>
+        <p:txBody>
+          <a:bodyPr wrap="none" rtlCol="0">
+            <a:spAutoFit/>
+          </a:bodyPr>
+          <a:lstStyle/>
+          <a:p>
+            <a:r>
+              <a:rPr lang="en-US" sz="1000" b="1" dirty="0">
+                <a:solidFill>
+                  <a:schemeClr val="bg1"/>
+                </a:solidFill>
+              </a:rPr>
+              <a:t>2021 Copyright Kent Matthew Rodgers</a:t>
+            </a:r>
           </a:p>
         </p:txBody>
       </p:sp>
@@ -9652,8 +10611,8 @@
           <a:p>
             <a:pPr algn="ctr"/>
             <a:r>
-              <a:rPr lang="en-US" sz="1100" dirty="0"/>
-              <a:t>Scorecard =&gt; Daily Dashboard</a:t>
+              <a:rPr lang="en-US" sz="1100" b="1" dirty="0"/>
+              <a:t>Metrics =&gt; Daily Dashboard</a:t>
             </a:r>
           </a:p>
         </p:txBody>
@@ -9672,8 +10631,8 @@
         </p:nvSpPr>
         <p:spPr>
           <a:xfrm>
-            <a:off x="5261609" y="3905250"/>
-            <a:ext cx="6400800" cy="2491739"/>
+            <a:off x="5261608" y="3905250"/>
+            <a:ext cx="6549391" cy="2491739"/>
           </a:xfrm>
           <a:prstGeom prst="rect">
             <a:avLst/>
@@ -9710,35 +10669,6 @@
           </a:p>
         </p:txBody>
       </p:sp>
-      <p:pic>
-        <p:nvPicPr>
-          <p:cNvPr id="10" name="Picture 9">
-            <a:extLst>
-              <a:ext uri="{FF2B5EF4-FFF2-40B4-BE49-F238E27FC236}">
-                <a16:creationId xmlns:a16="http://schemas.microsoft.com/office/drawing/2014/main" id="{03F0C574-F753-4705-8A76-6AD867476CD2}"/>
-              </a:ext>
-            </a:extLst>
-          </p:cNvPr>
-          <p:cNvPicPr>
-            <a:picLocks noChangeAspect="1"/>
-          </p:cNvPicPr>
-          <p:nvPr/>
-        </p:nvPicPr>
-        <p:blipFill rotWithShape="1">
-          <a:blip r:embed="rId3"/>
-          <a:srcRect t="33862"/>
-          <a:stretch/>
-        </p:blipFill>
-        <p:spPr>
-          <a:xfrm>
-            <a:off x="5261609" y="3943350"/>
-            <a:ext cx="6400800" cy="2406015"/>
-          </a:xfrm>
-          <a:prstGeom prst="rect">
-            <a:avLst/>
-          </a:prstGeom>
-        </p:spPr>
-      </p:pic>
     </p:spTree>
     <p:extLst>
       <p:ext uri="{BB962C8B-B14F-4D97-AF65-F5344CB8AC3E}">
@@ -9817,20 +10747,16 @@
         </p:nvSpPr>
         <p:spPr/>
         <p:txBody>
-          <a:bodyPr/>
+          <a:bodyPr>
+            <a:normAutofit/>
+          </a:bodyPr>
           <a:lstStyle/>
           <a:p>
             <a:r>
               <a:rPr lang="en-US" dirty="0"/>
-              <a:t>Communication &amp; Engagement Touchpoints</a:t>
+              <a:t>Team Communication &amp; Engagement</a:t>
             </a:r>
-            <a:br>
-              <a:rPr lang="en-US" dirty="0"/>
-            </a:br>
-            <a:r>
-              <a:rPr lang="en-US" sz="1600" dirty="0"/>
-              <a:t>A dozen team communication and engagement ‘events’ and an example frequency or schedule</a:t>
-            </a:r>
+            <a:endParaRPr lang="en-US" sz="1600" dirty="0"/>
           </a:p>
         </p:txBody>
       </p:sp>
@@ -13998,6 +14924,67 @@
           </a:p>
         </p:txBody>
       </p:sp>
+      <p:sp>
+        <p:nvSpPr>
+          <p:cNvPr id="106" name="Rectangle 105">
+            <a:extLst>
+              <a:ext uri="{FF2B5EF4-FFF2-40B4-BE49-F238E27FC236}">
+                <a16:creationId xmlns:a16="http://schemas.microsoft.com/office/drawing/2014/main" id="{ACDC7DE0-EC35-41F4-A0F5-C267F2AA22DF}"/>
+              </a:ext>
+            </a:extLst>
+          </p:cNvPr>
+          <p:cNvSpPr/>
+          <p:nvPr/>
+        </p:nvSpPr>
+        <p:spPr>
+          <a:xfrm>
+            <a:off x="146851" y="1962713"/>
+            <a:ext cx="1043772" cy="1100972"/>
+          </a:xfrm>
+          <a:prstGeom prst="rect">
+            <a:avLst/>
+          </a:prstGeom>
+          <a:solidFill>
+            <a:srgbClr val="C00000"/>
+          </a:solidFill>
+          <a:ln w="38100">
+            <a:solidFill>
+              <a:srgbClr val="C00000"/>
+            </a:solidFill>
+          </a:ln>
+        </p:spPr>
+        <p:style>
+          <a:lnRef idx="2">
+            <a:schemeClr val="accent1">
+              <a:shade val="50000"/>
+            </a:schemeClr>
+          </a:lnRef>
+          <a:fillRef idx="1">
+            <a:schemeClr val="accent1"/>
+          </a:fillRef>
+          <a:effectRef idx="0">
+            <a:schemeClr val="accent1"/>
+          </a:effectRef>
+          <a:fontRef idx="minor">
+            <a:schemeClr val="lt1"/>
+          </a:fontRef>
+        </p:style>
+        <p:txBody>
+          <a:bodyPr rtlCol="0" anchor="ctr"/>
+          <a:lstStyle/>
+          <a:p>
+            <a:pPr algn="ctr"/>
+            <a:r>
+              <a:rPr lang="en-US" sz="1100" b="1" dirty="0">
+                <a:solidFill>
+                  <a:schemeClr val="bg1"/>
+                </a:solidFill>
+              </a:rPr>
+              <a:t>A dozen+ ways to boost team engagement &amp; performance</a:t>
+            </a:r>
+          </a:p>
+        </p:txBody>
+      </p:sp>
     </p:spTree>
     <p:extLst>
       <p:ext uri="{BB962C8B-B14F-4D97-AF65-F5344CB8AC3E}">
@@ -14033,7 +15020,7 @@
           <p:cNvPr id="2" name="Title 1">
             <a:extLst>
               <a:ext uri="{FF2B5EF4-FFF2-40B4-BE49-F238E27FC236}">
-                <a16:creationId xmlns:a16="http://schemas.microsoft.com/office/drawing/2014/main" id="{FB12A16F-B6CA-43D2-8FD2-2BDB27E5EB49}"/>
+                <a16:creationId xmlns:a16="http://schemas.microsoft.com/office/drawing/2014/main" id="{0C891E51-7A15-457E-BF67-03097B5943B1}"/>
               </a:ext>
             </a:extLst>
           </p:cNvPr>
@@ -14051,17 +15038,17 @@
           <a:p>
             <a:r>
               <a:rPr lang="en-US" dirty="0"/>
-              <a:t>Team Build-Out</a:t>
+              <a:t>Talent Development &amp; Growth</a:t>
             </a:r>
           </a:p>
         </p:txBody>
       </p:sp>
       <p:sp>
         <p:nvSpPr>
-          <p:cNvPr id="3" name="Content Placeholder 2">
-            <a:extLst>
-              <a:ext uri="{FF2B5EF4-FFF2-40B4-BE49-F238E27FC236}">
-                <a16:creationId xmlns:a16="http://schemas.microsoft.com/office/drawing/2014/main" id="{3EFBB5A4-8604-4307-9BBF-98C3DAF4FF80}"/>
+          <p:cNvPr id="3" name="Text Placeholder 2">
+            <a:extLst>
+              <a:ext uri="{FF2B5EF4-FFF2-40B4-BE49-F238E27FC236}">
+                <a16:creationId xmlns:a16="http://schemas.microsoft.com/office/drawing/2014/main" id="{FBE47A53-13C4-422F-814B-0D505B09D103}"/>
               </a:ext>
             </a:extLst>
           </p:cNvPr>
@@ -14069,7 +15056,7 @@
             <a:spLocks noGrp="1"/>
           </p:cNvSpPr>
           <p:nvPr>
-            <p:ph idx="1"/>
+            <p:ph type="body" idx="1"/>
           </p:nvPr>
         </p:nvSpPr>
         <p:spPr/>
@@ -14077,45 +15064,276 @@
           <a:bodyPr/>
           <a:lstStyle/>
           <a:p>
-            <a:endParaRPr lang="en-US"/>
+            <a:r>
+              <a:rPr lang="en-US" b="1" dirty="0"/>
+              <a:t>Individual development plan	</a:t>
+            </a:r>
           </a:p>
         </p:txBody>
       </p:sp>
       <p:sp>
         <p:nvSpPr>
-          <p:cNvPr id="4" name="TextBox 3">
-            <a:extLst>
-              <a:ext uri="{FF2B5EF4-FFF2-40B4-BE49-F238E27FC236}">
-                <a16:creationId xmlns:a16="http://schemas.microsoft.com/office/drawing/2014/main" id="{8DB5AEDD-47F7-451E-8C2C-2FC3AFEC1E2C}"/>
-              </a:ext>
-            </a:extLst>
-          </p:cNvPr>
-          <p:cNvSpPr txBox="1"/>
+          <p:cNvPr id="5" name="Text Placeholder 4">
+            <a:extLst>
+              <a:ext uri="{FF2B5EF4-FFF2-40B4-BE49-F238E27FC236}">
+                <a16:creationId xmlns:a16="http://schemas.microsoft.com/office/drawing/2014/main" id="{69F2A688-A405-42CB-A978-D7336FE5BABE}"/>
+              </a:ext>
+            </a:extLst>
+          </p:cNvPr>
+          <p:cNvSpPr>
+            <a:spLocks noGrp="1"/>
+          </p:cNvSpPr>
+          <p:nvPr>
+            <p:ph type="body" sz="quarter" idx="3"/>
+          </p:nvPr>
+        </p:nvSpPr>
+        <p:spPr/>
+        <p:txBody>
+          <a:bodyPr/>
+          <a:lstStyle/>
+          <a:p>
+            <a:r>
+              <a:rPr lang="en-US" b="1" dirty="0"/>
+              <a:t>Targeted training </a:t>
+            </a:r>
+            <a:r>
+              <a:rPr lang="en-US" sz="1000" b="1" dirty="0"/>
+              <a:t>(examples below)</a:t>
+            </a:r>
+          </a:p>
+        </p:txBody>
+      </p:sp>
+      <p:pic>
+        <p:nvPicPr>
+          <p:cNvPr id="7" name="Picture 6">
+            <a:extLst>
+              <a:ext uri="{FF2B5EF4-FFF2-40B4-BE49-F238E27FC236}">
+                <a16:creationId xmlns:a16="http://schemas.microsoft.com/office/drawing/2014/main" id="{092F0C47-97DB-4F05-9581-E343BEBE4DD9}"/>
+              </a:ext>
+            </a:extLst>
+          </p:cNvPr>
+          <p:cNvPicPr>
+            <a:picLocks noChangeAspect="1"/>
+          </p:cNvPicPr>
+          <p:nvPr/>
+        </p:nvPicPr>
+        <p:blipFill rotWithShape="1">
+          <a:blip r:embed="rId2"/>
+          <a:srcRect t="4965" b="9018"/>
+          <a:stretch/>
+        </p:blipFill>
+        <p:spPr>
+          <a:xfrm>
+            <a:off x="6190138" y="3636952"/>
+            <a:ext cx="2743886" cy="1327875"/>
+          </a:xfrm>
+          <a:prstGeom prst="rect">
+            <a:avLst/>
+          </a:prstGeom>
+        </p:spPr>
+      </p:pic>
+      <p:pic>
+        <p:nvPicPr>
+          <p:cNvPr id="8" name="Picture 7">
+            <a:extLst>
+              <a:ext uri="{FF2B5EF4-FFF2-40B4-BE49-F238E27FC236}">
+                <a16:creationId xmlns:a16="http://schemas.microsoft.com/office/drawing/2014/main" id="{153DEC4F-F27D-4184-8369-CBDF82CEC138}"/>
+              </a:ext>
+            </a:extLst>
+          </p:cNvPr>
+          <p:cNvPicPr>
+            <a:picLocks noChangeAspect="1"/>
+          </p:cNvPicPr>
+          <p:nvPr/>
+        </p:nvPicPr>
+        <p:blipFill rotWithShape="1">
+          <a:blip r:embed="rId3"/>
+          <a:srcRect t="5020" b="10574"/>
+          <a:stretch/>
+        </p:blipFill>
+        <p:spPr>
+          <a:xfrm>
+            <a:off x="8210436" y="2632965"/>
+            <a:ext cx="2743886" cy="1303006"/>
+          </a:xfrm>
+          <a:prstGeom prst="rect">
+            <a:avLst/>
+          </a:prstGeom>
+        </p:spPr>
+      </p:pic>
+      <p:pic>
+        <p:nvPicPr>
+          <p:cNvPr id="9" name="Picture 8">
+            <a:extLst>
+              <a:ext uri="{FF2B5EF4-FFF2-40B4-BE49-F238E27FC236}">
+                <a16:creationId xmlns:a16="http://schemas.microsoft.com/office/drawing/2014/main" id="{319608EC-C7BC-421F-A26F-0467F71BF0FC}"/>
+              </a:ext>
+            </a:extLst>
+          </p:cNvPr>
+          <p:cNvPicPr>
+            <a:picLocks noChangeAspect="1"/>
+          </p:cNvPicPr>
+          <p:nvPr/>
+        </p:nvPicPr>
+        <p:blipFill rotWithShape="1">
+          <a:blip r:embed="rId4"/>
+          <a:srcRect l="15421" t="18194" r="51246" b="8334"/>
+          <a:stretch/>
+        </p:blipFill>
+        <p:spPr>
+          <a:xfrm>
+            <a:off x="645887" y="2632965"/>
+            <a:ext cx="2743201" cy="3401129"/>
+          </a:xfrm>
+          <a:prstGeom prst="rect">
+            <a:avLst/>
+          </a:prstGeom>
+        </p:spPr>
+      </p:pic>
+      <p:pic>
+        <p:nvPicPr>
+          <p:cNvPr id="10" name="Picture 9">
+            <a:extLst>
+              <a:ext uri="{FF2B5EF4-FFF2-40B4-BE49-F238E27FC236}">
+                <a16:creationId xmlns:a16="http://schemas.microsoft.com/office/drawing/2014/main" id="{0165EF98-9DA5-4722-A666-71BE45128642}"/>
+              </a:ext>
+            </a:extLst>
+          </p:cNvPr>
+          <p:cNvPicPr>
+            <a:picLocks noChangeAspect="1"/>
+          </p:cNvPicPr>
+          <p:nvPr/>
+        </p:nvPicPr>
+        <p:blipFill rotWithShape="1">
+          <a:blip r:embed="rId5"/>
+          <a:srcRect l="16328" t="19028" r="53211" b="21517"/>
+          <a:stretch/>
+        </p:blipFill>
+        <p:spPr>
+          <a:xfrm>
+            <a:off x="2665500" y="2691044"/>
+            <a:ext cx="2506773" cy="2752261"/>
+          </a:xfrm>
+          <a:prstGeom prst="rect">
+            <a:avLst/>
+          </a:prstGeom>
+        </p:spPr>
+      </p:pic>
+      <p:pic>
+        <p:nvPicPr>
+          <p:cNvPr id="11" name="Picture 10">
+            <a:extLst>
+              <a:ext uri="{FF2B5EF4-FFF2-40B4-BE49-F238E27FC236}">
+                <a16:creationId xmlns:a16="http://schemas.microsoft.com/office/drawing/2014/main" id="{59722569-01F7-4C3B-8C07-A668AFFD0543}"/>
+              </a:ext>
+            </a:extLst>
+          </p:cNvPr>
+          <p:cNvPicPr>
+            <a:picLocks noChangeAspect="1"/>
+          </p:cNvPicPr>
+          <p:nvPr/>
+        </p:nvPicPr>
+        <p:blipFill rotWithShape="1">
+          <a:blip r:embed="rId5"/>
+          <a:srcRect l="51259" t="19028" r="18281" b="30766"/>
+          <a:stretch/>
+        </p:blipFill>
+        <p:spPr>
+          <a:xfrm>
+            <a:off x="3389088" y="4067174"/>
+            <a:ext cx="2506773" cy="2324101"/>
+          </a:xfrm>
+          <a:prstGeom prst="rect">
+            <a:avLst/>
+          </a:prstGeom>
+        </p:spPr>
+      </p:pic>
+      <p:pic>
+        <p:nvPicPr>
+          <p:cNvPr id="12" name="Picture 11">
+            <a:extLst>
+              <a:ext uri="{FF2B5EF4-FFF2-40B4-BE49-F238E27FC236}">
+                <a16:creationId xmlns:a16="http://schemas.microsoft.com/office/drawing/2014/main" id="{E72FD103-3750-44E2-AD04-B52441AEBC30}"/>
+              </a:ext>
+            </a:extLst>
+          </p:cNvPr>
+          <p:cNvPicPr>
+            <a:picLocks noChangeAspect="1"/>
+          </p:cNvPicPr>
+          <p:nvPr/>
+        </p:nvPicPr>
+        <p:blipFill rotWithShape="1">
+          <a:blip r:embed="rId6"/>
+          <a:srcRect t="5298" b="9885"/>
+          <a:stretch/>
+        </p:blipFill>
+        <p:spPr>
+          <a:xfrm>
+            <a:off x="7956094" y="4912656"/>
+            <a:ext cx="2743886" cy="1309351"/>
+          </a:xfrm>
+          <a:prstGeom prst="rect">
+            <a:avLst/>
+          </a:prstGeom>
+        </p:spPr>
+      </p:pic>
+      <p:sp>
+        <p:nvSpPr>
+          <p:cNvPr id="13" name="Rectangle 12">
+            <a:extLst>
+              <a:ext uri="{FF2B5EF4-FFF2-40B4-BE49-F238E27FC236}">
+                <a16:creationId xmlns:a16="http://schemas.microsoft.com/office/drawing/2014/main" id="{CAF21753-D19A-44FF-A9DA-62C976F6DAE5}"/>
+              </a:ext>
+            </a:extLst>
+          </p:cNvPr>
+          <p:cNvSpPr/>
           <p:nvPr/>
         </p:nvSpPr>
         <p:spPr>
           <a:xfrm>
-            <a:off x="337351" y="6571397"/>
-            <a:ext cx="2531462" cy="246221"/>
+            <a:off x="137326" y="3153338"/>
+            <a:ext cx="1043772" cy="1100972"/>
           </a:xfrm>
           <a:prstGeom prst="rect">
             <a:avLst/>
           </a:prstGeom>
-          <a:noFill/>
+          <a:solidFill>
+            <a:srgbClr val="C00000"/>
+          </a:solidFill>
+          <a:ln w="38100">
+            <a:solidFill>
+              <a:srgbClr val="C00000"/>
+            </a:solidFill>
+          </a:ln>
         </p:spPr>
+        <p:style>
+          <a:lnRef idx="2">
+            <a:schemeClr val="accent1">
+              <a:shade val="50000"/>
+            </a:schemeClr>
+          </a:lnRef>
+          <a:fillRef idx="1">
+            <a:schemeClr val="accent1"/>
+          </a:fillRef>
+          <a:effectRef idx="0">
+            <a:schemeClr val="accent1"/>
+          </a:effectRef>
+          <a:fontRef idx="minor">
+            <a:schemeClr val="lt1"/>
+          </a:fontRef>
+        </p:style>
         <p:txBody>
-          <a:bodyPr wrap="none" rtlCol="0">
-            <a:spAutoFit/>
-          </a:bodyPr>
+          <a:bodyPr rtlCol="0" anchor="ctr"/>
           <a:lstStyle/>
           <a:p>
+            <a:pPr algn="ctr"/>
             <a:r>
-              <a:rPr lang="en-US" sz="1000" b="1" dirty="0">
+              <a:rPr lang="en-US" sz="1100" b="1" dirty="0">
                 <a:solidFill>
                   <a:schemeClr val="bg1"/>
                 </a:solidFill>
               </a:rPr>
-              <a:t>2021 Copyright Kent Matthew Rodgers</a:t>
+              <a:t>Two elements of a comprehensive talent development program</a:t>
             </a:r>
           </a:p>
         </p:txBody>
@@ -14123,7 +15341,7 @@
     </p:spTree>
     <p:extLst>
       <p:ext uri="{BB962C8B-B14F-4D97-AF65-F5344CB8AC3E}">
-        <p14:creationId xmlns:p14="http://schemas.microsoft.com/office/powerpoint/2010/main" val="4046363536"/>
+        <p14:creationId xmlns:p14="http://schemas.microsoft.com/office/powerpoint/2010/main" val="1789588748"/>
       </p:ext>
     </p:extLst>
   </p:cSld>
@@ -14155,7 +15373,7 @@
           <p:cNvPr id="2" name="Title 1">
             <a:extLst>
               <a:ext uri="{FF2B5EF4-FFF2-40B4-BE49-F238E27FC236}">
-                <a16:creationId xmlns:a16="http://schemas.microsoft.com/office/drawing/2014/main" id="{2884E710-9FC7-405F-ACA5-D0FD5996E0B4}"/>
+                <a16:creationId xmlns:a16="http://schemas.microsoft.com/office/drawing/2014/main" id="{603E9EF3-DF3D-425C-B311-DB8B771811DE}"/>
               </a:ext>
             </a:extLst>
           </p:cNvPr>
@@ -14173,17 +15391,331 @@
           <a:p>
             <a:r>
               <a:rPr lang="en-US" dirty="0"/>
-              <a:t>Unique Insights … </a:t>
+              <a:t>Talent Acquisition</a:t>
             </a:r>
+            <a:endParaRPr lang="en-US" sz="1800" dirty="0"/>
           </a:p>
         </p:txBody>
       </p:sp>
       <p:sp>
         <p:nvSpPr>
-          <p:cNvPr id="3" name="Content Placeholder 2">
-            <a:extLst>
-              <a:ext uri="{FF2B5EF4-FFF2-40B4-BE49-F238E27FC236}">
-                <a16:creationId xmlns:a16="http://schemas.microsoft.com/office/drawing/2014/main" id="{999D210B-9AF9-4201-A738-2151E13DF52A}"/>
+          <p:cNvPr id="4" name="Content Placeholder 2">
+            <a:extLst>
+              <a:ext uri="{FF2B5EF4-FFF2-40B4-BE49-F238E27FC236}">
+                <a16:creationId xmlns:a16="http://schemas.microsoft.com/office/drawing/2014/main" id="{61622725-061B-40E1-9BC8-021FDE2A7D5A}"/>
+              </a:ext>
+            </a:extLst>
+          </p:cNvPr>
+          <p:cNvSpPr txBox="1">
+            <a:spLocks/>
+          </p:cNvSpPr>
+          <p:nvPr/>
+        </p:nvSpPr>
+        <p:spPr>
+          <a:xfrm>
+            <a:off x="6283318" y="2571320"/>
+            <a:ext cx="4872361" cy="3760891"/>
+          </a:xfrm>
+          <a:prstGeom prst="rect">
+            <a:avLst/>
+          </a:prstGeom>
+        </p:spPr>
+        <p:txBody>
+          <a:bodyPr vert="horz" lIns="0" tIns="45720" rIns="0" bIns="45720" rtlCol="0">
+            <a:normAutofit/>
+          </a:bodyPr>
+          <a:lstStyle>
+            <a:lvl1pPr marL="91440" indent="-91440" algn="l" defTabSz="914400" rtl="0" eaLnBrk="1" latinLnBrk="0" hangingPunct="1">
+              <a:lnSpc>
+                <a:spcPct val="110000"/>
+              </a:lnSpc>
+              <a:spcBef>
+                <a:spcPts val="1200"/>
+              </a:spcBef>
+              <a:spcAft>
+                <a:spcPts val="200"/>
+              </a:spcAft>
+              <a:buClr>
+                <a:schemeClr val="accent1"/>
+              </a:buClr>
+              <a:buSzPct val="100000"/>
+              <a:buFont typeface="Calibri" panose="020F0502020204030204" pitchFamily="34" charset="0"/>
+              <a:buChar char=" "/>
+              <a:defRPr sz="2000" kern="1200">
+                <a:solidFill>
+                  <a:schemeClr val="tx1">
+                    <a:lumMod val="75000"/>
+                    <a:lumOff val="25000"/>
+                  </a:schemeClr>
+                </a:solidFill>
+                <a:latin typeface="+mn-lt"/>
+                <a:ea typeface="+mn-ea"/>
+                <a:cs typeface="+mn-cs"/>
+              </a:defRPr>
+            </a:lvl1pPr>
+            <a:lvl2pPr marL="384048" indent="-182880" algn="l" defTabSz="914400" rtl="0" eaLnBrk="1" latinLnBrk="0" hangingPunct="1">
+              <a:lnSpc>
+                <a:spcPct val="100000"/>
+              </a:lnSpc>
+              <a:spcBef>
+                <a:spcPts val="200"/>
+              </a:spcBef>
+              <a:spcAft>
+                <a:spcPts val="400"/>
+              </a:spcAft>
+              <a:buClrTx/>
+              <a:buFont typeface="Calibri" pitchFamily="34" charset="0"/>
+              <a:buChar char="◦"/>
+              <a:defRPr sz="1800" kern="1200">
+                <a:solidFill>
+                  <a:schemeClr val="tx1">
+                    <a:lumMod val="75000"/>
+                    <a:lumOff val="25000"/>
+                  </a:schemeClr>
+                </a:solidFill>
+                <a:latin typeface="+mn-lt"/>
+                <a:ea typeface="+mn-ea"/>
+                <a:cs typeface="+mn-cs"/>
+              </a:defRPr>
+            </a:lvl2pPr>
+            <a:lvl3pPr marL="566928" indent="-182880" algn="l" defTabSz="914400" rtl="0" eaLnBrk="1" latinLnBrk="0" hangingPunct="1">
+              <a:lnSpc>
+                <a:spcPct val="100000"/>
+              </a:lnSpc>
+              <a:spcBef>
+                <a:spcPts val="200"/>
+              </a:spcBef>
+              <a:spcAft>
+                <a:spcPts val="400"/>
+              </a:spcAft>
+              <a:buClrTx/>
+              <a:buFont typeface="Calibri" pitchFamily="34" charset="0"/>
+              <a:buChar char="◦"/>
+              <a:defRPr sz="1400" kern="1200">
+                <a:solidFill>
+                  <a:schemeClr val="tx1">
+                    <a:lumMod val="75000"/>
+                    <a:lumOff val="25000"/>
+                  </a:schemeClr>
+                </a:solidFill>
+                <a:latin typeface="+mn-lt"/>
+                <a:ea typeface="+mn-ea"/>
+                <a:cs typeface="+mn-cs"/>
+              </a:defRPr>
+            </a:lvl3pPr>
+            <a:lvl4pPr marL="749808" indent="-182880" algn="l" defTabSz="914400" rtl="0" eaLnBrk="1" latinLnBrk="0" hangingPunct="1">
+              <a:lnSpc>
+                <a:spcPct val="100000"/>
+              </a:lnSpc>
+              <a:spcBef>
+                <a:spcPts val="200"/>
+              </a:spcBef>
+              <a:spcAft>
+                <a:spcPts val="400"/>
+              </a:spcAft>
+              <a:buClrTx/>
+              <a:buFont typeface="Calibri" pitchFamily="34" charset="0"/>
+              <a:buChar char="◦"/>
+              <a:defRPr sz="1400" kern="1200">
+                <a:solidFill>
+                  <a:schemeClr val="tx1">
+                    <a:lumMod val="75000"/>
+                    <a:lumOff val="25000"/>
+                  </a:schemeClr>
+                </a:solidFill>
+                <a:latin typeface="+mn-lt"/>
+                <a:ea typeface="+mn-ea"/>
+                <a:cs typeface="+mn-cs"/>
+              </a:defRPr>
+            </a:lvl4pPr>
+            <a:lvl5pPr marL="932688" indent="-182880" algn="l" defTabSz="914400" rtl="0" eaLnBrk="1" latinLnBrk="0" hangingPunct="1">
+              <a:lnSpc>
+                <a:spcPct val="100000"/>
+              </a:lnSpc>
+              <a:spcBef>
+                <a:spcPts val="200"/>
+              </a:spcBef>
+              <a:spcAft>
+                <a:spcPts val="400"/>
+              </a:spcAft>
+              <a:buClrTx/>
+              <a:buFont typeface="Calibri" pitchFamily="34" charset="0"/>
+              <a:buChar char="◦"/>
+              <a:defRPr sz="1400" kern="1200">
+                <a:solidFill>
+                  <a:schemeClr val="tx1">
+                    <a:lumMod val="75000"/>
+                    <a:lumOff val="25000"/>
+                  </a:schemeClr>
+                </a:solidFill>
+                <a:latin typeface="+mn-lt"/>
+                <a:ea typeface="+mn-ea"/>
+                <a:cs typeface="+mn-cs"/>
+              </a:defRPr>
+            </a:lvl5pPr>
+            <a:lvl6pPr marL="1100000" indent="-228600" algn="l" defTabSz="914400" rtl="0" eaLnBrk="1" latinLnBrk="0" hangingPunct="1">
+              <a:lnSpc>
+                <a:spcPct val="90000"/>
+              </a:lnSpc>
+              <a:spcBef>
+                <a:spcPts val="200"/>
+              </a:spcBef>
+              <a:spcAft>
+                <a:spcPts val="400"/>
+              </a:spcAft>
+              <a:buClr>
+                <a:schemeClr val="accent1"/>
+              </a:buClr>
+              <a:buFont typeface="Calibri" pitchFamily="34" charset="0"/>
+              <a:buChar char="◦"/>
+              <a:defRPr sz="1400" kern="1200">
+                <a:solidFill>
+                  <a:schemeClr val="tx1">
+                    <a:lumMod val="75000"/>
+                    <a:lumOff val="25000"/>
+                  </a:schemeClr>
+                </a:solidFill>
+                <a:latin typeface="+mn-lt"/>
+                <a:ea typeface="+mn-ea"/>
+                <a:cs typeface="+mn-cs"/>
+              </a:defRPr>
+            </a:lvl6pPr>
+            <a:lvl7pPr marL="1300000" indent="-228600" algn="l" defTabSz="914400" rtl="0" eaLnBrk="1" latinLnBrk="0" hangingPunct="1">
+              <a:lnSpc>
+                <a:spcPct val="90000"/>
+              </a:lnSpc>
+              <a:spcBef>
+                <a:spcPts val="200"/>
+              </a:spcBef>
+              <a:spcAft>
+                <a:spcPts val="400"/>
+              </a:spcAft>
+              <a:buClr>
+                <a:schemeClr val="accent1"/>
+              </a:buClr>
+              <a:buFont typeface="Calibri" pitchFamily="34" charset="0"/>
+              <a:buChar char="◦"/>
+              <a:defRPr sz="1400" kern="1200">
+                <a:solidFill>
+                  <a:schemeClr val="tx1">
+                    <a:lumMod val="75000"/>
+                    <a:lumOff val="25000"/>
+                  </a:schemeClr>
+                </a:solidFill>
+                <a:latin typeface="+mn-lt"/>
+                <a:ea typeface="+mn-ea"/>
+                <a:cs typeface="+mn-cs"/>
+              </a:defRPr>
+            </a:lvl7pPr>
+            <a:lvl8pPr marL="1500000" indent="-228600" algn="l" defTabSz="914400" rtl="0" eaLnBrk="1" latinLnBrk="0" hangingPunct="1">
+              <a:lnSpc>
+                <a:spcPct val="90000"/>
+              </a:lnSpc>
+              <a:spcBef>
+                <a:spcPts val="200"/>
+              </a:spcBef>
+              <a:spcAft>
+                <a:spcPts val="400"/>
+              </a:spcAft>
+              <a:buClr>
+                <a:schemeClr val="accent1"/>
+              </a:buClr>
+              <a:buFont typeface="Calibri" pitchFamily="34" charset="0"/>
+              <a:buChar char="◦"/>
+              <a:defRPr sz="1400" kern="1200">
+                <a:solidFill>
+                  <a:schemeClr val="tx1">
+                    <a:lumMod val="75000"/>
+                    <a:lumOff val="25000"/>
+                  </a:schemeClr>
+                </a:solidFill>
+                <a:latin typeface="+mn-lt"/>
+                <a:ea typeface="+mn-ea"/>
+                <a:cs typeface="+mn-cs"/>
+              </a:defRPr>
+            </a:lvl8pPr>
+            <a:lvl9pPr marL="1700000" indent="-228600" algn="l" defTabSz="914400" rtl="0" eaLnBrk="1" latinLnBrk="0" hangingPunct="1">
+              <a:lnSpc>
+                <a:spcPct val="90000"/>
+              </a:lnSpc>
+              <a:spcBef>
+                <a:spcPts val="200"/>
+              </a:spcBef>
+              <a:spcAft>
+                <a:spcPts val="400"/>
+              </a:spcAft>
+              <a:buClr>
+                <a:schemeClr val="accent1"/>
+              </a:buClr>
+              <a:buFont typeface="Calibri" pitchFamily="34" charset="0"/>
+              <a:buChar char="◦"/>
+              <a:defRPr sz="1400" kern="1200">
+                <a:solidFill>
+                  <a:schemeClr val="tx1">
+                    <a:lumMod val="75000"/>
+                    <a:lumOff val="25000"/>
+                  </a:schemeClr>
+                </a:solidFill>
+                <a:latin typeface="+mn-lt"/>
+                <a:ea typeface="+mn-ea"/>
+                <a:cs typeface="+mn-cs"/>
+              </a:defRPr>
+            </a:lvl9pPr>
+          </a:lstStyle>
+          <a:p>
+            <a:r>
+              <a:rPr lang="en-US" b="1" dirty="0"/>
+              <a:t>&amp; Where to find leaders</a:t>
+            </a:r>
+          </a:p>
+          <a:p>
+            <a:pPr marL="457200" indent="-457200">
+              <a:buFont typeface="+mj-lt"/>
+              <a:buAutoNum type="arabicPeriod"/>
+            </a:pPr>
+            <a:r>
+              <a:rPr lang="en-US" dirty="0"/>
+              <a:t>From the current team</a:t>
+            </a:r>
+          </a:p>
+          <a:p>
+            <a:pPr marL="457200" indent="-457200">
+              <a:buFont typeface="+mj-lt"/>
+              <a:buAutoNum type="arabicPeriod"/>
+            </a:pPr>
+            <a:r>
+              <a:rPr lang="en-US" dirty="0"/>
+              <a:t>From the team’s network</a:t>
+            </a:r>
+          </a:p>
+          <a:p>
+            <a:pPr marL="457200" indent="-457200">
+              <a:buFont typeface="+mj-lt"/>
+              <a:buAutoNum type="arabicPeriod"/>
+            </a:pPr>
+            <a:r>
+              <a:rPr lang="en-US" dirty="0"/>
+              <a:t>Outside search</a:t>
+            </a:r>
+          </a:p>
+          <a:p>
+            <a:pPr marL="457200" indent="-457200">
+              <a:buFont typeface="+mj-lt"/>
+              <a:buAutoNum type="arabicPeriod"/>
+            </a:pPr>
+            <a:r>
+              <a:rPr lang="en-US" dirty="0"/>
+              <a:t>Collegiate development track</a:t>
+            </a:r>
+          </a:p>
+        </p:txBody>
+      </p:sp>
+      <p:sp>
+        <p:nvSpPr>
+          <p:cNvPr id="7" name="Content Placeholder 6">
+            <a:extLst>
+              <a:ext uri="{FF2B5EF4-FFF2-40B4-BE49-F238E27FC236}">
+                <a16:creationId xmlns:a16="http://schemas.microsoft.com/office/drawing/2014/main" id="{6501DEF1-5298-47AA-B10C-5637161AA90C}"/>
               </a:ext>
             </a:extLst>
           </p:cNvPr>
@@ -14201,32 +15733,118 @@
           <a:p>
             <a:r>
               <a:rPr lang="en-US" dirty="0"/>
-              <a:t>Three time growth champion in field service and logistics </a:t>
+              <a:t>Under Construction</a:t>
+            </a:r>
+          </a:p>
+        </p:txBody>
+      </p:sp>
+    </p:spTree>
+    <p:extLst>
+      <p:ext uri="{BB962C8B-B14F-4D97-AF65-F5344CB8AC3E}">
+        <p14:creationId xmlns:p14="http://schemas.microsoft.com/office/powerpoint/2010/main" val="3621905579"/>
+      </p:ext>
+    </p:extLst>
+  </p:cSld>
+  <p:clrMapOvr>
+    <a:masterClrMapping/>
+  </p:clrMapOvr>
+</p:sld>
+</file>
+
+<file path=ppt/slides/slide9.xml><?xml version="1.0" encoding="utf-8"?>
+<p:sld xmlns:a="http://schemas.openxmlformats.org/drawingml/2006/main" xmlns:r="http://schemas.openxmlformats.org/officeDocument/2006/relationships" xmlns:p="http://schemas.openxmlformats.org/presentationml/2006/main">
+  <p:cSld>
+    <p:spTree>
+      <p:nvGrpSpPr>
+        <p:cNvPr id="1" name=""/>
+        <p:cNvGrpSpPr/>
+        <p:nvPr/>
+      </p:nvGrpSpPr>
+      <p:grpSpPr>
+        <a:xfrm>
+          <a:off x="0" y="0"/>
+          <a:ext cx="0" cy="0"/>
+          <a:chOff x="0" y="0"/>
+          <a:chExt cx="0" cy="0"/>
+        </a:xfrm>
+      </p:grpSpPr>
+      <p:sp>
+        <p:nvSpPr>
+          <p:cNvPr id="2" name="Title 1">
+            <a:extLst>
+              <a:ext uri="{FF2B5EF4-FFF2-40B4-BE49-F238E27FC236}">
+                <a16:creationId xmlns:a16="http://schemas.microsoft.com/office/drawing/2014/main" id="{2884E710-9FC7-405F-ACA5-D0FD5996E0B4}"/>
+              </a:ext>
+            </a:extLst>
+          </p:cNvPr>
+          <p:cNvSpPr>
+            <a:spLocks noGrp="1"/>
+          </p:cNvSpPr>
+          <p:nvPr>
+            <p:ph type="title"/>
+          </p:nvPr>
+        </p:nvSpPr>
+        <p:spPr/>
+        <p:txBody>
+          <a:bodyPr/>
+          <a:lstStyle/>
+          <a:p>
+            <a:r>
+              <a:rPr lang="en-US" dirty="0"/>
+              <a:t>Unique Insights to Compliment Team … </a:t>
+            </a:r>
+          </a:p>
+        </p:txBody>
+      </p:sp>
+      <p:sp>
+        <p:nvSpPr>
+          <p:cNvPr id="3" name="Content Placeholder 2">
+            <a:extLst>
+              <a:ext uri="{FF2B5EF4-FFF2-40B4-BE49-F238E27FC236}">
+                <a16:creationId xmlns:a16="http://schemas.microsoft.com/office/drawing/2014/main" id="{999D210B-9AF9-4201-A738-2151E13DF52A}"/>
+              </a:ext>
+            </a:extLst>
+          </p:cNvPr>
+          <p:cNvSpPr>
+            <a:spLocks noGrp="1"/>
+          </p:cNvSpPr>
+          <p:nvPr>
+            <p:ph idx="1"/>
+          </p:nvPr>
+        </p:nvSpPr>
+        <p:spPr/>
+        <p:txBody>
+          <a:bodyPr/>
+          <a:lstStyle/>
+          <a:p>
+            <a:r>
+              <a:rPr lang="en-US" dirty="0"/>
+              <a:t>Three time growth champion in field service, station management and route logistics </a:t>
             </a:r>
           </a:p>
           <a:p>
             <a:pPr lvl="1"/>
             <a:r>
               <a:rPr lang="en-US" dirty="0"/>
-              <a:t>… anesthesia, physical and digital information governance, cash logistics</a:t>
+              <a:t>… anesthesia, physical and digital information governance, cash</a:t>
             </a:r>
           </a:p>
           <a:p>
             <a:r>
               <a:rPr lang="en-US" dirty="0"/>
-              <a:t>Inherited &amp; turned around sour labor relationships … know to build &amp; keep great relationships</a:t>
+              <a:t>Know how to build and keep frontline, driver and client relationships</a:t>
             </a:r>
           </a:p>
           <a:p>
             <a:r>
               <a:rPr lang="en-US" dirty="0"/>
-              <a:t>Work hard on the right things … set priorities based on facts and sound strategy</a:t>
+              <a:t>Focus on the right things … with data driven strategy and actions</a:t>
             </a:r>
           </a:p>
           <a:p>
             <a:r>
               <a:rPr lang="en-US" dirty="0"/>
-              <a:t>Consistent and structured ‘stewardship’ fosters performance and builds leaders</a:t>
+              <a:t>Build leaders with stewardship in addition to development plans, training &amp; coaching</a:t>
             </a:r>
           </a:p>
           <a:p>

--- a/210112_PackageDelivery_Presentation.pptx
+++ b/210112_PackageDelivery_Presentation.pptx
@@ -1080,7 +1080,7 @@
                 <a:schemeClr val="tx1"/>
               </a:solidFill>
             </a:rPr>
-            <a:t>Mgr./Supr.</a:t>
+            <a:t>Manager.</a:t>
           </a:r>
         </a:p>
       </dgm:t>
@@ -2587,7 +2587,7 @@
                 <a:schemeClr val="tx1"/>
               </a:solidFill>
             </a:rPr>
-            <a:t>Mgr./Supr.</a:t>
+            <a:t>Manager.</a:t>
           </a:r>
         </a:p>
       </dsp:txBody>
@@ -9330,7 +9330,7 @@
             <p:ph idx="1"/>
             <p:extLst>
               <p:ext uri="{D42A27DB-BD31-4B8C-83A1-F6EECF244321}">
-                <p14:modId xmlns:p14="http://schemas.microsoft.com/office/powerpoint/2010/main" val="242882662"/>
+                <p14:modId xmlns:p14="http://schemas.microsoft.com/office/powerpoint/2010/main" val="2603864570"/>
               </p:ext>
             </p:extLst>
           </p:nvPr>
@@ -15338,6 +15338,45 @@
           </a:p>
         </p:txBody>
       </p:sp>
+      <p:sp>
+        <p:nvSpPr>
+          <p:cNvPr id="14" name="TextBox 13">
+            <a:extLst>
+              <a:ext uri="{FF2B5EF4-FFF2-40B4-BE49-F238E27FC236}">
+                <a16:creationId xmlns:a16="http://schemas.microsoft.com/office/drawing/2014/main" id="{71A2FA1D-E47D-4765-B42D-3134FA1339DB}"/>
+              </a:ext>
+            </a:extLst>
+          </p:cNvPr>
+          <p:cNvSpPr txBox="1"/>
+          <p:nvPr/>
+        </p:nvSpPr>
+        <p:spPr>
+          <a:xfrm>
+            <a:off x="337351" y="6571397"/>
+            <a:ext cx="2531462" cy="246221"/>
+          </a:xfrm>
+          <a:prstGeom prst="rect">
+            <a:avLst/>
+          </a:prstGeom>
+          <a:noFill/>
+        </p:spPr>
+        <p:txBody>
+          <a:bodyPr wrap="none" rtlCol="0">
+            <a:spAutoFit/>
+          </a:bodyPr>
+          <a:lstStyle/>
+          <a:p>
+            <a:r>
+              <a:rPr lang="en-US" sz="1000" b="1" dirty="0">
+                <a:solidFill>
+                  <a:schemeClr val="bg1"/>
+                </a:solidFill>
+              </a:rPr>
+              <a:t>2021 Copyright Kent Matthew Rodgers</a:t>
+            </a:r>
+          </a:p>
+        </p:txBody>
+      </p:sp>
     </p:spTree>
     <p:extLst>
       <p:ext uri="{BB962C8B-B14F-4D97-AF65-F5344CB8AC3E}">
@@ -15734,6 +15773,45 @@
             <a:r>
               <a:rPr lang="en-US" dirty="0"/>
               <a:t>Under Construction</a:t>
+            </a:r>
+          </a:p>
+        </p:txBody>
+      </p:sp>
+      <p:sp>
+        <p:nvSpPr>
+          <p:cNvPr id="8" name="TextBox 7">
+            <a:extLst>
+              <a:ext uri="{FF2B5EF4-FFF2-40B4-BE49-F238E27FC236}">
+                <a16:creationId xmlns:a16="http://schemas.microsoft.com/office/drawing/2014/main" id="{0E2F138C-4470-4831-8479-686B3F0A73B5}"/>
+              </a:ext>
+            </a:extLst>
+          </p:cNvPr>
+          <p:cNvSpPr txBox="1"/>
+          <p:nvPr/>
+        </p:nvSpPr>
+        <p:spPr>
+          <a:xfrm>
+            <a:off x="337351" y="6571397"/>
+            <a:ext cx="2531462" cy="246221"/>
+          </a:xfrm>
+          <a:prstGeom prst="rect">
+            <a:avLst/>
+          </a:prstGeom>
+          <a:noFill/>
+        </p:spPr>
+        <p:txBody>
+          <a:bodyPr wrap="none" rtlCol="0">
+            <a:spAutoFit/>
+          </a:bodyPr>
+          <a:lstStyle/>
+          <a:p>
+            <a:r>
+              <a:rPr lang="en-US" sz="1000" b="1" dirty="0">
+                <a:solidFill>
+                  <a:schemeClr val="bg1"/>
+                </a:solidFill>
+              </a:rPr>
+              <a:t>2021 Copyright Kent Matthew Rodgers</a:t>
             </a:r>
           </a:p>
         </p:txBody>
@@ -16282,24 +16360,6 @@
 </file>
 
 <file path=customXml/item1.xml><?xml version="1.0" encoding="utf-8"?>
-<p:properties xmlns:p="http://schemas.microsoft.com/office/2006/metadata/properties" xmlns:xsi="http://www.w3.org/2001/XMLSchema-instance" xmlns:pc="http://schemas.microsoft.com/office/infopath/2007/PartnerControls">
-  <documentManagement>
-    <Status xmlns="71af3243-3dd4-4a8d-8c0d-dd76da1f02a5">Not started</Status>
-    <MediaServiceKeyPoints xmlns="71af3243-3dd4-4a8d-8c0d-dd76da1f02a5" xsi:nil="true"/>
-  </documentManagement>
-</p:properties>
-</file>
-
-<file path=customXml/item2.xml><?xml version="1.0" encoding="utf-8"?>
-<?mso-contentType ?>
-<FormTemplates xmlns="http://schemas.microsoft.com/sharepoint/v3/contenttype/forms">
-  <Display>DocumentLibraryForm</Display>
-  <Edit>DocumentLibraryForm</Edit>
-  <New>DocumentLibraryForm</New>
-</FormTemplates>
-</file>
-
-<file path=customXml/item3.xml><?xml version="1.0" encoding="utf-8"?>
 <ct:contentTypeSchema xmlns:ct="http://schemas.microsoft.com/office/2006/metadata/contentType" xmlns:ma="http://schemas.microsoft.com/office/2006/metadata/properties/metaAttributes" ct:_="" ma:_="" ma:contentTypeName="Document" ma:contentTypeID="0x01010079F111ED35F8CC479449609E8A0923A6" ma:contentTypeVersion="12" ma:contentTypeDescription="Create a new document." ma:contentTypeScope="" ma:versionID="a410dd7f93c95333ffa1b60ed6adedd1">
   <xsd:schema xmlns:xsd="http://www.w3.org/2001/XMLSchema" xmlns:xs="http://www.w3.org/2001/XMLSchema" xmlns:p="http://schemas.microsoft.com/office/2006/metadata/properties" xmlns:ns2="71af3243-3dd4-4a8d-8c0d-dd76da1f02a5" xmlns:ns3="16c05727-aa75-4e4a-9b5f-8a80a1165891" targetNamespace="http://schemas.microsoft.com/office/2006/metadata/properties" ma:root="true" ma:fieldsID="a936d9baba76aa3866493feff160faab" ns2:_="" ns3:_="">
     <xsd:import namespace="71af3243-3dd4-4a8d-8c0d-dd76da1f02a5"/>
@@ -16520,25 +16580,25 @@
 </ct:contentTypeSchema>
 </file>
 
-<file path=customXml/itemProps1.xml><?xml version="1.0" encoding="utf-8"?>
-<ds:datastoreItem xmlns:ds="http://schemas.openxmlformats.org/officeDocument/2006/customXml" ds:itemID="{8F3CD65D-61A5-43C9-A837-6EC73C7DA8AB}">
-  <ds:schemaRefs>
-    <ds:schemaRef ds:uri="http://schemas.microsoft.com/office/2006/metadata/properties"/>
-    <ds:schemaRef ds:uri="http://schemas.microsoft.com/office/infopath/2007/PartnerControls"/>
-    <ds:schemaRef ds:uri="71af3243-3dd4-4a8d-8c0d-dd76da1f02a5"/>
-  </ds:schemaRefs>
-</ds:datastoreItem>
+<file path=customXml/item2.xml><?xml version="1.0" encoding="utf-8"?>
+<?mso-contentType ?>
+<FormTemplates xmlns="http://schemas.microsoft.com/sharepoint/v3/contenttype/forms">
+  <Display>DocumentLibraryForm</Display>
+  <Edit>DocumentLibraryForm</Edit>
+  <New>DocumentLibraryForm</New>
+</FormTemplates>
 </file>
 
-<file path=customXml/itemProps2.xml><?xml version="1.0" encoding="utf-8"?>
-<ds:datastoreItem xmlns:ds="http://schemas.openxmlformats.org/officeDocument/2006/customXml" ds:itemID="{31F006B4-A9E1-4F39-85C8-FB836F919348}">
-  <ds:schemaRefs>
-    <ds:schemaRef ds:uri="http://schemas.microsoft.com/sharepoint/v3/contenttype/forms"/>
-  </ds:schemaRefs>
-</ds:datastoreItem>
+<file path=customXml/item3.xml><?xml version="1.0" encoding="utf-8"?>
+<p:properties xmlns:p="http://schemas.microsoft.com/office/2006/metadata/properties" xmlns:xsi="http://www.w3.org/2001/XMLSchema-instance" xmlns:pc="http://schemas.microsoft.com/office/infopath/2007/PartnerControls">
+  <documentManagement>
+    <Status xmlns="71af3243-3dd4-4a8d-8c0d-dd76da1f02a5">Not started</Status>
+    <MediaServiceKeyPoints xmlns="71af3243-3dd4-4a8d-8c0d-dd76da1f02a5" xsi:nil="true"/>
+  </documentManagement>
+</p:properties>
 </file>
 
-<file path=customXml/itemProps3.xml><?xml version="1.0" encoding="utf-8"?>
+<file path=customXml/itemProps1.xml><?xml version="1.0" encoding="utf-8"?>
 <ds:datastoreItem xmlns:ds="http://schemas.openxmlformats.org/officeDocument/2006/customXml" ds:itemID="{16377351-63A1-4C2E-8C9A-66CDD70F16AC}">
   <ds:schemaRefs>
     <ds:schemaRef ds:uri="http://schemas.microsoft.com/office/2006/metadata/contentType"/>
@@ -16555,4 +16615,22 @@
     <ds:schemaRef ds:uri="http://schemas.microsoft.com/internal/obd"/>
   </ds:schemaRefs>
 </ds:datastoreItem>
+</file>
+
+<file path=customXml/itemProps2.xml><?xml version="1.0" encoding="utf-8"?>
+<ds:datastoreItem xmlns:ds="http://schemas.openxmlformats.org/officeDocument/2006/customXml" ds:itemID="{31F006B4-A9E1-4F39-85C8-FB836F919348}">
+  <ds:schemaRefs>
+    <ds:schemaRef ds:uri="http://schemas.microsoft.com/sharepoint/v3/contenttype/forms"/>
+  </ds:schemaRefs>
+</ds:datastoreItem>
+</file>
+
+<file path=customXml/itemProps3.xml><?xml version="1.0" encoding="utf-8"?>
+<ds:datastoreItem xmlns:ds="http://schemas.openxmlformats.org/officeDocument/2006/customXml" ds:itemID="{8F3CD65D-61A5-43C9-A837-6EC73C7DA8AB}">
+  <ds:schemaRefs>
+    <ds:schemaRef ds:uri="http://schemas.microsoft.com/office/2006/metadata/properties"/>
+    <ds:schemaRef ds:uri="http://schemas.microsoft.com/office/infopath/2007/PartnerControls"/>
+    <ds:schemaRef ds:uri="71af3243-3dd4-4a8d-8c0d-dd76da1f02a5"/>
+  </ds:schemaRefs>
+</ds:datastoreItem>
 </file>
--- a/210112_PackageDelivery_Presentation.pptx
+++ b/210112_PackageDelivery_Presentation.pptx
@@ -12,8 +12,9 @@
     <p:sldId id="312" r:id="rId9"/>
     <p:sldId id="313" r:id="rId10"/>
     <p:sldId id="319" r:id="rId11"/>
-    <p:sldId id="317" r:id="rId12"/>
-    <p:sldId id="316" r:id="rId13"/>
+    <p:sldId id="321" r:id="rId12"/>
+    <p:sldId id="317" r:id="rId13"/>
+    <p:sldId id="316" r:id="rId14"/>
   </p:sldIdLst>
   <p:sldSz cx="12192000" cy="6858000"/>
   <p:notesSz cx="6858000" cy="9144000"/>
@@ -951,7 +952,7 @@
         <a:p>
           <a:r>
             <a:rPr lang="en-US" dirty="0"/>
-            <a:t>Assignment v. Role</a:t>
+            <a:t>Fractional</a:t>
           </a:r>
         </a:p>
       </dgm:t>
@@ -3035,12 +3036,12 @@
         <a:fontRef idx="minor"/>
       </dsp:style>
       <dsp:txBody>
-        <a:bodyPr spcFirstLastPara="0" vert="horz" wrap="square" lIns="17780" tIns="4445" rIns="17780" bIns="4445" numCol="1" spcCol="1270" anchor="ctr" anchorCtr="0">
+        <a:bodyPr spcFirstLastPara="0" vert="horz" wrap="square" lIns="25400" tIns="6350" rIns="25400" bIns="6350" numCol="1" spcCol="1270" anchor="ctr" anchorCtr="0">
           <a:noAutofit/>
         </a:bodyPr>
         <a:lstStyle/>
         <a:p>
-          <a:pPr marL="0" lvl="0" indent="0" algn="r" defTabSz="311150">
+          <a:pPr marL="0" lvl="0" indent="0" algn="r" defTabSz="444500">
             <a:lnSpc>
               <a:spcPct val="90000"/>
             </a:lnSpc>
@@ -3053,8 +3054,8 @@
             <a:buNone/>
           </a:pPr>
           <a:r>
-            <a:rPr lang="en-US" sz="700" kern="1200" dirty="0"/>
-            <a:t>Assignment v. Role</a:t>
+            <a:rPr lang="en-US" sz="1000" kern="1200" dirty="0"/>
+            <a:t>Fractional</a:t>
           </a:r>
         </a:p>
       </dsp:txBody>
@@ -5526,7 +5527,7 @@
           <a:p>
             <a:fld id="{9184DA70-C731-4C70-880D-CCD4705E623C}" type="datetime1">
               <a:rPr lang="en-US" smtClean="0"/>
-              <a:t>1/13/2021</a:t>
+              <a:t>1/14/2021</a:t>
             </a:fld>
             <a:endParaRPr lang="en-US" dirty="0"/>
           </a:p>
@@ -5714,7 +5715,7 @@
           <a:p>
             <a:fld id="{4BE1D723-8F53-4F53-90B0-1982A396982E}" type="datetime1">
               <a:rPr lang="en-US" smtClean="0"/>
-              <a:t>1/13/2021</a:t>
+              <a:t>1/14/2021</a:t>
             </a:fld>
             <a:endParaRPr lang="en-US" dirty="0"/>
           </a:p>
@@ -6119,7 +6120,7 @@
           <a:p>
             <a:fld id="{97669AF7-7BEB-44E4-9852-375E34362B5B}" type="datetime1">
               <a:rPr lang="en-US" smtClean="0"/>
-              <a:t>1/13/2021</a:t>
+              <a:t>1/14/2021</a:t>
             </a:fld>
             <a:endParaRPr lang="en-US" dirty="0"/>
           </a:p>
@@ -6374,7 +6375,7 @@
           <a:p>
             <a:fld id="{BAAAC38D-0552-4C82-B593-E6124DFADBE2}" type="datetime1">
               <a:rPr lang="en-US" smtClean="0"/>
-              <a:t>1/13/2021</a:t>
+              <a:t>1/14/2021</a:t>
             </a:fld>
             <a:endParaRPr lang="en-US" dirty="0"/>
           </a:p>
@@ -6771,7 +6772,7 @@
           <a:p>
             <a:fld id="{D9DF0F1C-5577-4ACB-BB62-DF8F3C494C7E}" type="datetime1">
               <a:rPr lang="en-US" smtClean="0"/>
-              <a:t>1/13/2021</a:t>
+              <a:t>1/14/2021</a:t>
             </a:fld>
             <a:endParaRPr lang="en-US" dirty="0"/>
           </a:p>
@@ -6907,7 +6908,7 @@
           <a:p>
             <a:fld id="{1775B394-D9F9-4F0C-B15D-605F45CB9E9F}" type="datetime1">
               <a:rPr lang="en-US" smtClean="0"/>
-              <a:t>1/13/2021</a:t>
+              <a:t>1/14/2021</a:t>
             </a:fld>
             <a:endParaRPr lang="en-US" dirty="0"/>
           </a:p>
@@ -7064,7 +7065,7 @@
           <a:p>
             <a:fld id="{39667345-2558-425A-8533-9BFDBCE15005}" type="datetime1">
               <a:rPr lang="en-US" smtClean="0"/>
-              <a:t>1/13/2021</a:t>
+              <a:t>1/14/2021</a:t>
             </a:fld>
             <a:endParaRPr lang="en-US" dirty="0"/>
           </a:p>
@@ -7393,7 +7394,7 @@
           <a:p>
             <a:fld id="{92BEA474-078D-4E9B-9B14-09A87B19DC46}" type="datetime1">
               <a:rPr lang="en-US" smtClean="0"/>
-              <a:t>1/13/2021</a:t>
+              <a:t>1/14/2021</a:t>
             </a:fld>
             <a:endParaRPr lang="en-US" dirty="0"/>
           </a:p>
@@ -7743,7 +7744,7 @@
           <a:p>
             <a:fld id="{4907D986-8816-4272-A432-0437A28A9828}" type="datetime1">
               <a:rPr lang="en-US" smtClean="0"/>
-              <a:t>1/13/2021</a:t>
+              <a:t>1/14/2021</a:t>
             </a:fld>
             <a:endParaRPr lang="en-US" dirty="0"/>
           </a:p>
@@ -8004,7 +8005,7 @@
           <a:p>
             <a:fld id="{62D6E202-B606-4609-B914-27C9371A1F6D}" type="datetime1">
               <a:rPr lang="en-US" smtClean="0"/>
-              <a:t>1/13/2021</a:t>
+              <a:t>1/14/2021</a:t>
             </a:fld>
             <a:endParaRPr lang="en-US" dirty="0"/>
           </a:p>
@@ -8804,6 +8805,210 @@
 </p:sld>
 </file>
 
+<file path=ppt/slides/slide10.xml><?xml version="1.0" encoding="utf-8"?>
+<p:sld xmlns:a="http://schemas.openxmlformats.org/drawingml/2006/main" xmlns:r="http://schemas.openxmlformats.org/officeDocument/2006/relationships" xmlns:p="http://schemas.openxmlformats.org/presentationml/2006/main">
+  <p:cSld>
+    <p:spTree>
+      <p:nvGrpSpPr>
+        <p:cNvPr id="1" name=""/>
+        <p:cNvGrpSpPr/>
+        <p:nvPr/>
+      </p:nvGrpSpPr>
+      <p:grpSpPr>
+        <a:xfrm>
+          <a:off x="0" y="0"/>
+          <a:ext cx="0" cy="0"/>
+          <a:chOff x="0" y="0"/>
+          <a:chExt cx="0" cy="0"/>
+        </a:xfrm>
+      </p:grpSpPr>
+      <p:sp>
+        <p:nvSpPr>
+          <p:cNvPr id="2" name="Title 1">
+            <a:extLst>
+              <a:ext uri="{FF2B5EF4-FFF2-40B4-BE49-F238E27FC236}">
+                <a16:creationId xmlns:a16="http://schemas.microsoft.com/office/drawing/2014/main" id="{2884E710-9FC7-405F-ACA5-D0FD5996E0B4}"/>
+              </a:ext>
+            </a:extLst>
+          </p:cNvPr>
+          <p:cNvSpPr>
+            <a:spLocks noGrp="1"/>
+          </p:cNvSpPr>
+          <p:nvPr>
+            <p:ph type="title"/>
+          </p:nvPr>
+        </p:nvSpPr>
+        <p:spPr/>
+        <p:txBody>
+          <a:bodyPr/>
+          <a:lstStyle/>
+          <a:p>
+            <a:r>
+              <a:rPr lang="en-US" dirty="0"/>
+              <a:t>Unique Insights to Compliment Team … </a:t>
+            </a:r>
+          </a:p>
+        </p:txBody>
+      </p:sp>
+      <p:sp>
+        <p:nvSpPr>
+          <p:cNvPr id="3" name="Content Placeholder 2">
+            <a:extLst>
+              <a:ext uri="{FF2B5EF4-FFF2-40B4-BE49-F238E27FC236}">
+                <a16:creationId xmlns:a16="http://schemas.microsoft.com/office/drawing/2014/main" id="{999D210B-9AF9-4201-A738-2151E13DF52A}"/>
+              </a:ext>
+            </a:extLst>
+          </p:cNvPr>
+          <p:cNvSpPr>
+            <a:spLocks noGrp="1"/>
+          </p:cNvSpPr>
+          <p:nvPr>
+            <p:ph idx="1"/>
+          </p:nvPr>
+        </p:nvSpPr>
+        <p:spPr/>
+        <p:txBody>
+          <a:bodyPr/>
+          <a:lstStyle/>
+          <a:p>
+            <a:r>
+              <a:rPr lang="en-US" dirty="0"/>
+              <a:t>Three time growth champion in field service, station management and route logistics </a:t>
+            </a:r>
+          </a:p>
+          <a:p>
+            <a:pPr lvl="1"/>
+            <a:r>
+              <a:rPr lang="en-US" dirty="0"/>
+              <a:t>… anesthesia, physical and digital information, cash</a:t>
+            </a:r>
+          </a:p>
+          <a:p>
+            <a:r>
+              <a:rPr lang="en-US" dirty="0"/>
+              <a:t>Know how to build and keep frontline, driver and client relationships</a:t>
+            </a:r>
+          </a:p>
+          <a:p>
+            <a:r>
+              <a:rPr lang="en-US" dirty="0"/>
+              <a:t>Focus on the right things … with data driven strategy and actions</a:t>
+            </a:r>
+          </a:p>
+          <a:p>
+            <a:r>
+              <a:rPr lang="en-US" dirty="0"/>
+              <a:t>Build leaders with stewardship in addition to development plans, training &amp; coaching</a:t>
+            </a:r>
+          </a:p>
+          <a:p>
+            <a:r>
+              <a:rPr lang="en-US" dirty="0"/>
+              <a:t>‘Team’ is founded on trust, responsible candor (conflict), commitment, accountability &amp; results</a:t>
+            </a:r>
+            <a:r>
+              <a:rPr lang="en-US" sz="1000" dirty="0"/>
+              <a:t>(1)</a:t>
+            </a:r>
+          </a:p>
+          <a:p>
+            <a:pPr marL="0" indent="0">
+              <a:buNone/>
+            </a:pPr>
+            <a:endParaRPr lang="en-US" sz="1000" dirty="0"/>
+          </a:p>
+          <a:p>
+            <a:endParaRPr lang="en-US" dirty="0"/>
+          </a:p>
+        </p:txBody>
+      </p:sp>
+      <p:sp>
+        <p:nvSpPr>
+          <p:cNvPr id="4" name="TextBox 3">
+            <a:extLst>
+              <a:ext uri="{FF2B5EF4-FFF2-40B4-BE49-F238E27FC236}">
+                <a16:creationId xmlns:a16="http://schemas.microsoft.com/office/drawing/2014/main" id="{F3569E84-E221-4A6A-8DF4-BE0433024929}"/>
+              </a:ext>
+            </a:extLst>
+          </p:cNvPr>
+          <p:cNvSpPr txBox="1"/>
+          <p:nvPr/>
+        </p:nvSpPr>
+        <p:spPr>
+          <a:xfrm>
+            <a:off x="337351" y="6571397"/>
+            <a:ext cx="2531462" cy="246221"/>
+          </a:xfrm>
+          <a:prstGeom prst="rect">
+            <a:avLst/>
+          </a:prstGeom>
+          <a:noFill/>
+        </p:spPr>
+        <p:txBody>
+          <a:bodyPr wrap="none" rtlCol="0">
+            <a:spAutoFit/>
+          </a:bodyPr>
+          <a:lstStyle/>
+          <a:p>
+            <a:r>
+              <a:rPr lang="en-US" sz="1000" b="1" dirty="0">
+                <a:solidFill>
+                  <a:schemeClr val="bg1"/>
+                </a:solidFill>
+              </a:rPr>
+              <a:t>2021 Copyright Kent Matthew Rodgers</a:t>
+            </a:r>
+          </a:p>
+        </p:txBody>
+      </p:sp>
+      <p:sp>
+        <p:nvSpPr>
+          <p:cNvPr id="5" name="TextBox 4">
+            <a:extLst>
+              <a:ext uri="{FF2B5EF4-FFF2-40B4-BE49-F238E27FC236}">
+                <a16:creationId xmlns:a16="http://schemas.microsoft.com/office/drawing/2014/main" id="{D03A5CE1-1ABC-4884-BC3F-0F362BBD61E5}"/>
+              </a:ext>
+            </a:extLst>
+          </p:cNvPr>
+          <p:cNvSpPr txBox="1"/>
+          <p:nvPr/>
+        </p:nvSpPr>
+        <p:spPr>
+          <a:xfrm>
+            <a:off x="807868" y="6010183"/>
+            <a:ext cx="5396029" cy="246221"/>
+          </a:xfrm>
+          <a:prstGeom prst="rect">
+            <a:avLst/>
+          </a:prstGeom>
+          <a:noFill/>
+        </p:spPr>
+        <p:txBody>
+          <a:bodyPr wrap="none" rtlCol="0">
+            <a:spAutoFit/>
+          </a:bodyPr>
+          <a:lstStyle/>
+          <a:p>
+            <a:r>
+              <a:rPr lang="en-US" sz="1000" dirty="0"/>
+              <a:t>Note: 1) Reference The Five Dysfunctions of a Team, Patrick Lencioni to provide proper credit here.</a:t>
+            </a:r>
+          </a:p>
+        </p:txBody>
+      </p:sp>
+    </p:spTree>
+    <p:extLst>
+      <p:ext uri="{BB962C8B-B14F-4D97-AF65-F5344CB8AC3E}">
+        <p14:creationId xmlns:p14="http://schemas.microsoft.com/office/powerpoint/2010/main" val="2963311221"/>
+      </p:ext>
+    </p:extLst>
+  </p:cSld>
+  <p:clrMapOvr>
+    <a:masterClrMapping/>
+  </p:clrMapOvr>
+</p:sld>
+</file>
+
 <file path=ppt/slides/slide2.xml><?xml version="1.0" encoding="utf-8"?>
 <p:sld xmlns:a="http://schemas.openxmlformats.org/drawingml/2006/main" xmlns:r="http://schemas.openxmlformats.org/officeDocument/2006/relationships" xmlns:p="http://schemas.openxmlformats.org/presentationml/2006/main">
   <p:cSld>
@@ -9330,7 +9535,7 @@
             <p:ph idx="1"/>
             <p:extLst>
               <p:ext uri="{D42A27DB-BD31-4B8C-83A1-F6EECF244321}">
-                <p14:modId xmlns:p14="http://schemas.microsoft.com/office/powerpoint/2010/main" val="2603864570"/>
+                <p14:modId xmlns:p14="http://schemas.microsoft.com/office/powerpoint/2010/main" val="3052147022"/>
               </p:ext>
             </p:extLst>
           </p:nvPr>
@@ -9645,7 +9850,7 @@
                   <a:schemeClr val="tx1"/>
                 </a:solidFill>
               </a:rPr>
-              <a:t>Approximately 1 associate for every 150 daily route hours </a:t>
+              <a:t>Approximately 1 associate for every 200  daily route hours </a:t>
             </a:r>
           </a:p>
         </p:txBody>
@@ -9840,10 +10045,10 @@
       </p:grpSpPr>
       <p:pic>
         <p:nvPicPr>
-          <p:cNvPr id="8" name="Picture 7">
-            <a:extLst>
-              <a:ext uri="{FF2B5EF4-FFF2-40B4-BE49-F238E27FC236}">
-                <a16:creationId xmlns:a16="http://schemas.microsoft.com/office/drawing/2014/main" id="{8F9D35BD-605D-4C7D-94C1-BBEA9DFE5B6C}"/>
+          <p:cNvPr id="6" name="Picture 5">
+            <a:extLst>
+              <a:ext uri="{FF2B5EF4-FFF2-40B4-BE49-F238E27FC236}">
+                <a16:creationId xmlns:a16="http://schemas.microsoft.com/office/drawing/2014/main" id="{5E42CFC8-0CFA-467A-A598-4C62F32DCB84}"/>
               </a:ext>
             </a:extLst>
           </p:cNvPr>
@@ -9860,7 +10065,7 @@
         </p:blipFill>
         <p:spPr>
           <a:xfrm>
-            <a:off x="1510665" y="1932005"/>
+            <a:off x="2072640" y="1936994"/>
             <a:ext cx="9019794" cy="4444746"/>
           </a:xfrm>
           <a:prstGeom prst="rect">
@@ -9959,7 +10164,7 @@
         </p:nvSpPr>
         <p:spPr>
           <a:xfrm>
-            <a:off x="7481887" y="2466974"/>
+            <a:off x="7853362" y="2466974"/>
             <a:ext cx="838200" cy="3893425"/>
           </a:xfrm>
           <a:prstGeom prst="rect">
@@ -10011,7 +10216,7 @@
         </p:nvSpPr>
         <p:spPr>
           <a:xfrm>
-            <a:off x="7481887" y="6276513"/>
+            <a:off x="7853362" y="6238413"/>
             <a:ext cx="838200" cy="580553"/>
           </a:xfrm>
           <a:prstGeom prst="rect">
@@ -10068,7 +10273,7 @@
         </p:nvSpPr>
         <p:spPr>
           <a:xfrm>
-            <a:off x="337351" y="2210363"/>
+            <a:off x="851701" y="2086538"/>
             <a:ext cx="1043772" cy="551321"/>
           </a:xfrm>
           <a:prstGeom prst="rect">
@@ -10140,7 +10345,7 @@
         </p:nvSpPr>
         <p:spPr>
           <a:xfrm>
-            <a:off x="337349" y="2947804"/>
+            <a:off x="851699" y="2823979"/>
             <a:ext cx="1043773" cy="1017161"/>
           </a:xfrm>
           <a:prstGeom prst="rect">
@@ -10245,7 +10450,7 @@
         </p:nvSpPr>
         <p:spPr>
           <a:xfrm>
-            <a:off x="337349" y="4119860"/>
+            <a:off x="851699" y="3996035"/>
             <a:ext cx="1043774" cy="1017160"/>
           </a:xfrm>
           <a:prstGeom prst="rect">
@@ -10306,7 +10511,7 @@
         </p:nvSpPr>
         <p:spPr>
           <a:xfrm>
-            <a:off x="337349" y="5259353"/>
+            <a:off x="851699" y="5135528"/>
             <a:ext cx="1043774" cy="1017160"/>
           </a:xfrm>
           <a:prstGeom prst="rect">
@@ -10383,35 +10588,6 @@
           <a:chExt cx="0" cy="0"/>
         </a:xfrm>
       </p:grpSpPr>
-      <p:pic>
-        <p:nvPicPr>
-          <p:cNvPr id="4" name="Picture 3">
-            <a:extLst>
-              <a:ext uri="{FF2B5EF4-FFF2-40B4-BE49-F238E27FC236}">
-                <a16:creationId xmlns:a16="http://schemas.microsoft.com/office/drawing/2014/main" id="{AED1DD63-97A5-43B1-B1B7-4EE8CDF484E4}"/>
-              </a:ext>
-            </a:extLst>
-          </p:cNvPr>
-          <p:cNvPicPr>
-            <a:picLocks noChangeAspect="1"/>
-          </p:cNvPicPr>
-          <p:nvPr/>
-        </p:nvPicPr>
-        <p:blipFill rotWithShape="1">
-          <a:blip r:embed="rId2"/>
-          <a:srcRect t="3547" b="26776"/>
-          <a:stretch/>
-        </p:blipFill>
-        <p:spPr>
-          <a:xfrm>
-            <a:off x="973455" y="2038349"/>
-            <a:ext cx="7315200" cy="2867025"/>
-          </a:xfrm>
-          <a:prstGeom prst="rect">
-            <a:avLst/>
-          </a:prstGeom>
-        </p:spPr>
-      </p:pic>
       <p:sp>
         <p:nvSpPr>
           <p:cNvPr id="11" name="Rectangle 10">
@@ -10427,7 +10603,7 @@
         <p:spPr>
           <a:xfrm>
             <a:off x="946784" y="2006678"/>
-            <a:ext cx="7341871" cy="3041572"/>
+            <a:ext cx="7349493" cy="3041572"/>
           </a:xfrm>
           <a:prstGeom prst="rect">
             <a:avLst/>
@@ -10464,35 +10640,6 @@
           </a:p>
         </p:txBody>
       </p:sp>
-      <p:pic>
-        <p:nvPicPr>
-          <p:cNvPr id="8" name="Picture 7">
-            <a:extLst>
-              <a:ext uri="{FF2B5EF4-FFF2-40B4-BE49-F238E27FC236}">
-                <a16:creationId xmlns:a16="http://schemas.microsoft.com/office/drawing/2014/main" id="{8E19C52A-DC78-4044-ACBF-A7A3B15E1DFC}"/>
-              </a:ext>
-            </a:extLst>
-          </p:cNvPr>
-          <p:cNvPicPr>
-            <a:picLocks noChangeAspect="1"/>
-          </p:cNvPicPr>
-          <p:nvPr/>
-        </p:nvPicPr>
-        <p:blipFill rotWithShape="1">
-          <a:blip r:embed="rId3"/>
-          <a:srcRect t="34259"/>
-          <a:stretch/>
-        </p:blipFill>
-        <p:spPr>
-          <a:xfrm>
-            <a:off x="5297805" y="3952875"/>
-            <a:ext cx="6400800" cy="2366972"/>
-          </a:xfrm>
-          <a:prstGeom prst="rect">
-            <a:avLst/>
-          </a:prstGeom>
-        </p:spPr>
-      </p:pic>
       <p:sp>
         <p:nvSpPr>
           <p:cNvPr id="2" name="Title 1">
@@ -10617,6 +10764,64 @@
           </a:p>
         </p:txBody>
       </p:sp>
+      <p:pic>
+        <p:nvPicPr>
+          <p:cNvPr id="6" name="Picture 5">
+            <a:extLst>
+              <a:ext uri="{FF2B5EF4-FFF2-40B4-BE49-F238E27FC236}">
+                <a16:creationId xmlns:a16="http://schemas.microsoft.com/office/drawing/2014/main" id="{8814C511-4C18-4815-B4C1-0CBF4B8AA427}"/>
+              </a:ext>
+            </a:extLst>
+          </p:cNvPr>
+          <p:cNvPicPr>
+            <a:picLocks noChangeAspect="1"/>
+          </p:cNvPicPr>
+          <p:nvPr/>
+        </p:nvPicPr>
+        <p:blipFill rotWithShape="1">
+          <a:blip r:embed="rId2"/>
+          <a:srcRect t="4179" b="26388"/>
+          <a:stretch/>
+        </p:blipFill>
+        <p:spPr>
+          <a:xfrm>
+            <a:off x="981077" y="2098949"/>
+            <a:ext cx="7315200" cy="2857029"/>
+          </a:xfrm>
+          <a:prstGeom prst="rect">
+            <a:avLst/>
+          </a:prstGeom>
+        </p:spPr>
+      </p:pic>
+      <p:pic>
+        <p:nvPicPr>
+          <p:cNvPr id="9" name="Picture 8">
+            <a:extLst>
+              <a:ext uri="{FF2B5EF4-FFF2-40B4-BE49-F238E27FC236}">
+                <a16:creationId xmlns:a16="http://schemas.microsoft.com/office/drawing/2014/main" id="{8FA91220-65BF-481C-B897-CA0E6AA300B9}"/>
+              </a:ext>
+            </a:extLst>
+          </p:cNvPr>
+          <p:cNvPicPr>
+            <a:picLocks noChangeAspect="1"/>
+          </p:cNvPicPr>
+          <p:nvPr/>
+        </p:nvPicPr>
+        <p:blipFill rotWithShape="1">
+          <a:blip r:embed="rId3"/>
+          <a:srcRect t="33889" b="13334"/>
+          <a:stretch/>
+        </p:blipFill>
+        <p:spPr>
+          <a:xfrm>
+            <a:off x="4467224" y="4187221"/>
+            <a:ext cx="7315200" cy="2171668"/>
+          </a:xfrm>
+          <a:prstGeom prst="rect">
+            <a:avLst/>
+          </a:prstGeom>
+        </p:spPr>
+      </p:pic>
       <p:sp>
         <p:nvSpPr>
           <p:cNvPr id="13" name="Rectangle 12">
@@ -10631,8 +10836,8 @@
         </p:nvSpPr>
         <p:spPr>
           <a:xfrm>
-            <a:off x="5261608" y="3905250"/>
-            <a:ext cx="6549391" cy="2491739"/>
+            <a:off x="4461506" y="4187221"/>
+            <a:ext cx="7349493" cy="2209768"/>
           </a:xfrm>
           <a:prstGeom prst="rect">
             <a:avLst/>
@@ -10776,7 +10981,7 @@
         </p:nvGrpSpPr>
         <p:grpSpPr>
           <a:xfrm>
-            <a:off x="5427965" y="2871597"/>
+            <a:off x="5410155" y="2871597"/>
             <a:ext cx="212374" cy="192088"/>
             <a:chOff x="5717526" y="3619024"/>
             <a:chExt cx="817203" cy="739140"/>
@@ -11864,7 +12069,7 @@
         </p:blipFill>
         <p:spPr>
           <a:xfrm>
-            <a:off x="5401759" y="5699250"/>
+            <a:off x="5379182" y="5699250"/>
             <a:ext cx="274320" cy="274320"/>
           </a:xfrm>
           <a:prstGeom prst="rect">
@@ -11972,7 +12177,7 @@
         </p:blipFill>
         <p:spPr>
           <a:xfrm>
-            <a:off x="5379674" y="4664948"/>
+            <a:off x="5379182" y="4664948"/>
             <a:ext cx="274320" cy="274320"/>
           </a:xfrm>
           <a:prstGeom prst="rect">
@@ -12152,7 +12357,7 @@
         </p:blipFill>
         <p:spPr>
           <a:xfrm>
-            <a:off x="9420225" y="5921854"/>
+            <a:off x="9444708" y="5921854"/>
             <a:ext cx="274320" cy="274320"/>
           </a:xfrm>
           <a:prstGeom prst="rect">
@@ -12263,7 +12468,7 @@
         </p:blipFill>
         <p:spPr>
           <a:xfrm>
-            <a:off x="5428191" y="2133600"/>
+            <a:off x="5402042" y="2133600"/>
             <a:ext cx="228600" cy="228600"/>
           </a:xfrm>
           <a:prstGeom prst="rect">
@@ -12299,7 +12504,7 @@
         </p:blipFill>
         <p:spPr>
           <a:xfrm>
-            <a:off x="5999691" y="2133600"/>
+            <a:off x="5402042" y="2133600"/>
             <a:ext cx="228600" cy="228600"/>
           </a:xfrm>
           <a:prstGeom prst="rect">
@@ -12335,7 +12540,7 @@
         </p:blipFill>
         <p:spPr>
           <a:xfrm>
-            <a:off x="6644984" y="2133600"/>
+            <a:off x="6600822" y="2133600"/>
             <a:ext cx="228600" cy="228600"/>
           </a:xfrm>
           <a:prstGeom prst="rect">
@@ -12371,7 +12576,7 @@
         </p:blipFill>
         <p:spPr>
           <a:xfrm>
-            <a:off x="7206959" y="2133600"/>
+            <a:off x="7160980" y="2133600"/>
             <a:ext cx="228600" cy="228600"/>
           </a:xfrm>
           <a:prstGeom prst="rect">
@@ -12407,7 +12612,7 @@
         </p:blipFill>
         <p:spPr>
           <a:xfrm>
-            <a:off x="7807034" y="2133600"/>
+            <a:off x="7755772" y="2133600"/>
             <a:ext cx="228600" cy="228600"/>
           </a:xfrm>
           <a:prstGeom prst="rect">
@@ -12443,7 +12648,7 @@
         </p:blipFill>
         <p:spPr>
           <a:xfrm>
-            <a:off x="8378534" y="2133600"/>
+            <a:off x="8315316" y="2133600"/>
             <a:ext cx="228600" cy="228600"/>
           </a:xfrm>
           <a:prstGeom prst="rect">
@@ -12479,7 +12684,7 @@
         </p:blipFill>
         <p:spPr>
           <a:xfrm>
-            <a:off x="8892195" y="2133600"/>
+            <a:off x="8867045" y="2133600"/>
             <a:ext cx="228600" cy="228600"/>
           </a:xfrm>
           <a:prstGeom prst="rect">
@@ -12515,7 +12720,7 @@
         </p:blipFill>
         <p:spPr>
           <a:xfrm>
-            <a:off x="9454170" y="2133600"/>
+            <a:off x="9467568" y="2133600"/>
             <a:ext cx="228600" cy="228600"/>
           </a:xfrm>
           <a:prstGeom prst="rect">
@@ -12551,7 +12756,7 @@
         </p:blipFill>
         <p:spPr>
           <a:xfrm>
-            <a:off x="10054245" y="2133600"/>
+            <a:off x="10029607" y="2133600"/>
             <a:ext cx="228600" cy="228600"/>
           </a:xfrm>
           <a:prstGeom prst="rect">
@@ -12587,7 +12792,7 @@
         </p:blipFill>
         <p:spPr>
           <a:xfrm>
-            <a:off x="10625745" y="2133600"/>
+            <a:off x="10601555" y="2133600"/>
             <a:ext cx="228600" cy="228600"/>
           </a:xfrm>
           <a:prstGeom prst="rect">
@@ -12623,7 +12828,7 @@
         </p:blipFill>
         <p:spPr>
           <a:xfrm>
-            <a:off x="9453020" y="2362200"/>
+            <a:off x="9444708" y="2362200"/>
             <a:ext cx="274320" cy="274320"/>
           </a:xfrm>
           <a:prstGeom prst="rect">
@@ -12659,7 +12864,7 @@
         </p:blipFill>
         <p:spPr>
           <a:xfrm>
-            <a:off x="7732739" y="2362200"/>
+            <a:off x="7732912" y="2362200"/>
             <a:ext cx="274320" cy="274320"/>
           </a:xfrm>
           <a:prstGeom prst="rect">
@@ -12695,7 +12900,7 @@
         </p:blipFill>
         <p:spPr>
           <a:xfrm>
-            <a:off x="5995675" y="2362200"/>
+            <a:off x="5969164" y="2362200"/>
             <a:ext cx="274320" cy="274320"/>
           </a:xfrm>
           <a:prstGeom prst="rect">
@@ -12767,7 +12972,7 @@
         </p:blipFill>
         <p:spPr>
           <a:xfrm>
-            <a:off x="5450269" y="2598420"/>
+            <a:off x="5402042" y="2598420"/>
             <a:ext cx="228600" cy="228600"/>
           </a:xfrm>
           <a:prstGeom prst="rect">
@@ -12803,7 +13008,7 @@
         </p:blipFill>
         <p:spPr>
           <a:xfrm>
-            <a:off x="6077154" y="2598420"/>
+            <a:off x="5992024" y="2598420"/>
             <a:ext cx="228600" cy="228600"/>
           </a:xfrm>
           <a:prstGeom prst="rect">
@@ -12839,7 +13044,7 @@
         </p:blipFill>
         <p:spPr>
           <a:xfrm>
-            <a:off x="6636243" y="2598420"/>
+            <a:off x="6600822" y="2598420"/>
             <a:ext cx="228600" cy="228600"/>
           </a:xfrm>
           <a:prstGeom prst="rect">
@@ -12875,7 +13080,7 @@
         </p:blipFill>
         <p:spPr>
           <a:xfrm>
-            <a:off x="7229560" y="2598420"/>
+            <a:off x="7160980" y="2598420"/>
             <a:ext cx="228600" cy="228600"/>
           </a:xfrm>
           <a:prstGeom prst="rect">
@@ -12911,7 +13116,7 @@
         </p:blipFill>
         <p:spPr>
           <a:xfrm>
-            <a:off x="7752695" y="2598420"/>
+            <a:off x="7755772" y="2598420"/>
             <a:ext cx="228600" cy="228600"/>
           </a:xfrm>
           <a:prstGeom prst="rect">
@@ -12947,7 +13152,7 @@
         </p:blipFill>
         <p:spPr>
           <a:xfrm>
-            <a:off x="8379580" y="2598420"/>
+            <a:off x="8315316" y="2598420"/>
             <a:ext cx="228600" cy="228600"/>
           </a:xfrm>
           <a:prstGeom prst="rect">
@@ -12983,7 +13188,7 @@
         </p:blipFill>
         <p:spPr>
           <a:xfrm>
-            <a:off x="8902469" y="2620188"/>
+            <a:off x="8867045" y="2620188"/>
             <a:ext cx="228600" cy="228600"/>
           </a:xfrm>
           <a:prstGeom prst="rect">
@@ -13019,7 +13224,7 @@
         </p:blipFill>
         <p:spPr>
           <a:xfrm>
-            <a:off x="9495786" y="2620188"/>
+            <a:off x="9467568" y="2620188"/>
             <a:ext cx="228600" cy="228600"/>
           </a:xfrm>
           <a:prstGeom prst="rect">
@@ -13055,7 +13260,7 @@
         </p:blipFill>
         <p:spPr>
           <a:xfrm>
-            <a:off x="10018921" y="2620188"/>
+            <a:off x="10029607" y="2620188"/>
             <a:ext cx="228600" cy="228600"/>
           </a:xfrm>
           <a:prstGeom prst="rect">
@@ -13091,7 +13296,7 @@
         </p:blipFill>
         <p:spPr>
           <a:xfrm>
-            <a:off x="10645806" y="2620188"/>
+            <a:off x="10601555" y="2620188"/>
             <a:ext cx="228600" cy="228600"/>
           </a:xfrm>
           <a:prstGeom prst="rect">
@@ -13127,7 +13332,7 @@
         </p:blipFill>
         <p:spPr>
           <a:xfrm>
-            <a:off x="5877270" y="4177665"/>
+            <a:off x="5379182" y="4177665"/>
             <a:ext cx="274320" cy="274320"/>
           </a:xfrm>
           <a:prstGeom prst="rect">
@@ -13163,7 +13368,7 @@
         </p:blipFill>
         <p:spPr>
           <a:xfrm>
-            <a:off x="7755011" y="4177665"/>
+            <a:off x="7732912" y="4177665"/>
             <a:ext cx="274320" cy="274320"/>
           </a:xfrm>
           <a:prstGeom prst="rect">
@@ -13199,7 +13404,7 @@
         </p:blipFill>
         <p:spPr>
           <a:xfrm>
-            <a:off x="9431310" y="4177665"/>
+            <a:off x="9444708" y="4177665"/>
             <a:ext cx="274320" cy="274320"/>
           </a:xfrm>
           <a:prstGeom prst="rect">
@@ -13235,7 +13440,7 @@
         </p:blipFill>
         <p:spPr>
           <a:xfrm>
-            <a:off x="8846475" y="4664948"/>
+            <a:off x="8844185" y="4664948"/>
             <a:ext cx="274320" cy="274320"/>
           </a:xfrm>
           <a:prstGeom prst="rect">
@@ -13271,7 +13476,7 @@
         </p:blipFill>
         <p:spPr>
           <a:xfrm>
-            <a:off x="10602885" y="5178904"/>
+            <a:off x="10578695" y="5178904"/>
             <a:ext cx="274320" cy="274320"/>
           </a:xfrm>
           <a:prstGeom prst="rect">
@@ -13351,7 +13556,7 @@
         </p:blipFill>
         <p:spPr>
           <a:xfrm>
-            <a:off x="9450066" y="5446263"/>
+            <a:off x="9444708" y="5446263"/>
             <a:ext cx="274320" cy="274320"/>
           </a:xfrm>
           <a:prstGeom prst="rect">
@@ -13387,7 +13592,7 @@
         </p:blipFill>
         <p:spPr>
           <a:xfrm>
-            <a:off x="10004969" y="5446263"/>
+            <a:off x="10006747" y="5446263"/>
             <a:ext cx="274320" cy="274320"/>
           </a:xfrm>
           <a:prstGeom prst="rect">
@@ -13459,7 +13664,7 @@
         </p:blipFill>
         <p:spPr>
           <a:xfrm>
-            <a:off x="7134357" y="5446263"/>
+            <a:off x="7138120" y="5446263"/>
             <a:ext cx="274320" cy="274320"/>
           </a:xfrm>
           <a:prstGeom prst="rect">
@@ -13495,7 +13700,7 @@
         </p:blipFill>
         <p:spPr>
           <a:xfrm>
-            <a:off x="7704511" y="5434455"/>
+            <a:off x="7732912" y="5434455"/>
             <a:ext cx="274320" cy="274320"/>
           </a:xfrm>
           <a:prstGeom prst="rect">
@@ -13531,7 +13736,7 @@
         </p:blipFill>
         <p:spPr>
           <a:xfrm>
-            <a:off x="8895163" y="5436023"/>
+            <a:off x="8844185" y="5436023"/>
             <a:ext cx="274320" cy="274320"/>
           </a:xfrm>
           <a:prstGeom prst="rect">
@@ -13567,7 +13772,7 @@
         </p:blipFill>
         <p:spPr>
           <a:xfrm>
-            <a:off x="8316290" y="5434455"/>
+            <a:off x="8292456" y="5434455"/>
             <a:ext cx="274320" cy="274320"/>
           </a:xfrm>
           <a:prstGeom prst="rect">
@@ -13603,7 +13808,7 @@
         </p:blipFill>
         <p:spPr>
           <a:xfrm>
-            <a:off x="6003523" y="5445730"/>
+            <a:off x="5969164" y="5445730"/>
             <a:ext cx="274320" cy="274320"/>
           </a:xfrm>
           <a:prstGeom prst="rect">
@@ -13639,7 +13844,7 @@
         </p:blipFill>
         <p:spPr>
           <a:xfrm>
-            <a:off x="5401943" y="5453224"/>
+            <a:off x="5379182" y="5453224"/>
             <a:ext cx="274320" cy="274320"/>
           </a:xfrm>
           <a:prstGeom prst="rect">
@@ -13711,7 +13916,7 @@
         </p:blipFill>
         <p:spPr>
           <a:xfrm>
-            <a:off x="6582396" y="5434455"/>
+            <a:off x="6577962" y="5434455"/>
             <a:ext cx="274320" cy="274320"/>
           </a:xfrm>
           <a:prstGeom prst="rect">
@@ -13747,7 +13952,7 @@
         </p:blipFill>
         <p:spPr>
           <a:xfrm>
-            <a:off x="7092400" y="5691475"/>
+            <a:off x="7138120" y="5691475"/>
             <a:ext cx="274320" cy="274320"/>
           </a:xfrm>
           <a:prstGeom prst="rect">
@@ -13783,7 +13988,7 @@
         </p:blipFill>
         <p:spPr>
           <a:xfrm>
-            <a:off x="8860122" y="5699250"/>
+            <a:off x="8844185" y="5699250"/>
             <a:ext cx="274320" cy="274320"/>
           </a:xfrm>
           <a:prstGeom prst="rect">
@@ -13819,7 +14024,7 @@
         </p:blipFill>
         <p:spPr>
           <a:xfrm>
-            <a:off x="9020175" y="5921854"/>
+            <a:off x="8860377" y="5921854"/>
             <a:ext cx="274320" cy="274320"/>
           </a:xfrm>
           <a:prstGeom prst="rect">
@@ -13935,7 +14140,7 @@
         </p:blipFill>
         <p:spPr>
           <a:xfrm>
-            <a:off x="5366019" y="4415790"/>
+            <a:off x="5379182" y="4415790"/>
             <a:ext cx="274320" cy="274320"/>
           </a:xfrm>
           <a:prstGeom prst="rect">
@@ -13971,7 +14176,7 @@
         </p:blipFill>
         <p:spPr>
           <a:xfrm>
-            <a:off x="5960532" y="4415790"/>
+            <a:off x="5379182" y="4415790"/>
             <a:ext cx="274320" cy="274320"/>
           </a:xfrm>
           <a:prstGeom prst="rect">
@@ -14007,7 +14212,7 @@
         </p:blipFill>
         <p:spPr>
           <a:xfrm>
-            <a:off x="6556661" y="4415790"/>
+            <a:off x="6577962" y="4415790"/>
             <a:ext cx="274320" cy="274320"/>
           </a:xfrm>
           <a:prstGeom prst="rect">
@@ -14043,7 +14248,7 @@
         </p:blipFill>
         <p:spPr>
           <a:xfrm>
-            <a:off x="7152084" y="4415790"/>
+            <a:off x="7138120" y="4415790"/>
             <a:ext cx="274320" cy="274320"/>
           </a:xfrm>
           <a:prstGeom prst="rect">
@@ -14079,7 +14284,7 @@
         </p:blipFill>
         <p:spPr>
           <a:xfrm>
-            <a:off x="7732739" y="4415790"/>
+            <a:off x="7732912" y="4415790"/>
             <a:ext cx="274320" cy="274320"/>
           </a:xfrm>
           <a:prstGeom prst="rect">
@@ -14115,7 +14320,7 @@
         </p:blipFill>
         <p:spPr>
           <a:xfrm>
-            <a:off x="8251052" y="4415790"/>
+            <a:off x="8292456" y="4415790"/>
             <a:ext cx="274320" cy="274320"/>
           </a:xfrm>
           <a:prstGeom prst="rect">
@@ -14151,7 +14356,7 @@
         </p:blipFill>
         <p:spPr>
           <a:xfrm>
-            <a:off x="8860122" y="4415790"/>
+            <a:off x="8844185" y="4415790"/>
             <a:ext cx="274320" cy="274320"/>
           </a:xfrm>
           <a:prstGeom prst="rect">
@@ -14187,7 +14392,7 @@
         </p:blipFill>
         <p:spPr>
           <a:xfrm>
-            <a:off x="9469192" y="4415790"/>
+            <a:off x="9444708" y="4415790"/>
             <a:ext cx="274320" cy="274320"/>
           </a:xfrm>
           <a:prstGeom prst="rect">
@@ -14259,7 +14464,7 @@
         </p:blipFill>
         <p:spPr>
           <a:xfrm>
-            <a:off x="10465725" y="4415790"/>
+            <a:off x="10578695" y="4415790"/>
             <a:ext cx="274320" cy="274320"/>
           </a:xfrm>
           <a:prstGeom prst="rect">
@@ -14331,7 +14536,7 @@
         </p:blipFill>
         <p:spPr>
           <a:xfrm>
-            <a:off x="7092400" y="3154680"/>
+            <a:off x="7138120" y="3154680"/>
             <a:ext cx="274320" cy="274320"/>
           </a:xfrm>
           <a:prstGeom prst="rect">
@@ -14455,7 +14660,7 @@
         </p:blipFill>
         <p:spPr>
           <a:xfrm>
-            <a:off x="8846475" y="3386286"/>
+            <a:off x="8844185" y="3386286"/>
             <a:ext cx="274320" cy="274320"/>
           </a:xfrm>
           <a:prstGeom prst="rect">
@@ -15333,7 +15538,7 @@
                   <a:schemeClr val="bg1"/>
                 </a:solidFill>
               </a:rPr>
-              <a:t>Two elements of a comprehensive talent development program</a:t>
+              <a:t>Elements of a comprehensive talent development program</a:t>
             </a:r>
           </a:p>
         </p:txBody>
@@ -15373,6 +15578,123 @@
                 </a:solidFill>
               </a:rPr>
               <a:t>2021 Copyright Kent Matthew Rodgers</a:t>
+            </a:r>
+          </a:p>
+        </p:txBody>
+      </p:sp>
+      <p:sp>
+        <p:nvSpPr>
+          <p:cNvPr id="4" name="TextBox 3">
+            <a:extLst>
+              <a:ext uri="{FF2B5EF4-FFF2-40B4-BE49-F238E27FC236}">
+                <a16:creationId xmlns:a16="http://schemas.microsoft.com/office/drawing/2014/main" id="{BB2E37ED-704B-45D4-B72F-3243ABE4C243}"/>
+              </a:ext>
+            </a:extLst>
+          </p:cNvPr>
+          <p:cNvSpPr txBox="1"/>
+          <p:nvPr/>
+        </p:nvSpPr>
+        <p:spPr>
+          <a:xfrm>
+            <a:off x="6367628" y="2995494"/>
+            <a:ext cx="662489" cy="369332"/>
+          </a:xfrm>
+          <a:prstGeom prst="rect">
+            <a:avLst/>
+          </a:prstGeom>
+          <a:noFill/>
+        </p:spPr>
+        <p:txBody>
+          <a:bodyPr wrap="none" rtlCol="0">
+            <a:spAutoFit/>
+          </a:bodyPr>
+          <a:lstStyle/>
+          <a:p>
+            <a:r>
+              <a:rPr lang="en-US" b="1" dirty="0">
+                <a:solidFill>
+                  <a:srgbClr val="C00000"/>
+                </a:solidFill>
+              </a:rPr>
+              <a:t>Team</a:t>
+            </a:r>
+          </a:p>
+        </p:txBody>
+      </p:sp>
+      <p:sp>
+        <p:nvSpPr>
+          <p:cNvPr id="15" name="TextBox 14">
+            <a:extLst>
+              <a:ext uri="{FF2B5EF4-FFF2-40B4-BE49-F238E27FC236}">
+                <a16:creationId xmlns:a16="http://schemas.microsoft.com/office/drawing/2014/main" id="{5898F1E5-4BB0-4634-BFA7-6046C6004810}"/>
+              </a:ext>
+            </a:extLst>
+          </p:cNvPr>
+          <p:cNvSpPr txBox="1"/>
+          <p:nvPr/>
+        </p:nvSpPr>
+        <p:spPr>
+          <a:xfrm>
+            <a:off x="9228301" y="4239647"/>
+            <a:ext cx="1939698" cy="369332"/>
+          </a:xfrm>
+          <a:prstGeom prst="rect">
+            <a:avLst/>
+          </a:prstGeom>
+          <a:noFill/>
+        </p:spPr>
+        <p:txBody>
+          <a:bodyPr wrap="none" rtlCol="0">
+            <a:spAutoFit/>
+          </a:bodyPr>
+          <a:lstStyle/>
+          <a:p>
+            <a:r>
+              <a:rPr lang="en-US" b="1" dirty="0">
+                <a:solidFill>
+                  <a:srgbClr val="C00000"/>
+                </a:solidFill>
+              </a:rPr>
+              <a:t>Change Leadership</a:t>
+            </a:r>
+          </a:p>
+        </p:txBody>
+      </p:sp>
+      <p:sp>
+        <p:nvSpPr>
+          <p:cNvPr id="16" name="TextBox 15">
+            <a:extLst>
+              <a:ext uri="{FF2B5EF4-FFF2-40B4-BE49-F238E27FC236}">
+                <a16:creationId xmlns:a16="http://schemas.microsoft.com/office/drawing/2014/main" id="{0F94DC8E-9811-4802-9903-8C14EBF8AFB5}"/>
+              </a:ext>
+            </a:extLst>
+          </p:cNvPr>
+          <p:cNvSpPr txBox="1"/>
+          <p:nvPr/>
+        </p:nvSpPr>
+        <p:spPr>
+          <a:xfrm>
+            <a:off x="6367628" y="5382665"/>
+            <a:ext cx="1638782" cy="369332"/>
+          </a:xfrm>
+          <a:prstGeom prst="rect">
+            <a:avLst/>
+          </a:prstGeom>
+          <a:noFill/>
+        </p:spPr>
+        <p:txBody>
+          <a:bodyPr wrap="none" rtlCol="0">
+            <a:spAutoFit/>
+          </a:bodyPr>
+          <a:lstStyle/>
+          <a:p>
+            <a:r>
+              <a:rPr lang="en-US" b="1" dirty="0">
+                <a:solidFill>
+                  <a:srgbClr val="C00000"/>
+                </a:solidFill>
+              </a:rPr>
+              <a:t>Communication</a:t>
             </a:r>
           </a:p>
         </p:txBody>
@@ -15412,7 +15734,7 @@
           <p:cNvPr id="2" name="Title 1">
             <a:extLst>
               <a:ext uri="{FF2B5EF4-FFF2-40B4-BE49-F238E27FC236}">
-                <a16:creationId xmlns:a16="http://schemas.microsoft.com/office/drawing/2014/main" id="{603E9EF3-DF3D-425C-B311-DB8B771811DE}"/>
+                <a16:creationId xmlns:a16="http://schemas.microsoft.com/office/drawing/2014/main" id="{65A2C6BA-32A1-49D1-B57B-27C72EA56C06}"/>
               </a:ext>
             </a:extLst>
           </p:cNvPr>
@@ -15430,18 +15752,190 @@
           <a:p>
             <a:r>
               <a:rPr lang="en-US" dirty="0"/>
-              <a:t>Talent Acquisition</a:t>
+              <a:t>Supervisor Background</a:t>
             </a:r>
-            <a:endParaRPr lang="en-US" sz="1800" dirty="0"/>
+          </a:p>
+        </p:txBody>
+      </p:sp>
+      <p:pic>
+        <p:nvPicPr>
+          <p:cNvPr id="3" name="Picture 2">
+            <a:extLst>
+              <a:ext uri="{FF2B5EF4-FFF2-40B4-BE49-F238E27FC236}">
+                <a16:creationId xmlns:a16="http://schemas.microsoft.com/office/drawing/2014/main" id="{2570E9B5-C758-4999-9440-689ADA5F0208}"/>
+              </a:ext>
+            </a:extLst>
+          </p:cNvPr>
+          <p:cNvPicPr>
+            <a:picLocks noChangeAspect="1"/>
+          </p:cNvPicPr>
+          <p:nvPr/>
+        </p:nvPicPr>
+        <p:blipFill>
+          <a:blip r:embed="rId2"/>
+          <a:stretch>
+            <a:fillRect/>
+          </a:stretch>
+        </p:blipFill>
+        <p:spPr>
+          <a:xfrm>
+            <a:off x="1205103" y="1952626"/>
+            <a:ext cx="8070342" cy="4436745"/>
+          </a:xfrm>
+          <a:prstGeom prst="rect">
+            <a:avLst/>
+          </a:prstGeom>
+        </p:spPr>
+      </p:pic>
+      <p:sp>
+        <p:nvSpPr>
+          <p:cNvPr id="4" name="Rectangle 3">
+            <a:extLst>
+              <a:ext uri="{FF2B5EF4-FFF2-40B4-BE49-F238E27FC236}">
+                <a16:creationId xmlns:a16="http://schemas.microsoft.com/office/drawing/2014/main" id="{EED4C011-5167-4275-8C25-B060A7E96EF2}"/>
+              </a:ext>
+            </a:extLst>
+          </p:cNvPr>
+          <p:cNvSpPr/>
+          <p:nvPr/>
+        </p:nvSpPr>
+        <p:spPr>
+          <a:xfrm>
+            <a:off x="146851" y="1962713"/>
+            <a:ext cx="1043772" cy="1100972"/>
+          </a:xfrm>
+          <a:prstGeom prst="rect">
+            <a:avLst/>
+          </a:prstGeom>
+          <a:solidFill>
+            <a:srgbClr val="C00000"/>
+          </a:solidFill>
+          <a:ln w="38100">
+            <a:solidFill>
+              <a:srgbClr val="C00000"/>
+            </a:solidFill>
+          </a:ln>
+        </p:spPr>
+        <p:style>
+          <a:lnRef idx="2">
+            <a:schemeClr val="accent1">
+              <a:shade val="50000"/>
+            </a:schemeClr>
+          </a:lnRef>
+          <a:fillRef idx="1">
+            <a:schemeClr val="accent1"/>
+          </a:fillRef>
+          <a:effectRef idx="0">
+            <a:schemeClr val="accent1"/>
+          </a:effectRef>
+          <a:fontRef idx="minor">
+            <a:schemeClr val="lt1"/>
+          </a:fontRef>
+        </p:style>
+        <p:txBody>
+          <a:bodyPr rtlCol="0" anchor="ctr"/>
+          <a:lstStyle/>
+          <a:p>
+            <a:pPr algn="ctr"/>
+            <a:r>
+              <a:rPr lang="en-US" sz="1100" b="1" dirty="0">
+                <a:solidFill>
+                  <a:schemeClr val="bg1"/>
+                </a:solidFill>
+              </a:rPr>
+              <a:t>Top 10 Competencies for a Ground Operations Supervisor</a:t>
+            </a:r>
           </a:p>
         </p:txBody>
       </p:sp>
       <p:sp>
         <p:nvSpPr>
-          <p:cNvPr id="4" name="Content Placeholder 2">
-            <a:extLst>
-              <a:ext uri="{FF2B5EF4-FFF2-40B4-BE49-F238E27FC236}">
-                <a16:creationId xmlns:a16="http://schemas.microsoft.com/office/drawing/2014/main" id="{61622725-061B-40E1-9BC8-021FDE2A7D5A}"/>
+          <p:cNvPr id="5" name="TextBox 4">
+            <a:extLst>
+              <a:ext uri="{FF2B5EF4-FFF2-40B4-BE49-F238E27FC236}">
+                <a16:creationId xmlns:a16="http://schemas.microsoft.com/office/drawing/2014/main" id="{FDD7B261-6DF7-4EDA-A694-933F2DDDE65F}"/>
+              </a:ext>
+            </a:extLst>
+          </p:cNvPr>
+          <p:cNvSpPr txBox="1"/>
+          <p:nvPr/>
+        </p:nvSpPr>
+        <p:spPr>
+          <a:xfrm>
+            <a:off x="337351" y="6571397"/>
+            <a:ext cx="2531462" cy="246221"/>
+          </a:xfrm>
+          <a:prstGeom prst="rect">
+            <a:avLst/>
+          </a:prstGeom>
+          <a:noFill/>
+        </p:spPr>
+        <p:txBody>
+          <a:bodyPr wrap="none" rtlCol="0">
+            <a:spAutoFit/>
+          </a:bodyPr>
+          <a:lstStyle/>
+          <a:p>
+            <a:r>
+              <a:rPr lang="en-US" sz="1000" b="1" dirty="0">
+                <a:solidFill>
+                  <a:schemeClr val="bg1"/>
+                </a:solidFill>
+              </a:rPr>
+              <a:t>2021 Copyright Kent Matthew Rodgers</a:t>
+            </a:r>
+          </a:p>
+        </p:txBody>
+      </p:sp>
+      <p:sp>
+        <p:nvSpPr>
+          <p:cNvPr id="6" name="TextBox 5">
+            <a:extLst>
+              <a:ext uri="{FF2B5EF4-FFF2-40B4-BE49-F238E27FC236}">
+                <a16:creationId xmlns:a16="http://schemas.microsoft.com/office/drawing/2014/main" id="{396319E3-4F7D-4B63-9E6A-4443D7C0854F}"/>
+              </a:ext>
+            </a:extLst>
+          </p:cNvPr>
+          <p:cNvSpPr txBox="1"/>
+          <p:nvPr/>
+        </p:nvSpPr>
+        <p:spPr>
+          <a:xfrm>
+            <a:off x="9420225" y="5753101"/>
+            <a:ext cx="2470097" cy="400110"/>
+          </a:xfrm>
+          <a:prstGeom prst="rect">
+            <a:avLst/>
+          </a:prstGeom>
+          <a:noFill/>
+        </p:spPr>
+        <p:txBody>
+          <a:bodyPr wrap="square" rtlCol="0">
+            <a:spAutoFit/>
+          </a:bodyPr>
+          <a:lstStyle/>
+          <a:p>
+            <a:r>
+              <a:rPr lang="en-US" sz="1000" dirty="0"/>
+              <a:t>Note: Profile build on the </a:t>
+            </a:r>
+            <a:r>
+              <a:rPr lang="en-US" sz="1000" dirty="0" err="1"/>
+              <a:t>Lominger</a:t>
+            </a:r>
+            <a:r>
+              <a:rPr lang="en-US" sz="1000" dirty="0"/>
+              <a:t>, The Leadership Architect </a:t>
+            </a:r>
+          </a:p>
+        </p:txBody>
+      </p:sp>
+      <p:sp>
+        <p:nvSpPr>
+          <p:cNvPr id="7" name="Content Placeholder 5">
+            <a:extLst>
+              <a:ext uri="{FF2B5EF4-FFF2-40B4-BE49-F238E27FC236}">
+                <a16:creationId xmlns:a16="http://schemas.microsoft.com/office/drawing/2014/main" id="{BA85ECE1-AB78-4CE1-B381-4608CA88EE40}"/>
               </a:ext>
             </a:extLst>
           </p:cNvPr>
@@ -15452,8 +15946,350 @@
         </p:nvSpPr>
         <p:spPr>
           <a:xfrm>
-            <a:off x="6283318" y="2571320"/>
-            <a:ext cx="4872361" cy="3760891"/>
+            <a:off x="9420225" y="2162176"/>
+            <a:ext cx="2221231" cy="3716444"/>
+          </a:xfrm>
+          <a:prstGeom prst="rect">
+            <a:avLst/>
+          </a:prstGeom>
+        </p:spPr>
+        <p:txBody>
+          <a:bodyPr/>
+          <a:lstStyle>
+            <a:lvl1pPr marL="91440" indent="-91440" algn="l" defTabSz="914400" rtl="0" eaLnBrk="1" latinLnBrk="0" hangingPunct="1">
+              <a:lnSpc>
+                <a:spcPct val="110000"/>
+              </a:lnSpc>
+              <a:spcBef>
+                <a:spcPts val="1200"/>
+              </a:spcBef>
+              <a:spcAft>
+                <a:spcPts val="200"/>
+              </a:spcAft>
+              <a:buClr>
+                <a:schemeClr val="accent1"/>
+              </a:buClr>
+              <a:buSzPct val="100000"/>
+              <a:buFont typeface="Calibri" panose="020F0502020204030204" pitchFamily="34" charset="0"/>
+              <a:buChar char=" "/>
+              <a:defRPr sz="2000" kern="1200">
+                <a:solidFill>
+                  <a:schemeClr val="tx1">
+                    <a:lumMod val="75000"/>
+                    <a:lumOff val="25000"/>
+                  </a:schemeClr>
+                </a:solidFill>
+                <a:latin typeface="+mn-lt"/>
+                <a:ea typeface="+mn-ea"/>
+                <a:cs typeface="+mn-cs"/>
+              </a:defRPr>
+            </a:lvl1pPr>
+            <a:lvl2pPr marL="384048" indent="-182880" algn="l" defTabSz="914400" rtl="0" eaLnBrk="1" latinLnBrk="0" hangingPunct="1">
+              <a:lnSpc>
+                <a:spcPct val="100000"/>
+              </a:lnSpc>
+              <a:spcBef>
+                <a:spcPts val="200"/>
+              </a:spcBef>
+              <a:spcAft>
+                <a:spcPts val="400"/>
+              </a:spcAft>
+              <a:buClrTx/>
+              <a:buFont typeface="Calibri" pitchFamily="34" charset="0"/>
+              <a:buChar char="◦"/>
+              <a:defRPr sz="1800" kern="1200">
+                <a:solidFill>
+                  <a:schemeClr val="tx1">
+                    <a:lumMod val="75000"/>
+                    <a:lumOff val="25000"/>
+                  </a:schemeClr>
+                </a:solidFill>
+                <a:latin typeface="+mn-lt"/>
+                <a:ea typeface="+mn-ea"/>
+                <a:cs typeface="+mn-cs"/>
+              </a:defRPr>
+            </a:lvl2pPr>
+            <a:lvl3pPr marL="566928" indent="-182880" algn="l" defTabSz="914400" rtl="0" eaLnBrk="1" latinLnBrk="0" hangingPunct="1">
+              <a:lnSpc>
+                <a:spcPct val="100000"/>
+              </a:lnSpc>
+              <a:spcBef>
+                <a:spcPts val="200"/>
+              </a:spcBef>
+              <a:spcAft>
+                <a:spcPts val="400"/>
+              </a:spcAft>
+              <a:buClrTx/>
+              <a:buFont typeface="Calibri" pitchFamily="34" charset="0"/>
+              <a:buChar char="◦"/>
+              <a:defRPr sz="1400" kern="1200">
+                <a:solidFill>
+                  <a:schemeClr val="tx1">
+                    <a:lumMod val="75000"/>
+                    <a:lumOff val="25000"/>
+                  </a:schemeClr>
+                </a:solidFill>
+                <a:latin typeface="+mn-lt"/>
+                <a:ea typeface="+mn-ea"/>
+                <a:cs typeface="+mn-cs"/>
+              </a:defRPr>
+            </a:lvl3pPr>
+            <a:lvl4pPr marL="749808" indent="-182880" algn="l" defTabSz="914400" rtl="0" eaLnBrk="1" latinLnBrk="0" hangingPunct="1">
+              <a:lnSpc>
+                <a:spcPct val="100000"/>
+              </a:lnSpc>
+              <a:spcBef>
+                <a:spcPts val="200"/>
+              </a:spcBef>
+              <a:spcAft>
+                <a:spcPts val="400"/>
+              </a:spcAft>
+              <a:buClrTx/>
+              <a:buFont typeface="Calibri" pitchFamily="34" charset="0"/>
+              <a:buChar char="◦"/>
+              <a:defRPr sz="1400" kern="1200">
+                <a:solidFill>
+                  <a:schemeClr val="tx1">
+                    <a:lumMod val="75000"/>
+                    <a:lumOff val="25000"/>
+                  </a:schemeClr>
+                </a:solidFill>
+                <a:latin typeface="+mn-lt"/>
+                <a:ea typeface="+mn-ea"/>
+                <a:cs typeface="+mn-cs"/>
+              </a:defRPr>
+            </a:lvl4pPr>
+            <a:lvl5pPr marL="932688" indent="-182880" algn="l" defTabSz="914400" rtl="0" eaLnBrk="1" latinLnBrk="0" hangingPunct="1">
+              <a:lnSpc>
+                <a:spcPct val="100000"/>
+              </a:lnSpc>
+              <a:spcBef>
+                <a:spcPts val="200"/>
+              </a:spcBef>
+              <a:spcAft>
+                <a:spcPts val="400"/>
+              </a:spcAft>
+              <a:buClrTx/>
+              <a:buFont typeface="Calibri" pitchFamily="34" charset="0"/>
+              <a:buChar char="◦"/>
+              <a:defRPr sz="1400" kern="1200">
+                <a:solidFill>
+                  <a:schemeClr val="tx1">
+                    <a:lumMod val="75000"/>
+                    <a:lumOff val="25000"/>
+                  </a:schemeClr>
+                </a:solidFill>
+                <a:latin typeface="+mn-lt"/>
+                <a:ea typeface="+mn-ea"/>
+                <a:cs typeface="+mn-cs"/>
+              </a:defRPr>
+            </a:lvl5pPr>
+            <a:lvl6pPr marL="1100000" indent="-228600" algn="l" defTabSz="914400" rtl="0" eaLnBrk="1" latinLnBrk="0" hangingPunct="1">
+              <a:lnSpc>
+                <a:spcPct val="90000"/>
+              </a:lnSpc>
+              <a:spcBef>
+                <a:spcPts val="200"/>
+              </a:spcBef>
+              <a:spcAft>
+                <a:spcPts val="400"/>
+              </a:spcAft>
+              <a:buClr>
+                <a:schemeClr val="accent1"/>
+              </a:buClr>
+              <a:buFont typeface="Calibri" pitchFamily="34" charset="0"/>
+              <a:buChar char="◦"/>
+              <a:defRPr sz="1400" kern="1200">
+                <a:solidFill>
+                  <a:schemeClr val="tx1">
+                    <a:lumMod val="75000"/>
+                    <a:lumOff val="25000"/>
+                  </a:schemeClr>
+                </a:solidFill>
+                <a:latin typeface="+mn-lt"/>
+                <a:ea typeface="+mn-ea"/>
+                <a:cs typeface="+mn-cs"/>
+              </a:defRPr>
+            </a:lvl6pPr>
+            <a:lvl7pPr marL="1300000" indent="-228600" algn="l" defTabSz="914400" rtl="0" eaLnBrk="1" latinLnBrk="0" hangingPunct="1">
+              <a:lnSpc>
+                <a:spcPct val="90000"/>
+              </a:lnSpc>
+              <a:spcBef>
+                <a:spcPts val="200"/>
+              </a:spcBef>
+              <a:spcAft>
+                <a:spcPts val="400"/>
+              </a:spcAft>
+              <a:buClr>
+                <a:schemeClr val="accent1"/>
+              </a:buClr>
+              <a:buFont typeface="Calibri" pitchFamily="34" charset="0"/>
+              <a:buChar char="◦"/>
+              <a:defRPr sz="1400" kern="1200">
+                <a:solidFill>
+                  <a:schemeClr val="tx1">
+                    <a:lumMod val="75000"/>
+                    <a:lumOff val="25000"/>
+                  </a:schemeClr>
+                </a:solidFill>
+                <a:latin typeface="+mn-lt"/>
+                <a:ea typeface="+mn-ea"/>
+                <a:cs typeface="+mn-cs"/>
+              </a:defRPr>
+            </a:lvl7pPr>
+            <a:lvl8pPr marL="1500000" indent="-228600" algn="l" defTabSz="914400" rtl="0" eaLnBrk="1" latinLnBrk="0" hangingPunct="1">
+              <a:lnSpc>
+                <a:spcPct val="90000"/>
+              </a:lnSpc>
+              <a:spcBef>
+                <a:spcPts val="200"/>
+              </a:spcBef>
+              <a:spcAft>
+                <a:spcPts val="400"/>
+              </a:spcAft>
+              <a:buClr>
+                <a:schemeClr val="accent1"/>
+              </a:buClr>
+              <a:buFont typeface="Calibri" pitchFamily="34" charset="0"/>
+              <a:buChar char="◦"/>
+              <a:defRPr sz="1400" kern="1200">
+                <a:solidFill>
+                  <a:schemeClr val="tx1">
+                    <a:lumMod val="75000"/>
+                    <a:lumOff val="25000"/>
+                  </a:schemeClr>
+                </a:solidFill>
+                <a:latin typeface="+mn-lt"/>
+                <a:ea typeface="+mn-ea"/>
+                <a:cs typeface="+mn-cs"/>
+              </a:defRPr>
+            </a:lvl8pPr>
+            <a:lvl9pPr marL="1700000" indent="-228600" algn="l" defTabSz="914400" rtl="0" eaLnBrk="1" latinLnBrk="0" hangingPunct="1">
+              <a:lnSpc>
+                <a:spcPct val="90000"/>
+              </a:lnSpc>
+              <a:spcBef>
+                <a:spcPts val="200"/>
+              </a:spcBef>
+              <a:spcAft>
+                <a:spcPts val="400"/>
+              </a:spcAft>
+              <a:buClr>
+                <a:schemeClr val="accent1"/>
+              </a:buClr>
+              <a:buFont typeface="Calibri" pitchFamily="34" charset="0"/>
+              <a:buChar char="◦"/>
+              <a:defRPr sz="1400" kern="1200">
+                <a:solidFill>
+                  <a:schemeClr val="tx1">
+                    <a:lumMod val="75000"/>
+                    <a:lumOff val="25000"/>
+                  </a:schemeClr>
+                </a:solidFill>
+                <a:latin typeface="+mn-lt"/>
+                <a:ea typeface="+mn-ea"/>
+                <a:cs typeface="+mn-cs"/>
+              </a:defRPr>
+            </a:lvl9pPr>
+          </a:lstStyle>
+          <a:p>
+            <a:r>
+              <a:rPr lang="en-US" dirty="0"/>
+              <a:t>Must have:</a:t>
+            </a:r>
+          </a:p>
+          <a:p>
+            <a:r>
+              <a:rPr lang="en-US" sz="1600" dirty="0"/>
+              <a:t>2 years driver, warehouse,  transportation or field services experience</a:t>
+            </a:r>
+          </a:p>
+          <a:p>
+            <a:r>
+              <a:rPr lang="en-US" sz="1600" dirty="0"/>
+              <a:t>2 years overseeing performance of others as hourly leader or salary supervisor</a:t>
+            </a:r>
+          </a:p>
+        </p:txBody>
+      </p:sp>
+    </p:spTree>
+    <p:extLst>
+      <p:ext uri="{BB962C8B-B14F-4D97-AF65-F5344CB8AC3E}">
+        <p14:creationId xmlns:p14="http://schemas.microsoft.com/office/powerpoint/2010/main" val="1046593798"/>
+      </p:ext>
+    </p:extLst>
+  </p:cSld>
+  <p:clrMapOvr>
+    <a:masterClrMapping/>
+  </p:clrMapOvr>
+</p:sld>
+</file>
+
+<file path=ppt/slides/slide9.xml><?xml version="1.0" encoding="utf-8"?>
+<p:sld xmlns:a="http://schemas.openxmlformats.org/drawingml/2006/main" xmlns:r="http://schemas.openxmlformats.org/officeDocument/2006/relationships" xmlns:p="http://schemas.openxmlformats.org/presentationml/2006/main">
+  <p:cSld>
+    <p:spTree>
+      <p:nvGrpSpPr>
+        <p:cNvPr id="1" name=""/>
+        <p:cNvGrpSpPr/>
+        <p:nvPr/>
+      </p:nvGrpSpPr>
+      <p:grpSpPr>
+        <a:xfrm>
+          <a:off x="0" y="0"/>
+          <a:ext cx="0" cy="0"/>
+          <a:chOff x="0" y="0"/>
+          <a:chExt cx="0" cy="0"/>
+        </a:xfrm>
+      </p:grpSpPr>
+      <p:sp>
+        <p:nvSpPr>
+          <p:cNvPr id="2" name="Title 1">
+            <a:extLst>
+              <a:ext uri="{FF2B5EF4-FFF2-40B4-BE49-F238E27FC236}">
+                <a16:creationId xmlns:a16="http://schemas.microsoft.com/office/drawing/2014/main" id="{603E9EF3-DF3D-425C-B311-DB8B771811DE}"/>
+              </a:ext>
+            </a:extLst>
+          </p:cNvPr>
+          <p:cNvSpPr>
+            <a:spLocks noGrp="1"/>
+          </p:cNvSpPr>
+          <p:nvPr>
+            <p:ph type="title"/>
+          </p:nvPr>
+        </p:nvSpPr>
+        <p:spPr/>
+        <p:txBody>
+          <a:bodyPr/>
+          <a:lstStyle/>
+          <a:p>
+            <a:r>
+              <a:rPr lang="en-US" dirty="0"/>
+              <a:t>Talent Acquisition</a:t>
+            </a:r>
+            <a:endParaRPr lang="en-US" sz="1800" dirty="0"/>
+          </a:p>
+        </p:txBody>
+      </p:sp>
+      <p:sp>
+        <p:nvSpPr>
+          <p:cNvPr id="4" name="Content Placeholder 2">
+            <a:extLst>
+              <a:ext uri="{FF2B5EF4-FFF2-40B4-BE49-F238E27FC236}">
+                <a16:creationId xmlns:a16="http://schemas.microsoft.com/office/drawing/2014/main" id="{61622725-061B-40E1-9BC8-021FDE2A7D5A}"/>
+              </a:ext>
+            </a:extLst>
+          </p:cNvPr>
+          <p:cNvSpPr txBox="1">
+            <a:spLocks/>
+          </p:cNvSpPr>
+          <p:nvPr/>
+        </p:nvSpPr>
+        <p:spPr>
+          <a:xfrm>
+            <a:off x="1097280" y="2038659"/>
+            <a:ext cx="3217267" cy="3760891"/>
           </a:xfrm>
           <a:prstGeom prst="rect">
             <a:avLst/>
@@ -15461,7 +16297,7 @@
         </p:spPr>
         <p:txBody>
           <a:bodyPr vert="horz" lIns="0" tIns="45720" rIns="0" bIns="45720" rtlCol="0">
-            <a:normAutofit/>
+            <a:normAutofit fontScale="92500" lnSpcReduction="20000"/>
           </a:bodyPr>
           <a:lstStyle>
             <a:lvl1pPr marL="91440" indent="-91440" algn="l" defTabSz="914400" rtl="0" eaLnBrk="1" latinLnBrk="0" hangingPunct="1">
@@ -15704,7 +16540,7 @@
           <a:p>
             <a:r>
               <a:rPr lang="en-US" b="1" dirty="0"/>
-              <a:t>&amp; Where to find leaders</a:t>
+              <a:t>Where to find leaders … </a:t>
             </a:r>
           </a:p>
           <a:p>
@@ -15734,7 +16570,7 @@
             </a:pPr>
             <a:r>
               <a:rPr lang="en-US" dirty="0"/>
-              <a:t>Outside search</a:t>
+              <a:t>Passive and targeted outside search</a:t>
             </a:r>
           </a:p>
           <a:p>
@@ -15744,36 +16580,32 @@
             </a:pPr>
             <a:r>
               <a:rPr lang="en-US" dirty="0"/>
-              <a:t>Collegiate development track</a:t>
+              <a:t>Collegiate development track / program</a:t>
             </a:r>
           </a:p>
-        </p:txBody>
-      </p:sp>
-      <p:sp>
-        <p:nvSpPr>
-          <p:cNvPr id="7" name="Content Placeholder 6">
-            <a:extLst>
-              <a:ext uri="{FF2B5EF4-FFF2-40B4-BE49-F238E27FC236}">
-                <a16:creationId xmlns:a16="http://schemas.microsoft.com/office/drawing/2014/main" id="{6501DEF1-5298-47AA-B10C-5637161AA90C}"/>
-              </a:ext>
-            </a:extLst>
-          </p:cNvPr>
-          <p:cNvSpPr>
-            <a:spLocks noGrp="1"/>
-          </p:cNvSpPr>
-          <p:nvPr>
-            <p:ph idx="1"/>
-          </p:nvPr>
-        </p:nvSpPr>
-        <p:spPr/>
-        <p:txBody>
-          <a:bodyPr/>
-          <a:lstStyle/>
-          <a:p>
+          <a:p>
+            <a:pPr marL="457200" indent="-457200">
+              <a:buFont typeface="+mj-lt"/>
+              <a:buAutoNum type="arabicPeriod"/>
+            </a:pPr>
             <a:r>
               <a:rPr lang="en-US" dirty="0"/>
-              <a:t>Under Construction</a:t>
+              <a:t>… Full-time recruiter at 60+/- active hourly hires. Fractional as starter or flex</a:t>
             </a:r>
+          </a:p>
+          <a:p>
+            <a:pPr marL="457200" indent="-457200">
+              <a:buFont typeface="+mj-lt"/>
+              <a:buAutoNum type="arabicPeriod"/>
+            </a:pPr>
+            <a:endParaRPr lang="en-US" dirty="0"/>
+          </a:p>
+          <a:p>
+            <a:pPr marL="457200" indent="-457200">
+              <a:buFont typeface="+mj-lt"/>
+              <a:buAutoNum type="arabicPeriod"/>
+            </a:pPr>
+            <a:endParaRPr lang="en-US" dirty="0"/>
           </a:p>
         </p:txBody>
       </p:sp>
@@ -15816,214 +16648,40 @@
           </a:p>
         </p:txBody>
       </p:sp>
+      <p:pic>
+        <p:nvPicPr>
+          <p:cNvPr id="6" name="Picture 5">
+            <a:extLst>
+              <a:ext uri="{FF2B5EF4-FFF2-40B4-BE49-F238E27FC236}">
+                <a16:creationId xmlns:a16="http://schemas.microsoft.com/office/drawing/2014/main" id="{697C0521-3FCE-4563-9DA9-91375B11A619}"/>
+              </a:ext>
+            </a:extLst>
+          </p:cNvPr>
+          <p:cNvPicPr>
+            <a:picLocks noChangeAspect="1"/>
+          </p:cNvPicPr>
+          <p:nvPr/>
+        </p:nvPicPr>
+        <p:blipFill>
+          <a:blip r:embed="rId2"/>
+          <a:stretch>
+            <a:fillRect/>
+          </a:stretch>
+        </p:blipFill>
+        <p:spPr>
+          <a:xfrm>
+            <a:off x="4026789" y="2038659"/>
+            <a:ext cx="7618476" cy="3954780"/>
+          </a:xfrm>
+          <a:prstGeom prst="rect">
+            <a:avLst/>
+          </a:prstGeom>
+        </p:spPr>
+      </p:pic>
     </p:spTree>
     <p:extLst>
       <p:ext uri="{BB962C8B-B14F-4D97-AF65-F5344CB8AC3E}">
         <p14:creationId xmlns:p14="http://schemas.microsoft.com/office/powerpoint/2010/main" val="3621905579"/>
-      </p:ext>
-    </p:extLst>
-  </p:cSld>
-  <p:clrMapOvr>
-    <a:masterClrMapping/>
-  </p:clrMapOvr>
-</p:sld>
-</file>
-
-<file path=ppt/slides/slide9.xml><?xml version="1.0" encoding="utf-8"?>
-<p:sld xmlns:a="http://schemas.openxmlformats.org/drawingml/2006/main" xmlns:r="http://schemas.openxmlformats.org/officeDocument/2006/relationships" xmlns:p="http://schemas.openxmlformats.org/presentationml/2006/main">
-  <p:cSld>
-    <p:spTree>
-      <p:nvGrpSpPr>
-        <p:cNvPr id="1" name=""/>
-        <p:cNvGrpSpPr/>
-        <p:nvPr/>
-      </p:nvGrpSpPr>
-      <p:grpSpPr>
-        <a:xfrm>
-          <a:off x="0" y="0"/>
-          <a:ext cx="0" cy="0"/>
-          <a:chOff x="0" y="0"/>
-          <a:chExt cx="0" cy="0"/>
-        </a:xfrm>
-      </p:grpSpPr>
-      <p:sp>
-        <p:nvSpPr>
-          <p:cNvPr id="2" name="Title 1">
-            <a:extLst>
-              <a:ext uri="{FF2B5EF4-FFF2-40B4-BE49-F238E27FC236}">
-                <a16:creationId xmlns:a16="http://schemas.microsoft.com/office/drawing/2014/main" id="{2884E710-9FC7-405F-ACA5-D0FD5996E0B4}"/>
-              </a:ext>
-            </a:extLst>
-          </p:cNvPr>
-          <p:cNvSpPr>
-            <a:spLocks noGrp="1"/>
-          </p:cNvSpPr>
-          <p:nvPr>
-            <p:ph type="title"/>
-          </p:nvPr>
-        </p:nvSpPr>
-        <p:spPr/>
-        <p:txBody>
-          <a:bodyPr/>
-          <a:lstStyle/>
-          <a:p>
-            <a:r>
-              <a:rPr lang="en-US" dirty="0"/>
-              <a:t>Unique Insights to Compliment Team … </a:t>
-            </a:r>
-          </a:p>
-        </p:txBody>
-      </p:sp>
-      <p:sp>
-        <p:nvSpPr>
-          <p:cNvPr id="3" name="Content Placeholder 2">
-            <a:extLst>
-              <a:ext uri="{FF2B5EF4-FFF2-40B4-BE49-F238E27FC236}">
-                <a16:creationId xmlns:a16="http://schemas.microsoft.com/office/drawing/2014/main" id="{999D210B-9AF9-4201-A738-2151E13DF52A}"/>
-              </a:ext>
-            </a:extLst>
-          </p:cNvPr>
-          <p:cNvSpPr>
-            <a:spLocks noGrp="1"/>
-          </p:cNvSpPr>
-          <p:nvPr>
-            <p:ph idx="1"/>
-          </p:nvPr>
-        </p:nvSpPr>
-        <p:spPr/>
-        <p:txBody>
-          <a:bodyPr/>
-          <a:lstStyle/>
-          <a:p>
-            <a:r>
-              <a:rPr lang="en-US" dirty="0"/>
-              <a:t>Three time growth champion in field service, station management and route logistics </a:t>
-            </a:r>
-          </a:p>
-          <a:p>
-            <a:pPr lvl="1"/>
-            <a:r>
-              <a:rPr lang="en-US" dirty="0"/>
-              <a:t>… anesthesia, physical and digital information governance, cash</a:t>
-            </a:r>
-          </a:p>
-          <a:p>
-            <a:r>
-              <a:rPr lang="en-US" dirty="0"/>
-              <a:t>Know how to build and keep frontline, driver and client relationships</a:t>
-            </a:r>
-          </a:p>
-          <a:p>
-            <a:r>
-              <a:rPr lang="en-US" dirty="0"/>
-              <a:t>Focus on the right things … with data driven strategy and actions</a:t>
-            </a:r>
-          </a:p>
-          <a:p>
-            <a:r>
-              <a:rPr lang="en-US" dirty="0"/>
-              <a:t>Build leaders with stewardship in addition to development plans, training &amp; coaching</a:t>
-            </a:r>
-          </a:p>
-          <a:p>
-            <a:r>
-              <a:rPr lang="en-US" dirty="0"/>
-              <a:t>‘Team’ is founded on trust, responsible candor (conflict), commitment, accountability &amp; results</a:t>
-            </a:r>
-            <a:r>
-              <a:rPr lang="en-US" sz="1000" dirty="0"/>
-              <a:t>(1)</a:t>
-            </a:r>
-          </a:p>
-          <a:p>
-            <a:pPr marL="0" indent="0">
-              <a:buNone/>
-            </a:pPr>
-            <a:endParaRPr lang="en-US" sz="1000" dirty="0"/>
-          </a:p>
-          <a:p>
-            <a:endParaRPr lang="en-US" dirty="0"/>
-          </a:p>
-        </p:txBody>
-      </p:sp>
-      <p:sp>
-        <p:nvSpPr>
-          <p:cNvPr id="4" name="TextBox 3">
-            <a:extLst>
-              <a:ext uri="{FF2B5EF4-FFF2-40B4-BE49-F238E27FC236}">
-                <a16:creationId xmlns:a16="http://schemas.microsoft.com/office/drawing/2014/main" id="{F3569E84-E221-4A6A-8DF4-BE0433024929}"/>
-              </a:ext>
-            </a:extLst>
-          </p:cNvPr>
-          <p:cNvSpPr txBox="1"/>
-          <p:nvPr/>
-        </p:nvSpPr>
-        <p:spPr>
-          <a:xfrm>
-            <a:off x="337351" y="6571397"/>
-            <a:ext cx="2531462" cy="246221"/>
-          </a:xfrm>
-          <a:prstGeom prst="rect">
-            <a:avLst/>
-          </a:prstGeom>
-          <a:noFill/>
-        </p:spPr>
-        <p:txBody>
-          <a:bodyPr wrap="none" rtlCol="0">
-            <a:spAutoFit/>
-          </a:bodyPr>
-          <a:lstStyle/>
-          <a:p>
-            <a:r>
-              <a:rPr lang="en-US" sz="1000" b="1" dirty="0">
-                <a:solidFill>
-                  <a:schemeClr val="bg1"/>
-                </a:solidFill>
-              </a:rPr>
-              <a:t>2021 Copyright Kent Matthew Rodgers</a:t>
-            </a:r>
-          </a:p>
-        </p:txBody>
-      </p:sp>
-      <p:sp>
-        <p:nvSpPr>
-          <p:cNvPr id="5" name="TextBox 4">
-            <a:extLst>
-              <a:ext uri="{FF2B5EF4-FFF2-40B4-BE49-F238E27FC236}">
-                <a16:creationId xmlns:a16="http://schemas.microsoft.com/office/drawing/2014/main" id="{D03A5CE1-1ABC-4884-BC3F-0F362BBD61E5}"/>
-              </a:ext>
-            </a:extLst>
-          </p:cNvPr>
-          <p:cNvSpPr txBox="1"/>
-          <p:nvPr/>
-        </p:nvSpPr>
-        <p:spPr>
-          <a:xfrm>
-            <a:off x="807868" y="6010183"/>
-            <a:ext cx="5081840" cy="246221"/>
-          </a:xfrm>
-          <a:prstGeom prst="rect">
-            <a:avLst/>
-          </a:prstGeom>
-          <a:noFill/>
-        </p:spPr>
-        <p:txBody>
-          <a:bodyPr wrap="none" rtlCol="0">
-            <a:spAutoFit/>
-          </a:bodyPr>
-          <a:lstStyle/>
-          <a:p>
-            <a:r>
-              <a:rPr lang="en-US" sz="1000" dirty="0"/>
-              <a:t>1) Reference The Five Dysfunctions of a Team, Patrick Lencioni to provide proper credit here.</a:t>
-            </a:r>
-          </a:p>
-        </p:txBody>
-      </p:sp>
-    </p:spTree>
-    <p:extLst>
-      <p:ext uri="{BB962C8B-B14F-4D97-AF65-F5344CB8AC3E}">
-        <p14:creationId xmlns:p14="http://schemas.microsoft.com/office/powerpoint/2010/main" val="2963311221"/>
       </p:ext>
     </p:extLst>
   </p:cSld>
@@ -16360,6 +17018,24 @@
 </file>
 
 <file path=customXml/item1.xml><?xml version="1.0" encoding="utf-8"?>
+<p:properties xmlns:p="http://schemas.microsoft.com/office/2006/metadata/properties" xmlns:xsi="http://www.w3.org/2001/XMLSchema-instance" xmlns:pc="http://schemas.microsoft.com/office/infopath/2007/PartnerControls">
+  <documentManagement>
+    <Status xmlns="71af3243-3dd4-4a8d-8c0d-dd76da1f02a5">Not started</Status>
+    <MediaServiceKeyPoints xmlns="71af3243-3dd4-4a8d-8c0d-dd76da1f02a5" xsi:nil="true"/>
+  </documentManagement>
+</p:properties>
+</file>
+
+<file path=customXml/item2.xml><?xml version="1.0" encoding="utf-8"?>
+<?mso-contentType ?>
+<FormTemplates xmlns="http://schemas.microsoft.com/sharepoint/v3/contenttype/forms">
+  <Display>DocumentLibraryForm</Display>
+  <Edit>DocumentLibraryForm</Edit>
+  <New>DocumentLibraryForm</New>
+</FormTemplates>
+</file>
+
+<file path=customXml/item3.xml><?xml version="1.0" encoding="utf-8"?>
 <ct:contentTypeSchema xmlns:ct="http://schemas.microsoft.com/office/2006/metadata/contentType" xmlns:ma="http://schemas.microsoft.com/office/2006/metadata/properties/metaAttributes" ct:_="" ma:_="" ma:contentTypeName="Document" ma:contentTypeID="0x01010079F111ED35F8CC479449609E8A0923A6" ma:contentTypeVersion="12" ma:contentTypeDescription="Create a new document." ma:contentTypeScope="" ma:versionID="a410dd7f93c95333ffa1b60ed6adedd1">
   <xsd:schema xmlns:xsd="http://www.w3.org/2001/XMLSchema" xmlns:xs="http://www.w3.org/2001/XMLSchema" xmlns:p="http://schemas.microsoft.com/office/2006/metadata/properties" xmlns:ns2="71af3243-3dd4-4a8d-8c0d-dd76da1f02a5" xmlns:ns3="16c05727-aa75-4e4a-9b5f-8a80a1165891" targetNamespace="http://schemas.microsoft.com/office/2006/metadata/properties" ma:root="true" ma:fieldsID="a936d9baba76aa3866493feff160faab" ns2:_="" ns3:_="">
     <xsd:import namespace="71af3243-3dd4-4a8d-8c0d-dd76da1f02a5"/>
@@ -16580,25 +17256,25 @@
 </ct:contentTypeSchema>
 </file>
 
-<file path=customXml/item2.xml><?xml version="1.0" encoding="utf-8"?>
-<?mso-contentType ?>
-<FormTemplates xmlns="http://schemas.microsoft.com/sharepoint/v3/contenttype/forms">
-  <Display>DocumentLibraryForm</Display>
-  <Edit>DocumentLibraryForm</Edit>
-  <New>DocumentLibraryForm</New>
-</FormTemplates>
+<file path=customXml/itemProps1.xml><?xml version="1.0" encoding="utf-8"?>
+<ds:datastoreItem xmlns:ds="http://schemas.openxmlformats.org/officeDocument/2006/customXml" ds:itemID="{8F3CD65D-61A5-43C9-A837-6EC73C7DA8AB}">
+  <ds:schemaRefs>
+    <ds:schemaRef ds:uri="http://schemas.microsoft.com/office/2006/metadata/properties"/>
+    <ds:schemaRef ds:uri="http://schemas.microsoft.com/office/infopath/2007/PartnerControls"/>
+    <ds:schemaRef ds:uri="71af3243-3dd4-4a8d-8c0d-dd76da1f02a5"/>
+  </ds:schemaRefs>
+</ds:datastoreItem>
 </file>
 
-<file path=customXml/item3.xml><?xml version="1.0" encoding="utf-8"?>
-<p:properties xmlns:p="http://schemas.microsoft.com/office/2006/metadata/properties" xmlns:xsi="http://www.w3.org/2001/XMLSchema-instance" xmlns:pc="http://schemas.microsoft.com/office/infopath/2007/PartnerControls">
-  <documentManagement>
-    <Status xmlns="71af3243-3dd4-4a8d-8c0d-dd76da1f02a5">Not started</Status>
-    <MediaServiceKeyPoints xmlns="71af3243-3dd4-4a8d-8c0d-dd76da1f02a5" xsi:nil="true"/>
-  </documentManagement>
-</p:properties>
+<file path=customXml/itemProps2.xml><?xml version="1.0" encoding="utf-8"?>
+<ds:datastoreItem xmlns:ds="http://schemas.openxmlformats.org/officeDocument/2006/customXml" ds:itemID="{31F006B4-A9E1-4F39-85C8-FB836F919348}">
+  <ds:schemaRefs>
+    <ds:schemaRef ds:uri="http://schemas.microsoft.com/sharepoint/v3/contenttype/forms"/>
+  </ds:schemaRefs>
+</ds:datastoreItem>
 </file>
 
-<file path=customXml/itemProps1.xml><?xml version="1.0" encoding="utf-8"?>
+<file path=customXml/itemProps3.xml><?xml version="1.0" encoding="utf-8"?>
 <ds:datastoreItem xmlns:ds="http://schemas.openxmlformats.org/officeDocument/2006/customXml" ds:itemID="{16377351-63A1-4C2E-8C9A-66CDD70F16AC}">
   <ds:schemaRefs>
     <ds:schemaRef ds:uri="http://schemas.microsoft.com/office/2006/metadata/contentType"/>
@@ -16615,22 +17291,4 @@
     <ds:schemaRef ds:uri="http://schemas.microsoft.com/internal/obd"/>
   </ds:schemaRefs>
 </ds:datastoreItem>
-</file>
-
-<file path=customXml/itemProps2.xml><?xml version="1.0" encoding="utf-8"?>
-<ds:datastoreItem xmlns:ds="http://schemas.openxmlformats.org/officeDocument/2006/customXml" ds:itemID="{31F006B4-A9E1-4F39-85C8-FB836F919348}">
-  <ds:schemaRefs>
-    <ds:schemaRef ds:uri="http://schemas.microsoft.com/sharepoint/v3/contenttype/forms"/>
-  </ds:schemaRefs>
-</ds:datastoreItem>
-</file>
-
-<file path=customXml/itemProps3.xml><?xml version="1.0" encoding="utf-8"?>
-<ds:datastoreItem xmlns:ds="http://schemas.openxmlformats.org/officeDocument/2006/customXml" ds:itemID="{8F3CD65D-61A5-43C9-A837-6EC73C7DA8AB}">
-  <ds:schemaRefs>
-    <ds:schemaRef ds:uri="http://schemas.microsoft.com/office/2006/metadata/properties"/>
-    <ds:schemaRef ds:uri="http://schemas.microsoft.com/office/infopath/2007/PartnerControls"/>
-    <ds:schemaRef ds:uri="71af3243-3dd4-4a8d-8c0d-dd76da1f02a5"/>
-  </ds:schemaRefs>
-</ds:datastoreItem>
 </file>
--- a/210112_PackageDelivery_Presentation.pptx
+++ b/210112_PackageDelivery_Presentation.pptx
@@ -15,7 +15,6 @@
     <p:sldId id="317" r:id="rId12"/>
     <p:sldId id="321" r:id="rId13"/>
     <p:sldId id="319" r:id="rId14"/>
-    <p:sldId id="316" r:id="rId15"/>
   </p:sldIdLst>
   <p:sldSz cx="12192000" cy="6858000"/>
   <p:notesSz cx="6858000" cy="9144000"/>
@@ -5528,7 +5527,7 @@
           <a:p>
             <a:fld id="{9184DA70-C731-4C70-880D-CCD4705E623C}" type="datetime1">
               <a:rPr lang="en-US" smtClean="0"/>
-              <a:t>1/14/2021</a:t>
+              <a:t>1/19/2021</a:t>
             </a:fld>
             <a:endParaRPr lang="en-US" dirty="0"/>
           </a:p>
@@ -5716,7 +5715,7 @@
           <a:p>
             <a:fld id="{4BE1D723-8F53-4F53-90B0-1982A396982E}" type="datetime1">
               <a:rPr lang="en-US" smtClean="0"/>
-              <a:t>1/14/2021</a:t>
+              <a:t>1/19/2021</a:t>
             </a:fld>
             <a:endParaRPr lang="en-US" dirty="0"/>
           </a:p>
@@ -6121,7 +6120,7 @@
           <a:p>
             <a:fld id="{97669AF7-7BEB-44E4-9852-375E34362B5B}" type="datetime1">
               <a:rPr lang="en-US" smtClean="0"/>
-              <a:t>1/14/2021</a:t>
+              <a:t>1/19/2021</a:t>
             </a:fld>
             <a:endParaRPr lang="en-US" dirty="0"/>
           </a:p>
@@ -6376,7 +6375,7 @@
           <a:p>
             <a:fld id="{BAAAC38D-0552-4C82-B593-E6124DFADBE2}" type="datetime1">
               <a:rPr lang="en-US" smtClean="0"/>
-              <a:t>1/14/2021</a:t>
+              <a:t>1/19/2021</a:t>
             </a:fld>
             <a:endParaRPr lang="en-US" dirty="0"/>
           </a:p>
@@ -6773,7 +6772,7 @@
           <a:p>
             <a:fld id="{D9DF0F1C-5577-4ACB-BB62-DF8F3C494C7E}" type="datetime1">
               <a:rPr lang="en-US" smtClean="0"/>
-              <a:t>1/14/2021</a:t>
+              <a:t>1/19/2021</a:t>
             </a:fld>
             <a:endParaRPr lang="en-US" dirty="0"/>
           </a:p>
@@ -6909,7 +6908,7 @@
           <a:p>
             <a:fld id="{1775B394-D9F9-4F0C-B15D-605F45CB9E9F}" type="datetime1">
               <a:rPr lang="en-US" smtClean="0"/>
-              <a:t>1/14/2021</a:t>
+              <a:t>1/19/2021</a:t>
             </a:fld>
             <a:endParaRPr lang="en-US" dirty="0"/>
           </a:p>
@@ -7066,7 +7065,7 @@
           <a:p>
             <a:fld id="{39667345-2558-425A-8533-9BFDBCE15005}" type="datetime1">
               <a:rPr lang="en-US" smtClean="0"/>
-              <a:t>1/14/2021</a:t>
+              <a:t>1/19/2021</a:t>
             </a:fld>
             <a:endParaRPr lang="en-US" dirty="0"/>
           </a:p>
@@ -7395,7 +7394,7 @@
           <a:p>
             <a:fld id="{92BEA474-078D-4E9B-9B14-09A87B19DC46}" type="datetime1">
               <a:rPr lang="en-US" smtClean="0"/>
-              <a:t>1/14/2021</a:t>
+              <a:t>1/19/2021</a:t>
             </a:fld>
             <a:endParaRPr lang="en-US" dirty="0"/>
           </a:p>
@@ -7745,7 +7744,7 @@
           <a:p>
             <a:fld id="{4907D986-8816-4272-A432-0437A28A9828}" type="datetime1">
               <a:rPr lang="en-US" smtClean="0"/>
-              <a:t>1/14/2021</a:t>
+              <a:t>1/19/2021</a:t>
             </a:fld>
             <a:endParaRPr lang="en-US" dirty="0"/>
           </a:p>
@@ -8006,7 +8005,7 @@
           <a:p>
             <a:fld id="{62D6E202-B606-4609-B914-27C9371A1F6D}" type="datetime1">
               <a:rPr lang="en-US" smtClean="0"/>
-              <a:t>1/14/2021</a:t>
+              <a:t>1/19/2021</a:t>
             </a:fld>
             <a:endParaRPr lang="en-US" dirty="0"/>
           </a:p>
@@ -9315,210 +9314,6 @@
 </p:sld>
 </file>
 
-<file path=ppt/slides/slide11.xml><?xml version="1.0" encoding="utf-8"?>
-<p:sld xmlns:a="http://schemas.openxmlformats.org/drawingml/2006/main" xmlns:r="http://schemas.openxmlformats.org/officeDocument/2006/relationships" xmlns:p="http://schemas.openxmlformats.org/presentationml/2006/main">
-  <p:cSld>
-    <p:spTree>
-      <p:nvGrpSpPr>
-        <p:cNvPr id="1" name=""/>
-        <p:cNvGrpSpPr/>
-        <p:nvPr/>
-      </p:nvGrpSpPr>
-      <p:grpSpPr>
-        <a:xfrm>
-          <a:off x="0" y="0"/>
-          <a:ext cx="0" cy="0"/>
-          <a:chOff x="0" y="0"/>
-          <a:chExt cx="0" cy="0"/>
-        </a:xfrm>
-      </p:grpSpPr>
-      <p:sp>
-        <p:nvSpPr>
-          <p:cNvPr id="2" name="Title 1">
-            <a:extLst>
-              <a:ext uri="{FF2B5EF4-FFF2-40B4-BE49-F238E27FC236}">
-                <a16:creationId xmlns:a16="http://schemas.microsoft.com/office/drawing/2014/main" id="{2884E710-9FC7-405F-ACA5-D0FD5996E0B4}"/>
-              </a:ext>
-            </a:extLst>
-          </p:cNvPr>
-          <p:cNvSpPr>
-            <a:spLocks noGrp="1"/>
-          </p:cNvSpPr>
-          <p:nvPr>
-            <p:ph type="title"/>
-          </p:nvPr>
-        </p:nvSpPr>
-        <p:spPr/>
-        <p:txBody>
-          <a:bodyPr/>
-          <a:lstStyle/>
-          <a:p>
-            <a:r>
-              <a:rPr lang="en-US" dirty="0"/>
-              <a:t>Unique Insights to Compliment Team … </a:t>
-            </a:r>
-          </a:p>
-        </p:txBody>
-      </p:sp>
-      <p:sp>
-        <p:nvSpPr>
-          <p:cNvPr id="3" name="Content Placeholder 2">
-            <a:extLst>
-              <a:ext uri="{FF2B5EF4-FFF2-40B4-BE49-F238E27FC236}">
-                <a16:creationId xmlns:a16="http://schemas.microsoft.com/office/drawing/2014/main" id="{999D210B-9AF9-4201-A738-2151E13DF52A}"/>
-              </a:ext>
-            </a:extLst>
-          </p:cNvPr>
-          <p:cNvSpPr>
-            <a:spLocks noGrp="1"/>
-          </p:cNvSpPr>
-          <p:nvPr>
-            <p:ph idx="1"/>
-          </p:nvPr>
-        </p:nvSpPr>
-        <p:spPr/>
-        <p:txBody>
-          <a:bodyPr/>
-          <a:lstStyle/>
-          <a:p>
-            <a:r>
-              <a:rPr lang="en-US" dirty="0"/>
-              <a:t>Three time growth champion in field service, station management and route logistics </a:t>
-            </a:r>
-          </a:p>
-          <a:p>
-            <a:pPr lvl="1"/>
-            <a:r>
-              <a:rPr lang="en-US" dirty="0"/>
-              <a:t>… anesthesia, physical and digital information management, cash logistics</a:t>
-            </a:r>
-          </a:p>
-          <a:p>
-            <a:r>
-              <a:rPr lang="en-US" dirty="0"/>
-              <a:t>Know how to build and keep frontline, driver and client relationships</a:t>
-            </a:r>
-          </a:p>
-          <a:p>
-            <a:r>
-              <a:rPr lang="en-US" dirty="0"/>
-              <a:t>Focus on the right things … with data driven strategy and actions</a:t>
-            </a:r>
-          </a:p>
-          <a:p>
-            <a:r>
-              <a:rPr lang="en-US" dirty="0"/>
-              <a:t>Build leaders with stewardship in addition to development plans, training &amp; coaching</a:t>
-            </a:r>
-          </a:p>
-          <a:p>
-            <a:r>
-              <a:rPr lang="en-US" dirty="0"/>
-              <a:t>‘Team’ is founded on trust, responsible candor (conflict), commitment, accountability &amp; results</a:t>
-            </a:r>
-            <a:r>
-              <a:rPr lang="en-US" sz="1000" dirty="0"/>
-              <a:t>(1)</a:t>
-            </a:r>
-          </a:p>
-          <a:p>
-            <a:pPr marL="0" indent="0">
-              <a:buNone/>
-            </a:pPr>
-            <a:endParaRPr lang="en-US" sz="1000" dirty="0"/>
-          </a:p>
-          <a:p>
-            <a:endParaRPr lang="en-US" dirty="0"/>
-          </a:p>
-        </p:txBody>
-      </p:sp>
-      <p:sp>
-        <p:nvSpPr>
-          <p:cNvPr id="4" name="TextBox 3">
-            <a:extLst>
-              <a:ext uri="{FF2B5EF4-FFF2-40B4-BE49-F238E27FC236}">
-                <a16:creationId xmlns:a16="http://schemas.microsoft.com/office/drawing/2014/main" id="{F3569E84-E221-4A6A-8DF4-BE0433024929}"/>
-              </a:ext>
-            </a:extLst>
-          </p:cNvPr>
-          <p:cNvSpPr txBox="1"/>
-          <p:nvPr/>
-        </p:nvSpPr>
-        <p:spPr>
-          <a:xfrm>
-            <a:off x="337351" y="6571397"/>
-            <a:ext cx="2531462" cy="246221"/>
-          </a:xfrm>
-          <a:prstGeom prst="rect">
-            <a:avLst/>
-          </a:prstGeom>
-          <a:noFill/>
-        </p:spPr>
-        <p:txBody>
-          <a:bodyPr wrap="none" rtlCol="0">
-            <a:spAutoFit/>
-          </a:bodyPr>
-          <a:lstStyle/>
-          <a:p>
-            <a:r>
-              <a:rPr lang="en-US" sz="1000" b="1" dirty="0">
-                <a:solidFill>
-                  <a:schemeClr val="bg1"/>
-                </a:solidFill>
-              </a:rPr>
-              <a:t>2021 Copyright Kent Matthew Rodgers</a:t>
-            </a:r>
-          </a:p>
-        </p:txBody>
-      </p:sp>
-      <p:sp>
-        <p:nvSpPr>
-          <p:cNvPr id="5" name="TextBox 4">
-            <a:extLst>
-              <a:ext uri="{FF2B5EF4-FFF2-40B4-BE49-F238E27FC236}">
-                <a16:creationId xmlns:a16="http://schemas.microsoft.com/office/drawing/2014/main" id="{D03A5CE1-1ABC-4884-BC3F-0F362BBD61E5}"/>
-              </a:ext>
-            </a:extLst>
-          </p:cNvPr>
-          <p:cNvSpPr txBox="1"/>
-          <p:nvPr/>
-        </p:nvSpPr>
-        <p:spPr>
-          <a:xfrm>
-            <a:off x="807868" y="6010183"/>
-            <a:ext cx="5396029" cy="246221"/>
-          </a:xfrm>
-          <a:prstGeom prst="rect">
-            <a:avLst/>
-          </a:prstGeom>
-          <a:noFill/>
-        </p:spPr>
-        <p:txBody>
-          <a:bodyPr wrap="none" rtlCol="0">
-            <a:spAutoFit/>
-          </a:bodyPr>
-          <a:lstStyle/>
-          <a:p>
-            <a:r>
-              <a:rPr lang="en-US" sz="1000" dirty="0"/>
-              <a:t>Note: 1) Reference The Five Dysfunctions of a Team, Patrick Lencioni to provide proper credit here.</a:t>
-            </a:r>
-          </a:p>
-        </p:txBody>
-      </p:sp>
-    </p:spTree>
-    <p:extLst>
-      <p:ext uri="{BB962C8B-B14F-4D97-AF65-F5344CB8AC3E}">
-        <p14:creationId xmlns:p14="http://schemas.microsoft.com/office/powerpoint/2010/main" val="2963311221"/>
-      </p:ext>
-    </p:extLst>
-  </p:cSld>
-  <p:clrMapOvr>
-    <a:masterClrMapping/>
-  </p:clrMapOvr>
-</p:sld>
-</file>
-
 <file path=ppt/slides/slide2.xml><?xml version="1.0" encoding="utf-8"?>
 <p:sld xmlns:a="http://schemas.openxmlformats.org/drawingml/2006/main" xmlns:r="http://schemas.openxmlformats.org/officeDocument/2006/relationships" xmlns:p="http://schemas.openxmlformats.org/presentationml/2006/main">
   <p:cSld>
@@ -9560,42 +9355,6 @@
             <a:r>
               <a:rPr lang="en-US" dirty="0"/>
               <a:t>Building Something Special!</a:t>
-            </a:r>
-          </a:p>
-        </p:txBody>
-      </p:sp>
-      <p:sp>
-        <p:nvSpPr>
-          <p:cNvPr id="10" name="TextBox 9">
-            <a:extLst>
-              <a:ext uri="{FF2B5EF4-FFF2-40B4-BE49-F238E27FC236}">
-                <a16:creationId xmlns:a16="http://schemas.microsoft.com/office/drawing/2014/main" id="{23027DA9-F0C0-430B-8058-0920E955F80C}"/>
-              </a:ext>
-            </a:extLst>
-          </p:cNvPr>
-          <p:cNvSpPr txBox="1"/>
-          <p:nvPr/>
-        </p:nvSpPr>
-        <p:spPr>
-          <a:xfrm>
-            <a:off x="6820826" y="2364201"/>
-            <a:ext cx="3218894" cy="830997"/>
-          </a:xfrm>
-          <a:prstGeom prst="rect">
-            <a:avLst/>
-          </a:prstGeom>
-          <a:noFill/>
-        </p:spPr>
-        <p:txBody>
-          <a:bodyPr wrap="square" rtlCol="0">
-            <a:spAutoFit/>
-          </a:bodyPr>
-          <a:lstStyle/>
-          <a:p>
-            <a:pPr algn="ctr"/>
-            <a:r>
-              <a:rPr lang="en-US" sz="2400" b="1" dirty="0"/>
-              <a:t>“We’re on a mission to reinvent shipping.”</a:t>
             </a:r>
           </a:p>
         </p:txBody>
@@ -10011,56 +9770,6 @@
           <a:chExt cx="0" cy="0"/>
         </a:xfrm>
       </p:grpSpPr>
-      <p:sp>
-        <p:nvSpPr>
-          <p:cNvPr id="6" name="Speech Bubble: Rectangle with Corners Rounded 5">
-            <a:extLst>
-              <a:ext uri="{FF2B5EF4-FFF2-40B4-BE49-F238E27FC236}">
-                <a16:creationId xmlns:a16="http://schemas.microsoft.com/office/drawing/2014/main" id="{3316B9C6-2CF5-42A8-90AA-12BE54688F60}"/>
-              </a:ext>
-            </a:extLst>
-          </p:cNvPr>
-          <p:cNvSpPr/>
-          <p:nvPr/>
-        </p:nvSpPr>
-        <p:spPr>
-          <a:xfrm>
-            <a:off x="7253056" y="2212758"/>
-            <a:ext cx="4030462" cy="3946237"/>
-          </a:xfrm>
-          <a:prstGeom prst="wedgeRoundRectCallout">
-            <a:avLst>
-              <a:gd name="adj1" fmla="val -83539"/>
-              <a:gd name="adj2" fmla="val 28147"/>
-              <a:gd name="adj3" fmla="val 16667"/>
-            </a:avLst>
-          </a:prstGeom>
-        </p:spPr>
-        <p:style>
-          <a:lnRef idx="2">
-            <a:schemeClr val="accent1">
-              <a:shade val="50000"/>
-            </a:schemeClr>
-          </a:lnRef>
-          <a:fillRef idx="1">
-            <a:schemeClr val="accent1"/>
-          </a:fillRef>
-          <a:effectRef idx="0">
-            <a:schemeClr val="accent1"/>
-          </a:effectRef>
-          <a:fontRef idx="minor">
-            <a:schemeClr val="lt1"/>
-          </a:fontRef>
-        </p:style>
-        <p:txBody>
-          <a:bodyPr rtlCol="0" anchor="ctr"/>
-          <a:lstStyle/>
-          <a:p>
-            <a:pPr algn="ctr"/>
-            <a:endParaRPr lang="en-US"/>
-          </a:p>
-        </p:txBody>
-      </p:sp>
       <p:sp>
         <p:nvSpPr>
           <p:cNvPr id="2" name="Title 1">
@@ -12391,58 +12100,6 @@
               </a:rPr>
               <a:t>5 to 7 role specific performance metrics</a:t>
             </a:r>
-          </a:p>
-        </p:txBody>
-      </p:sp>
-      <p:sp>
-        <p:nvSpPr>
-          <p:cNvPr id="7" name="Rectangle 6">
-            <a:extLst>
-              <a:ext uri="{FF2B5EF4-FFF2-40B4-BE49-F238E27FC236}">
-                <a16:creationId xmlns:a16="http://schemas.microsoft.com/office/drawing/2014/main" id="{95C3EBAC-F479-4989-A01D-C6E9BC7FEC27}"/>
-              </a:ext>
-            </a:extLst>
-          </p:cNvPr>
-          <p:cNvSpPr/>
-          <p:nvPr/>
-        </p:nvSpPr>
-        <p:spPr>
-          <a:xfrm>
-            <a:off x="7759084" y="1811045"/>
-            <a:ext cx="967667" cy="4760352"/>
-          </a:xfrm>
-          <a:prstGeom prst="rect">
-            <a:avLst/>
-          </a:prstGeom>
-          <a:noFill/>
-          <a:ln w="38100">
-            <a:solidFill>
-              <a:srgbClr val="C00000"/>
-            </a:solidFill>
-          </a:ln>
-        </p:spPr>
-        <p:style>
-          <a:lnRef idx="2">
-            <a:schemeClr val="accent1">
-              <a:shade val="50000"/>
-            </a:schemeClr>
-          </a:lnRef>
-          <a:fillRef idx="1">
-            <a:schemeClr val="accent1"/>
-          </a:fillRef>
-          <a:effectRef idx="0">
-            <a:schemeClr val="accent1"/>
-          </a:effectRef>
-          <a:fontRef idx="minor">
-            <a:schemeClr val="lt1"/>
-          </a:fontRef>
-        </p:style>
-        <p:txBody>
-          <a:bodyPr rtlCol="0" anchor="ctr"/>
-          <a:lstStyle/>
-          <a:p>
-            <a:pPr algn="ctr"/>
-            <a:endParaRPr lang="en-US"/>
           </a:p>
         </p:txBody>
       </p:sp>
@@ -18545,24 +18202,6 @@
 </file>
 
 <file path=customXml/item1.xml><?xml version="1.0" encoding="utf-8"?>
-<p:properties xmlns:p="http://schemas.microsoft.com/office/2006/metadata/properties" xmlns:xsi="http://www.w3.org/2001/XMLSchema-instance" xmlns:pc="http://schemas.microsoft.com/office/infopath/2007/PartnerControls">
-  <documentManagement>
-    <Status xmlns="71af3243-3dd4-4a8d-8c0d-dd76da1f02a5">Not started</Status>
-    <MediaServiceKeyPoints xmlns="71af3243-3dd4-4a8d-8c0d-dd76da1f02a5" xsi:nil="true"/>
-  </documentManagement>
-</p:properties>
-</file>
-
-<file path=customXml/item2.xml><?xml version="1.0" encoding="utf-8"?>
-<?mso-contentType ?>
-<FormTemplates xmlns="http://schemas.microsoft.com/sharepoint/v3/contenttype/forms">
-  <Display>DocumentLibraryForm</Display>
-  <Edit>DocumentLibraryForm</Edit>
-  <New>DocumentLibraryForm</New>
-</FormTemplates>
-</file>
-
-<file path=customXml/item3.xml><?xml version="1.0" encoding="utf-8"?>
 <ct:contentTypeSchema xmlns:ct="http://schemas.microsoft.com/office/2006/metadata/contentType" xmlns:ma="http://schemas.microsoft.com/office/2006/metadata/properties/metaAttributes" ct:_="" ma:_="" ma:contentTypeName="Document" ma:contentTypeID="0x01010079F111ED35F8CC479449609E8A0923A6" ma:contentTypeVersion="12" ma:contentTypeDescription="Create a new document." ma:contentTypeScope="" ma:versionID="a410dd7f93c95333ffa1b60ed6adedd1">
   <xsd:schema xmlns:xsd="http://www.w3.org/2001/XMLSchema" xmlns:xs="http://www.w3.org/2001/XMLSchema" xmlns:p="http://schemas.microsoft.com/office/2006/metadata/properties" xmlns:ns2="71af3243-3dd4-4a8d-8c0d-dd76da1f02a5" xmlns:ns3="16c05727-aa75-4e4a-9b5f-8a80a1165891" targetNamespace="http://schemas.microsoft.com/office/2006/metadata/properties" ma:root="true" ma:fieldsID="a936d9baba76aa3866493feff160faab" ns2:_="" ns3:_="">
     <xsd:import namespace="71af3243-3dd4-4a8d-8c0d-dd76da1f02a5"/>
@@ -18783,25 +18422,25 @@
 </ct:contentTypeSchema>
 </file>
 
-<file path=customXml/itemProps1.xml><?xml version="1.0" encoding="utf-8"?>
-<ds:datastoreItem xmlns:ds="http://schemas.openxmlformats.org/officeDocument/2006/customXml" ds:itemID="{8F3CD65D-61A5-43C9-A837-6EC73C7DA8AB}">
-  <ds:schemaRefs>
-    <ds:schemaRef ds:uri="http://schemas.microsoft.com/office/2006/metadata/properties"/>
-    <ds:schemaRef ds:uri="http://schemas.microsoft.com/office/infopath/2007/PartnerControls"/>
-    <ds:schemaRef ds:uri="71af3243-3dd4-4a8d-8c0d-dd76da1f02a5"/>
-  </ds:schemaRefs>
-</ds:datastoreItem>
+<file path=customXml/item2.xml><?xml version="1.0" encoding="utf-8"?>
+<?mso-contentType ?>
+<FormTemplates xmlns="http://schemas.microsoft.com/sharepoint/v3/contenttype/forms">
+  <Display>DocumentLibraryForm</Display>
+  <Edit>DocumentLibraryForm</Edit>
+  <New>DocumentLibraryForm</New>
+</FormTemplates>
 </file>
 
-<file path=customXml/itemProps2.xml><?xml version="1.0" encoding="utf-8"?>
-<ds:datastoreItem xmlns:ds="http://schemas.openxmlformats.org/officeDocument/2006/customXml" ds:itemID="{31F006B4-A9E1-4F39-85C8-FB836F919348}">
-  <ds:schemaRefs>
-    <ds:schemaRef ds:uri="http://schemas.microsoft.com/sharepoint/v3/contenttype/forms"/>
-  </ds:schemaRefs>
-</ds:datastoreItem>
+<file path=customXml/item3.xml><?xml version="1.0" encoding="utf-8"?>
+<p:properties xmlns:p="http://schemas.microsoft.com/office/2006/metadata/properties" xmlns:xsi="http://www.w3.org/2001/XMLSchema-instance" xmlns:pc="http://schemas.microsoft.com/office/infopath/2007/PartnerControls">
+  <documentManagement>
+    <Status xmlns="71af3243-3dd4-4a8d-8c0d-dd76da1f02a5">Not started</Status>
+    <MediaServiceKeyPoints xmlns="71af3243-3dd4-4a8d-8c0d-dd76da1f02a5" xsi:nil="true"/>
+  </documentManagement>
+</p:properties>
 </file>
 
-<file path=customXml/itemProps3.xml><?xml version="1.0" encoding="utf-8"?>
+<file path=customXml/itemProps1.xml><?xml version="1.0" encoding="utf-8"?>
 <ds:datastoreItem xmlns:ds="http://schemas.openxmlformats.org/officeDocument/2006/customXml" ds:itemID="{16377351-63A1-4C2E-8C9A-66CDD70F16AC}">
   <ds:schemaRefs>
     <ds:schemaRef ds:uri="http://schemas.microsoft.com/office/2006/metadata/contentType"/>
@@ -18818,4 +18457,22 @@
     <ds:schemaRef ds:uri="http://schemas.microsoft.com/internal/obd"/>
   </ds:schemaRefs>
 </ds:datastoreItem>
+</file>
+
+<file path=customXml/itemProps2.xml><?xml version="1.0" encoding="utf-8"?>
+<ds:datastoreItem xmlns:ds="http://schemas.openxmlformats.org/officeDocument/2006/customXml" ds:itemID="{31F006B4-A9E1-4F39-85C8-FB836F919348}">
+  <ds:schemaRefs>
+    <ds:schemaRef ds:uri="http://schemas.microsoft.com/sharepoint/v3/contenttype/forms"/>
+  </ds:schemaRefs>
+</ds:datastoreItem>
+</file>
+
+<file path=customXml/itemProps3.xml><?xml version="1.0" encoding="utf-8"?>
+<ds:datastoreItem xmlns:ds="http://schemas.openxmlformats.org/officeDocument/2006/customXml" ds:itemID="{8F3CD65D-61A5-43C9-A837-6EC73C7DA8AB}">
+  <ds:schemaRefs>
+    <ds:schemaRef ds:uri="http://schemas.microsoft.com/office/2006/metadata/properties"/>
+    <ds:schemaRef ds:uri="http://schemas.microsoft.com/office/infopath/2007/PartnerControls"/>
+    <ds:schemaRef ds:uri="71af3243-3dd4-4a8d-8c0d-dd76da1f02a5"/>
+  </ds:schemaRefs>
+</ds:datastoreItem>
 </file>